--- a/ParkUrWheels PPT.pptx
+++ b/ParkUrWheels PPT.pptx
@@ -5,10 +5,10 @@
     <p:sldMasterId id="2147483660" r:id="rId4"/>
   </p:sldMasterIdLst>
   <p:notesMasterIdLst>
-    <p:notesMasterId r:id="rId17"/>
+    <p:notesMasterId r:id="rId16"/>
   </p:notesMasterIdLst>
   <p:handoutMasterIdLst>
-    <p:handoutMasterId r:id="rId18"/>
+    <p:handoutMasterId r:id="rId17"/>
   </p:handoutMasterIdLst>
   <p:sldIdLst>
     <p:sldId id="266" r:id="rId5"/>
@@ -19,10 +19,9 @@
     <p:sldId id="273" r:id="rId10"/>
     <p:sldId id="274" r:id="rId11"/>
     <p:sldId id="277" r:id="rId12"/>
-    <p:sldId id="282" r:id="rId13"/>
-    <p:sldId id="283" r:id="rId14"/>
-    <p:sldId id="279" r:id="rId15"/>
-    <p:sldId id="271" r:id="rId16"/>
+    <p:sldId id="284" r:id="rId13"/>
+    <p:sldId id="279" r:id="rId14"/>
+    <p:sldId id="271" r:id="rId15"/>
   </p:sldIdLst>
   <p:sldSz cx="12192000" cy="6858000"/>
   <p:notesSz cx="6858000" cy="9144000"/>
@@ -10984,7 +10983,7 @@
           <a:p>
             <a:fld id="{C25FA3B0-BD07-4FAF-9AE1-83999A51B481}" type="datetimeFigureOut">
               <a:rPr lang="en-IN" smtClean="0"/>
-              <a:t>19-04-2022</a:t>
+              <a:t>22-04-2022</a:t>
             </a:fld>
             <a:endParaRPr lang="en-IN"/>
           </a:p>
@@ -11165,7 +11164,7 @@
           <a:p>
             <a:fld id="{7863DB16-5009-4F75-9A47-80E7DB01E889}" type="datetimeFigureOut">
               <a:rPr lang="en-IN" smtClean="0"/>
-              <a:t>19-04-2022</a:t>
+              <a:t>22-04-2022</a:t>
             </a:fld>
             <a:endParaRPr lang="en-IN"/>
           </a:p>
@@ -11681,7 +11680,7 @@
           <a:p>
             <a:fld id="{65122FFB-2354-44AB-A98C-B745A047A2BB}" type="datetime1">
               <a:rPr lang="en-US" smtClean="0"/>
-              <a:t>4/19/2022</a:t>
+              <a:t>4/22/2022</a:t>
             </a:fld>
             <a:endParaRPr lang="en-US" dirty="0"/>
           </a:p>
@@ -11868,7 +11867,7 @@
           <a:p>
             <a:fld id="{516C383D-5788-4C04-BFE2-549D3D89FC18}" type="datetime1">
               <a:rPr lang="en-US" smtClean="0"/>
-              <a:t>4/19/2022</a:t>
+              <a:t>4/22/2022</a:t>
             </a:fld>
             <a:endParaRPr lang="en-US" dirty="0"/>
           </a:p>
@@ -12241,7 +12240,7 @@
           <a:p>
             <a:fld id="{A6BF9052-1FAE-44DC-A184-C2E3A60D8334}" type="datetime1">
               <a:rPr lang="en-US" smtClean="0"/>
-              <a:t>4/19/2022</a:t>
+              <a:t>4/22/2022</a:t>
             </a:fld>
             <a:endParaRPr lang="en-US" dirty="0"/>
           </a:p>
@@ -12496,7 +12495,7 @@
           <a:p>
             <a:fld id="{2CDED062-A512-414F-86FF-1143A11059C2}" type="datetime1">
               <a:rPr lang="en-US" smtClean="0"/>
-              <a:t>4/19/2022</a:t>
+              <a:t>4/22/2022</a:t>
             </a:fld>
             <a:endParaRPr lang="en-US" dirty="0"/>
           </a:p>
@@ -12893,7 +12892,7 @@
           <a:p>
             <a:fld id="{8B687C71-1CD5-4918-A753-ECF6FE2EC96F}" type="datetime1">
               <a:rPr lang="en-US" smtClean="0"/>
-              <a:t>4/19/2022</a:t>
+              <a:t>4/22/2022</a:t>
             </a:fld>
             <a:endParaRPr lang="en-US" dirty="0"/>
           </a:p>
@@ -13029,7 +13028,7 @@
           <a:p>
             <a:fld id="{1BF687FE-A22B-43FD-83DE-2FC3FBFE4726}" type="datetime1">
               <a:rPr lang="en-US" smtClean="0"/>
-              <a:t>4/19/2022</a:t>
+              <a:t>4/22/2022</a:t>
             </a:fld>
             <a:endParaRPr lang="en-US" dirty="0"/>
           </a:p>
@@ -13186,7 +13185,7 @@
           <a:p>
             <a:fld id="{E1BC986D-841D-493C-A4F2-44BF8D70A74A}" type="datetime1">
               <a:rPr lang="en-US" smtClean="0"/>
-              <a:t>4/19/2022</a:t>
+              <a:t>4/22/2022</a:t>
             </a:fld>
             <a:endParaRPr lang="en-US" dirty="0"/>
           </a:p>
@@ -13515,7 +13514,7 @@
           <a:p>
             <a:fld id="{CE111B80-9D46-48CA-93B2-3DC3C9435E70}" type="datetime1">
               <a:rPr lang="en-US" smtClean="0"/>
-              <a:t>4/19/2022</a:t>
+              <a:t>4/22/2022</a:t>
             </a:fld>
             <a:endParaRPr lang="en-US" dirty="0"/>
           </a:p>
@@ -13865,7 +13864,7 @@
           <a:p>
             <a:fld id="{803FE689-6470-43C3-AF80-303F38C6AEDE}" type="datetime1">
               <a:rPr lang="en-US" smtClean="0"/>
-              <a:t>4/19/2022</a:t>
+              <a:t>4/22/2022</a:t>
             </a:fld>
             <a:endParaRPr lang="en-US" dirty="0"/>
           </a:p>
@@ -14126,7 +14125,7 @@
           <a:p>
             <a:fld id="{2A03B1E1-F4EC-40A8-8400-2D49AE52937B}" type="datetime1">
               <a:rPr lang="en-US" smtClean="0"/>
-              <a:t>4/19/2022</a:t>
+              <a:t>4/22/2022</a:t>
             </a:fld>
             <a:endParaRPr lang="en-US" dirty="0"/>
           </a:p>
@@ -15195,399 +15194,6 @@
 <file path=ppt/slides/slide10.xml><?xml version="1.0" encoding="utf-8"?>
 <p:sld xmlns:a="http://schemas.openxmlformats.org/drawingml/2006/main" xmlns:r="http://schemas.openxmlformats.org/officeDocument/2006/relationships" xmlns:p="http://schemas.openxmlformats.org/presentationml/2006/main">
   <p:cSld>
-    <p:bg>
-      <p:bgPr>
-        <a:solidFill>
-          <a:schemeClr val="bg1"/>
-        </a:solidFill>
-        <a:effectLst/>
-      </p:bgPr>
-    </p:bg>
-    <p:spTree>
-      <p:nvGrpSpPr>
-        <p:cNvPr id="1" name=""/>
-        <p:cNvGrpSpPr/>
-        <p:nvPr/>
-      </p:nvGrpSpPr>
-      <p:grpSpPr>
-        <a:xfrm>
-          <a:off x="0" y="0"/>
-          <a:ext cx="0" cy="0"/>
-          <a:chOff x="0" y="0"/>
-          <a:chExt cx="0" cy="0"/>
-        </a:xfrm>
-      </p:grpSpPr>
-      <p:sp>
-        <p:nvSpPr>
-          <p:cNvPr id="20" name="Rectangle 11">
-            <a:extLst>
-              <a:ext uri="{FF2B5EF4-FFF2-40B4-BE49-F238E27FC236}">
-                <a16:creationId xmlns:a16="http://schemas.microsoft.com/office/drawing/2014/main" id="{A8E9C91B-7EAD-4562-AB0E-DFB9663AECE3}"/>
-              </a:ext>
-              <a:ext uri="{C183D7F6-B498-43B3-948B-1728B52AA6E4}">
-                <adec:decorative xmlns:adec="http://schemas.microsoft.com/office/drawing/2017/decorative" val="1"/>
-              </a:ext>
-            </a:extLst>
-          </p:cNvPr>
-          <p:cNvSpPr>
-            <a:spLocks noGrp="1" noRot="1" noChangeAspect="1" noMove="1" noResize="1" noEditPoints="1" noAdjustHandles="1" noChangeArrowheads="1" noChangeShapeType="1" noTextEdit="1"/>
-          </p:cNvSpPr>
-          <p:nvPr>
-            <p:extLst>
-              <p:ext uri="{386F3935-93C4-4BCD-93E2-E3B085C9AB24}">
-                <p16:designElem xmlns:p16="http://schemas.microsoft.com/office/powerpoint/2015/main" val="1"/>
-              </p:ext>
-            </p:extLst>
-          </p:nvPr>
-        </p:nvSpPr>
-        <p:spPr>
-          <a:xfrm>
-            <a:off x="3175" y="6400800"/>
-            <a:ext cx="12188825" cy="457200"/>
-          </a:xfrm>
-          <a:prstGeom prst="rect">
-            <a:avLst/>
-          </a:prstGeom>
-          <a:solidFill>
-            <a:srgbClr val="262626"/>
-          </a:solidFill>
-          <a:ln>
-            <a:noFill/>
-          </a:ln>
-        </p:spPr>
-        <p:style>
-          <a:lnRef idx="2">
-            <a:schemeClr val="accent1">
-              <a:shade val="50000"/>
-            </a:schemeClr>
-          </a:lnRef>
-          <a:fillRef idx="1">
-            <a:schemeClr val="accent1"/>
-          </a:fillRef>
-          <a:effectRef idx="0">
-            <a:schemeClr val="accent1"/>
-          </a:effectRef>
-          <a:fontRef idx="minor">
-            <a:schemeClr val="lt1"/>
-          </a:fontRef>
-        </p:style>
-      </p:sp>
-      <p:sp>
-        <p:nvSpPr>
-          <p:cNvPr id="21" name="Rectangle 13">
-            <a:extLst>
-              <a:ext uri="{FF2B5EF4-FFF2-40B4-BE49-F238E27FC236}">
-                <a16:creationId xmlns:a16="http://schemas.microsoft.com/office/drawing/2014/main" id="{BCD2D517-BC35-4439-AC31-06DF764F25FC}"/>
-              </a:ext>
-              <a:ext uri="{C183D7F6-B498-43B3-948B-1728B52AA6E4}">
-                <adec:decorative xmlns:adec="http://schemas.microsoft.com/office/drawing/2017/decorative" val="1"/>
-              </a:ext>
-            </a:extLst>
-          </p:cNvPr>
-          <p:cNvSpPr>
-            <a:spLocks noGrp="1" noRot="1" noChangeAspect="1" noMove="1" noResize="1" noEditPoints="1" noAdjustHandles="1" noChangeArrowheads="1" noChangeShapeType="1" noTextEdit="1"/>
-          </p:cNvSpPr>
-          <p:nvPr>
-            <p:extLst>
-              <p:ext uri="{386F3935-93C4-4BCD-93E2-E3B085C9AB24}">
-                <p16:designElem xmlns:p16="http://schemas.microsoft.com/office/powerpoint/2015/main" val="1"/>
-              </p:ext>
-            </p:extLst>
-          </p:nvPr>
-        </p:nvSpPr>
-        <p:spPr>
-          <a:xfrm>
-            <a:off x="0" y="0"/>
-            <a:ext cx="12192000" cy="6858000"/>
-          </a:xfrm>
-          <a:prstGeom prst="rect">
-            <a:avLst/>
-          </a:prstGeom>
-          <a:solidFill>
-            <a:srgbClr val="3E6459"/>
-          </a:solidFill>
-          <a:ln>
-            <a:noFill/>
-          </a:ln>
-        </p:spPr>
-        <p:style>
-          <a:lnRef idx="2">
-            <a:schemeClr val="accent1">
-              <a:shade val="50000"/>
-            </a:schemeClr>
-          </a:lnRef>
-          <a:fillRef idx="1">
-            <a:schemeClr val="accent1"/>
-          </a:fillRef>
-          <a:effectRef idx="0">
-            <a:schemeClr val="accent1"/>
-          </a:effectRef>
-          <a:fontRef idx="minor">
-            <a:schemeClr val="lt1"/>
-          </a:fontRef>
-        </p:style>
-        <p:txBody>
-          <a:bodyPr rtlCol="0" anchor="ctr"/>
-          <a:lstStyle/>
-          <a:p>
-            <a:pPr algn="ctr"/>
-            <a:endParaRPr lang="en-US"/>
-          </a:p>
-        </p:txBody>
-      </p:sp>
-      <p:sp useBgFill="1">
-        <p:nvSpPr>
-          <p:cNvPr id="22" name="Rectangle 15">
-            <a:extLst>
-              <a:ext uri="{FF2B5EF4-FFF2-40B4-BE49-F238E27FC236}">
-                <a16:creationId xmlns:a16="http://schemas.microsoft.com/office/drawing/2014/main" id="{2DD3F846-0483-40F5-A881-0C1AD2A0CAD7}"/>
-              </a:ext>
-              <a:ext uri="{C183D7F6-B498-43B3-948B-1728B52AA6E4}">
-                <adec:decorative xmlns:adec="http://schemas.microsoft.com/office/drawing/2017/decorative" val="1"/>
-              </a:ext>
-            </a:extLst>
-          </p:cNvPr>
-          <p:cNvSpPr>
-            <a:spLocks noGrp="1" noRot="1" noChangeAspect="1" noMove="1" noResize="1" noEditPoints="1" noAdjustHandles="1" noChangeArrowheads="1" noChangeShapeType="1" noTextEdit="1"/>
-          </p:cNvSpPr>
-          <p:nvPr>
-            <p:extLst>
-              <p:ext uri="{386F3935-93C4-4BCD-93E2-E3B085C9AB24}">
-                <p16:designElem xmlns:p16="http://schemas.microsoft.com/office/powerpoint/2015/main" val="1"/>
-              </p:ext>
-            </p:extLst>
-          </p:nvPr>
-        </p:nvSpPr>
-        <p:spPr>
-          <a:xfrm>
-            <a:off x="477012" y="480060"/>
-            <a:ext cx="11237976" cy="5897880"/>
-          </a:xfrm>
-          <a:prstGeom prst="rect">
-            <a:avLst/>
-          </a:prstGeom>
-          <a:ln>
-            <a:noFill/>
-          </a:ln>
-        </p:spPr>
-        <p:style>
-          <a:lnRef idx="2">
-            <a:schemeClr val="accent1">
-              <a:shade val="50000"/>
-            </a:schemeClr>
-          </a:lnRef>
-          <a:fillRef idx="1">
-            <a:schemeClr val="accent1"/>
-          </a:fillRef>
-          <a:effectRef idx="0">
-            <a:schemeClr val="accent1"/>
-          </a:effectRef>
-          <a:fontRef idx="minor">
-            <a:schemeClr val="lt1"/>
-          </a:fontRef>
-        </p:style>
-        <p:txBody>
-          <a:bodyPr rtlCol="0" anchor="ctr"/>
-          <a:lstStyle/>
-          <a:p>
-            <a:pPr algn="ctr"/>
-            <a:endParaRPr lang="en-US"/>
-          </a:p>
-        </p:txBody>
-      </p:sp>
-      <p:pic>
-        <p:nvPicPr>
-          <p:cNvPr id="7" name="Content Placeholder 6">
-            <a:extLst>
-              <a:ext uri="{FF2B5EF4-FFF2-40B4-BE49-F238E27FC236}">
-                <a16:creationId xmlns:a16="http://schemas.microsoft.com/office/drawing/2014/main" id="{26096A11-8C3C-47EE-8E48-5D83BBA5837A}"/>
-              </a:ext>
-            </a:extLst>
-          </p:cNvPr>
-          <p:cNvPicPr>
-            <a:picLocks noGrp="1" noChangeAspect="1"/>
-          </p:cNvPicPr>
-          <p:nvPr>
-            <p:ph idx="1"/>
-          </p:nvPr>
-        </p:nvPicPr>
-        <p:blipFill>
-          <a:blip r:embed="rId2"/>
-          <a:stretch>
-            <a:fillRect/>
-          </a:stretch>
-        </p:blipFill>
-        <p:spPr>
-          <a:xfrm>
-            <a:off x="863244" y="792472"/>
-            <a:ext cx="10493645" cy="5273056"/>
-          </a:xfrm>
-          <a:prstGeom prst="rect">
-            <a:avLst/>
-          </a:prstGeom>
-        </p:spPr>
-      </p:pic>
-      <p:sp>
-        <p:nvSpPr>
-          <p:cNvPr id="4" name="Slide Number Placeholder 3">
-            <a:extLst>
-              <a:ext uri="{FF2B5EF4-FFF2-40B4-BE49-F238E27FC236}">
-                <a16:creationId xmlns:a16="http://schemas.microsoft.com/office/drawing/2014/main" id="{79301918-E940-4402-A90F-800E47E0D4A7}"/>
-              </a:ext>
-            </a:extLst>
-          </p:cNvPr>
-          <p:cNvSpPr>
-            <a:spLocks noGrp="1"/>
-          </p:cNvSpPr>
-          <p:nvPr>
-            <p:ph type="sldNum" sz="quarter" idx="12"/>
-          </p:nvPr>
-        </p:nvSpPr>
-        <p:spPr>
-          <a:xfrm>
-            <a:off x="10993582" y="6446838"/>
-            <a:ext cx="780010" cy="365125"/>
-          </a:xfrm>
-        </p:spPr>
-        <p:txBody>
-          <a:bodyPr vert="horz" lIns="91440" tIns="45720" rIns="91440" bIns="45720" rtlCol="0" anchor="ctr">
-            <a:normAutofit/>
-          </a:bodyPr>
-          <a:lstStyle/>
-          <a:p>
-            <a:pPr>
-              <a:spcAft>
-                <a:spcPts val="600"/>
-              </a:spcAft>
-            </a:pPr>
-            <a:fld id="{3A98EE3D-8CD1-4C3F-BD1C-C98C9596463C}" type="slidenum">
-              <a:rPr lang="en-US" sz="1050" smtClean="0"/>
-              <a:pPr>
-                <a:spcAft>
-                  <a:spcPts val="600"/>
-                </a:spcAft>
-              </a:pPr>
-              <a:t>10</a:t>
-            </a:fld>
-            <a:endParaRPr lang="en-US" sz="1050"/>
-          </a:p>
-        </p:txBody>
-      </p:sp>
-      <p:pic>
-        <p:nvPicPr>
-          <p:cNvPr id="17" name="Picture 3" descr="Text, logo&#10;&#10;Description automatically generated">
-            <a:extLst>
-              <a:ext uri="{FF2B5EF4-FFF2-40B4-BE49-F238E27FC236}">
-                <a16:creationId xmlns:a16="http://schemas.microsoft.com/office/drawing/2014/main" id="{E713CACA-2FFC-4B7A-9578-7DF77995FF53}"/>
-              </a:ext>
-            </a:extLst>
-          </p:cNvPr>
-          <p:cNvPicPr>
-            <a:picLocks noChangeAspect="1" noChangeArrowheads="1"/>
-          </p:cNvPicPr>
-          <p:nvPr/>
-        </p:nvPicPr>
-        <p:blipFill>
-          <a:blip r:embed="rId3">
-            <a:extLst>
-              <a:ext uri="{28A0092B-C50C-407E-A947-70E740481C1C}">
-                <a14:useLocalDpi xmlns:a14="http://schemas.microsoft.com/office/drawing/2010/main" val="0"/>
-              </a:ext>
-            </a:extLst>
-          </a:blip>
-          <a:srcRect/>
-          <a:stretch>
-            <a:fillRect/>
-          </a:stretch>
-        </p:blipFill>
-        <p:spPr bwMode="auto">
-          <a:xfrm>
-            <a:off x="477012" y="5901690"/>
-            <a:ext cx="1676400" cy="476250"/>
-          </a:xfrm>
-          <a:prstGeom prst="rect">
-            <a:avLst/>
-          </a:prstGeom>
-          <a:noFill/>
-          <a:extLst>
-            <a:ext uri="{909E8E84-426E-40DD-AFC4-6F175D3DCCD1}">
-              <a14:hiddenFill xmlns:a14="http://schemas.microsoft.com/office/drawing/2010/main">
-                <a:solidFill>
-                  <a:srgbClr val="FFFFFF"/>
-                </a:solidFill>
-              </a14:hiddenFill>
-            </a:ext>
-          </a:extLst>
-        </p:spPr>
-      </p:pic>
-      <p:sp>
-        <p:nvSpPr>
-          <p:cNvPr id="19" name="TextBox 18">
-            <a:extLst>
-              <a:ext uri="{FF2B5EF4-FFF2-40B4-BE49-F238E27FC236}">
-                <a16:creationId xmlns:a16="http://schemas.microsoft.com/office/drawing/2014/main" id="{FCA558F0-C1D3-41AD-A33A-012702E2800F}"/>
-              </a:ext>
-            </a:extLst>
-          </p:cNvPr>
-          <p:cNvSpPr txBox="1"/>
-          <p:nvPr/>
-        </p:nvSpPr>
-        <p:spPr>
-          <a:xfrm>
-            <a:off x="2153412" y="5955149"/>
-            <a:ext cx="6433930" cy="369332"/>
-          </a:xfrm>
-          <a:prstGeom prst="rect">
-            <a:avLst/>
-          </a:prstGeom>
-          <a:noFill/>
-        </p:spPr>
-        <p:txBody>
-          <a:bodyPr wrap="square" rtlCol="0">
-            <a:spAutoFit/>
-          </a:bodyPr>
-          <a:lstStyle/>
-          <a:p>
-            <a:pPr>
-              <a:spcAft>
-                <a:spcPts val="600"/>
-              </a:spcAft>
-            </a:pPr>
-            <a:r>
-              <a:rPr lang="en-IN" dirty="0"/>
-              <a:t> </a:t>
-            </a:r>
-            <a:r>
-              <a:rPr lang="en-IN" b="1" dirty="0"/>
-              <a:t>Team</a:t>
-            </a:r>
-            <a:r>
-              <a:rPr lang="en-IN" dirty="0"/>
-              <a:t> </a:t>
-            </a:r>
-            <a:r>
-              <a:rPr lang="en-IN" b="1" dirty="0"/>
-              <a:t>Unplugged Techies</a:t>
-            </a:r>
-          </a:p>
-        </p:txBody>
-      </p:sp>
-    </p:spTree>
-    <p:extLst>
-      <p:ext uri="{BB962C8B-B14F-4D97-AF65-F5344CB8AC3E}">
-        <p14:creationId xmlns:p14="http://schemas.microsoft.com/office/powerpoint/2010/main" val="654569821"/>
-      </p:ext>
-    </p:extLst>
-  </p:cSld>
-  <p:clrMapOvr>
-    <a:masterClrMapping/>
-  </p:clrMapOvr>
-</p:sld>
-</file>
-
-<file path=ppt/slides/slide11.xml><?xml version="1.0" encoding="utf-8"?>
-<p:sld xmlns:a="http://schemas.openxmlformats.org/drawingml/2006/main" xmlns:r="http://schemas.openxmlformats.org/officeDocument/2006/relationships" xmlns:p="http://schemas.openxmlformats.org/presentationml/2006/main">
-  <p:cSld>
     <p:spTree>
       <p:nvGrpSpPr>
         <p:cNvPr id="1" name=""/>
@@ -15653,7 +15259,7 @@
           <a:p>
             <a:fld id="{3A98EE3D-8CD1-4C3F-BD1C-C98C9596463C}" type="slidenum">
               <a:rPr lang="en-US" smtClean="0"/>
-              <a:t>11</a:t>
+              <a:t>10</a:t>
             </a:fld>
             <a:endParaRPr lang="en-US" dirty="0"/>
           </a:p>
@@ -15688,7 +15294,7 @@
         </p:blipFill>
         <p:spPr bwMode="auto">
           <a:xfrm>
-            <a:off x="0" y="5869092"/>
+            <a:off x="-14067" y="5869092"/>
             <a:ext cx="1676400" cy="476250"/>
           </a:xfrm>
           <a:prstGeom prst="rect">
@@ -15884,28 +15490,6 @@
               <a:cs typeface="Times New Roman" panose="02020603050405020304" pitchFamily="18" charset="0"/>
             </a:endParaRPr>
           </a:p>
-          <a:p>
-            <a:endParaRPr lang="en-IN" dirty="0">
-              <a:solidFill>
-                <a:schemeClr val="tx1"/>
-              </a:solidFill>
-              <a:latin typeface="Times New Roman" panose="02020603050405020304" pitchFamily="18" charset="0"/>
-              <a:cs typeface="Times New Roman" panose="02020603050405020304" pitchFamily="18" charset="0"/>
-            </a:endParaRPr>
-          </a:p>
-          <a:p>
-            <a:pPr>
-              <a:buFont typeface="Wingdings" panose="05000000000000000000" pitchFamily="2" charset="2"/>
-              <a:buChar char="§"/>
-            </a:pPr>
-            <a:endParaRPr lang="en-IN" dirty="0">
-              <a:solidFill>
-                <a:schemeClr val="tx1"/>
-              </a:solidFill>
-              <a:latin typeface="Times New Roman" panose="02020603050405020304" pitchFamily="18" charset="0"/>
-              <a:cs typeface="Times New Roman" panose="02020603050405020304" pitchFamily="18" charset="0"/>
-            </a:endParaRPr>
-          </a:p>
         </p:txBody>
       </p:sp>
     </p:spTree>
@@ -15921,7 +15505,7 @@
 </p:sld>
 </file>
 
-<file path=ppt/slides/slide12.xml><?xml version="1.0" encoding="utf-8"?>
+<file path=ppt/slides/slide11.xml><?xml version="1.0" encoding="utf-8"?>
 <p:sld xmlns:a="http://schemas.openxmlformats.org/drawingml/2006/main" xmlns:r="http://schemas.openxmlformats.org/officeDocument/2006/relationships" xmlns:p="http://schemas.openxmlformats.org/presentationml/2006/main">
   <p:cSld>
     <p:bg>
@@ -16357,7 +15941,7 @@
                   <a:spcPts val="600"/>
                 </a:spcAft>
               </a:pPr>
-              <a:t>12</a:t>
+              <a:t>11</a:t>
             </a:fld>
             <a:endParaRPr lang="en-US" sz="1050">
               <a:solidFill>
@@ -17320,7 +16904,7 @@
         </p:blipFill>
         <p:spPr>
           <a:xfrm>
-            <a:off x="20" y="-13242"/>
+            <a:off x="20" y="-26494"/>
             <a:ext cx="4580077" cy="6400784"/>
           </a:xfrm>
           <a:prstGeom prst="rect">
@@ -17401,7 +16985,7 @@
         </p:nvSpPr>
         <p:spPr>
           <a:xfrm>
-            <a:off x="5172074" y="2108201"/>
+            <a:off x="5172074" y="2110194"/>
             <a:ext cx="5983606" cy="3760891"/>
           </a:xfrm>
         </p:spPr>
@@ -17468,22 +17052,6 @@
                 <a:latin typeface="Times New Roman" panose="02020603050405020304" pitchFamily="18" charset="0"/>
                 <a:cs typeface="Times New Roman" panose="02020603050405020304" pitchFamily="18" charset="0"/>
               </a:rPr>
-              <a:t>Shows Way to parking slot.</a:t>
-            </a:r>
-          </a:p>
-          <a:p>
-            <a:pPr>
-              <a:buFont typeface="Arial" panose="020B0604020202020204" pitchFamily="34" charset="0"/>
-              <a:buChar char="•"/>
-            </a:pPr>
-            <a:r>
-              <a:rPr lang="en-IN" dirty="0">
-                <a:solidFill>
-                  <a:schemeClr val="tx1"/>
-                </a:solidFill>
-                <a:latin typeface="Times New Roman" panose="02020603050405020304" pitchFamily="18" charset="0"/>
-                <a:cs typeface="Times New Roman" panose="02020603050405020304" pitchFamily="18" charset="0"/>
-              </a:rPr>
               <a:t>Advance parking slot booking.</a:t>
             </a:r>
           </a:p>
@@ -17501,6 +17069,22 @@
                 <a:cs typeface="Times New Roman" panose="02020603050405020304" pitchFamily="18" charset="0"/>
               </a:rPr>
               <a:t>To get real-time status.</a:t>
+            </a:r>
+          </a:p>
+          <a:p>
+            <a:pPr>
+              <a:buFont typeface="Arial" panose="020B0604020202020204" pitchFamily="34" charset="0"/>
+              <a:buChar char="•"/>
+            </a:pPr>
+            <a:r>
+              <a:rPr lang="en-IN" dirty="0">
+                <a:solidFill>
+                  <a:schemeClr val="tx1"/>
+                </a:solidFill>
+                <a:latin typeface="Times New Roman" panose="02020603050405020304" pitchFamily="18" charset="0"/>
+                <a:cs typeface="Times New Roman" panose="02020603050405020304" pitchFamily="18" charset="0"/>
+              </a:rPr>
+              <a:t>Way to parking.</a:t>
             </a:r>
           </a:p>
           <a:p>
@@ -18765,10 +18349,10 @@
       </p:grpSpPr>
       <p:sp useBgFill="1">
         <p:nvSpPr>
-          <p:cNvPr id="10" name="Rectangle 9">
+          <p:cNvPr id="29" name="Rectangle 22">
             <a:extLst>
               <a:ext uri="{FF2B5EF4-FFF2-40B4-BE49-F238E27FC236}">
-                <a16:creationId xmlns:a16="http://schemas.microsoft.com/office/drawing/2014/main" id="{C8DD82D3-D002-45B0-B16A-82B3DA4EFDDB}"/>
+                <a16:creationId xmlns:a16="http://schemas.microsoft.com/office/drawing/2014/main" id="{73734CDA-1CE8-4F1C-B0B3-AAB252B0135C}"/>
               </a:ext>
               <a:ext uri="{C183D7F6-B498-43B3-948B-1728B52AA6E4}">
                 <adec:decorative xmlns:adec="http://schemas.microsoft.com/office/drawing/2017/decorative" val="1"/>
@@ -18788,8 +18372,8 @@
         </p:nvSpPr>
         <p:spPr>
           <a:xfrm>
-            <a:off x="3048" y="0"/>
-            <a:ext cx="12188952" cy="6858000"/>
+            <a:off x="0" y="0"/>
+            <a:ext cx="12192001" cy="6858000"/>
           </a:xfrm>
           <a:prstGeom prst="rect">
             <a:avLst/>
@@ -18828,7 +18412,7 @@
           <p:cNvPr id="2" name="Title 1">
             <a:extLst>
               <a:ext uri="{FF2B5EF4-FFF2-40B4-BE49-F238E27FC236}">
-                <a16:creationId xmlns:a16="http://schemas.microsoft.com/office/drawing/2014/main" id="{F2837E74-C1CB-4DEA-89D5-D0879B92D614}"/>
+                <a16:creationId xmlns:a16="http://schemas.microsoft.com/office/drawing/2014/main" id="{74CAAFD7-329A-481E-9E13-85FEC36A873D}"/>
               </a:ext>
             </a:extLst>
           </p:cNvPr>
@@ -18841,30 +18425,59 @@
         </p:nvSpPr>
         <p:spPr>
           <a:xfrm>
-            <a:off x="643468" y="643467"/>
-            <a:ext cx="3073550" cy="5126203"/>
+            <a:off x="4974771" y="634946"/>
+            <a:ext cx="6574972" cy="1450757"/>
           </a:xfrm>
         </p:spPr>
         <p:txBody>
-          <a:bodyPr anchor="ctr">
+          <a:bodyPr>
             <a:normAutofit/>
           </a:bodyPr>
           <a:lstStyle/>
           <a:p>
-            <a:pPr algn="r"/>
             <a:r>
-              <a:rPr lang="en-IN"/>
-              <a:t>Sensors work flow</a:t>
+              <a:rPr lang="en-IN" dirty="0"/>
+              <a:t>Sensor Workflow</a:t>
             </a:r>
           </a:p>
         </p:txBody>
       </p:sp>
+      <p:pic>
+        <p:nvPicPr>
+          <p:cNvPr id="5" name="Content Placeholder 6">
+            <a:extLst>
+              <a:ext uri="{FF2B5EF4-FFF2-40B4-BE49-F238E27FC236}">
+                <a16:creationId xmlns:a16="http://schemas.microsoft.com/office/drawing/2014/main" id="{6958D3CC-B161-4E59-B56D-E70CE23ADF02}"/>
+              </a:ext>
+            </a:extLst>
+          </p:cNvPr>
+          <p:cNvPicPr>
+            <a:picLocks noChangeAspect="1"/>
+          </p:cNvPicPr>
+          <p:nvPr/>
+        </p:nvPicPr>
+        <p:blipFill>
+          <a:blip r:embed="rId2"/>
+          <a:stretch>
+            <a:fillRect/>
+          </a:stretch>
+        </p:blipFill>
+        <p:spPr>
+          <a:xfrm>
+            <a:off x="636274" y="2921819"/>
+            <a:ext cx="3695179" cy="1856827"/>
+          </a:xfrm>
+          <a:prstGeom prst="rect">
+            <a:avLst/>
+          </a:prstGeom>
+        </p:spPr>
+      </p:pic>
       <p:cxnSp>
         <p:nvCxnSpPr>
-          <p:cNvPr id="12" name="Straight Connector 11">
+          <p:cNvPr id="30" name="Straight Connector 24">
             <a:extLst>
               <a:ext uri="{FF2B5EF4-FFF2-40B4-BE49-F238E27FC236}">
-                <a16:creationId xmlns:a16="http://schemas.microsoft.com/office/drawing/2014/main" id="{9F09C252-16FE-4557-AD6D-BB5CA773496C}"/>
+                <a16:creationId xmlns:a16="http://schemas.microsoft.com/office/drawing/2014/main" id="{D7143990-FA50-4B23-AE6D-E17D22F52676}"/>
               </a:ext>
               <a:ext uri="{C183D7F6-B498-43B3-948B-1728B52AA6E4}">
                 <adec:decorative xmlns:adec="http://schemas.microsoft.com/office/drawing/2017/decorative" val="1"/>
@@ -18884,17 +18497,19 @@
         </p:nvCxnSpPr>
         <p:spPr>
           <a:xfrm>
-            <a:off x="4042052" y="1778497"/>
-            <a:ext cx="0" cy="3200400"/>
+            <a:off x="5063482" y="2246569"/>
+            <a:ext cx="5852160" cy="0"/>
           </a:xfrm>
           <a:prstGeom prst="line">
             <a:avLst/>
           </a:prstGeom>
-          <a:ln w="19050">
+          <a:ln w="12700">
             <a:solidFill>
-              <a:schemeClr val="tx1"/>
+              <a:schemeClr val="tx1">
+                <a:lumMod val="75000"/>
+                <a:lumOff val="25000"/>
+              </a:schemeClr>
             </a:solidFill>
-            <a:miter lim="800000"/>
           </a:ln>
         </p:spPr>
         <p:style>
@@ -18917,7 +18532,7 @@
           <p:cNvPr id="3" name="Content Placeholder 2">
             <a:extLst>
               <a:ext uri="{FF2B5EF4-FFF2-40B4-BE49-F238E27FC236}">
-                <a16:creationId xmlns:a16="http://schemas.microsoft.com/office/drawing/2014/main" id="{84174E1F-E485-4C87-A4DB-4526A993DEE2}"/>
+                <a16:creationId xmlns:a16="http://schemas.microsoft.com/office/drawing/2014/main" id="{3BCCDE26-8F4D-42D5-9873-E3049580C63E}"/>
               </a:ext>
             </a:extLst>
           </p:cNvPr>
@@ -18930,17 +18545,17 @@
         </p:nvSpPr>
         <p:spPr>
           <a:xfrm>
-            <a:off x="4363786" y="621697"/>
-            <a:ext cx="6791894" cy="5147973"/>
+            <a:off x="4973711" y="2407436"/>
+            <a:ext cx="6576032" cy="3461657"/>
           </a:xfrm>
         </p:spPr>
         <p:txBody>
-          <a:bodyPr anchor="ctr">
-            <a:normAutofit/>
+          <a:bodyPr>
+            <a:normAutofit fontScale="92500"/>
           </a:bodyPr>
           <a:lstStyle/>
           <a:p>
-            <a:endParaRPr lang="en-US" b="0" i="0">
+            <a:endParaRPr lang="en-US" b="0" i="0" dirty="0">
               <a:effectLst/>
               <a:latin typeface="Times New Roman" panose="02020603050405020304" pitchFamily="18" charset="0"/>
               <a:cs typeface="Times New Roman" panose="02020603050405020304" pitchFamily="18" charset="0"/>
@@ -18948,23 +18563,67 @@
           </a:p>
           <a:p>
             <a:r>
-              <a:rPr lang="en-US" b="0" i="0">
+              <a:rPr lang="en-US" b="0" i="0" dirty="0">
                 <a:effectLst/>
                 <a:latin typeface="Times New Roman" panose="02020603050405020304" pitchFamily="18" charset="0"/>
                 <a:cs typeface="Times New Roman" panose="02020603050405020304" pitchFamily="18" charset="0"/>
               </a:rPr>
-              <a:t>A sensor detects a parked car by measuring the distance to the nearest obstacle-in our case, to the bottom of the car. The state can be “occupied” if the distance is in the range of 100mm – 500mm, “free” if the distance is more than 500mm and “dirty” if the distance is less than 100mm, which means that the sensor may be unclean and needs checking.</a:t>
+              <a:t>A sensor detects a parked car by measuring the distance to the nearest obstacle-in our case, to the bottom of the car. The state can be </a:t>
             </a:r>
           </a:p>
           <a:p>
-            <a:br>
-              <a:rPr lang="en-US" b="0" i="0">
+            <a:r>
+              <a:rPr lang="en-US" b="0" i="0" dirty="0">
                 <a:effectLst/>
                 <a:latin typeface="Times New Roman" panose="02020603050405020304" pitchFamily="18" charset="0"/>
                 <a:cs typeface="Times New Roman" panose="02020603050405020304" pitchFamily="18" charset="0"/>
               </a:rPr>
-            </a:br>
-            <a:endParaRPr lang="en-IN">
+              <a:t>“occupied” if the distance is in the range of 10cm – 50cm.</a:t>
+            </a:r>
+          </a:p>
+          <a:p>
+            <a:r>
+              <a:rPr lang="en-US" b="0" i="0" dirty="0">
+                <a:effectLst/>
+                <a:latin typeface="Times New Roman" panose="02020603050405020304" pitchFamily="18" charset="0"/>
+                <a:cs typeface="Times New Roman" panose="02020603050405020304" pitchFamily="18" charset="0"/>
+              </a:rPr>
+              <a:t>“free” if the distance is more than 50cm and “Blocked” if the distance is less than 10cm</a:t>
+            </a:r>
+            <a:r>
+              <a:rPr lang="en-US" dirty="0">
+                <a:latin typeface="Times New Roman" panose="02020603050405020304" pitchFamily="18" charset="0"/>
+                <a:cs typeface="Times New Roman" panose="02020603050405020304" pitchFamily="18" charset="0"/>
+              </a:rPr>
+              <a:t>.</a:t>
+            </a:r>
+            <a:r>
+              <a:rPr lang="en-US" b="0" i="0" dirty="0">
+                <a:effectLst/>
+                <a:latin typeface="Times New Roman" panose="02020603050405020304" pitchFamily="18" charset="0"/>
+                <a:cs typeface="Times New Roman" panose="02020603050405020304" pitchFamily="18" charset="0"/>
+              </a:rPr>
+              <a:t> </a:t>
+            </a:r>
+          </a:p>
+          <a:p>
+            <a:r>
+              <a:rPr lang="en-US" b="0" i="0" dirty="0">
+                <a:effectLst/>
+                <a:latin typeface="Times New Roman" panose="02020603050405020304" pitchFamily="18" charset="0"/>
+                <a:cs typeface="Times New Roman" panose="02020603050405020304" pitchFamily="18" charset="0"/>
+              </a:rPr>
+              <a:t>which means that the sensor may be unclean and needs checking.</a:t>
+            </a:r>
+            <a:endParaRPr lang="en-IN" b="0" i="0" dirty="0">
+              <a:effectLst/>
+              <a:latin typeface="Times New Roman" panose="02020603050405020304" pitchFamily="18" charset="0"/>
+              <a:cs typeface="Times New Roman" panose="02020603050405020304" pitchFamily="18" charset="0"/>
+            </a:endParaRPr>
+          </a:p>
+          <a:p>
+            <a:endParaRPr lang="en-US" b="0" i="0" dirty="0">
+              <a:effectLst/>
               <a:latin typeface="Times New Roman" panose="02020603050405020304" pitchFamily="18" charset="0"/>
               <a:cs typeface="Times New Roman" panose="02020603050405020304" pitchFamily="18" charset="0"/>
             </a:endParaRPr>
@@ -18973,10 +18632,10 @@
       </p:sp>
       <p:sp>
         <p:nvSpPr>
-          <p:cNvPr id="14" name="Rectangle 13">
+          <p:cNvPr id="31" name="Rectangle 26">
             <a:extLst>
               <a:ext uri="{FF2B5EF4-FFF2-40B4-BE49-F238E27FC236}">
-                <a16:creationId xmlns:a16="http://schemas.microsoft.com/office/drawing/2014/main" id="{14552793-7DFF-4EC7-AC69-D34A75D01880}"/>
+                <a16:creationId xmlns:a16="http://schemas.microsoft.com/office/drawing/2014/main" id="{3BD57AB6-3172-4520-B22E-FCD0184F3BA3}"/>
               </a:ext>
               <a:ext uri="{C183D7F6-B498-43B3-948B-1728B52AA6E4}">
                 <adec:decorative xmlns:adec="http://schemas.microsoft.com/office/drawing/2017/decorative" val="1"/>
@@ -19031,7 +18690,7 @@
           <p:cNvPr id="4" name="Slide Number Placeholder 3">
             <a:extLst>
               <a:ext uri="{FF2B5EF4-FFF2-40B4-BE49-F238E27FC236}">
-                <a16:creationId xmlns:a16="http://schemas.microsoft.com/office/drawing/2014/main" id="{C4B13E62-CF1B-4AD5-93D5-CC95B6CDC6DC}"/>
+                <a16:creationId xmlns:a16="http://schemas.microsoft.com/office/drawing/2014/main" id="{1C64922A-710D-476E-822C-C4A03CB16FC0}"/>
               </a:ext>
             </a:extLst>
           </p:cNvPr>
@@ -19074,10 +18733,10 @@
       </p:sp>
       <p:pic>
         <p:nvPicPr>
-          <p:cNvPr id="5" name="Picture 3" descr="Text, logo&#10;&#10;Description automatically generated">
+          <p:cNvPr id="19" name="Picture 3" descr="Text, logo&#10;&#10;Description automatically generated">
             <a:extLst>
               <a:ext uri="{FF2B5EF4-FFF2-40B4-BE49-F238E27FC236}">
-                <a16:creationId xmlns:a16="http://schemas.microsoft.com/office/drawing/2014/main" id="{C2563CA1-1B78-44B6-BC78-41348161F12C}"/>
+                <a16:creationId xmlns:a16="http://schemas.microsoft.com/office/drawing/2014/main" id="{5E30654D-82B7-414C-95E8-310377114FD4}"/>
               </a:ext>
             </a:extLst>
           </p:cNvPr>
@@ -19087,7 +18746,7 @@
           <p:nvPr/>
         </p:nvPicPr>
         <p:blipFill>
-          <a:blip r:embed="rId2">
+          <a:blip r:embed="rId3">
             <a:extLst>
               <a:ext uri="{28A0092B-C50C-407E-A947-70E740481C1C}">
                 <a14:useLocalDpi xmlns:a14="http://schemas.microsoft.com/office/drawing/2010/main" val="0"/>
@@ -19101,7 +18760,7 @@
         </p:blipFill>
         <p:spPr bwMode="auto">
           <a:xfrm>
-            <a:off x="0" y="5869092"/>
+            <a:off x="-14067" y="5869092"/>
             <a:ext cx="1676400" cy="476250"/>
           </a:xfrm>
           <a:prstGeom prst="rect">
@@ -19121,10 +18780,10 @@
       </p:pic>
       <p:sp>
         <p:nvSpPr>
-          <p:cNvPr id="13" name="TextBox 12">
+          <p:cNvPr id="20" name="TextBox 19">
             <a:extLst>
               <a:ext uri="{FF2B5EF4-FFF2-40B4-BE49-F238E27FC236}">
-                <a16:creationId xmlns:a16="http://schemas.microsoft.com/office/drawing/2014/main" id="{443FD545-1913-4143-B541-7D38161EB48B}"/>
+                <a16:creationId xmlns:a16="http://schemas.microsoft.com/office/drawing/2014/main" id="{34C88E77-A6AF-4186-99A2-C8384DA11DCF}"/>
               </a:ext>
             </a:extLst>
           </p:cNvPr>
@@ -19147,11 +18806,6 @@
           </a:bodyPr>
           <a:lstStyle/>
           <a:p>
-            <a:pPr>
-              <a:spcAft>
-                <a:spcPts val="600"/>
-              </a:spcAft>
-            </a:pPr>
             <a:r>
               <a:rPr lang="en-IN" dirty="0"/>
               <a:t> </a:t>
@@ -19174,7 +18828,7 @@
     </p:spTree>
     <p:extLst>
       <p:ext uri="{BB962C8B-B14F-4D97-AF65-F5344CB8AC3E}">
-        <p14:creationId xmlns:p14="http://schemas.microsoft.com/office/powerpoint/2010/main" val="2857830786"/>
+        <p14:creationId xmlns:p14="http://schemas.microsoft.com/office/powerpoint/2010/main" val="2441678090"/>
       </p:ext>
     </p:extLst>
   </p:cSld>
@@ -20101,15 +19755,6 @@
 </file>
 
 <file path=customXml/item1.xml><?xml version="1.0" encoding="utf-8"?>
-<?mso-contentType ?>
-<FormTemplates xmlns="http://schemas.microsoft.com/sharepoint/v3/contenttype/forms">
-  <Display>DocumentLibraryForm</Display>
-  <Edit>DocumentLibraryForm</Edit>
-  <New>DocumentLibraryForm</New>
-</FormTemplates>
-</file>
-
-<file path=customXml/item2.xml><?xml version="1.0" encoding="utf-8"?>
 <ct:contentTypeSchema xmlns:ct="http://schemas.microsoft.com/office/2006/metadata/contentType" xmlns:ma="http://schemas.microsoft.com/office/2006/metadata/properties/metaAttributes" ct:_="" ma:_="" ma:contentTypeName="Document" ma:contentTypeID="0x01010079F111ED35F8CC479449609E8A0923A6" ma:contentTypeVersion="12" ma:contentTypeDescription="Create a new document." ma:contentTypeScope="" ma:versionID="a410dd7f93c95333ffa1b60ed6adedd1">
   <xsd:schema xmlns:xsd="http://www.w3.org/2001/XMLSchema" xmlns:xs="http://www.w3.org/2001/XMLSchema" xmlns:p="http://schemas.microsoft.com/office/2006/metadata/properties" xmlns:ns2="71af3243-3dd4-4a8d-8c0d-dd76da1f02a5" xmlns:ns3="16c05727-aa75-4e4a-9b5f-8a80a1165891" targetNamespace="http://schemas.microsoft.com/office/2006/metadata/properties" ma:root="true" ma:fieldsID="a936d9baba76aa3866493feff160faab" ns2:_="" ns3:_="">
     <xsd:import namespace="71af3243-3dd4-4a8d-8c0d-dd76da1f02a5"/>
@@ -20330,6 +19975,15 @@
 </ct:contentTypeSchema>
 </file>
 
+<file path=customXml/item2.xml><?xml version="1.0" encoding="utf-8"?>
+<?mso-contentType ?>
+<FormTemplates xmlns="http://schemas.microsoft.com/sharepoint/v3/contenttype/forms">
+  <Display>DocumentLibraryForm</Display>
+  <Edit>DocumentLibraryForm</Edit>
+  <New>DocumentLibraryForm</New>
+</FormTemplates>
+</file>
+
 <file path=customXml/item3.xml><?xml version="1.0" encoding="utf-8"?>
 <p:properties xmlns:p="http://schemas.microsoft.com/office/2006/metadata/properties" xmlns:xsi="http://www.w3.org/2001/XMLSchema-instance" xmlns:pc="http://schemas.microsoft.com/office/infopath/2007/PartnerControls">
   <documentManagement>
@@ -20340,14 +19994,6 @@
 </file>
 
 <file path=customXml/itemProps1.xml><?xml version="1.0" encoding="utf-8"?>
-<ds:datastoreItem xmlns:ds="http://schemas.openxmlformats.org/officeDocument/2006/customXml" ds:itemID="{31F006B4-A9E1-4F39-85C8-FB836F919348}">
-  <ds:schemaRefs>
-    <ds:schemaRef ds:uri="http://schemas.microsoft.com/sharepoint/v3/contenttype/forms"/>
-  </ds:schemaRefs>
-</ds:datastoreItem>
-</file>
-
-<file path=customXml/itemProps2.xml><?xml version="1.0" encoding="utf-8"?>
 <ds:datastoreItem xmlns:ds="http://schemas.openxmlformats.org/officeDocument/2006/customXml" ds:itemID="{16377351-63A1-4C2E-8C9A-66CDD70F16AC}">
   <ds:schemaRefs>
     <ds:schemaRef ds:uri="http://schemas.microsoft.com/office/2006/metadata/contentType"/>
@@ -20366,6 +20012,14 @@
 </ds:datastoreItem>
 </file>
 
+<file path=customXml/itemProps2.xml><?xml version="1.0" encoding="utf-8"?>
+<ds:datastoreItem xmlns:ds="http://schemas.openxmlformats.org/officeDocument/2006/customXml" ds:itemID="{31F006B4-A9E1-4F39-85C8-FB836F919348}">
+  <ds:schemaRefs>
+    <ds:schemaRef ds:uri="http://schemas.microsoft.com/sharepoint/v3/contenttype/forms"/>
+  </ds:schemaRefs>
+</ds:datastoreItem>
+</file>
+
 <file path=customXml/itemProps3.xml><?xml version="1.0" encoding="utf-8"?>
 <ds:datastoreItem xmlns:ds="http://schemas.openxmlformats.org/officeDocument/2006/customXml" ds:itemID="{8F3CD65D-61A5-43C9-A837-6EC73C7DA8AB}">
   <ds:schemaRefs>

--- a/ParkUrWheels PPT.pptx
+++ b/ParkUrWheels PPT.pptx
@@ -19,8 +19,8 @@
     <p:sldId id="273" r:id="rId10"/>
     <p:sldId id="274" r:id="rId11"/>
     <p:sldId id="277" r:id="rId12"/>
-    <p:sldId id="284" r:id="rId13"/>
-    <p:sldId id="279" r:id="rId14"/>
+    <p:sldId id="279" r:id="rId13"/>
+    <p:sldId id="284" r:id="rId14"/>
     <p:sldId id="271" r:id="rId15"/>
   </p:sldIdLst>
   <p:sldSz cx="12192000" cy="6858000"/>
@@ -2351,757 +2351,6 @@
   <dgm:styleLbl name="revTx">
     <dgm:fillClrLst meth="repeat">
       <a:schemeClr val="lt1">
-        <a:alpha val="0"/>
-      </a:schemeClr>
-    </dgm:fillClrLst>
-    <dgm:linClrLst meth="repeat">
-      <a:schemeClr val="dk1">
-        <a:alpha val="0"/>
-      </a:schemeClr>
-    </dgm:linClrLst>
-    <dgm:effectClrLst/>
-    <dgm:txLinClrLst/>
-    <dgm:txFillClrLst meth="repeat">
-      <a:schemeClr val="tx1"/>
-    </dgm:txFillClrLst>
-    <dgm:txEffectClrLst/>
-  </dgm:styleLbl>
-</dgm:colorsDef>
-</file>
-
-<file path=ppt/diagrams/colors4.xml><?xml version="1.0" encoding="utf-8"?>
-<dgm:colorsDef xmlns:dgm="http://schemas.openxmlformats.org/drawingml/2006/diagram" xmlns:a="http://schemas.openxmlformats.org/drawingml/2006/main" uniqueId="urn:microsoft.com/office/officeart/2005/8/colors/accent0_3">
-  <dgm:title val=""/>
-  <dgm:desc val=""/>
-  <dgm:catLst>
-    <dgm:cat type="mainScheme" pri="10300"/>
-  </dgm:catLst>
-  <dgm:styleLbl name="node0">
-    <dgm:fillClrLst meth="repeat">
-      <a:schemeClr val="dk2"/>
-    </dgm:fillClrLst>
-    <dgm:linClrLst meth="repeat">
-      <a:schemeClr val="lt2"/>
-    </dgm:linClrLst>
-    <dgm:effectClrLst/>
-    <dgm:txLinClrLst/>
-    <dgm:txFillClrLst/>
-    <dgm:txEffectClrLst/>
-  </dgm:styleLbl>
-  <dgm:styleLbl name="alignNode1">
-    <dgm:fillClrLst meth="repeat">
-      <a:schemeClr val="dk2"/>
-    </dgm:fillClrLst>
-    <dgm:linClrLst meth="repeat">
-      <a:schemeClr val="dk2"/>
-    </dgm:linClrLst>
-    <dgm:effectClrLst/>
-    <dgm:txLinClrLst/>
-    <dgm:txFillClrLst/>
-    <dgm:txEffectClrLst/>
-  </dgm:styleLbl>
-  <dgm:styleLbl name="node1">
-    <dgm:fillClrLst meth="repeat">
-      <a:schemeClr val="dk2"/>
-    </dgm:fillClrLst>
-    <dgm:linClrLst meth="repeat">
-      <a:schemeClr val="lt2"/>
-    </dgm:linClrLst>
-    <dgm:effectClrLst/>
-    <dgm:txLinClrLst/>
-    <dgm:txFillClrLst/>
-    <dgm:txEffectClrLst/>
-  </dgm:styleLbl>
-  <dgm:styleLbl name="lnNode1">
-    <dgm:fillClrLst meth="repeat">
-      <a:schemeClr val="dk2"/>
-    </dgm:fillClrLst>
-    <dgm:linClrLst meth="repeat">
-      <a:schemeClr val="lt2"/>
-    </dgm:linClrLst>
-    <dgm:effectClrLst/>
-    <dgm:txLinClrLst/>
-    <dgm:txFillClrLst/>
-    <dgm:txEffectClrLst/>
-  </dgm:styleLbl>
-  <dgm:styleLbl name="vennNode1">
-    <dgm:fillClrLst meth="repeat">
-      <a:schemeClr val="dk2">
-        <a:alpha val="50000"/>
-      </a:schemeClr>
-    </dgm:fillClrLst>
-    <dgm:linClrLst meth="repeat">
-      <a:schemeClr val="lt2"/>
-    </dgm:linClrLst>
-    <dgm:effectClrLst/>
-    <dgm:txLinClrLst/>
-    <dgm:txFillClrLst/>
-    <dgm:txEffectClrLst/>
-  </dgm:styleLbl>
-  <dgm:styleLbl name="node2">
-    <dgm:fillClrLst meth="repeat">
-      <a:schemeClr val="dk2"/>
-    </dgm:fillClrLst>
-    <dgm:linClrLst meth="repeat">
-      <a:schemeClr val="lt2"/>
-    </dgm:linClrLst>
-    <dgm:effectClrLst/>
-    <dgm:txLinClrLst/>
-    <dgm:txFillClrLst/>
-    <dgm:txEffectClrLst/>
-  </dgm:styleLbl>
-  <dgm:styleLbl name="node3">
-    <dgm:fillClrLst meth="repeat">
-      <a:schemeClr val="dk2"/>
-    </dgm:fillClrLst>
-    <dgm:linClrLst meth="repeat">
-      <a:schemeClr val="lt2"/>
-    </dgm:linClrLst>
-    <dgm:effectClrLst/>
-    <dgm:txLinClrLst/>
-    <dgm:txFillClrLst/>
-    <dgm:txEffectClrLst/>
-  </dgm:styleLbl>
-  <dgm:styleLbl name="node4">
-    <dgm:fillClrLst meth="repeat">
-      <a:schemeClr val="dk2"/>
-    </dgm:fillClrLst>
-    <dgm:linClrLst meth="repeat">
-      <a:schemeClr val="lt2"/>
-    </dgm:linClrLst>
-    <dgm:effectClrLst/>
-    <dgm:txLinClrLst/>
-    <dgm:txFillClrLst/>
-    <dgm:txEffectClrLst/>
-  </dgm:styleLbl>
-  <dgm:styleLbl name="fgImgPlace1">
-    <dgm:fillClrLst meth="repeat">
-      <a:schemeClr val="dk2">
-        <a:tint val="50000"/>
-      </a:schemeClr>
-    </dgm:fillClrLst>
-    <dgm:linClrLst meth="repeat">
-      <a:schemeClr val="lt2"/>
-    </dgm:linClrLst>
-    <dgm:effectClrLst/>
-    <dgm:txLinClrLst/>
-    <dgm:txFillClrLst meth="repeat">
-      <a:schemeClr val="lt2"/>
-    </dgm:txFillClrLst>
-    <dgm:txEffectClrLst/>
-  </dgm:styleLbl>
-  <dgm:styleLbl name="alignImgPlace1">
-    <dgm:fillClrLst meth="repeat">
-      <a:schemeClr val="dk2">
-        <a:tint val="50000"/>
-      </a:schemeClr>
-    </dgm:fillClrLst>
-    <dgm:linClrLst meth="repeat">
-      <a:schemeClr val="dk2">
-        <a:shade val="80000"/>
-      </a:schemeClr>
-    </dgm:linClrLst>
-    <dgm:effectClrLst/>
-    <dgm:txLinClrLst/>
-    <dgm:txFillClrLst meth="repeat">
-      <a:schemeClr val="lt2"/>
-    </dgm:txFillClrLst>
-    <dgm:txEffectClrLst/>
-  </dgm:styleLbl>
-  <dgm:styleLbl name="bgImgPlace1">
-    <dgm:fillClrLst meth="repeat">
-      <a:schemeClr val="dk2">
-        <a:tint val="50000"/>
-      </a:schemeClr>
-    </dgm:fillClrLst>
-    <dgm:linClrLst meth="repeat">
-      <a:schemeClr val="dk2">
-        <a:shade val="80000"/>
-      </a:schemeClr>
-    </dgm:linClrLst>
-    <dgm:effectClrLst/>
-    <dgm:txLinClrLst/>
-    <dgm:txFillClrLst meth="repeat">
-      <a:schemeClr val="lt2"/>
-    </dgm:txFillClrLst>
-    <dgm:txEffectClrLst/>
-  </dgm:styleLbl>
-  <dgm:styleLbl name="sibTrans2D1">
-    <dgm:fillClrLst meth="repeat">
-      <a:schemeClr val="dk2">
-        <a:tint val="60000"/>
-      </a:schemeClr>
-    </dgm:fillClrLst>
-    <dgm:linClrLst meth="repeat">
-      <a:schemeClr val="dk2">
-        <a:tint val="60000"/>
-      </a:schemeClr>
-    </dgm:linClrLst>
-    <dgm:effectClrLst/>
-    <dgm:txLinClrLst/>
-    <dgm:txFillClrLst/>
-    <dgm:txEffectClrLst/>
-  </dgm:styleLbl>
-  <dgm:styleLbl name="fgSibTrans2D1">
-    <dgm:fillClrLst meth="repeat">
-      <a:schemeClr val="dk2">
-        <a:tint val="60000"/>
-      </a:schemeClr>
-    </dgm:fillClrLst>
-    <dgm:linClrLst meth="repeat">
-      <a:schemeClr val="dk2">
-        <a:tint val="60000"/>
-      </a:schemeClr>
-    </dgm:linClrLst>
-    <dgm:effectClrLst/>
-    <dgm:txLinClrLst/>
-    <dgm:txFillClrLst/>
-    <dgm:txEffectClrLst/>
-  </dgm:styleLbl>
-  <dgm:styleLbl name="bgSibTrans2D1">
-    <dgm:fillClrLst meth="repeat">
-      <a:schemeClr val="dk2">
-        <a:tint val="60000"/>
-      </a:schemeClr>
-    </dgm:fillClrLst>
-    <dgm:linClrLst meth="repeat">
-      <a:schemeClr val="dk2">
-        <a:tint val="60000"/>
-      </a:schemeClr>
-    </dgm:linClrLst>
-    <dgm:effectClrLst/>
-    <dgm:txLinClrLst/>
-    <dgm:txFillClrLst/>
-    <dgm:txEffectClrLst/>
-  </dgm:styleLbl>
-  <dgm:styleLbl name="sibTrans1D1">
-    <dgm:fillClrLst meth="repeat">
-      <a:schemeClr val="dk2"/>
-    </dgm:fillClrLst>
-    <dgm:linClrLst meth="repeat">
-      <a:schemeClr val="dk2"/>
-    </dgm:linClrLst>
-    <dgm:effectClrLst/>
-    <dgm:txLinClrLst/>
-    <dgm:txFillClrLst meth="repeat">
-      <a:schemeClr val="lt2"/>
-    </dgm:txFillClrLst>
-    <dgm:txEffectClrLst/>
-  </dgm:styleLbl>
-  <dgm:styleLbl name="callout">
-    <dgm:fillClrLst meth="repeat">
-      <a:schemeClr val="dk2"/>
-    </dgm:fillClrLst>
-    <dgm:linClrLst meth="repeat">
-      <a:schemeClr val="dk2">
-        <a:tint val="50000"/>
-      </a:schemeClr>
-    </dgm:linClrLst>
-    <dgm:effectClrLst/>
-    <dgm:txLinClrLst/>
-    <dgm:txFillClrLst meth="repeat">
-      <a:schemeClr val="lt2"/>
-    </dgm:txFillClrLst>
-    <dgm:txEffectClrLst/>
-  </dgm:styleLbl>
-  <dgm:styleLbl name="asst0">
-    <dgm:fillClrLst meth="repeat">
-      <a:schemeClr val="dk2"/>
-    </dgm:fillClrLst>
-    <dgm:linClrLst meth="repeat">
-      <a:schemeClr val="lt2"/>
-    </dgm:linClrLst>
-    <dgm:effectClrLst/>
-    <dgm:txLinClrLst/>
-    <dgm:txFillClrLst/>
-    <dgm:txEffectClrLst/>
-  </dgm:styleLbl>
-  <dgm:styleLbl name="asst1">
-    <dgm:fillClrLst meth="repeat">
-      <a:schemeClr val="dk2"/>
-    </dgm:fillClrLst>
-    <dgm:linClrLst meth="repeat">
-      <a:schemeClr val="lt2"/>
-    </dgm:linClrLst>
-    <dgm:effectClrLst/>
-    <dgm:txLinClrLst/>
-    <dgm:txFillClrLst/>
-    <dgm:txEffectClrLst/>
-  </dgm:styleLbl>
-  <dgm:styleLbl name="asst2">
-    <dgm:fillClrLst meth="repeat">
-      <a:schemeClr val="dk2"/>
-    </dgm:fillClrLst>
-    <dgm:linClrLst meth="repeat">
-      <a:schemeClr val="lt2"/>
-    </dgm:linClrLst>
-    <dgm:effectClrLst/>
-    <dgm:txLinClrLst/>
-    <dgm:txFillClrLst/>
-    <dgm:txEffectClrLst/>
-  </dgm:styleLbl>
-  <dgm:styleLbl name="asst3">
-    <dgm:fillClrLst meth="repeat">
-      <a:schemeClr val="dk2"/>
-    </dgm:fillClrLst>
-    <dgm:linClrLst meth="repeat">
-      <a:schemeClr val="lt2"/>
-    </dgm:linClrLst>
-    <dgm:effectClrLst/>
-    <dgm:txLinClrLst/>
-    <dgm:txFillClrLst/>
-    <dgm:txEffectClrLst/>
-  </dgm:styleLbl>
-  <dgm:styleLbl name="asst4">
-    <dgm:fillClrLst meth="repeat">
-      <a:schemeClr val="dk2"/>
-    </dgm:fillClrLst>
-    <dgm:linClrLst meth="repeat">
-      <a:schemeClr val="lt2"/>
-    </dgm:linClrLst>
-    <dgm:effectClrLst/>
-    <dgm:txLinClrLst/>
-    <dgm:txFillClrLst/>
-    <dgm:txEffectClrLst/>
-  </dgm:styleLbl>
-  <dgm:styleLbl name="parChTrans2D1">
-    <dgm:fillClrLst meth="repeat">
-      <a:schemeClr val="dk2">
-        <a:tint val="60000"/>
-      </a:schemeClr>
-    </dgm:fillClrLst>
-    <dgm:linClrLst meth="repeat">
-      <a:schemeClr val="dk2">
-        <a:tint val="60000"/>
-      </a:schemeClr>
-    </dgm:linClrLst>
-    <dgm:effectClrLst/>
-    <dgm:txLinClrLst/>
-    <dgm:txFillClrLst meth="repeat">
-      <a:schemeClr val="lt2"/>
-    </dgm:txFillClrLst>
-    <dgm:txEffectClrLst/>
-  </dgm:styleLbl>
-  <dgm:styleLbl name="parChTrans2D2">
-    <dgm:fillClrLst meth="repeat">
-      <a:schemeClr val="dk2"/>
-    </dgm:fillClrLst>
-    <dgm:linClrLst meth="repeat">
-      <a:schemeClr val="dk2"/>
-    </dgm:linClrLst>
-    <dgm:effectClrLst/>
-    <dgm:txLinClrLst/>
-    <dgm:txFillClrLst meth="repeat">
-      <a:schemeClr val="lt2"/>
-    </dgm:txFillClrLst>
-    <dgm:txEffectClrLst/>
-  </dgm:styleLbl>
-  <dgm:styleLbl name="parChTrans2D3">
-    <dgm:fillClrLst meth="repeat">
-      <a:schemeClr val="dk2"/>
-    </dgm:fillClrLst>
-    <dgm:linClrLst meth="repeat">
-      <a:schemeClr val="dk2"/>
-    </dgm:linClrLst>
-    <dgm:effectClrLst/>
-    <dgm:txLinClrLst/>
-    <dgm:txFillClrLst meth="repeat">
-      <a:schemeClr val="lt2"/>
-    </dgm:txFillClrLst>
-    <dgm:txEffectClrLst/>
-  </dgm:styleLbl>
-  <dgm:styleLbl name="parChTrans2D4">
-    <dgm:fillClrLst meth="repeat">
-      <a:schemeClr val="dk2"/>
-    </dgm:fillClrLst>
-    <dgm:linClrLst meth="repeat">
-      <a:schemeClr val="dk2"/>
-    </dgm:linClrLst>
-    <dgm:effectClrLst/>
-    <dgm:txLinClrLst/>
-    <dgm:txFillClrLst meth="repeat">
-      <a:schemeClr val="lt2"/>
-    </dgm:txFillClrLst>
-    <dgm:txEffectClrLst/>
-  </dgm:styleLbl>
-  <dgm:styleLbl name="parChTrans1D1">
-    <dgm:fillClrLst meth="repeat">
-      <a:schemeClr val="dk2"/>
-    </dgm:fillClrLst>
-    <dgm:linClrLst meth="repeat">
-      <a:schemeClr val="dk2">
-        <a:shade val="60000"/>
-      </a:schemeClr>
-    </dgm:linClrLst>
-    <dgm:effectClrLst/>
-    <dgm:txLinClrLst/>
-    <dgm:txFillClrLst meth="repeat">
-      <a:schemeClr val="tx1"/>
-    </dgm:txFillClrLst>
-    <dgm:txEffectClrLst/>
-  </dgm:styleLbl>
-  <dgm:styleLbl name="parChTrans1D2">
-    <dgm:fillClrLst meth="repeat">
-      <a:schemeClr val="dk2"/>
-    </dgm:fillClrLst>
-    <dgm:linClrLst meth="repeat">
-      <a:schemeClr val="dk2">
-        <a:shade val="60000"/>
-      </a:schemeClr>
-    </dgm:linClrLst>
-    <dgm:effectClrLst/>
-    <dgm:txLinClrLst/>
-    <dgm:txFillClrLst meth="repeat">
-      <a:schemeClr val="tx1"/>
-    </dgm:txFillClrLst>
-    <dgm:txEffectClrLst/>
-  </dgm:styleLbl>
-  <dgm:styleLbl name="parChTrans1D3">
-    <dgm:fillClrLst meth="repeat">
-      <a:schemeClr val="dk2"/>
-    </dgm:fillClrLst>
-    <dgm:linClrLst meth="repeat">
-      <a:schemeClr val="dk2">
-        <a:shade val="80000"/>
-      </a:schemeClr>
-    </dgm:linClrLst>
-    <dgm:effectClrLst/>
-    <dgm:txLinClrLst/>
-    <dgm:txFillClrLst meth="repeat">
-      <a:schemeClr val="tx1"/>
-    </dgm:txFillClrLst>
-    <dgm:txEffectClrLst/>
-  </dgm:styleLbl>
-  <dgm:styleLbl name="parChTrans1D4">
-    <dgm:fillClrLst meth="repeat">
-      <a:schemeClr val="dk2"/>
-    </dgm:fillClrLst>
-    <dgm:linClrLst meth="repeat">
-      <a:schemeClr val="dk2">
-        <a:shade val="80000"/>
-      </a:schemeClr>
-    </dgm:linClrLst>
-    <dgm:effectClrLst/>
-    <dgm:txLinClrLst/>
-    <dgm:txFillClrLst meth="repeat">
-      <a:schemeClr val="tx1"/>
-    </dgm:txFillClrLst>
-    <dgm:txEffectClrLst/>
-  </dgm:styleLbl>
-  <dgm:styleLbl name="fgAcc1">
-    <dgm:fillClrLst meth="repeat">
-      <a:schemeClr val="lt2">
-        <a:alpha val="90000"/>
-      </a:schemeClr>
-    </dgm:fillClrLst>
-    <dgm:linClrLst meth="repeat">
-      <a:schemeClr val="dk2"/>
-    </dgm:linClrLst>
-    <dgm:effectClrLst/>
-    <dgm:txLinClrLst/>
-    <dgm:txFillClrLst meth="repeat">
-      <a:schemeClr val="dk1"/>
-    </dgm:txFillClrLst>
-    <dgm:txEffectClrLst/>
-  </dgm:styleLbl>
-  <dgm:styleLbl name="conFgAcc1">
-    <dgm:fillClrLst meth="repeat">
-      <a:schemeClr val="lt2">
-        <a:alpha val="90000"/>
-      </a:schemeClr>
-    </dgm:fillClrLst>
-    <dgm:linClrLst meth="repeat">
-      <a:schemeClr val="dk2"/>
-    </dgm:linClrLst>
-    <dgm:effectClrLst/>
-    <dgm:txLinClrLst/>
-    <dgm:txFillClrLst meth="repeat">
-      <a:schemeClr val="dk1"/>
-    </dgm:txFillClrLst>
-    <dgm:txEffectClrLst/>
-  </dgm:styleLbl>
-  <dgm:styleLbl name="alignAcc1">
-    <dgm:fillClrLst meth="repeat">
-      <a:schemeClr val="lt2">
-        <a:alpha val="90000"/>
-      </a:schemeClr>
-    </dgm:fillClrLst>
-    <dgm:linClrLst meth="repeat">
-      <a:schemeClr val="dk2"/>
-    </dgm:linClrLst>
-    <dgm:effectClrLst/>
-    <dgm:txLinClrLst/>
-    <dgm:txFillClrLst meth="repeat">
-      <a:schemeClr val="dk1"/>
-    </dgm:txFillClrLst>
-    <dgm:txEffectClrLst/>
-  </dgm:styleLbl>
-  <dgm:styleLbl name="trAlignAcc1">
-    <dgm:fillClrLst meth="repeat">
-      <a:schemeClr val="lt2">
-        <a:alpha val="40000"/>
-      </a:schemeClr>
-    </dgm:fillClrLst>
-    <dgm:linClrLst meth="repeat">
-      <a:schemeClr val="dk2"/>
-    </dgm:linClrLst>
-    <dgm:effectClrLst/>
-    <dgm:txLinClrLst/>
-    <dgm:txFillClrLst meth="repeat">
-      <a:schemeClr val="dk1"/>
-    </dgm:txFillClrLst>
-    <dgm:txEffectClrLst/>
-  </dgm:styleLbl>
-  <dgm:styleLbl name="bgAcc1">
-    <dgm:fillClrLst meth="repeat">
-      <a:schemeClr val="lt2">
-        <a:alpha val="90000"/>
-      </a:schemeClr>
-    </dgm:fillClrLst>
-    <dgm:linClrLst meth="repeat">
-      <a:schemeClr val="dk2"/>
-    </dgm:linClrLst>
-    <dgm:effectClrLst/>
-    <dgm:txLinClrLst/>
-    <dgm:txFillClrLst meth="repeat">
-      <a:schemeClr val="dk1"/>
-    </dgm:txFillClrLst>
-    <dgm:txEffectClrLst/>
-  </dgm:styleLbl>
-  <dgm:styleLbl name="solidFgAcc1">
-    <dgm:fillClrLst meth="repeat">
-      <a:schemeClr val="lt2"/>
-    </dgm:fillClrLst>
-    <dgm:linClrLst meth="repeat">
-      <a:schemeClr val="dk2"/>
-    </dgm:linClrLst>
-    <dgm:effectClrLst/>
-    <dgm:txLinClrLst/>
-    <dgm:txFillClrLst meth="repeat">
-      <a:schemeClr val="dk1"/>
-    </dgm:txFillClrLst>
-    <dgm:txEffectClrLst/>
-  </dgm:styleLbl>
-  <dgm:styleLbl name="solidAlignAcc1">
-    <dgm:fillClrLst meth="repeat">
-      <a:schemeClr val="lt2"/>
-    </dgm:fillClrLst>
-    <dgm:linClrLst meth="repeat">
-      <a:schemeClr val="dk2"/>
-    </dgm:linClrLst>
-    <dgm:effectClrLst/>
-    <dgm:txLinClrLst/>
-    <dgm:txFillClrLst meth="repeat">
-      <a:schemeClr val="dk1"/>
-    </dgm:txFillClrLst>
-    <dgm:txEffectClrLst/>
-  </dgm:styleLbl>
-  <dgm:styleLbl name="solidBgAcc1">
-    <dgm:fillClrLst meth="repeat">
-      <a:schemeClr val="lt2"/>
-    </dgm:fillClrLst>
-    <dgm:linClrLst meth="repeat">
-      <a:schemeClr val="dk2"/>
-    </dgm:linClrLst>
-    <dgm:effectClrLst/>
-    <dgm:txLinClrLst/>
-    <dgm:txFillClrLst meth="repeat">
-      <a:schemeClr val="dk1"/>
-    </dgm:txFillClrLst>
-    <dgm:txEffectClrLst/>
-  </dgm:styleLbl>
-  <dgm:styleLbl name="fgAccFollowNode1">
-    <dgm:fillClrLst meth="repeat">
-      <a:schemeClr val="dk2">
-        <a:alpha val="90000"/>
-        <a:tint val="40000"/>
-      </a:schemeClr>
-    </dgm:fillClrLst>
-    <dgm:linClrLst meth="repeat">
-      <a:schemeClr val="dk2">
-        <a:alpha val="90000"/>
-        <a:tint val="40000"/>
-      </a:schemeClr>
-    </dgm:linClrLst>
-    <dgm:effectClrLst/>
-    <dgm:txLinClrLst/>
-    <dgm:txFillClrLst meth="repeat">
-      <a:schemeClr val="dk1"/>
-    </dgm:txFillClrLst>
-    <dgm:txEffectClrLst/>
-  </dgm:styleLbl>
-  <dgm:styleLbl name="alignAccFollowNode1">
-    <dgm:fillClrLst meth="repeat">
-      <a:schemeClr val="dk2">
-        <a:alpha val="90000"/>
-        <a:tint val="40000"/>
-      </a:schemeClr>
-    </dgm:fillClrLst>
-    <dgm:linClrLst meth="repeat">
-      <a:schemeClr val="dk2">
-        <a:alpha val="90000"/>
-        <a:tint val="40000"/>
-      </a:schemeClr>
-    </dgm:linClrLst>
-    <dgm:effectClrLst/>
-    <dgm:txLinClrLst/>
-    <dgm:txFillClrLst meth="repeat">
-      <a:schemeClr val="dk1"/>
-    </dgm:txFillClrLst>
-    <dgm:txEffectClrLst/>
-  </dgm:styleLbl>
-  <dgm:styleLbl name="bgAccFollowNode1">
-    <dgm:fillClrLst meth="repeat">
-      <a:schemeClr val="dk2">
-        <a:alpha val="90000"/>
-        <a:tint val="40000"/>
-      </a:schemeClr>
-    </dgm:fillClrLst>
-    <dgm:linClrLst meth="repeat">
-      <a:schemeClr val="dk2">
-        <a:alpha val="90000"/>
-        <a:tint val="40000"/>
-      </a:schemeClr>
-    </dgm:linClrLst>
-    <dgm:effectClrLst/>
-    <dgm:txLinClrLst/>
-    <dgm:txFillClrLst meth="repeat">
-      <a:schemeClr val="dk1"/>
-    </dgm:txFillClrLst>
-    <dgm:txEffectClrLst/>
-  </dgm:styleLbl>
-  <dgm:styleLbl name="fgAcc0">
-    <dgm:fillClrLst meth="repeat">
-      <a:schemeClr val="lt2">
-        <a:alpha val="90000"/>
-      </a:schemeClr>
-    </dgm:fillClrLst>
-    <dgm:linClrLst meth="repeat">
-      <a:schemeClr val="dk2"/>
-    </dgm:linClrLst>
-    <dgm:effectClrLst/>
-    <dgm:txLinClrLst/>
-    <dgm:txFillClrLst meth="repeat">
-      <a:schemeClr val="dk1"/>
-    </dgm:txFillClrLst>
-    <dgm:txEffectClrLst/>
-  </dgm:styleLbl>
-  <dgm:styleLbl name="fgAcc2">
-    <dgm:fillClrLst meth="repeat">
-      <a:schemeClr val="lt2">
-        <a:alpha val="90000"/>
-      </a:schemeClr>
-    </dgm:fillClrLst>
-    <dgm:linClrLst meth="repeat">
-      <a:schemeClr val="dk2"/>
-    </dgm:linClrLst>
-    <dgm:effectClrLst/>
-    <dgm:txLinClrLst/>
-    <dgm:txFillClrLst meth="repeat">
-      <a:schemeClr val="dk1"/>
-    </dgm:txFillClrLst>
-    <dgm:txEffectClrLst/>
-  </dgm:styleLbl>
-  <dgm:styleLbl name="fgAcc3">
-    <dgm:fillClrLst meth="repeat">
-      <a:schemeClr val="lt2">
-        <a:alpha val="90000"/>
-      </a:schemeClr>
-    </dgm:fillClrLst>
-    <dgm:linClrLst meth="repeat">
-      <a:schemeClr val="dk2"/>
-    </dgm:linClrLst>
-    <dgm:effectClrLst/>
-    <dgm:txLinClrLst/>
-    <dgm:txFillClrLst meth="repeat">
-      <a:schemeClr val="dk1"/>
-    </dgm:txFillClrLst>
-    <dgm:txEffectClrLst/>
-  </dgm:styleLbl>
-  <dgm:styleLbl name="fgAcc4">
-    <dgm:fillClrLst meth="repeat">
-      <a:schemeClr val="lt2">
-        <a:alpha val="90000"/>
-      </a:schemeClr>
-    </dgm:fillClrLst>
-    <dgm:linClrLst meth="repeat">
-      <a:schemeClr val="dk2"/>
-    </dgm:linClrLst>
-    <dgm:effectClrLst/>
-    <dgm:txLinClrLst/>
-    <dgm:txFillClrLst meth="repeat">
-      <a:schemeClr val="dk1"/>
-    </dgm:txFillClrLst>
-    <dgm:txEffectClrLst/>
-  </dgm:styleLbl>
-  <dgm:styleLbl name="bgShp">
-    <dgm:fillClrLst meth="repeat">
-      <a:schemeClr val="dk2">
-        <a:tint val="40000"/>
-      </a:schemeClr>
-    </dgm:fillClrLst>
-    <dgm:linClrLst meth="repeat">
-      <a:schemeClr val="dk2"/>
-    </dgm:linClrLst>
-    <dgm:effectClrLst/>
-    <dgm:txLinClrLst/>
-    <dgm:txFillClrLst meth="repeat">
-      <a:schemeClr val="dk1"/>
-    </dgm:txFillClrLst>
-    <dgm:txEffectClrLst/>
-  </dgm:styleLbl>
-  <dgm:styleLbl name="dkBgShp">
-    <dgm:fillClrLst meth="repeat">
-      <a:schemeClr val="dk2">
-        <a:shade val="80000"/>
-      </a:schemeClr>
-    </dgm:fillClrLst>
-    <dgm:linClrLst meth="repeat">
-      <a:schemeClr val="dk2"/>
-    </dgm:linClrLst>
-    <dgm:effectClrLst/>
-    <dgm:txLinClrLst/>
-    <dgm:txFillClrLst meth="repeat">
-      <a:schemeClr val="lt1"/>
-    </dgm:txFillClrLst>
-    <dgm:txEffectClrLst/>
-  </dgm:styleLbl>
-  <dgm:styleLbl name="trBgShp">
-    <dgm:fillClrLst meth="repeat">
-      <a:schemeClr val="dk2">
-        <a:tint val="50000"/>
-        <a:alpha val="40000"/>
-      </a:schemeClr>
-    </dgm:fillClrLst>
-    <dgm:linClrLst meth="repeat">
-      <a:schemeClr val="dk2"/>
-    </dgm:linClrLst>
-    <dgm:effectClrLst/>
-    <dgm:txLinClrLst/>
-    <dgm:txFillClrLst meth="repeat">
-      <a:schemeClr val="lt1"/>
-    </dgm:txFillClrLst>
-    <dgm:txEffectClrLst/>
-  </dgm:styleLbl>
-  <dgm:styleLbl name="fgShp">
-    <dgm:fillClrLst meth="repeat">
-      <a:schemeClr val="dk2">
-        <a:tint val="60000"/>
-      </a:schemeClr>
-    </dgm:fillClrLst>
-    <dgm:linClrLst meth="repeat">
-      <a:schemeClr val="lt2"/>
-    </dgm:linClrLst>
-    <dgm:effectClrLst/>
-    <dgm:txLinClrLst/>
-    <dgm:txFillClrLst meth="repeat">
-      <a:schemeClr val="dk1"/>
-    </dgm:txFillClrLst>
-    <dgm:txEffectClrLst/>
-  </dgm:styleLbl>
-  <dgm:styleLbl name="revTx">
-    <dgm:fillClrLst meth="repeat">
-      <a:schemeClr val="lt2">
         <a:alpha val="0"/>
       </a:schemeClr>
     </dgm:fillClrLst>
@@ -4312,51 +3561,6 @@
 </dgm:dataModel>
 </file>
 
-<file path=ppt/diagrams/data4.xml><?xml version="1.0" encoding="utf-8"?>
-<dgm:dataModel xmlns:dgm="http://schemas.openxmlformats.org/drawingml/2006/diagram" xmlns:a="http://schemas.openxmlformats.org/drawingml/2006/main">
-  <dgm:ptLst>
-    <dgm:pt modelId="{1E8F17C2-1BA6-4D65-AFAF-E07CC1745733}" type="doc">
-      <dgm:prSet loTypeId="urn:microsoft.com/office/officeart/2005/8/layout/list1" loCatId="list" qsTypeId="urn:microsoft.com/office/officeart/2005/8/quickstyle/simple1" qsCatId="simple" csTypeId="urn:microsoft.com/office/officeart/2005/8/colors/accent0_3" csCatId="mainScheme" phldr="1"/>
-      <dgm:spPr/>
-      <dgm:t>
-        <a:bodyPr/>
-        <a:lstStyle/>
-        <a:p>
-          <a:endParaRPr lang="en-IN"/>
-        </a:p>
-      </dgm:t>
-    </dgm:pt>
-    <dgm:pt modelId="{49FFDD09-FBE5-4C6B-885D-D0593784BDF2}" type="pres">
-      <dgm:prSet presAssocID="{1E8F17C2-1BA6-4D65-AFAF-E07CC1745733}" presName="linear" presStyleCnt="0">
-        <dgm:presLayoutVars>
-          <dgm:dir/>
-          <dgm:animLvl val="lvl"/>
-          <dgm:resizeHandles val="exact"/>
-        </dgm:presLayoutVars>
-      </dgm:prSet>
-      <dgm:spPr/>
-    </dgm:pt>
-  </dgm:ptLst>
-  <dgm:cxnLst>
-    <dgm:cxn modelId="{7A0674E9-0836-4063-B70A-F0729B20D3FB}" type="presOf" srcId="{1E8F17C2-1BA6-4D65-AFAF-E07CC1745733}" destId="{49FFDD09-FBE5-4C6B-885D-D0593784BDF2}" srcOrd="0" destOrd="0" presId="urn:microsoft.com/office/officeart/2005/8/layout/list1"/>
-  </dgm:cxnLst>
-  <dgm:bg>
-    <a:blipFill>
-      <a:blip xmlns:r="http://schemas.openxmlformats.org/officeDocument/2006/relationships" r:embed="rId1"/>
-      <a:stretch>
-        <a:fillRect/>
-      </a:stretch>
-    </a:blipFill>
-  </dgm:bg>
-  <dgm:whole/>
-  <dgm:extLst>
-    <a:ext uri="http://schemas.microsoft.com/office/drawing/2008/diagram">
-      <dsp:dataModelExt xmlns:dsp="http://schemas.microsoft.com/office/drawing/2008/diagram" relId="rId7" minVer="http://schemas.openxmlformats.org/drawingml/2006/diagram"/>
-    </a:ext>
-  </dgm:extLst>
-</dgm:dataModel>
-</file>
-
 <file path=ppt/diagrams/drawing1.xml><?xml version="1.0" encoding="utf-8"?>
 <dsp:drawing xmlns:dgm="http://schemas.openxmlformats.org/drawingml/2006/diagram" xmlns:dsp="http://schemas.microsoft.com/office/drawing/2008/diagram" xmlns:a="http://schemas.openxmlformats.org/drawingml/2006/main">
   <dsp:spTree>
@@ -5838,18 +5042,6 @@
         <a:ext cx="1763085" cy="705234"/>
       </dsp:txXfrm>
     </dsp:sp>
-  </dsp:spTree>
-</dsp:drawing>
-</file>
-
-<file path=ppt/diagrams/drawing4.xml><?xml version="1.0" encoding="utf-8"?>
-<dsp:drawing xmlns:dgm="http://schemas.openxmlformats.org/drawingml/2006/diagram" xmlns:dsp="http://schemas.microsoft.com/office/drawing/2008/diagram" xmlns:a="http://schemas.openxmlformats.org/drawingml/2006/main">
-  <dsp:spTree>
-    <dsp:nvGrpSpPr>
-      <dsp:cNvPr id="0" name=""/>
-      <dsp:cNvGrpSpPr/>
-    </dsp:nvGrpSpPr>
-    <dsp:grpSpPr/>
   </dsp:spTree>
 </dsp:drawing>
 </file>
@@ -6528,231 +5720,6 @@
 </dgm:layoutDef>
 </file>
 
-<file path=ppt/diagrams/layout4.xml><?xml version="1.0" encoding="utf-8"?>
-<dgm:layoutDef xmlns:dgm="http://schemas.openxmlformats.org/drawingml/2006/diagram" xmlns:a="http://schemas.openxmlformats.org/drawingml/2006/main" uniqueId="urn:microsoft.com/office/officeart/2005/8/layout/list1">
-  <dgm:title val=""/>
-  <dgm:desc val=""/>
-  <dgm:catLst>
-    <dgm:cat type="list" pri="4000"/>
-  </dgm:catLst>
-  <dgm:sampData>
-    <dgm:dataModel>
-      <dgm:ptLst>
-        <dgm:pt modelId="0" type="doc"/>
-        <dgm:pt modelId="1">
-          <dgm:prSet phldr="1"/>
-        </dgm:pt>
-        <dgm:pt modelId="2">
-          <dgm:prSet phldr="1"/>
-        </dgm:pt>
-        <dgm:pt modelId="3">
-          <dgm:prSet phldr="1"/>
-        </dgm:pt>
-      </dgm:ptLst>
-      <dgm:cxnLst>
-        <dgm:cxn modelId="4" srcId="0" destId="1" srcOrd="0" destOrd="0"/>
-        <dgm:cxn modelId="5" srcId="0" destId="2" srcOrd="1" destOrd="0"/>
-        <dgm:cxn modelId="6" srcId="0" destId="3" srcOrd="2" destOrd="0"/>
-      </dgm:cxnLst>
-      <dgm:bg/>
-      <dgm:whole/>
-    </dgm:dataModel>
-  </dgm:sampData>
-  <dgm:styleData>
-    <dgm:dataModel>
-      <dgm:ptLst>
-        <dgm:pt modelId="0" type="doc"/>
-        <dgm:pt modelId="1"/>
-        <dgm:pt modelId="2"/>
-      </dgm:ptLst>
-      <dgm:cxnLst>
-        <dgm:cxn modelId="4" srcId="0" destId="1" srcOrd="0" destOrd="0"/>
-        <dgm:cxn modelId="5" srcId="0" destId="2" srcOrd="1" destOrd="0"/>
-      </dgm:cxnLst>
-      <dgm:bg/>
-      <dgm:whole/>
-    </dgm:dataModel>
-  </dgm:styleData>
-  <dgm:clrData>
-    <dgm:dataModel>
-      <dgm:ptLst>
-        <dgm:pt modelId="0" type="doc"/>
-        <dgm:pt modelId="1"/>
-        <dgm:pt modelId="2"/>
-        <dgm:pt modelId="3"/>
-        <dgm:pt modelId="4"/>
-      </dgm:ptLst>
-      <dgm:cxnLst>
-        <dgm:cxn modelId="5" srcId="0" destId="1" srcOrd="0" destOrd="0"/>
-        <dgm:cxn modelId="6" srcId="0" destId="2" srcOrd="1" destOrd="0"/>
-        <dgm:cxn modelId="7" srcId="0" destId="3" srcOrd="2" destOrd="0"/>
-        <dgm:cxn modelId="8" srcId="0" destId="4" srcOrd="3" destOrd="0"/>
-      </dgm:cxnLst>
-      <dgm:bg/>
-      <dgm:whole/>
-    </dgm:dataModel>
-  </dgm:clrData>
-  <dgm:layoutNode name="linear">
-    <dgm:varLst>
-      <dgm:dir/>
-      <dgm:animLvl val="lvl"/>
-      <dgm:resizeHandles val="exact"/>
-    </dgm:varLst>
-    <dgm:choose name="Name0">
-      <dgm:if name="Name1" func="var" arg="dir" op="equ" val="norm">
-        <dgm:alg type="lin">
-          <dgm:param type="linDir" val="fromT"/>
-          <dgm:param type="vertAlign" val="mid"/>
-          <dgm:param type="horzAlign" val="l"/>
-          <dgm:param type="nodeHorzAlign" val="l"/>
-        </dgm:alg>
-      </dgm:if>
-      <dgm:else name="Name2">
-        <dgm:alg type="lin">
-          <dgm:param type="linDir" val="fromT"/>
-          <dgm:param type="vertAlign" val="mid"/>
-          <dgm:param type="horzAlign" val="r"/>
-          <dgm:param type="nodeHorzAlign" val="r"/>
-        </dgm:alg>
-      </dgm:else>
-    </dgm:choose>
-    <dgm:shape xmlns:r="http://schemas.openxmlformats.org/officeDocument/2006/relationships" r:blip="">
-      <dgm:adjLst/>
-    </dgm:shape>
-    <dgm:presOf/>
-    <dgm:constrLst>
-      <dgm:constr type="w" for="ch" forName="parentLin" refType="w"/>
-      <dgm:constr type="h" for="ch" forName="parentLin" val="INF"/>
-      <dgm:constr type="w" for="des" forName="parentLeftMargin" refType="w" fact="0.05"/>
-      <dgm:constr type="w" for="des" forName="parentText" refType="w" fact="0.7"/>
-      <dgm:constr type="h" for="des" forName="parentText" refType="primFontSz" refFor="des" refForName="parentText" fact="0.82"/>
-      <dgm:constr type="h" for="ch" forName="negativeSpace" refType="primFontSz" refFor="des" refForName="parentText" fact="-0.41"/>
-      <dgm:constr type="h" for="ch" forName="negativeSpace" refType="h" refFor="des" refForName="parentText" op="lte" fact="-0.82"/>
-      <dgm:constr type="h" for="ch" forName="negativeSpace" refType="h" refFor="des" refForName="parentText" op="gte" fact="-0.82"/>
-      <dgm:constr type="w" for="ch" forName="childText" refType="w"/>
-      <dgm:constr type="h" for="ch" forName="childText" refType="primFontSz" refFor="des" refForName="parentText" fact="0.7"/>
-      <dgm:constr type="primFontSz" for="des" forName="parentText" val="65"/>
-      <dgm:constr type="primFontSz" for="ch" forName="childText" refType="primFontSz" refFor="des" refForName="parentText"/>
-      <dgm:constr type="tMarg" for="ch" forName="childText" refType="primFontSz" refFor="des" refForName="parentText" fact="1.64"/>
-      <dgm:constr type="tMarg" for="ch" forName="childText" refType="h" refFor="des" refForName="parentText" op="lte" fact="3.28"/>
-      <dgm:constr type="tMarg" for="ch" forName="childText" refType="h" refFor="des" refForName="parentText" op="gte" fact="3.28"/>
-      <dgm:constr type="lMarg" for="ch" forName="childText" refType="w" fact="0.22"/>
-      <dgm:constr type="rMarg" for="ch" forName="childText" refType="lMarg" refFor="ch" refForName="childText"/>
-      <dgm:constr type="lMarg" for="des" forName="parentText" refType="w" fact="0.075"/>
-      <dgm:constr type="rMarg" for="des" forName="parentText" refType="lMarg" refFor="des" refForName="parentText"/>
-      <dgm:constr type="h" for="ch" forName="spaceBetweenRectangles" refType="primFontSz" refFor="des" refForName="parentText" fact="0.15"/>
-    </dgm:constrLst>
-    <dgm:ruleLst>
-      <dgm:rule type="primFontSz" for="des" forName="parentText" val="5" fact="NaN" max="NaN"/>
-    </dgm:ruleLst>
-    <dgm:forEach name="Name3" axis="ch" ptType="node">
-      <dgm:layoutNode name="parentLin">
-        <dgm:choose name="Name4">
-          <dgm:if name="Name5" func="var" arg="dir" op="equ" val="norm">
-            <dgm:alg type="lin">
-              <dgm:param type="linDir" val="fromL"/>
-              <dgm:param type="horzAlign" val="l"/>
-              <dgm:param type="nodeHorzAlign" val="l"/>
-            </dgm:alg>
-          </dgm:if>
-          <dgm:else name="Name6">
-            <dgm:alg type="lin">
-              <dgm:param type="linDir" val="fromR"/>
-              <dgm:param type="horzAlign" val="r"/>
-              <dgm:param type="nodeHorzAlign" val="r"/>
-            </dgm:alg>
-          </dgm:else>
-        </dgm:choose>
-        <dgm:shape xmlns:r="http://schemas.openxmlformats.org/officeDocument/2006/relationships" r:blip="">
-          <dgm:adjLst/>
-        </dgm:shape>
-        <dgm:presOf/>
-        <dgm:constrLst/>
-        <dgm:ruleLst/>
-        <dgm:layoutNode name="parentLeftMargin">
-          <dgm:alg type="sp"/>
-          <dgm:shape xmlns:r="http://schemas.openxmlformats.org/officeDocument/2006/relationships" type="rect" r:blip="" hideGeom="1">
-            <dgm:adjLst/>
-          </dgm:shape>
-          <dgm:presOf axis="self"/>
-          <dgm:constrLst>
-            <dgm:constr type="h"/>
-          </dgm:constrLst>
-          <dgm:ruleLst/>
-        </dgm:layoutNode>
-        <dgm:layoutNode name="parentText" styleLbl="node1">
-          <dgm:varLst>
-            <dgm:chMax val="0"/>
-            <dgm:bulletEnabled val="1"/>
-          </dgm:varLst>
-          <dgm:choose name="Name7">
-            <dgm:if name="Name8" func="var" arg="dir" op="equ" val="norm">
-              <dgm:alg type="tx">
-                <dgm:param type="parTxLTRAlign" val="l"/>
-                <dgm:param type="parTxRTLAlign" val="l"/>
-              </dgm:alg>
-            </dgm:if>
-            <dgm:else name="Name9">
-              <dgm:alg type="tx">
-                <dgm:param type="parTxLTRAlign" val="r"/>
-                <dgm:param type="parTxRTLAlign" val="r"/>
-              </dgm:alg>
-            </dgm:else>
-          </dgm:choose>
-          <dgm:shape xmlns:r="http://schemas.openxmlformats.org/officeDocument/2006/relationships" type="roundRect" r:blip="">
-            <dgm:adjLst/>
-          </dgm:shape>
-          <dgm:presOf axis="self" ptType="node"/>
-          <dgm:constrLst>
-            <dgm:constr type="tMarg"/>
-            <dgm:constr type="bMarg"/>
-          </dgm:constrLst>
-          <dgm:ruleLst/>
-        </dgm:layoutNode>
-      </dgm:layoutNode>
-      <dgm:layoutNode name="negativeSpace">
-        <dgm:alg type="sp"/>
-        <dgm:shape xmlns:r="http://schemas.openxmlformats.org/officeDocument/2006/relationships" r:blip="">
-          <dgm:adjLst/>
-        </dgm:shape>
-        <dgm:presOf/>
-        <dgm:constrLst/>
-        <dgm:ruleLst/>
-      </dgm:layoutNode>
-      <dgm:layoutNode name="childText" styleLbl="conFgAcc1">
-        <dgm:varLst>
-          <dgm:bulletEnabled val="1"/>
-        </dgm:varLst>
-        <dgm:alg type="tx">
-          <dgm:param type="stBulletLvl" val="1"/>
-        </dgm:alg>
-        <dgm:shape xmlns:r="http://schemas.openxmlformats.org/officeDocument/2006/relationships" type="rect" r:blip="" zOrderOff="-2">
-          <dgm:adjLst/>
-        </dgm:shape>
-        <dgm:presOf axis="des" ptType="node"/>
-        <dgm:constrLst>
-          <dgm:constr type="secFontSz" refType="primFontSz"/>
-        </dgm:constrLst>
-        <dgm:ruleLst>
-          <dgm:rule type="h" val="INF" fact="NaN" max="NaN"/>
-        </dgm:ruleLst>
-      </dgm:layoutNode>
-      <dgm:forEach name="Name10" axis="followSib" ptType="sibTrans" cnt="1">
-        <dgm:layoutNode name="spaceBetweenRectangles">
-          <dgm:alg type="sp"/>
-          <dgm:shape xmlns:r="http://schemas.openxmlformats.org/officeDocument/2006/relationships" r:blip="">
-            <dgm:adjLst/>
-          </dgm:shape>
-          <dgm:presOf/>
-          <dgm:constrLst/>
-          <dgm:ruleLst/>
-        </dgm:layoutNode>
-      </dgm:forEach>
-    </dgm:forEach>
-  </dgm:layoutNode>
-</dgm:layoutDef>
-</file>
-
 <file path=ppt/diagrams/quickStyle1.xml><?xml version="1.0" encoding="utf-8"?>
 <dgm:styleDef xmlns:dgm="http://schemas.openxmlformats.org/drawingml/2006/diagram" xmlns:a="http://schemas.openxmlformats.org/drawingml/2006/main" uniqueId="urn:microsoft.com/office/officeart/2005/8/quickstyle/simple1">
   <dgm:title val=""/>
@@ -8822,1040 +7789,6 @@
 </file>
 
 <file path=ppt/diagrams/quickStyle3.xml><?xml version="1.0" encoding="utf-8"?>
-<dgm:styleDef xmlns:dgm="http://schemas.openxmlformats.org/drawingml/2006/diagram" xmlns:a="http://schemas.openxmlformats.org/drawingml/2006/main" uniqueId="urn:microsoft.com/office/officeart/2005/8/quickstyle/simple1">
-  <dgm:title val=""/>
-  <dgm:desc val=""/>
-  <dgm:catLst>
-    <dgm:cat type="simple" pri="10100"/>
-  </dgm:catLst>
-  <dgm:scene3d>
-    <a:camera prst="orthographicFront"/>
-    <a:lightRig rig="threePt" dir="t"/>
-  </dgm:scene3d>
-  <dgm:styleLbl name="node0">
-    <dgm:scene3d>
-      <a:camera prst="orthographicFront"/>
-      <a:lightRig rig="threePt" dir="t"/>
-    </dgm:scene3d>
-    <dgm:sp3d/>
-    <dgm:txPr/>
-    <dgm:style>
-      <a:lnRef idx="2">
-        <a:scrgbClr r="0" g="0" b="0"/>
-      </a:lnRef>
-      <a:fillRef idx="1">
-        <a:scrgbClr r="0" g="0" b="0"/>
-      </a:fillRef>
-      <a:effectRef idx="0">
-        <a:scrgbClr r="0" g="0" b="0"/>
-      </a:effectRef>
-      <a:fontRef idx="minor">
-        <a:schemeClr val="lt1"/>
-      </a:fontRef>
-    </dgm:style>
-  </dgm:styleLbl>
-  <dgm:styleLbl name="lnNode1">
-    <dgm:scene3d>
-      <a:camera prst="orthographicFront"/>
-      <a:lightRig rig="threePt" dir="t"/>
-    </dgm:scene3d>
-    <dgm:sp3d/>
-    <dgm:txPr/>
-    <dgm:style>
-      <a:lnRef idx="2">
-        <a:scrgbClr r="0" g="0" b="0"/>
-      </a:lnRef>
-      <a:fillRef idx="1">
-        <a:scrgbClr r="0" g="0" b="0"/>
-      </a:fillRef>
-      <a:effectRef idx="0">
-        <a:scrgbClr r="0" g="0" b="0"/>
-      </a:effectRef>
-      <a:fontRef idx="minor">
-        <a:schemeClr val="lt1"/>
-      </a:fontRef>
-    </dgm:style>
-  </dgm:styleLbl>
-  <dgm:styleLbl name="vennNode1">
-    <dgm:scene3d>
-      <a:camera prst="orthographicFront"/>
-      <a:lightRig rig="threePt" dir="t"/>
-    </dgm:scene3d>
-    <dgm:sp3d/>
-    <dgm:txPr/>
-    <dgm:style>
-      <a:lnRef idx="2">
-        <a:scrgbClr r="0" g="0" b="0"/>
-      </a:lnRef>
-      <a:fillRef idx="1">
-        <a:scrgbClr r="0" g="0" b="0"/>
-      </a:fillRef>
-      <a:effectRef idx="0">
-        <a:scrgbClr r="0" g="0" b="0"/>
-      </a:effectRef>
-      <a:fontRef idx="minor">
-        <a:schemeClr val="tx1"/>
-      </a:fontRef>
-    </dgm:style>
-  </dgm:styleLbl>
-  <dgm:styleLbl name="alignNode1">
-    <dgm:scene3d>
-      <a:camera prst="orthographicFront"/>
-      <a:lightRig rig="threePt" dir="t"/>
-    </dgm:scene3d>
-    <dgm:sp3d/>
-    <dgm:txPr/>
-    <dgm:style>
-      <a:lnRef idx="2">
-        <a:scrgbClr r="0" g="0" b="0"/>
-      </a:lnRef>
-      <a:fillRef idx="1">
-        <a:scrgbClr r="0" g="0" b="0"/>
-      </a:fillRef>
-      <a:effectRef idx="0">
-        <a:scrgbClr r="0" g="0" b="0"/>
-      </a:effectRef>
-      <a:fontRef idx="minor">
-        <a:schemeClr val="lt1"/>
-      </a:fontRef>
-    </dgm:style>
-  </dgm:styleLbl>
-  <dgm:styleLbl name="node1">
-    <dgm:scene3d>
-      <a:camera prst="orthographicFront"/>
-      <a:lightRig rig="threePt" dir="t"/>
-    </dgm:scene3d>
-    <dgm:sp3d/>
-    <dgm:txPr/>
-    <dgm:style>
-      <a:lnRef idx="2">
-        <a:scrgbClr r="0" g="0" b="0"/>
-      </a:lnRef>
-      <a:fillRef idx="1">
-        <a:scrgbClr r="0" g="0" b="0"/>
-      </a:fillRef>
-      <a:effectRef idx="0">
-        <a:scrgbClr r="0" g="0" b="0"/>
-      </a:effectRef>
-      <a:fontRef idx="minor">
-        <a:schemeClr val="lt1"/>
-      </a:fontRef>
-    </dgm:style>
-  </dgm:styleLbl>
-  <dgm:styleLbl name="node2">
-    <dgm:scene3d>
-      <a:camera prst="orthographicFront"/>
-      <a:lightRig rig="threePt" dir="t"/>
-    </dgm:scene3d>
-    <dgm:sp3d/>
-    <dgm:txPr/>
-    <dgm:style>
-      <a:lnRef idx="2">
-        <a:scrgbClr r="0" g="0" b="0"/>
-      </a:lnRef>
-      <a:fillRef idx="1">
-        <a:scrgbClr r="0" g="0" b="0"/>
-      </a:fillRef>
-      <a:effectRef idx="0">
-        <a:scrgbClr r="0" g="0" b="0"/>
-      </a:effectRef>
-      <a:fontRef idx="minor">
-        <a:schemeClr val="lt1"/>
-      </a:fontRef>
-    </dgm:style>
-  </dgm:styleLbl>
-  <dgm:styleLbl name="node3">
-    <dgm:scene3d>
-      <a:camera prst="orthographicFront"/>
-      <a:lightRig rig="threePt" dir="t"/>
-    </dgm:scene3d>
-    <dgm:sp3d/>
-    <dgm:txPr/>
-    <dgm:style>
-      <a:lnRef idx="2">
-        <a:scrgbClr r="0" g="0" b="0"/>
-      </a:lnRef>
-      <a:fillRef idx="1">
-        <a:scrgbClr r="0" g="0" b="0"/>
-      </a:fillRef>
-      <a:effectRef idx="0">
-        <a:scrgbClr r="0" g="0" b="0"/>
-      </a:effectRef>
-      <a:fontRef idx="minor">
-        <a:schemeClr val="lt1"/>
-      </a:fontRef>
-    </dgm:style>
-  </dgm:styleLbl>
-  <dgm:styleLbl name="node4">
-    <dgm:scene3d>
-      <a:camera prst="orthographicFront"/>
-      <a:lightRig rig="threePt" dir="t"/>
-    </dgm:scene3d>
-    <dgm:sp3d/>
-    <dgm:txPr/>
-    <dgm:style>
-      <a:lnRef idx="2">
-        <a:scrgbClr r="0" g="0" b="0"/>
-      </a:lnRef>
-      <a:fillRef idx="1">
-        <a:scrgbClr r="0" g="0" b="0"/>
-      </a:fillRef>
-      <a:effectRef idx="0">
-        <a:scrgbClr r="0" g="0" b="0"/>
-      </a:effectRef>
-      <a:fontRef idx="minor">
-        <a:schemeClr val="lt1"/>
-      </a:fontRef>
-    </dgm:style>
-  </dgm:styleLbl>
-  <dgm:styleLbl name="fgImgPlace1">
-    <dgm:scene3d>
-      <a:camera prst="orthographicFront"/>
-      <a:lightRig rig="threePt" dir="t"/>
-    </dgm:scene3d>
-    <dgm:sp3d/>
-    <dgm:txPr/>
-    <dgm:style>
-      <a:lnRef idx="2">
-        <a:scrgbClr r="0" g="0" b="0"/>
-      </a:lnRef>
-      <a:fillRef idx="1">
-        <a:scrgbClr r="0" g="0" b="0"/>
-      </a:fillRef>
-      <a:effectRef idx="0">
-        <a:scrgbClr r="0" g="0" b="0"/>
-      </a:effectRef>
-      <a:fontRef idx="minor"/>
-    </dgm:style>
-  </dgm:styleLbl>
-  <dgm:styleLbl name="alignImgPlace1">
-    <dgm:scene3d>
-      <a:camera prst="orthographicFront"/>
-      <a:lightRig rig="threePt" dir="t"/>
-    </dgm:scene3d>
-    <dgm:sp3d/>
-    <dgm:txPr/>
-    <dgm:style>
-      <a:lnRef idx="2">
-        <a:scrgbClr r="0" g="0" b="0"/>
-      </a:lnRef>
-      <a:fillRef idx="1">
-        <a:scrgbClr r="0" g="0" b="0"/>
-      </a:fillRef>
-      <a:effectRef idx="0">
-        <a:scrgbClr r="0" g="0" b="0"/>
-      </a:effectRef>
-      <a:fontRef idx="minor"/>
-    </dgm:style>
-  </dgm:styleLbl>
-  <dgm:styleLbl name="bgImgPlace1">
-    <dgm:scene3d>
-      <a:camera prst="orthographicFront"/>
-      <a:lightRig rig="threePt" dir="t"/>
-    </dgm:scene3d>
-    <dgm:sp3d/>
-    <dgm:txPr/>
-    <dgm:style>
-      <a:lnRef idx="2">
-        <a:scrgbClr r="0" g="0" b="0"/>
-      </a:lnRef>
-      <a:fillRef idx="1">
-        <a:scrgbClr r="0" g="0" b="0"/>
-      </a:fillRef>
-      <a:effectRef idx="0">
-        <a:scrgbClr r="0" g="0" b="0"/>
-      </a:effectRef>
-      <a:fontRef idx="minor"/>
-    </dgm:style>
-  </dgm:styleLbl>
-  <dgm:styleLbl name="sibTrans2D1">
-    <dgm:scene3d>
-      <a:camera prst="orthographicFront"/>
-      <a:lightRig rig="threePt" dir="t"/>
-    </dgm:scene3d>
-    <dgm:sp3d/>
-    <dgm:txPr/>
-    <dgm:style>
-      <a:lnRef idx="0">
-        <a:scrgbClr r="0" g="0" b="0"/>
-      </a:lnRef>
-      <a:fillRef idx="1">
-        <a:scrgbClr r="0" g="0" b="0"/>
-      </a:fillRef>
-      <a:effectRef idx="0">
-        <a:scrgbClr r="0" g="0" b="0"/>
-      </a:effectRef>
-      <a:fontRef idx="minor">
-        <a:schemeClr val="lt1"/>
-      </a:fontRef>
-    </dgm:style>
-  </dgm:styleLbl>
-  <dgm:styleLbl name="fgSibTrans2D1">
-    <dgm:scene3d>
-      <a:camera prst="orthographicFront"/>
-      <a:lightRig rig="threePt" dir="t"/>
-    </dgm:scene3d>
-    <dgm:sp3d/>
-    <dgm:txPr/>
-    <dgm:style>
-      <a:lnRef idx="0">
-        <a:scrgbClr r="0" g="0" b="0"/>
-      </a:lnRef>
-      <a:fillRef idx="1">
-        <a:scrgbClr r="0" g="0" b="0"/>
-      </a:fillRef>
-      <a:effectRef idx="0">
-        <a:scrgbClr r="0" g="0" b="0"/>
-      </a:effectRef>
-      <a:fontRef idx="minor">
-        <a:schemeClr val="lt1"/>
-      </a:fontRef>
-    </dgm:style>
-  </dgm:styleLbl>
-  <dgm:styleLbl name="bgSibTrans2D1">
-    <dgm:scene3d>
-      <a:camera prst="orthographicFront"/>
-      <a:lightRig rig="threePt" dir="t"/>
-    </dgm:scene3d>
-    <dgm:sp3d/>
-    <dgm:txPr/>
-    <dgm:style>
-      <a:lnRef idx="0">
-        <a:scrgbClr r="0" g="0" b="0"/>
-      </a:lnRef>
-      <a:fillRef idx="1">
-        <a:scrgbClr r="0" g="0" b="0"/>
-      </a:fillRef>
-      <a:effectRef idx="0">
-        <a:scrgbClr r="0" g="0" b="0"/>
-      </a:effectRef>
-      <a:fontRef idx="minor">
-        <a:schemeClr val="lt1"/>
-      </a:fontRef>
-    </dgm:style>
-  </dgm:styleLbl>
-  <dgm:styleLbl name="sibTrans1D1">
-    <dgm:scene3d>
-      <a:camera prst="orthographicFront"/>
-      <a:lightRig rig="threePt" dir="t"/>
-    </dgm:scene3d>
-    <dgm:sp3d/>
-    <dgm:txPr/>
-    <dgm:style>
-      <a:lnRef idx="1">
-        <a:scrgbClr r="0" g="0" b="0"/>
-      </a:lnRef>
-      <a:fillRef idx="0">
-        <a:scrgbClr r="0" g="0" b="0"/>
-      </a:fillRef>
-      <a:effectRef idx="0">
-        <a:scrgbClr r="0" g="0" b="0"/>
-      </a:effectRef>
-      <a:fontRef idx="minor"/>
-    </dgm:style>
-  </dgm:styleLbl>
-  <dgm:styleLbl name="callout">
-    <dgm:scene3d>
-      <a:camera prst="orthographicFront"/>
-      <a:lightRig rig="threePt" dir="t"/>
-    </dgm:scene3d>
-    <dgm:sp3d/>
-    <dgm:txPr/>
-    <dgm:style>
-      <a:lnRef idx="2">
-        <a:scrgbClr r="0" g="0" b="0"/>
-      </a:lnRef>
-      <a:fillRef idx="1">
-        <a:scrgbClr r="0" g="0" b="0"/>
-      </a:fillRef>
-      <a:effectRef idx="0">
-        <a:scrgbClr r="0" g="0" b="0"/>
-      </a:effectRef>
-      <a:fontRef idx="minor"/>
-    </dgm:style>
-  </dgm:styleLbl>
-  <dgm:styleLbl name="asst0">
-    <dgm:scene3d>
-      <a:camera prst="orthographicFront"/>
-      <a:lightRig rig="threePt" dir="t"/>
-    </dgm:scene3d>
-    <dgm:sp3d/>
-    <dgm:txPr/>
-    <dgm:style>
-      <a:lnRef idx="2">
-        <a:scrgbClr r="0" g="0" b="0"/>
-      </a:lnRef>
-      <a:fillRef idx="1">
-        <a:scrgbClr r="0" g="0" b="0"/>
-      </a:fillRef>
-      <a:effectRef idx="0">
-        <a:scrgbClr r="0" g="0" b="0"/>
-      </a:effectRef>
-      <a:fontRef idx="minor">
-        <a:schemeClr val="lt1"/>
-      </a:fontRef>
-    </dgm:style>
-  </dgm:styleLbl>
-  <dgm:styleLbl name="asst1">
-    <dgm:scene3d>
-      <a:camera prst="orthographicFront"/>
-      <a:lightRig rig="threePt" dir="t"/>
-    </dgm:scene3d>
-    <dgm:sp3d/>
-    <dgm:txPr/>
-    <dgm:style>
-      <a:lnRef idx="2">
-        <a:scrgbClr r="0" g="0" b="0"/>
-      </a:lnRef>
-      <a:fillRef idx="1">
-        <a:scrgbClr r="0" g="0" b="0"/>
-      </a:fillRef>
-      <a:effectRef idx="0">
-        <a:scrgbClr r="0" g="0" b="0"/>
-      </a:effectRef>
-      <a:fontRef idx="minor">
-        <a:schemeClr val="lt1"/>
-      </a:fontRef>
-    </dgm:style>
-  </dgm:styleLbl>
-  <dgm:styleLbl name="asst2">
-    <dgm:scene3d>
-      <a:camera prst="orthographicFront"/>
-      <a:lightRig rig="threePt" dir="t"/>
-    </dgm:scene3d>
-    <dgm:sp3d/>
-    <dgm:txPr/>
-    <dgm:style>
-      <a:lnRef idx="2">
-        <a:scrgbClr r="0" g="0" b="0"/>
-      </a:lnRef>
-      <a:fillRef idx="1">
-        <a:scrgbClr r="0" g="0" b="0"/>
-      </a:fillRef>
-      <a:effectRef idx="0">
-        <a:scrgbClr r="0" g="0" b="0"/>
-      </a:effectRef>
-      <a:fontRef idx="minor">
-        <a:schemeClr val="lt1"/>
-      </a:fontRef>
-    </dgm:style>
-  </dgm:styleLbl>
-  <dgm:styleLbl name="asst3">
-    <dgm:scene3d>
-      <a:camera prst="orthographicFront"/>
-      <a:lightRig rig="threePt" dir="t"/>
-    </dgm:scene3d>
-    <dgm:sp3d/>
-    <dgm:txPr/>
-    <dgm:style>
-      <a:lnRef idx="2">
-        <a:scrgbClr r="0" g="0" b="0"/>
-      </a:lnRef>
-      <a:fillRef idx="1">
-        <a:scrgbClr r="0" g="0" b="0"/>
-      </a:fillRef>
-      <a:effectRef idx="0">
-        <a:scrgbClr r="0" g="0" b="0"/>
-      </a:effectRef>
-      <a:fontRef idx="minor">
-        <a:schemeClr val="lt1"/>
-      </a:fontRef>
-    </dgm:style>
-  </dgm:styleLbl>
-  <dgm:styleLbl name="asst4">
-    <dgm:scene3d>
-      <a:camera prst="orthographicFront"/>
-      <a:lightRig rig="threePt" dir="t"/>
-    </dgm:scene3d>
-    <dgm:sp3d/>
-    <dgm:txPr/>
-    <dgm:style>
-      <a:lnRef idx="2">
-        <a:scrgbClr r="0" g="0" b="0"/>
-      </a:lnRef>
-      <a:fillRef idx="1">
-        <a:scrgbClr r="0" g="0" b="0"/>
-      </a:fillRef>
-      <a:effectRef idx="0">
-        <a:scrgbClr r="0" g="0" b="0"/>
-      </a:effectRef>
-      <a:fontRef idx="minor">
-        <a:schemeClr val="lt1"/>
-      </a:fontRef>
-    </dgm:style>
-  </dgm:styleLbl>
-  <dgm:styleLbl name="parChTrans2D1">
-    <dgm:scene3d>
-      <a:camera prst="orthographicFront"/>
-      <a:lightRig rig="threePt" dir="t"/>
-    </dgm:scene3d>
-    <dgm:sp3d/>
-    <dgm:txPr/>
-    <dgm:style>
-      <a:lnRef idx="2">
-        <a:scrgbClr r="0" g="0" b="0"/>
-      </a:lnRef>
-      <a:fillRef idx="1">
-        <a:scrgbClr r="0" g="0" b="0"/>
-      </a:fillRef>
-      <a:effectRef idx="0">
-        <a:scrgbClr r="0" g="0" b="0"/>
-      </a:effectRef>
-      <a:fontRef idx="minor">
-        <a:schemeClr val="lt1"/>
-      </a:fontRef>
-    </dgm:style>
-  </dgm:styleLbl>
-  <dgm:styleLbl name="parChTrans2D2">
-    <dgm:scene3d>
-      <a:camera prst="orthographicFront"/>
-      <a:lightRig rig="threePt" dir="t"/>
-    </dgm:scene3d>
-    <dgm:sp3d/>
-    <dgm:txPr/>
-    <dgm:style>
-      <a:lnRef idx="2">
-        <a:scrgbClr r="0" g="0" b="0"/>
-      </a:lnRef>
-      <a:fillRef idx="1">
-        <a:scrgbClr r="0" g="0" b="0"/>
-      </a:fillRef>
-      <a:effectRef idx="0">
-        <a:scrgbClr r="0" g="0" b="0"/>
-      </a:effectRef>
-      <a:fontRef idx="minor">
-        <a:schemeClr val="lt1"/>
-      </a:fontRef>
-    </dgm:style>
-  </dgm:styleLbl>
-  <dgm:styleLbl name="parChTrans2D3">
-    <dgm:scene3d>
-      <a:camera prst="orthographicFront"/>
-      <a:lightRig rig="threePt" dir="t"/>
-    </dgm:scene3d>
-    <dgm:sp3d/>
-    <dgm:txPr/>
-    <dgm:style>
-      <a:lnRef idx="2">
-        <a:scrgbClr r="0" g="0" b="0"/>
-      </a:lnRef>
-      <a:fillRef idx="1">
-        <a:scrgbClr r="0" g="0" b="0"/>
-      </a:fillRef>
-      <a:effectRef idx="0">
-        <a:scrgbClr r="0" g="0" b="0"/>
-      </a:effectRef>
-      <a:fontRef idx="minor">
-        <a:schemeClr val="lt1"/>
-      </a:fontRef>
-    </dgm:style>
-  </dgm:styleLbl>
-  <dgm:styleLbl name="parChTrans2D4">
-    <dgm:scene3d>
-      <a:camera prst="orthographicFront"/>
-      <a:lightRig rig="threePt" dir="t"/>
-    </dgm:scene3d>
-    <dgm:sp3d/>
-    <dgm:txPr/>
-    <dgm:style>
-      <a:lnRef idx="2">
-        <a:scrgbClr r="0" g="0" b="0"/>
-      </a:lnRef>
-      <a:fillRef idx="1">
-        <a:scrgbClr r="0" g="0" b="0"/>
-      </a:fillRef>
-      <a:effectRef idx="0">
-        <a:scrgbClr r="0" g="0" b="0"/>
-      </a:effectRef>
-      <a:fontRef idx="minor">
-        <a:schemeClr val="lt1"/>
-      </a:fontRef>
-    </dgm:style>
-  </dgm:styleLbl>
-  <dgm:styleLbl name="parChTrans1D1">
-    <dgm:scene3d>
-      <a:camera prst="orthographicFront"/>
-      <a:lightRig rig="threePt" dir="t"/>
-    </dgm:scene3d>
-    <dgm:sp3d/>
-    <dgm:txPr/>
-    <dgm:style>
-      <a:lnRef idx="2">
-        <a:scrgbClr r="0" g="0" b="0"/>
-      </a:lnRef>
-      <a:fillRef idx="0">
-        <a:scrgbClr r="0" g="0" b="0"/>
-      </a:fillRef>
-      <a:effectRef idx="0">
-        <a:scrgbClr r="0" g="0" b="0"/>
-      </a:effectRef>
-      <a:fontRef idx="minor"/>
-    </dgm:style>
-  </dgm:styleLbl>
-  <dgm:styleLbl name="parChTrans1D2">
-    <dgm:scene3d>
-      <a:camera prst="orthographicFront"/>
-      <a:lightRig rig="threePt" dir="t"/>
-    </dgm:scene3d>
-    <dgm:sp3d/>
-    <dgm:txPr/>
-    <dgm:style>
-      <a:lnRef idx="2">
-        <a:scrgbClr r="0" g="0" b="0"/>
-      </a:lnRef>
-      <a:fillRef idx="0">
-        <a:scrgbClr r="0" g="0" b="0"/>
-      </a:fillRef>
-      <a:effectRef idx="0">
-        <a:scrgbClr r="0" g="0" b="0"/>
-      </a:effectRef>
-      <a:fontRef idx="minor"/>
-    </dgm:style>
-  </dgm:styleLbl>
-  <dgm:styleLbl name="parChTrans1D3">
-    <dgm:scene3d>
-      <a:camera prst="orthographicFront"/>
-      <a:lightRig rig="threePt" dir="t"/>
-    </dgm:scene3d>
-    <dgm:sp3d/>
-    <dgm:txPr/>
-    <dgm:style>
-      <a:lnRef idx="2">
-        <a:scrgbClr r="0" g="0" b="0"/>
-      </a:lnRef>
-      <a:fillRef idx="0">
-        <a:scrgbClr r="0" g="0" b="0"/>
-      </a:fillRef>
-      <a:effectRef idx="0">
-        <a:scrgbClr r="0" g="0" b="0"/>
-      </a:effectRef>
-      <a:fontRef idx="minor"/>
-    </dgm:style>
-  </dgm:styleLbl>
-  <dgm:styleLbl name="parChTrans1D4">
-    <dgm:scene3d>
-      <a:camera prst="orthographicFront"/>
-      <a:lightRig rig="threePt" dir="t"/>
-    </dgm:scene3d>
-    <dgm:sp3d/>
-    <dgm:txPr/>
-    <dgm:style>
-      <a:lnRef idx="2">
-        <a:scrgbClr r="0" g="0" b="0"/>
-      </a:lnRef>
-      <a:fillRef idx="0">
-        <a:scrgbClr r="0" g="0" b="0"/>
-      </a:fillRef>
-      <a:effectRef idx="0">
-        <a:scrgbClr r="0" g="0" b="0"/>
-      </a:effectRef>
-      <a:fontRef idx="minor"/>
-    </dgm:style>
-  </dgm:styleLbl>
-  <dgm:styleLbl name="fgAcc1">
-    <dgm:scene3d>
-      <a:camera prst="orthographicFront"/>
-      <a:lightRig rig="threePt" dir="t"/>
-    </dgm:scene3d>
-    <dgm:sp3d/>
-    <dgm:txPr/>
-    <dgm:style>
-      <a:lnRef idx="2">
-        <a:scrgbClr r="0" g="0" b="0"/>
-      </a:lnRef>
-      <a:fillRef idx="1">
-        <a:scrgbClr r="0" g="0" b="0"/>
-      </a:fillRef>
-      <a:effectRef idx="0">
-        <a:scrgbClr r="0" g="0" b="0"/>
-      </a:effectRef>
-      <a:fontRef idx="minor"/>
-    </dgm:style>
-  </dgm:styleLbl>
-  <dgm:styleLbl name="conFgAcc1">
-    <dgm:scene3d>
-      <a:camera prst="orthographicFront"/>
-      <a:lightRig rig="threePt" dir="t"/>
-    </dgm:scene3d>
-    <dgm:sp3d/>
-    <dgm:txPr/>
-    <dgm:style>
-      <a:lnRef idx="2">
-        <a:scrgbClr r="0" g="0" b="0"/>
-      </a:lnRef>
-      <a:fillRef idx="1">
-        <a:scrgbClr r="0" g="0" b="0"/>
-      </a:fillRef>
-      <a:effectRef idx="0">
-        <a:scrgbClr r="0" g="0" b="0"/>
-      </a:effectRef>
-      <a:fontRef idx="minor"/>
-    </dgm:style>
-  </dgm:styleLbl>
-  <dgm:styleLbl name="alignAcc1">
-    <dgm:scene3d>
-      <a:camera prst="orthographicFront"/>
-      <a:lightRig rig="threePt" dir="t"/>
-    </dgm:scene3d>
-    <dgm:sp3d/>
-    <dgm:txPr/>
-    <dgm:style>
-      <a:lnRef idx="2">
-        <a:scrgbClr r="0" g="0" b="0"/>
-      </a:lnRef>
-      <a:fillRef idx="1">
-        <a:scrgbClr r="0" g="0" b="0"/>
-      </a:fillRef>
-      <a:effectRef idx="0">
-        <a:scrgbClr r="0" g="0" b="0"/>
-      </a:effectRef>
-      <a:fontRef idx="minor"/>
-    </dgm:style>
-  </dgm:styleLbl>
-  <dgm:styleLbl name="trAlignAcc1">
-    <dgm:scene3d>
-      <a:camera prst="orthographicFront"/>
-      <a:lightRig rig="threePt" dir="t"/>
-    </dgm:scene3d>
-    <dgm:sp3d/>
-    <dgm:txPr/>
-    <dgm:style>
-      <a:lnRef idx="1">
-        <a:scrgbClr r="0" g="0" b="0"/>
-      </a:lnRef>
-      <a:fillRef idx="1">
-        <a:scrgbClr r="0" g="0" b="0"/>
-      </a:fillRef>
-      <a:effectRef idx="0">
-        <a:scrgbClr r="0" g="0" b="0"/>
-      </a:effectRef>
-      <a:fontRef idx="minor"/>
-    </dgm:style>
-  </dgm:styleLbl>
-  <dgm:styleLbl name="bgAcc1">
-    <dgm:scene3d>
-      <a:camera prst="orthographicFront"/>
-      <a:lightRig rig="threePt" dir="t"/>
-    </dgm:scene3d>
-    <dgm:sp3d/>
-    <dgm:txPr/>
-    <dgm:style>
-      <a:lnRef idx="2">
-        <a:scrgbClr r="0" g="0" b="0"/>
-      </a:lnRef>
-      <a:fillRef idx="1">
-        <a:scrgbClr r="0" g="0" b="0"/>
-      </a:fillRef>
-      <a:effectRef idx="0">
-        <a:scrgbClr r="0" g="0" b="0"/>
-      </a:effectRef>
-      <a:fontRef idx="minor"/>
-    </dgm:style>
-  </dgm:styleLbl>
-  <dgm:styleLbl name="solidFgAcc1">
-    <dgm:scene3d>
-      <a:camera prst="orthographicFront"/>
-      <a:lightRig rig="threePt" dir="t"/>
-    </dgm:scene3d>
-    <dgm:sp3d/>
-    <dgm:txPr/>
-    <dgm:style>
-      <a:lnRef idx="2">
-        <a:scrgbClr r="0" g="0" b="0"/>
-      </a:lnRef>
-      <a:fillRef idx="1">
-        <a:scrgbClr r="0" g="0" b="0"/>
-      </a:fillRef>
-      <a:effectRef idx="0">
-        <a:scrgbClr r="0" g="0" b="0"/>
-      </a:effectRef>
-      <a:fontRef idx="minor"/>
-    </dgm:style>
-  </dgm:styleLbl>
-  <dgm:styleLbl name="solidAlignAcc1">
-    <dgm:scene3d>
-      <a:camera prst="orthographicFront"/>
-      <a:lightRig rig="threePt" dir="t"/>
-    </dgm:scene3d>
-    <dgm:sp3d/>
-    <dgm:txPr/>
-    <dgm:style>
-      <a:lnRef idx="2">
-        <a:scrgbClr r="0" g="0" b="0"/>
-      </a:lnRef>
-      <a:fillRef idx="1">
-        <a:scrgbClr r="0" g="0" b="0"/>
-      </a:fillRef>
-      <a:effectRef idx="0">
-        <a:scrgbClr r="0" g="0" b="0"/>
-      </a:effectRef>
-      <a:fontRef idx="minor"/>
-    </dgm:style>
-  </dgm:styleLbl>
-  <dgm:styleLbl name="solidBgAcc1">
-    <dgm:scene3d>
-      <a:camera prst="orthographicFront"/>
-      <a:lightRig rig="threePt" dir="t"/>
-    </dgm:scene3d>
-    <dgm:sp3d/>
-    <dgm:txPr/>
-    <dgm:style>
-      <a:lnRef idx="2">
-        <a:scrgbClr r="0" g="0" b="0"/>
-      </a:lnRef>
-      <a:fillRef idx="1">
-        <a:scrgbClr r="0" g="0" b="0"/>
-      </a:fillRef>
-      <a:effectRef idx="0">
-        <a:scrgbClr r="0" g="0" b="0"/>
-      </a:effectRef>
-      <a:fontRef idx="minor"/>
-    </dgm:style>
-  </dgm:styleLbl>
-  <dgm:styleLbl name="fgAccFollowNode1">
-    <dgm:scene3d>
-      <a:camera prst="orthographicFront"/>
-      <a:lightRig rig="threePt" dir="t"/>
-    </dgm:scene3d>
-    <dgm:sp3d/>
-    <dgm:txPr/>
-    <dgm:style>
-      <a:lnRef idx="2">
-        <a:scrgbClr r="0" g="0" b="0"/>
-      </a:lnRef>
-      <a:fillRef idx="1">
-        <a:scrgbClr r="0" g="0" b="0"/>
-      </a:fillRef>
-      <a:effectRef idx="0">
-        <a:scrgbClr r="0" g="0" b="0"/>
-      </a:effectRef>
-      <a:fontRef idx="minor"/>
-    </dgm:style>
-  </dgm:styleLbl>
-  <dgm:styleLbl name="alignAccFollowNode1">
-    <dgm:scene3d>
-      <a:camera prst="orthographicFront"/>
-      <a:lightRig rig="threePt" dir="t"/>
-    </dgm:scene3d>
-    <dgm:sp3d/>
-    <dgm:txPr/>
-    <dgm:style>
-      <a:lnRef idx="2">
-        <a:scrgbClr r="0" g="0" b="0"/>
-      </a:lnRef>
-      <a:fillRef idx="1">
-        <a:scrgbClr r="0" g="0" b="0"/>
-      </a:fillRef>
-      <a:effectRef idx="0">
-        <a:scrgbClr r="0" g="0" b="0"/>
-      </a:effectRef>
-      <a:fontRef idx="minor"/>
-    </dgm:style>
-  </dgm:styleLbl>
-  <dgm:styleLbl name="bgAccFollowNode1">
-    <dgm:scene3d>
-      <a:camera prst="orthographicFront"/>
-      <a:lightRig rig="threePt" dir="t"/>
-    </dgm:scene3d>
-    <dgm:sp3d/>
-    <dgm:txPr/>
-    <dgm:style>
-      <a:lnRef idx="2">
-        <a:scrgbClr r="0" g="0" b="0"/>
-      </a:lnRef>
-      <a:fillRef idx="1">
-        <a:scrgbClr r="0" g="0" b="0"/>
-      </a:fillRef>
-      <a:effectRef idx="0">
-        <a:scrgbClr r="0" g="0" b="0"/>
-      </a:effectRef>
-      <a:fontRef idx="minor"/>
-    </dgm:style>
-  </dgm:styleLbl>
-  <dgm:styleLbl name="fgAcc0">
-    <dgm:scene3d>
-      <a:camera prst="orthographicFront"/>
-      <a:lightRig rig="threePt" dir="t"/>
-    </dgm:scene3d>
-    <dgm:sp3d/>
-    <dgm:txPr/>
-    <dgm:style>
-      <a:lnRef idx="2">
-        <a:scrgbClr r="0" g="0" b="0"/>
-      </a:lnRef>
-      <a:fillRef idx="1">
-        <a:scrgbClr r="0" g="0" b="0"/>
-      </a:fillRef>
-      <a:effectRef idx="0">
-        <a:scrgbClr r="0" g="0" b="0"/>
-      </a:effectRef>
-      <a:fontRef idx="minor"/>
-    </dgm:style>
-  </dgm:styleLbl>
-  <dgm:styleLbl name="fgAcc2">
-    <dgm:scene3d>
-      <a:camera prst="orthographicFront"/>
-      <a:lightRig rig="threePt" dir="t"/>
-    </dgm:scene3d>
-    <dgm:sp3d/>
-    <dgm:txPr/>
-    <dgm:style>
-      <a:lnRef idx="2">
-        <a:scrgbClr r="0" g="0" b="0"/>
-      </a:lnRef>
-      <a:fillRef idx="1">
-        <a:scrgbClr r="0" g="0" b="0"/>
-      </a:fillRef>
-      <a:effectRef idx="0">
-        <a:scrgbClr r="0" g="0" b="0"/>
-      </a:effectRef>
-      <a:fontRef idx="minor"/>
-    </dgm:style>
-  </dgm:styleLbl>
-  <dgm:styleLbl name="fgAcc3">
-    <dgm:scene3d>
-      <a:camera prst="orthographicFront"/>
-      <a:lightRig rig="threePt" dir="t"/>
-    </dgm:scene3d>
-    <dgm:sp3d/>
-    <dgm:txPr/>
-    <dgm:style>
-      <a:lnRef idx="2">
-        <a:scrgbClr r="0" g="0" b="0"/>
-      </a:lnRef>
-      <a:fillRef idx="1">
-        <a:scrgbClr r="0" g="0" b="0"/>
-      </a:fillRef>
-      <a:effectRef idx="0">
-        <a:scrgbClr r="0" g="0" b="0"/>
-      </a:effectRef>
-      <a:fontRef idx="minor"/>
-    </dgm:style>
-  </dgm:styleLbl>
-  <dgm:styleLbl name="fgAcc4">
-    <dgm:scene3d>
-      <a:camera prst="orthographicFront"/>
-      <a:lightRig rig="threePt" dir="t"/>
-    </dgm:scene3d>
-    <dgm:sp3d/>
-    <dgm:txPr/>
-    <dgm:style>
-      <a:lnRef idx="2">
-        <a:scrgbClr r="0" g="0" b="0"/>
-      </a:lnRef>
-      <a:fillRef idx="1">
-        <a:scrgbClr r="0" g="0" b="0"/>
-      </a:fillRef>
-      <a:effectRef idx="0">
-        <a:scrgbClr r="0" g="0" b="0"/>
-      </a:effectRef>
-      <a:fontRef idx="minor"/>
-    </dgm:style>
-  </dgm:styleLbl>
-  <dgm:styleLbl name="bgShp">
-    <dgm:scene3d>
-      <a:camera prst="orthographicFront"/>
-      <a:lightRig rig="threePt" dir="t"/>
-    </dgm:scene3d>
-    <dgm:sp3d/>
-    <dgm:txPr/>
-    <dgm:style>
-      <a:lnRef idx="0">
-        <a:scrgbClr r="0" g="0" b="0"/>
-      </a:lnRef>
-      <a:fillRef idx="1">
-        <a:scrgbClr r="0" g="0" b="0"/>
-      </a:fillRef>
-      <a:effectRef idx="0">
-        <a:scrgbClr r="0" g="0" b="0"/>
-      </a:effectRef>
-      <a:fontRef idx="minor"/>
-    </dgm:style>
-  </dgm:styleLbl>
-  <dgm:styleLbl name="dkBgShp">
-    <dgm:scene3d>
-      <a:camera prst="orthographicFront"/>
-      <a:lightRig rig="threePt" dir="t"/>
-    </dgm:scene3d>
-    <dgm:sp3d/>
-    <dgm:txPr/>
-    <dgm:style>
-      <a:lnRef idx="0">
-        <a:scrgbClr r="0" g="0" b="0"/>
-      </a:lnRef>
-      <a:fillRef idx="1">
-        <a:scrgbClr r="0" g="0" b="0"/>
-      </a:fillRef>
-      <a:effectRef idx="0">
-        <a:scrgbClr r="0" g="0" b="0"/>
-      </a:effectRef>
-      <a:fontRef idx="minor"/>
-    </dgm:style>
-  </dgm:styleLbl>
-  <dgm:styleLbl name="trBgShp">
-    <dgm:scene3d>
-      <a:camera prst="orthographicFront"/>
-      <a:lightRig rig="threePt" dir="t"/>
-    </dgm:scene3d>
-    <dgm:sp3d/>
-    <dgm:txPr/>
-    <dgm:style>
-      <a:lnRef idx="0">
-        <a:scrgbClr r="0" g="0" b="0"/>
-      </a:lnRef>
-      <a:fillRef idx="1">
-        <a:scrgbClr r="0" g="0" b="0"/>
-      </a:fillRef>
-      <a:effectRef idx="0">
-        <a:scrgbClr r="0" g="0" b="0"/>
-      </a:effectRef>
-      <a:fontRef idx="minor"/>
-    </dgm:style>
-  </dgm:styleLbl>
-  <dgm:styleLbl name="fgShp">
-    <dgm:scene3d>
-      <a:camera prst="orthographicFront"/>
-      <a:lightRig rig="threePt" dir="t"/>
-    </dgm:scene3d>
-    <dgm:sp3d/>
-    <dgm:txPr/>
-    <dgm:style>
-      <a:lnRef idx="2">
-        <a:scrgbClr r="0" g="0" b="0"/>
-      </a:lnRef>
-      <a:fillRef idx="1">
-        <a:scrgbClr r="0" g="0" b="0"/>
-      </a:fillRef>
-      <a:effectRef idx="0">
-        <a:scrgbClr r="0" g="0" b="0"/>
-      </a:effectRef>
-      <a:fontRef idx="minor"/>
-    </dgm:style>
-  </dgm:styleLbl>
-  <dgm:styleLbl name="revTx">
-    <dgm:scene3d>
-      <a:camera prst="orthographicFront"/>
-      <a:lightRig rig="threePt" dir="t"/>
-    </dgm:scene3d>
-    <dgm:sp3d/>
-    <dgm:txPr/>
-    <dgm:style>
-      <a:lnRef idx="0">
-        <a:scrgbClr r="0" g="0" b="0"/>
-      </a:lnRef>
-      <a:fillRef idx="0">
-        <a:scrgbClr r="0" g="0" b="0"/>
-      </a:fillRef>
-      <a:effectRef idx="0">
-        <a:scrgbClr r="0" g="0" b="0"/>
-      </a:effectRef>
-      <a:fontRef idx="minor"/>
-    </dgm:style>
-  </dgm:styleLbl>
-</dgm:styleDef>
-</file>
-
-<file path=ppt/diagrams/quickStyle4.xml><?xml version="1.0" encoding="utf-8"?>
 <dgm:styleDef xmlns:dgm="http://schemas.openxmlformats.org/drawingml/2006/diagram" xmlns:a="http://schemas.openxmlformats.org/drawingml/2006/main" uniqueId="urn:microsoft.com/office/officeart/2005/8/quickstyle/simple1">
   <dgm:title val=""/>
   <dgm:desc val=""/>
@@ -10983,7 +8916,7 @@
           <a:p>
             <a:fld id="{C25FA3B0-BD07-4FAF-9AE1-83999A51B481}" type="datetimeFigureOut">
               <a:rPr lang="en-IN" smtClean="0"/>
-              <a:t>22-04-2022</a:t>
+              <a:t>23/04/22</a:t>
             </a:fld>
             <a:endParaRPr lang="en-IN"/>
           </a:p>
@@ -11164,7 +9097,7 @@
           <a:p>
             <a:fld id="{7863DB16-5009-4F75-9A47-80E7DB01E889}" type="datetimeFigureOut">
               <a:rPr lang="en-IN" smtClean="0"/>
-              <a:t>22-04-2022</a:t>
+              <a:t>23/04/22</a:t>
             </a:fld>
             <a:endParaRPr lang="en-IN"/>
           </a:p>
@@ -11680,7 +9613,7 @@
           <a:p>
             <a:fld id="{65122FFB-2354-44AB-A98C-B745A047A2BB}" type="datetime1">
               <a:rPr lang="en-US" smtClean="0"/>
-              <a:t>4/22/2022</a:t>
+              <a:t>4/23/22</a:t>
             </a:fld>
             <a:endParaRPr lang="en-US" dirty="0"/>
           </a:p>
@@ -11867,7 +9800,7 @@
           <a:p>
             <a:fld id="{516C383D-5788-4C04-BFE2-549D3D89FC18}" type="datetime1">
               <a:rPr lang="en-US" smtClean="0"/>
-              <a:t>4/22/2022</a:t>
+              <a:t>4/23/22</a:t>
             </a:fld>
             <a:endParaRPr lang="en-US" dirty="0"/>
           </a:p>
@@ -12240,7 +10173,7 @@
           <a:p>
             <a:fld id="{A6BF9052-1FAE-44DC-A184-C2E3A60D8334}" type="datetime1">
               <a:rPr lang="en-US" smtClean="0"/>
-              <a:t>4/22/2022</a:t>
+              <a:t>4/23/22</a:t>
             </a:fld>
             <a:endParaRPr lang="en-US" dirty="0"/>
           </a:p>
@@ -12495,7 +10428,7 @@
           <a:p>
             <a:fld id="{2CDED062-A512-414F-86FF-1143A11059C2}" type="datetime1">
               <a:rPr lang="en-US" smtClean="0"/>
-              <a:t>4/22/2022</a:t>
+              <a:t>4/23/22</a:t>
             </a:fld>
             <a:endParaRPr lang="en-US" dirty="0"/>
           </a:p>
@@ -12892,7 +10825,7 @@
           <a:p>
             <a:fld id="{8B687C71-1CD5-4918-A753-ECF6FE2EC96F}" type="datetime1">
               <a:rPr lang="en-US" smtClean="0"/>
-              <a:t>4/22/2022</a:t>
+              <a:t>4/23/22</a:t>
             </a:fld>
             <a:endParaRPr lang="en-US" dirty="0"/>
           </a:p>
@@ -13028,7 +10961,7 @@
           <a:p>
             <a:fld id="{1BF687FE-A22B-43FD-83DE-2FC3FBFE4726}" type="datetime1">
               <a:rPr lang="en-US" smtClean="0"/>
-              <a:t>4/22/2022</a:t>
+              <a:t>4/23/22</a:t>
             </a:fld>
             <a:endParaRPr lang="en-US" dirty="0"/>
           </a:p>
@@ -13185,7 +11118,7 @@
           <a:p>
             <a:fld id="{E1BC986D-841D-493C-A4F2-44BF8D70A74A}" type="datetime1">
               <a:rPr lang="en-US" smtClean="0"/>
-              <a:t>4/22/2022</a:t>
+              <a:t>4/23/22</a:t>
             </a:fld>
             <a:endParaRPr lang="en-US" dirty="0"/>
           </a:p>
@@ -13514,7 +11447,7 @@
           <a:p>
             <a:fld id="{CE111B80-9D46-48CA-93B2-3DC3C9435E70}" type="datetime1">
               <a:rPr lang="en-US" smtClean="0"/>
-              <a:t>4/22/2022</a:t>
+              <a:t>4/23/22</a:t>
             </a:fld>
             <a:endParaRPr lang="en-US" dirty="0"/>
           </a:p>
@@ -13864,7 +11797,7 @@
           <a:p>
             <a:fld id="{803FE689-6470-43C3-AF80-303F38C6AEDE}" type="datetime1">
               <a:rPr lang="en-US" smtClean="0"/>
-              <a:t>4/22/2022</a:t>
+              <a:t>4/23/22</a:t>
             </a:fld>
             <a:endParaRPr lang="en-US" dirty="0"/>
           </a:p>
@@ -14125,7 +12058,7 @@
           <a:p>
             <a:fld id="{2A03B1E1-F4EC-40A8-8400-2D49AE52937B}" type="datetime1">
               <a:rPr lang="en-US" smtClean="0"/>
-              <a:t>4/22/2022</a:t>
+              <a:t>4/23/22</a:t>
             </a:fld>
             <a:endParaRPr lang="en-US" dirty="0"/>
           </a:p>
@@ -14738,8 +12671,8 @@
         </p:nvSpPr>
         <p:spPr>
           <a:xfrm>
-            <a:off x="8047939" y="640080"/>
-            <a:ext cx="3659246" cy="2628051"/>
+            <a:off x="8047939" y="2611977"/>
+            <a:ext cx="3659246" cy="817023"/>
           </a:xfrm>
         </p:spPr>
         <p:txBody>
@@ -14751,29 +12684,8 @@
             <a:r>
               <a:rPr lang="en-US" sz="4600" dirty="0">
                 <a:solidFill>
-                  <a:schemeClr val="tx1"/>
+                  <a:srgbClr val="FECD51"/>
                 </a:solidFill>
-                <a:highlight>
-                  <a:srgbClr val="000000"/>
-                </a:highlight>
-              </a:rPr>
-              <a:t>Welcome-To</a:t>
-            </a:r>
-            <a:br>
-              <a:rPr lang="en-US" sz="4600" dirty="0">
-                <a:solidFill>
-                  <a:schemeClr val="tx1"/>
-                </a:solidFill>
-              </a:rPr>
-            </a:br>
-            <a:r>
-              <a:rPr lang="en-US" sz="4600" dirty="0">
-                <a:solidFill>
-                  <a:schemeClr val="tx1"/>
-                </a:solidFill>
-                <a:highlight>
-                  <a:srgbClr val="000000"/>
-                </a:highlight>
               </a:rPr>
               <a:t>ParkUrWheels</a:t>
             </a:r>
@@ -15037,8 +12949,8 @@
         </p:nvSpPr>
         <p:spPr>
           <a:xfrm>
-            <a:off x="1676400" y="6389172"/>
-            <a:ext cx="6142382" cy="369332"/>
+            <a:off x="8483118" y="3467100"/>
+            <a:ext cx="3086084" cy="400110"/>
           </a:xfrm>
           <a:prstGeom prst="rect">
             <a:avLst/>
@@ -15052,36 +12964,16 @@
           <a:lstStyle/>
           <a:p>
             <a:r>
-              <a:rPr lang="en-IN" u="sng" dirty="0">
-                <a:highlight>
-                  <a:srgbClr val="808080"/>
-                </a:highlight>
-              </a:rPr>
+              <a:rPr lang="en-IN" b="1" dirty="0"/>
               <a:t> </a:t>
             </a:r>
             <a:r>
-              <a:rPr lang="en-IN" b="1" u="sng" dirty="0">
-                <a:highlight>
-                  <a:srgbClr val="808080"/>
-                </a:highlight>
+              <a:rPr lang="en-IN" sz="2000" b="1" dirty="0">
+                <a:solidFill>
+                  <a:srgbClr val="FECD51"/>
+                </a:solidFill>
               </a:rPr>
-              <a:t>Team</a:t>
-            </a:r>
-            <a:r>
-              <a:rPr lang="en-IN" u="sng" dirty="0">
-                <a:highlight>
-                  <a:srgbClr val="808080"/>
-                </a:highlight>
-              </a:rPr>
-              <a:t> </a:t>
-            </a:r>
-            <a:r>
-              <a:rPr lang="en-IN" b="1" u="sng" dirty="0">
-                <a:highlight>
-                  <a:srgbClr val="808080"/>
-                </a:highlight>
-              </a:rPr>
-              <a:t>Unplugged Techies</a:t>
+              <a:t>Team Unplugged Techies</a:t>
             </a:r>
           </a:p>
         </p:txBody>
@@ -15194,6 +13086,3368 @@
 <file path=ppt/slides/slide10.xml><?xml version="1.0" encoding="utf-8"?>
 <p:sld xmlns:a="http://schemas.openxmlformats.org/drawingml/2006/main" xmlns:r="http://schemas.openxmlformats.org/officeDocument/2006/relationships" xmlns:p="http://schemas.openxmlformats.org/presentationml/2006/main">
   <p:cSld>
+    <p:bg>
+      <p:bgPr>
+        <a:solidFill>
+          <a:schemeClr val="bg1"/>
+        </a:solidFill>
+        <a:effectLst/>
+      </p:bgPr>
+    </p:bg>
+    <p:spTree>
+      <p:nvGrpSpPr>
+        <p:cNvPr id="1" name=""/>
+        <p:cNvGrpSpPr/>
+        <p:nvPr/>
+      </p:nvGrpSpPr>
+      <p:grpSpPr>
+        <a:xfrm>
+          <a:off x="0" y="0"/>
+          <a:ext cx="0" cy="0"/>
+          <a:chOff x="0" y="0"/>
+          <a:chExt cx="0" cy="0"/>
+        </a:xfrm>
+      </p:grpSpPr>
+      <p:sp useBgFill="1">
+        <p:nvSpPr>
+          <p:cNvPr id="29" name="Rectangle 22">
+            <a:extLst>
+              <a:ext uri="{FF2B5EF4-FFF2-40B4-BE49-F238E27FC236}">
+                <a16:creationId xmlns:a16="http://schemas.microsoft.com/office/drawing/2014/main" id="{73734CDA-1CE8-4F1C-B0B3-AAB252B0135C}"/>
+              </a:ext>
+              <a:ext uri="{C183D7F6-B498-43B3-948B-1728B52AA6E4}">
+                <adec:decorative xmlns:adec="http://schemas.microsoft.com/office/drawing/2017/decorative" val="1"/>
+              </a:ext>
+            </a:extLst>
+          </p:cNvPr>
+          <p:cNvSpPr>
+            <a:spLocks noGrp="1" noRot="1" noChangeAspect="1" noMove="1" noResize="1" noEditPoints="1" noAdjustHandles="1" noChangeArrowheads="1" noChangeShapeType="1" noTextEdit="1"/>
+          </p:cNvSpPr>
+          <p:nvPr>
+            <p:extLst>
+              <p:ext uri="{386F3935-93C4-4BCD-93E2-E3B085C9AB24}">
+                <p16:designElem xmlns:p16="http://schemas.microsoft.com/office/powerpoint/2015/main" val="1"/>
+              </p:ext>
+            </p:extLst>
+          </p:nvPr>
+        </p:nvSpPr>
+        <p:spPr>
+          <a:xfrm>
+            <a:off x="0" y="0"/>
+            <a:ext cx="12192001" cy="6858000"/>
+          </a:xfrm>
+          <a:prstGeom prst="rect">
+            <a:avLst/>
+          </a:prstGeom>
+          <a:ln>
+            <a:noFill/>
+          </a:ln>
+        </p:spPr>
+        <p:style>
+          <a:lnRef idx="2">
+            <a:schemeClr val="accent1">
+              <a:shade val="50000"/>
+            </a:schemeClr>
+          </a:lnRef>
+          <a:fillRef idx="1">
+            <a:schemeClr val="accent1"/>
+          </a:fillRef>
+          <a:effectRef idx="0">
+            <a:schemeClr val="accent1"/>
+          </a:effectRef>
+          <a:fontRef idx="minor">
+            <a:schemeClr val="lt1"/>
+          </a:fontRef>
+        </p:style>
+        <p:txBody>
+          <a:bodyPr rtlCol="0" anchor="ctr"/>
+          <a:lstStyle/>
+          <a:p>
+            <a:pPr algn="ctr"/>
+            <a:endParaRPr lang="en-US"/>
+          </a:p>
+        </p:txBody>
+      </p:sp>
+      <p:sp>
+        <p:nvSpPr>
+          <p:cNvPr id="2" name="Title 1">
+            <a:extLst>
+              <a:ext uri="{FF2B5EF4-FFF2-40B4-BE49-F238E27FC236}">
+                <a16:creationId xmlns:a16="http://schemas.microsoft.com/office/drawing/2014/main" id="{74CAAFD7-329A-481E-9E13-85FEC36A873D}"/>
+              </a:ext>
+            </a:extLst>
+          </p:cNvPr>
+          <p:cNvSpPr>
+            <a:spLocks noGrp="1"/>
+          </p:cNvSpPr>
+          <p:nvPr>
+            <p:ph type="title"/>
+          </p:nvPr>
+        </p:nvSpPr>
+        <p:spPr>
+          <a:xfrm>
+            <a:off x="4974771" y="634946"/>
+            <a:ext cx="6574972" cy="1450757"/>
+          </a:xfrm>
+        </p:spPr>
+        <p:txBody>
+          <a:bodyPr>
+            <a:normAutofit/>
+          </a:bodyPr>
+          <a:lstStyle/>
+          <a:p>
+            <a:r>
+              <a:rPr lang="en-IN" dirty="0"/>
+              <a:t>Sensor Mechanism</a:t>
+            </a:r>
+          </a:p>
+        </p:txBody>
+      </p:sp>
+      <p:pic>
+        <p:nvPicPr>
+          <p:cNvPr id="5" name="Content Placeholder 6">
+            <a:extLst>
+              <a:ext uri="{FF2B5EF4-FFF2-40B4-BE49-F238E27FC236}">
+                <a16:creationId xmlns:a16="http://schemas.microsoft.com/office/drawing/2014/main" id="{6958D3CC-B161-4E59-B56D-E70CE23ADF02}"/>
+              </a:ext>
+            </a:extLst>
+          </p:cNvPr>
+          <p:cNvPicPr>
+            <a:picLocks noChangeAspect="1"/>
+          </p:cNvPicPr>
+          <p:nvPr/>
+        </p:nvPicPr>
+        <p:blipFill>
+          <a:blip r:embed="rId2"/>
+          <a:stretch>
+            <a:fillRect/>
+          </a:stretch>
+        </p:blipFill>
+        <p:spPr>
+          <a:xfrm>
+            <a:off x="636274" y="2921819"/>
+            <a:ext cx="3695179" cy="1856827"/>
+          </a:xfrm>
+          <a:prstGeom prst="rect">
+            <a:avLst/>
+          </a:prstGeom>
+        </p:spPr>
+      </p:pic>
+      <p:cxnSp>
+        <p:nvCxnSpPr>
+          <p:cNvPr id="30" name="Straight Connector 24">
+            <a:extLst>
+              <a:ext uri="{FF2B5EF4-FFF2-40B4-BE49-F238E27FC236}">
+                <a16:creationId xmlns:a16="http://schemas.microsoft.com/office/drawing/2014/main" id="{D7143990-FA50-4B23-AE6D-E17D22F52676}"/>
+              </a:ext>
+              <a:ext uri="{C183D7F6-B498-43B3-948B-1728B52AA6E4}">
+                <adec:decorative xmlns:adec="http://schemas.microsoft.com/office/drawing/2017/decorative" val="1"/>
+              </a:ext>
+            </a:extLst>
+          </p:cNvPr>
+          <p:cNvCxnSpPr>
+            <a:cxnSpLocks noGrp="1" noRot="1" noChangeAspect="1" noMove="1" noResize="1" noEditPoints="1" noAdjustHandles="1" noChangeArrowheads="1" noChangeShapeType="1"/>
+          </p:cNvCxnSpPr>
+          <p:nvPr>
+            <p:extLst>
+              <p:ext uri="{386F3935-93C4-4BCD-93E2-E3B085C9AB24}">
+                <p16:designElem xmlns:p16="http://schemas.microsoft.com/office/powerpoint/2015/main" val="1"/>
+              </p:ext>
+            </p:extLst>
+          </p:nvPr>
+        </p:nvCxnSpPr>
+        <p:spPr>
+          <a:xfrm>
+            <a:off x="5063482" y="2246569"/>
+            <a:ext cx="5852160" cy="0"/>
+          </a:xfrm>
+          <a:prstGeom prst="line">
+            <a:avLst/>
+          </a:prstGeom>
+          <a:ln w="12700">
+            <a:solidFill>
+              <a:schemeClr val="tx1">
+                <a:lumMod val="75000"/>
+                <a:lumOff val="25000"/>
+              </a:schemeClr>
+            </a:solidFill>
+          </a:ln>
+        </p:spPr>
+        <p:style>
+          <a:lnRef idx="1">
+            <a:schemeClr val="accent1"/>
+          </a:lnRef>
+          <a:fillRef idx="0">
+            <a:schemeClr val="accent1"/>
+          </a:fillRef>
+          <a:effectRef idx="0">
+            <a:schemeClr val="accent1"/>
+          </a:effectRef>
+          <a:fontRef idx="minor">
+            <a:schemeClr val="tx1"/>
+          </a:fontRef>
+        </p:style>
+      </p:cxnSp>
+      <p:sp>
+        <p:nvSpPr>
+          <p:cNvPr id="3" name="Content Placeholder 2">
+            <a:extLst>
+              <a:ext uri="{FF2B5EF4-FFF2-40B4-BE49-F238E27FC236}">
+                <a16:creationId xmlns:a16="http://schemas.microsoft.com/office/drawing/2014/main" id="{3BCCDE26-8F4D-42D5-9873-E3049580C63E}"/>
+              </a:ext>
+            </a:extLst>
+          </p:cNvPr>
+          <p:cNvSpPr>
+            <a:spLocks noGrp="1"/>
+          </p:cNvSpPr>
+          <p:nvPr>
+            <p:ph idx="1"/>
+          </p:nvPr>
+        </p:nvSpPr>
+        <p:spPr>
+          <a:xfrm>
+            <a:off x="4973711" y="2407436"/>
+            <a:ext cx="6576032" cy="3461657"/>
+          </a:xfrm>
+        </p:spPr>
+        <p:txBody>
+          <a:bodyPr>
+            <a:normAutofit/>
+          </a:bodyPr>
+          <a:lstStyle/>
+          <a:p>
+            <a:endParaRPr lang="en-US" b="0" i="0" dirty="0">
+              <a:effectLst/>
+              <a:latin typeface="Times New Roman" panose="02020603050405020304" pitchFamily="18" charset="0"/>
+              <a:cs typeface="Times New Roman" panose="02020603050405020304" pitchFamily="18" charset="0"/>
+            </a:endParaRPr>
+          </a:p>
+          <a:p>
+            <a:r>
+              <a:rPr lang="en-IN" dirty="0"/>
+              <a:t>The current status of each spot is transmitted from the sensor to the Cloud, which in turn updates real time status of parking spot availability on the App. This will help Users of the number, type and location of available spaces at particular parking spot.</a:t>
+            </a:r>
+            <a:br>
+              <a:rPr lang="en-IN" dirty="0"/>
+            </a:br>
+            <a:r>
+              <a:rPr lang="en-IN" dirty="0"/>
+              <a:t>Sensor will send data to cloud; backend will read that data and will update database so that real time status will get change on frontend.</a:t>
+            </a:r>
+            <a:endParaRPr lang="en-US" b="0" i="0" dirty="0">
+              <a:effectLst/>
+              <a:latin typeface="Times New Roman" panose="02020603050405020304" pitchFamily="18" charset="0"/>
+              <a:cs typeface="Times New Roman" panose="02020603050405020304" pitchFamily="18" charset="0"/>
+            </a:endParaRPr>
+          </a:p>
+        </p:txBody>
+      </p:sp>
+      <p:sp>
+        <p:nvSpPr>
+          <p:cNvPr id="31" name="Rectangle 26">
+            <a:extLst>
+              <a:ext uri="{FF2B5EF4-FFF2-40B4-BE49-F238E27FC236}">
+                <a16:creationId xmlns:a16="http://schemas.microsoft.com/office/drawing/2014/main" id="{3BD57AB6-3172-4520-B22E-FCD0184F3BA3}"/>
+              </a:ext>
+              <a:ext uri="{C183D7F6-B498-43B3-948B-1728B52AA6E4}">
+                <adec:decorative xmlns:adec="http://schemas.microsoft.com/office/drawing/2017/decorative" val="1"/>
+              </a:ext>
+            </a:extLst>
+          </p:cNvPr>
+          <p:cNvSpPr>
+            <a:spLocks noGrp="1" noRot="1" noChangeAspect="1" noMove="1" noResize="1" noEditPoints="1" noAdjustHandles="1" noChangeArrowheads="1" noChangeShapeType="1" noTextEdit="1"/>
+          </p:cNvSpPr>
+          <p:nvPr>
+            <p:extLst>
+              <p:ext uri="{386F3935-93C4-4BCD-93E2-E3B085C9AB24}">
+                <p16:designElem xmlns:p16="http://schemas.microsoft.com/office/powerpoint/2015/main" val="1"/>
+              </p:ext>
+            </p:extLst>
+          </p:nvPr>
+        </p:nvSpPr>
+        <p:spPr>
+          <a:xfrm>
+            <a:off x="0" y="6400800"/>
+            <a:ext cx="12192000" cy="457200"/>
+          </a:xfrm>
+          <a:prstGeom prst="rect">
+            <a:avLst/>
+          </a:prstGeom>
+          <a:solidFill>
+            <a:srgbClr val="262626"/>
+          </a:solidFill>
+          <a:ln>
+            <a:noFill/>
+          </a:ln>
+        </p:spPr>
+        <p:style>
+          <a:lnRef idx="2">
+            <a:schemeClr val="accent1">
+              <a:shade val="50000"/>
+            </a:schemeClr>
+          </a:lnRef>
+          <a:fillRef idx="1">
+            <a:schemeClr val="accent1"/>
+          </a:fillRef>
+          <a:effectRef idx="0">
+            <a:schemeClr val="accent1"/>
+          </a:effectRef>
+          <a:fontRef idx="minor">
+            <a:schemeClr val="lt1"/>
+          </a:fontRef>
+        </p:style>
+      </p:sp>
+      <p:sp>
+        <p:nvSpPr>
+          <p:cNvPr id="4" name="Slide Number Placeholder 3">
+            <a:extLst>
+              <a:ext uri="{FF2B5EF4-FFF2-40B4-BE49-F238E27FC236}">
+                <a16:creationId xmlns:a16="http://schemas.microsoft.com/office/drawing/2014/main" id="{1C64922A-710D-476E-822C-C4A03CB16FC0}"/>
+              </a:ext>
+            </a:extLst>
+          </p:cNvPr>
+          <p:cNvSpPr>
+            <a:spLocks noGrp="1"/>
+          </p:cNvSpPr>
+          <p:nvPr>
+            <p:ph type="sldNum" sz="quarter" idx="12"/>
+          </p:nvPr>
+        </p:nvSpPr>
+        <p:spPr>
+          <a:xfrm>
+            <a:off x="10993582" y="6446838"/>
+            <a:ext cx="780010" cy="365125"/>
+          </a:xfrm>
+        </p:spPr>
+        <p:txBody>
+          <a:bodyPr>
+            <a:normAutofit/>
+          </a:bodyPr>
+          <a:lstStyle/>
+          <a:p>
+            <a:pPr>
+              <a:spcAft>
+                <a:spcPts val="600"/>
+              </a:spcAft>
+            </a:pPr>
+            <a:fld id="{3A98EE3D-8CD1-4C3F-BD1C-C98C9596463C}" type="slidenum">
+              <a:rPr lang="en-US" smtClean="0"/>
+              <a:pPr>
+                <a:spcAft>
+                  <a:spcPts val="600"/>
+                </a:spcAft>
+              </a:pPr>
+              <a:t>10</a:t>
+            </a:fld>
+            <a:endParaRPr lang="en-US"/>
+          </a:p>
+        </p:txBody>
+      </p:sp>
+      <p:pic>
+        <p:nvPicPr>
+          <p:cNvPr id="19" name="Picture 3" descr="Text, logo&#10;&#10;Description automatically generated">
+            <a:extLst>
+              <a:ext uri="{FF2B5EF4-FFF2-40B4-BE49-F238E27FC236}">
+                <a16:creationId xmlns:a16="http://schemas.microsoft.com/office/drawing/2014/main" id="{5E30654D-82B7-414C-95E8-310377114FD4}"/>
+              </a:ext>
+            </a:extLst>
+          </p:cNvPr>
+          <p:cNvPicPr>
+            <a:picLocks noChangeAspect="1" noChangeArrowheads="1"/>
+          </p:cNvPicPr>
+          <p:nvPr/>
+        </p:nvPicPr>
+        <p:blipFill>
+          <a:blip r:embed="rId3">
+            <a:extLst>
+              <a:ext uri="{28A0092B-C50C-407E-A947-70E740481C1C}">
+                <a14:useLocalDpi xmlns:a14="http://schemas.microsoft.com/office/drawing/2010/main" val="0"/>
+              </a:ext>
+            </a:extLst>
+          </a:blip>
+          <a:srcRect/>
+          <a:stretch>
+            <a:fillRect/>
+          </a:stretch>
+        </p:blipFill>
+        <p:spPr bwMode="auto">
+          <a:xfrm>
+            <a:off x="-14067" y="5869092"/>
+            <a:ext cx="1676400" cy="476250"/>
+          </a:xfrm>
+          <a:prstGeom prst="rect">
+            <a:avLst/>
+          </a:prstGeom>
+          <a:noFill/>
+          <a:extLst>
+            <a:ext uri="{909E8E84-426E-40DD-AFC4-6F175D3DCCD1}">
+              <a14:hiddenFill xmlns:a14="http://schemas.microsoft.com/office/drawing/2010/main">
+                <a:solidFill>
+                  <a:srgbClr val="FFFFFF"/>
+                </a:solidFill>
+              </a14:hiddenFill>
+            </a:ext>
+          </a:extLst>
+        </p:spPr>
+      </p:pic>
+      <p:sp>
+        <p:nvSpPr>
+          <p:cNvPr id="20" name="TextBox 19">
+            <a:extLst>
+              <a:ext uri="{FF2B5EF4-FFF2-40B4-BE49-F238E27FC236}">
+                <a16:creationId xmlns:a16="http://schemas.microsoft.com/office/drawing/2014/main" id="{34C88E77-A6AF-4186-99A2-C8384DA11DCF}"/>
+              </a:ext>
+            </a:extLst>
+          </p:cNvPr>
+          <p:cNvSpPr txBox="1"/>
+          <p:nvPr/>
+        </p:nvSpPr>
+        <p:spPr>
+          <a:xfrm>
+            <a:off x="1676400" y="5922551"/>
+            <a:ext cx="6433930" cy="369332"/>
+          </a:xfrm>
+          <a:prstGeom prst="rect">
+            <a:avLst/>
+          </a:prstGeom>
+          <a:noFill/>
+        </p:spPr>
+        <p:txBody>
+          <a:bodyPr wrap="square" rtlCol="0">
+            <a:spAutoFit/>
+          </a:bodyPr>
+          <a:lstStyle/>
+          <a:p>
+            <a:r>
+              <a:rPr lang="en-IN" dirty="0"/>
+              <a:t> </a:t>
+            </a:r>
+            <a:r>
+              <a:rPr lang="en-IN" b="1" dirty="0"/>
+              <a:t>Team</a:t>
+            </a:r>
+            <a:r>
+              <a:rPr lang="en-IN" dirty="0"/>
+              <a:t> </a:t>
+            </a:r>
+            <a:r>
+              <a:rPr lang="en-IN" b="1" dirty="0"/>
+              <a:t>Unplugged Techies</a:t>
+            </a:r>
+          </a:p>
+        </p:txBody>
+      </p:sp>
+    </p:spTree>
+    <p:extLst>
+      <p:ext uri="{BB962C8B-B14F-4D97-AF65-F5344CB8AC3E}">
+        <p14:creationId xmlns:p14="http://schemas.microsoft.com/office/powerpoint/2010/main" val="2441678090"/>
+      </p:ext>
+    </p:extLst>
+  </p:cSld>
+  <p:clrMapOvr>
+    <a:masterClrMapping/>
+  </p:clrMapOvr>
+</p:sld>
+</file>
+
+<file path=ppt/slides/slide11.xml><?xml version="1.0" encoding="utf-8"?>
+<p:sld xmlns:a="http://schemas.openxmlformats.org/drawingml/2006/main" xmlns:r="http://schemas.openxmlformats.org/officeDocument/2006/relationships" xmlns:p="http://schemas.openxmlformats.org/presentationml/2006/main">
+  <p:cSld>
+    <p:bg>
+      <p:bgPr>
+        <a:solidFill>
+          <a:schemeClr val="bg1"/>
+        </a:solidFill>
+        <a:effectLst/>
+      </p:bgPr>
+    </p:bg>
+    <p:spTree>
+      <p:nvGrpSpPr>
+        <p:cNvPr id="1" name=""/>
+        <p:cNvGrpSpPr/>
+        <p:nvPr/>
+      </p:nvGrpSpPr>
+      <p:grpSpPr>
+        <a:xfrm>
+          <a:off x="0" y="0"/>
+          <a:ext cx="0" cy="0"/>
+          <a:chOff x="0" y="0"/>
+          <a:chExt cx="0" cy="0"/>
+        </a:xfrm>
+      </p:grpSpPr>
+      <p:sp>
+        <p:nvSpPr>
+          <p:cNvPr id="71" name="Rectangle 70">
+            <a:extLst>
+              <a:ext uri="{FF2B5EF4-FFF2-40B4-BE49-F238E27FC236}">
+                <a16:creationId xmlns:a16="http://schemas.microsoft.com/office/drawing/2014/main" id="{39E3965E-AC41-4711-9D10-E25ABB132D86}"/>
+              </a:ext>
+              <a:ext uri="{C183D7F6-B498-43B3-948B-1728B52AA6E4}">
+                <adec:decorative xmlns:adec="http://schemas.microsoft.com/office/drawing/2017/decorative" val="1"/>
+              </a:ext>
+            </a:extLst>
+          </p:cNvPr>
+          <p:cNvSpPr>
+            <a:spLocks noGrp="1" noRot="1" noChangeAspect="1" noMove="1" noResize="1" noEditPoints="1" noAdjustHandles="1" noChangeArrowheads="1" noChangeShapeType="1" noTextEdit="1"/>
+          </p:cNvSpPr>
+          <p:nvPr>
+            <p:extLst>
+              <p:ext uri="{386F3935-93C4-4BCD-93E2-E3B085C9AB24}">
+                <p16:designElem xmlns:p16="http://schemas.microsoft.com/office/powerpoint/2015/main" val="1"/>
+              </p:ext>
+            </p:extLst>
+          </p:nvPr>
+        </p:nvSpPr>
+        <p:spPr>
+          <a:xfrm>
+            <a:off x="3175" y="6400800"/>
+            <a:ext cx="12188825" cy="457200"/>
+          </a:xfrm>
+          <a:prstGeom prst="rect">
+            <a:avLst/>
+          </a:prstGeom>
+          <a:solidFill>
+            <a:srgbClr val="262626"/>
+          </a:solidFill>
+          <a:ln>
+            <a:noFill/>
+          </a:ln>
+        </p:spPr>
+        <p:style>
+          <a:lnRef idx="2">
+            <a:schemeClr val="accent1">
+              <a:shade val="50000"/>
+            </a:schemeClr>
+          </a:lnRef>
+          <a:fillRef idx="1">
+            <a:schemeClr val="accent1"/>
+          </a:fillRef>
+          <a:effectRef idx="0">
+            <a:schemeClr val="accent1"/>
+          </a:effectRef>
+          <a:fontRef idx="minor">
+            <a:schemeClr val="lt1"/>
+          </a:fontRef>
+        </p:style>
+      </p:sp>
+      <p:cxnSp>
+        <p:nvCxnSpPr>
+          <p:cNvPr id="73" name="Straight Connector 72">
+            <a:extLst>
+              <a:ext uri="{FF2B5EF4-FFF2-40B4-BE49-F238E27FC236}">
+                <a16:creationId xmlns:a16="http://schemas.microsoft.com/office/drawing/2014/main" id="{1F5DC8C3-BA5F-4EED-BB9A-A14272BD82A1}"/>
+              </a:ext>
+              <a:ext uri="{C183D7F6-B498-43B3-948B-1728B52AA6E4}">
+                <adec:decorative xmlns:adec="http://schemas.microsoft.com/office/drawing/2017/decorative" val="1"/>
+              </a:ext>
+            </a:extLst>
+          </p:cNvPr>
+          <p:cNvCxnSpPr>
+            <a:cxnSpLocks noGrp="1" noRot="1" noChangeAspect="1" noMove="1" noResize="1" noEditPoints="1" noAdjustHandles="1" noChangeArrowheads="1" noChangeShapeType="1"/>
+          </p:cNvCxnSpPr>
+          <p:nvPr>
+            <p:extLst>
+              <p:ext uri="{386F3935-93C4-4BCD-93E2-E3B085C9AB24}">
+                <p16:designElem xmlns:p16="http://schemas.microsoft.com/office/powerpoint/2015/main" val="1"/>
+              </p:ext>
+            </p:extLst>
+          </p:nvPr>
+        </p:nvCxnSpPr>
+        <p:spPr>
+          <a:xfrm>
+            <a:off x="1207658" y="4474741"/>
+            <a:ext cx="9875520" cy="0"/>
+          </a:xfrm>
+          <a:prstGeom prst="line">
+            <a:avLst/>
+          </a:prstGeom>
+          <a:ln w="12700">
+            <a:solidFill>
+              <a:schemeClr val="tx1">
+                <a:lumMod val="75000"/>
+                <a:lumOff val="25000"/>
+              </a:schemeClr>
+            </a:solidFill>
+          </a:ln>
+        </p:spPr>
+        <p:style>
+          <a:lnRef idx="1">
+            <a:schemeClr val="accent1"/>
+          </a:lnRef>
+          <a:fillRef idx="0">
+            <a:schemeClr val="accent1"/>
+          </a:fillRef>
+          <a:effectRef idx="0">
+            <a:schemeClr val="accent1"/>
+          </a:effectRef>
+          <a:fontRef idx="minor">
+            <a:schemeClr val="tx1"/>
+          </a:fontRef>
+        </p:style>
+      </p:cxnSp>
+      <p:sp useBgFill="1">
+        <p:nvSpPr>
+          <p:cNvPr id="75" name="Rectangle 74">
+            <a:extLst>
+              <a:ext uri="{FF2B5EF4-FFF2-40B4-BE49-F238E27FC236}">
+                <a16:creationId xmlns:a16="http://schemas.microsoft.com/office/drawing/2014/main" id="{B4D0E555-16F6-44D0-BF56-AF5FF5BDE9D6}"/>
+              </a:ext>
+              <a:ext uri="{C183D7F6-B498-43B3-948B-1728B52AA6E4}">
+                <adec:decorative xmlns:adec="http://schemas.microsoft.com/office/drawing/2017/decorative" val="1"/>
+              </a:ext>
+            </a:extLst>
+          </p:cNvPr>
+          <p:cNvSpPr>
+            <a:spLocks noGrp="1" noRot="1" noChangeAspect="1" noMove="1" noResize="1" noEditPoints="1" noAdjustHandles="1" noChangeArrowheads="1" noChangeShapeType="1" noTextEdit="1"/>
+          </p:cNvSpPr>
+          <p:nvPr>
+            <p:extLst>
+              <p:ext uri="{386F3935-93C4-4BCD-93E2-E3B085C9AB24}">
+                <p16:designElem xmlns:p16="http://schemas.microsoft.com/office/powerpoint/2015/main" val="1"/>
+              </p:ext>
+            </p:extLst>
+          </p:nvPr>
+        </p:nvSpPr>
+        <p:spPr>
+          <a:xfrm>
+            <a:off x="0" y="0"/>
+            <a:ext cx="12192000" cy="6858000"/>
+          </a:xfrm>
+          <a:prstGeom prst="rect">
+            <a:avLst/>
+          </a:prstGeom>
+          <a:ln>
+            <a:noFill/>
+          </a:ln>
+        </p:spPr>
+        <p:style>
+          <a:lnRef idx="2">
+            <a:schemeClr val="accent1">
+              <a:shade val="50000"/>
+            </a:schemeClr>
+          </a:lnRef>
+          <a:fillRef idx="1001">
+            <a:schemeClr val="lt1"/>
+          </a:fillRef>
+          <a:effectRef idx="0">
+            <a:schemeClr val="accent1"/>
+          </a:effectRef>
+          <a:fontRef idx="minor">
+            <a:schemeClr val="lt1"/>
+          </a:fontRef>
+        </p:style>
+        <p:txBody>
+          <a:bodyPr rtlCol="0" anchor="ctr"/>
+          <a:lstStyle/>
+          <a:p>
+            <a:pPr algn="ctr"/>
+            <a:endParaRPr lang="en-US"/>
+          </a:p>
+        </p:txBody>
+      </p:sp>
+      <p:sp>
+        <p:nvSpPr>
+          <p:cNvPr id="77" name="Rectangle 76">
+            <a:extLst>
+              <a:ext uri="{FF2B5EF4-FFF2-40B4-BE49-F238E27FC236}">
+                <a16:creationId xmlns:a16="http://schemas.microsoft.com/office/drawing/2014/main" id="{8117041D-1A7B-4ECA-AB68-3CFDB6726B8E}"/>
+              </a:ext>
+              <a:ext uri="{C183D7F6-B498-43B3-948B-1728B52AA6E4}">
+                <adec:decorative xmlns:adec="http://schemas.microsoft.com/office/drawing/2017/decorative" val="1"/>
+              </a:ext>
+            </a:extLst>
+          </p:cNvPr>
+          <p:cNvSpPr>
+            <a:spLocks noGrp="1" noRot="1" noChangeAspect="1" noMove="1" noResize="1" noEditPoints="1" noAdjustHandles="1" noChangeArrowheads="1" noChangeShapeType="1" noTextEdit="1"/>
+          </p:cNvSpPr>
+          <p:nvPr>
+            <p:extLst>
+              <p:ext uri="{386F3935-93C4-4BCD-93E2-E3B085C9AB24}">
+                <p16:designElem xmlns:p16="http://schemas.microsoft.com/office/powerpoint/2015/main" val="1"/>
+              </p:ext>
+            </p:extLst>
+          </p:nvPr>
+        </p:nvSpPr>
+        <p:spPr bwMode="white">
+          <a:xfrm>
+            <a:off x="-6220" y="0"/>
+            <a:ext cx="4641314" cy="6858000"/>
+          </a:xfrm>
+          <a:prstGeom prst="rect">
+            <a:avLst/>
+          </a:prstGeom>
+          <a:solidFill>
+            <a:srgbClr val="674F49"/>
+          </a:solidFill>
+          <a:ln>
+            <a:noFill/>
+          </a:ln>
+        </p:spPr>
+        <p:style>
+          <a:lnRef idx="2">
+            <a:schemeClr val="accent1">
+              <a:shade val="50000"/>
+            </a:schemeClr>
+          </a:lnRef>
+          <a:fillRef idx="1">
+            <a:schemeClr val="accent1"/>
+          </a:fillRef>
+          <a:effectRef idx="0">
+            <a:schemeClr val="accent1"/>
+          </a:effectRef>
+          <a:fontRef idx="minor">
+            <a:schemeClr val="lt1"/>
+          </a:fontRef>
+        </p:style>
+      </p:sp>
+      <p:sp>
+        <p:nvSpPr>
+          <p:cNvPr id="2" name="Title 1">
+            <a:extLst>
+              <a:ext uri="{FF2B5EF4-FFF2-40B4-BE49-F238E27FC236}">
+                <a16:creationId xmlns:a16="http://schemas.microsoft.com/office/drawing/2014/main" id="{01264EA7-9E11-4702-B609-FF120E44D6A6}"/>
+              </a:ext>
+            </a:extLst>
+          </p:cNvPr>
+          <p:cNvSpPr>
+            <a:spLocks noGrp="1"/>
+          </p:cNvSpPr>
+          <p:nvPr>
+            <p:ph type="title"/>
+          </p:nvPr>
+        </p:nvSpPr>
+        <p:spPr>
+          <a:xfrm>
+            <a:off x="435869" y="640080"/>
+            <a:ext cx="3659246" cy="2862699"/>
+          </a:xfrm>
+        </p:spPr>
+        <p:txBody>
+          <a:bodyPr vert="horz" lIns="91440" tIns="45720" rIns="91440" bIns="45720" rtlCol="0" anchor="b">
+            <a:normAutofit/>
+          </a:bodyPr>
+          <a:lstStyle/>
+          <a:p>
+            <a:r>
+              <a:rPr lang="en-US" sz="4400">
+                <a:solidFill>
+                  <a:srgbClr val="FFFFFF"/>
+                </a:solidFill>
+              </a:rPr>
+              <a:t>Login Screen</a:t>
+            </a:r>
+          </a:p>
+        </p:txBody>
+      </p:sp>
+      <p:cxnSp>
+        <p:nvCxnSpPr>
+          <p:cNvPr id="79" name="Straight Connector 78">
+            <a:extLst>
+              <a:ext uri="{FF2B5EF4-FFF2-40B4-BE49-F238E27FC236}">
+                <a16:creationId xmlns:a16="http://schemas.microsoft.com/office/drawing/2014/main" id="{ABCD2462-4C1E-401A-AC2D-F799A138B245}"/>
+              </a:ext>
+              <a:ext uri="{C183D7F6-B498-43B3-948B-1728B52AA6E4}">
+                <adec:decorative xmlns:adec="http://schemas.microsoft.com/office/drawing/2017/decorative" val="1"/>
+              </a:ext>
+            </a:extLst>
+          </p:cNvPr>
+          <p:cNvCxnSpPr>
+            <a:cxnSpLocks noGrp="1" noRot="1" noChangeAspect="1" noMove="1" noResize="1" noEditPoints="1" noAdjustHandles="1" noChangeArrowheads="1" noChangeShapeType="1"/>
+          </p:cNvCxnSpPr>
+          <p:nvPr>
+            <p:extLst>
+              <p:ext uri="{386F3935-93C4-4BCD-93E2-E3B085C9AB24}">
+                <p16:designElem xmlns:p16="http://schemas.microsoft.com/office/powerpoint/2015/main" val="1"/>
+              </p:ext>
+            </p:extLst>
+          </p:nvPr>
+        </p:nvCxnSpPr>
+        <p:spPr>
+          <a:xfrm>
+            <a:off x="573852" y="3663649"/>
+            <a:ext cx="3383280" cy="0"/>
+          </a:xfrm>
+          <a:prstGeom prst="line">
+            <a:avLst/>
+          </a:prstGeom>
+          <a:ln w="19050">
+            <a:solidFill>
+              <a:schemeClr val="accent1"/>
+            </a:solidFill>
+          </a:ln>
+        </p:spPr>
+        <p:style>
+          <a:lnRef idx="1">
+            <a:schemeClr val="accent1"/>
+          </a:lnRef>
+          <a:fillRef idx="0">
+            <a:schemeClr val="accent1"/>
+          </a:fillRef>
+          <a:effectRef idx="0">
+            <a:schemeClr val="accent1"/>
+          </a:effectRef>
+          <a:fontRef idx="minor">
+            <a:schemeClr val="tx1"/>
+          </a:fontRef>
+        </p:style>
+      </p:cxnSp>
+      <p:pic>
+        <p:nvPicPr>
+          <p:cNvPr id="6146" name="Picture 2" descr="image">
+            <a:extLst>
+              <a:ext uri="{FF2B5EF4-FFF2-40B4-BE49-F238E27FC236}">
+                <a16:creationId xmlns:a16="http://schemas.microsoft.com/office/drawing/2014/main" id="{8B620EA0-BABE-421D-8C43-C6CF2569C7FB}"/>
+              </a:ext>
+            </a:extLst>
+          </p:cNvPr>
+          <p:cNvPicPr>
+            <a:picLocks noGrp="1" noChangeAspect="1" noChangeArrowheads="1"/>
+          </p:cNvPicPr>
+          <p:nvPr>
+            <p:ph idx="1"/>
+          </p:nvPr>
+        </p:nvPicPr>
+        <p:blipFill>
+          <a:blip r:embed="rId2">
+            <a:extLst>
+              <a:ext uri="{28A0092B-C50C-407E-A947-70E740481C1C}">
+                <a14:useLocalDpi xmlns:a14="http://schemas.microsoft.com/office/drawing/2010/main" val="0"/>
+              </a:ext>
+            </a:extLst>
+          </a:blip>
+          <a:stretch>
+            <a:fillRect/>
+          </a:stretch>
+        </p:blipFill>
+        <p:spPr bwMode="auto">
+          <a:xfrm>
+            <a:off x="6866101" y="188318"/>
+            <a:ext cx="3094892" cy="6258520"/>
+          </a:xfrm>
+          <a:prstGeom prst="rect">
+            <a:avLst/>
+          </a:prstGeom>
+          <a:noFill/>
+          <a:extLst>
+            <a:ext uri="{909E8E84-426E-40DD-AFC4-6F175D3DCCD1}">
+              <a14:hiddenFill xmlns:a14="http://schemas.microsoft.com/office/drawing/2010/main">
+                <a:solidFill>
+                  <a:srgbClr val="FFFFFF"/>
+                </a:solidFill>
+              </a14:hiddenFill>
+            </a:ext>
+          </a:extLst>
+        </p:spPr>
+      </p:pic>
+      <p:sp>
+        <p:nvSpPr>
+          <p:cNvPr id="4" name="Slide Number Placeholder 3">
+            <a:extLst>
+              <a:ext uri="{FF2B5EF4-FFF2-40B4-BE49-F238E27FC236}">
+                <a16:creationId xmlns:a16="http://schemas.microsoft.com/office/drawing/2014/main" id="{8B68F4EF-A913-459D-88BC-976F637F3DEB}"/>
+              </a:ext>
+            </a:extLst>
+          </p:cNvPr>
+          <p:cNvSpPr>
+            <a:spLocks noGrp="1"/>
+          </p:cNvSpPr>
+          <p:nvPr>
+            <p:ph type="sldNum" sz="quarter" idx="12"/>
+          </p:nvPr>
+        </p:nvSpPr>
+        <p:spPr>
+          <a:xfrm>
+            <a:off x="10993582" y="6446838"/>
+            <a:ext cx="780010" cy="365125"/>
+          </a:xfrm>
+        </p:spPr>
+        <p:txBody>
+          <a:bodyPr vert="horz" lIns="91440" tIns="45720" rIns="91440" bIns="45720" rtlCol="0" anchor="ctr">
+            <a:normAutofit/>
+          </a:bodyPr>
+          <a:lstStyle/>
+          <a:p>
+            <a:pPr>
+              <a:spcAft>
+                <a:spcPts val="600"/>
+              </a:spcAft>
+            </a:pPr>
+            <a:fld id="{3A98EE3D-8CD1-4C3F-BD1C-C98C9596463C}" type="slidenum">
+              <a:rPr lang="en-US" sz="1050">
+                <a:solidFill>
+                  <a:schemeClr val="tx1">
+                    <a:lumMod val="85000"/>
+                    <a:lumOff val="15000"/>
+                  </a:schemeClr>
+                </a:solidFill>
+              </a:rPr>
+              <a:pPr>
+                <a:spcAft>
+                  <a:spcPts val="600"/>
+                </a:spcAft>
+              </a:pPr>
+              <a:t>11</a:t>
+            </a:fld>
+            <a:endParaRPr lang="en-US" sz="1050">
+              <a:solidFill>
+                <a:schemeClr val="tx1">
+                  <a:lumMod val="85000"/>
+                  <a:lumOff val="15000"/>
+                </a:schemeClr>
+              </a:solidFill>
+            </a:endParaRPr>
+          </a:p>
+        </p:txBody>
+      </p:sp>
+    </p:spTree>
+    <p:extLst>
+      <p:ext uri="{BB962C8B-B14F-4D97-AF65-F5344CB8AC3E}">
+        <p14:creationId xmlns:p14="http://schemas.microsoft.com/office/powerpoint/2010/main" val="1743787261"/>
+      </p:ext>
+    </p:extLst>
+  </p:cSld>
+  <p:clrMapOvr>
+    <a:masterClrMapping/>
+  </p:clrMapOvr>
+</p:sld>
+</file>
+
+<file path=ppt/slides/slide2.xml><?xml version="1.0" encoding="utf-8"?>
+<p:sld xmlns:a="http://schemas.openxmlformats.org/drawingml/2006/main" xmlns:r="http://schemas.openxmlformats.org/officeDocument/2006/relationships" xmlns:p="http://schemas.openxmlformats.org/presentationml/2006/main">
+  <p:cSld>
+    <p:spTree>
+      <p:nvGrpSpPr>
+        <p:cNvPr id="1" name=""/>
+        <p:cNvGrpSpPr/>
+        <p:nvPr/>
+      </p:nvGrpSpPr>
+      <p:grpSpPr>
+        <a:xfrm>
+          <a:off x="0" y="0"/>
+          <a:ext cx="0" cy="0"/>
+          <a:chOff x="0" y="0"/>
+          <a:chExt cx="0" cy="0"/>
+        </a:xfrm>
+      </p:grpSpPr>
+      <p:sp>
+        <p:nvSpPr>
+          <p:cNvPr id="2" name="Title 1">
+            <a:extLst>
+              <a:ext uri="{FF2B5EF4-FFF2-40B4-BE49-F238E27FC236}">
+                <a16:creationId xmlns:a16="http://schemas.microsoft.com/office/drawing/2014/main" id="{2D3820AA-5149-46B2-AE66-4D0149F90A70}"/>
+              </a:ext>
+            </a:extLst>
+          </p:cNvPr>
+          <p:cNvSpPr>
+            <a:spLocks noGrp="1"/>
+          </p:cNvSpPr>
+          <p:nvPr>
+            <p:ph type="title"/>
+          </p:nvPr>
+        </p:nvSpPr>
+        <p:spPr/>
+        <p:txBody>
+          <a:bodyPr/>
+          <a:lstStyle/>
+          <a:p>
+            <a:r>
+              <a:rPr lang="en-IN" dirty="0"/>
+              <a:t>Team Members</a:t>
+            </a:r>
+          </a:p>
+        </p:txBody>
+      </p:sp>
+      <p:sp>
+        <p:nvSpPr>
+          <p:cNvPr id="3" name="Content Placeholder 2">
+            <a:extLst>
+              <a:ext uri="{FF2B5EF4-FFF2-40B4-BE49-F238E27FC236}">
+                <a16:creationId xmlns:a16="http://schemas.microsoft.com/office/drawing/2014/main" id="{05A885D9-17F7-4AC3-B122-9CDF68D72740}"/>
+              </a:ext>
+            </a:extLst>
+          </p:cNvPr>
+          <p:cNvSpPr>
+            <a:spLocks noGrp="1"/>
+          </p:cNvSpPr>
+          <p:nvPr>
+            <p:ph idx="1"/>
+          </p:nvPr>
+        </p:nvSpPr>
+        <p:spPr/>
+        <p:txBody>
+          <a:bodyPr/>
+          <a:lstStyle/>
+          <a:p>
+            <a:pPr marL="457200" indent="-457200">
+              <a:buFont typeface="+mj-lt"/>
+              <a:buAutoNum type="arabicPeriod"/>
+            </a:pPr>
+            <a:r>
+              <a:rPr lang="en-IN" dirty="0">
+                <a:solidFill>
+                  <a:schemeClr val="tx1"/>
+                </a:solidFill>
+                <a:latin typeface="Times New Roman" panose="02020603050405020304" pitchFamily="18" charset="0"/>
+                <a:cs typeface="Times New Roman" panose="02020603050405020304" pitchFamily="18" charset="0"/>
+              </a:rPr>
+              <a:t>Inzamul Hoque.</a:t>
+            </a:r>
+          </a:p>
+          <a:p>
+            <a:pPr marL="457200" indent="-457200">
+              <a:buFont typeface="+mj-lt"/>
+              <a:buAutoNum type="arabicPeriod"/>
+            </a:pPr>
+            <a:r>
+              <a:rPr lang="en-IN" dirty="0">
+                <a:solidFill>
+                  <a:schemeClr val="tx1"/>
+                </a:solidFill>
+                <a:latin typeface="Times New Roman" panose="02020603050405020304" pitchFamily="18" charset="0"/>
+                <a:cs typeface="Times New Roman" panose="02020603050405020304" pitchFamily="18" charset="0"/>
+              </a:rPr>
+              <a:t>Shubham Kamble.</a:t>
+            </a:r>
+          </a:p>
+          <a:p>
+            <a:pPr marL="457200" indent="-457200">
+              <a:buFont typeface="+mj-lt"/>
+              <a:buAutoNum type="arabicPeriod"/>
+            </a:pPr>
+            <a:r>
+              <a:rPr lang="en-IN" dirty="0">
+                <a:solidFill>
+                  <a:schemeClr val="tx1"/>
+                </a:solidFill>
+                <a:latin typeface="Times New Roman" panose="02020603050405020304" pitchFamily="18" charset="0"/>
+                <a:cs typeface="Times New Roman" panose="02020603050405020304" pitchFamily="18" charset="0"/>
+              </a:rPr>
+              <a:t>Snehal Gugale</a:t>
+            </a:r>
+          </a:p>
+          <a:p>
+            <a:pPr marL="457200" indent="-457200">
+              <a:buFont typeface="+mj-lt"/>
+              <a:buAutoNum type="arabicPeriod"/>
+            </a:pPr>
+            <a:r>
+              <a:rPr lang="en-IN" dirty="0">
+                <a:solidFill>
+                  <a:schemeClr val="tx1"/>
+                </a:solidFill>
+                <a:latin typeface="Times New Roman" panose="02020603050405020304" pitchFamily="18" charset="0"/>
+                <a:cs typeface="Times New Roman" panose="02020603050405020304" pitchFamily="18" charset="0"/>
+              </a:rPr>
+              <a:t>Sujit Kharat.</a:t>
+            </a:r>
+          </a:p>
+          <a:p>
+            <a:pPr marL="457200" indent="-457200">
+              <a:buFont typeface="+mj-lt"/>
+              <a:buAutoNum type="arabicPeriod"/>
+            </a:pPr>
+            <a:r>
+              <a:rPr lang="en-IN" dirty="0">
+                <a:solidFill>
+                  <a:schemeClr val="tx1"/>
+                </a:solidFill>
+                <a:latin typeface="Times New Roman" panose="02020603050405020304" pitchFamily="18" charset="0"/>
+                <a:cs typeface="Times New Roman" panose="02020603050405020304" pitchFamily="18" charset="0"/>
+              </a:rPr>
+              <a:t>Rajesh Pandhare.</a:t>
+            </a:r>
+          </a:p>
+        </p:txBody>
+      </p:sp>
+      <p:sp>
+        <p:nvSpPr>
+          <p:cNvPr id="4" name="Slide Number Placeholder 3">
+            <a:extLst>
+              <a:ext uri="{FF2B5EF4-FFF2-40B4-BE49-F238E27FC236}">
+                <a16:creationId xmlns:a16="http://schemas.microsoft.com/office/drawing/2014/main" id="{9E2612D2-C376-4D6D-A1BF-FF49E04A2FEA}"/>
+              </a:ext>
+            </a:extLst>
+          </p:cNvPr>
+          <p:cNvSpPr>
+            <a:spLocks noGrp="1"/>
+          </p:cNvSpPr>
+          <p:nvPr>
+            <p:ph type="sldNum" sz="quarter" idx="12"/>
+          </p:nvPr>
+        </p:nvSpPr>
+        <p:spPr/>
+        <p:txBody>
+          <a:bodyPr/>
+          <a:lstStyle/>
+          <a:p>
+            <a:fld id="{3A98EE3D-8CD1-4C3F-BD1C-C98C9596463C}" type="slidenum">
+              <a:rPr lang="en-US" smtClean="0"/>
+              <a:t>2</a:t>
+            </a:fld>
+            <a:endParaRPr lang="en-US" dirty="0"/>
+          </a:p>
+        </p:txBody>
+      </p:sp>
+      <p:pic>
+        <p:nvPicPr>
+          <p:cNvPr id="5" name="Picture 3">
+            <a:extLst>
+              <a:ext uri="{FF2B5EF4-FFF2-40B4-BE49-F238E27FC236}">
+                <a16:creationId xmlns:a16="http://schemas.microsoft.com/office/drawing/2014/main" id="{950C292F-104E-4F5E-81BB-EE6FEB4D7006}"/>
+              </a:ext>
+            </a:extLst>
+          </p:cNvPr>
+          <p:cNvPicPr>
+            <a:picLocks noChangeAspect="1" noChangeArrowheads="1"/>
+          </p:cNvPicPr>
+          <p:nvPr/>
+        </p:nvPicPr>
+        <p:blipFill>
+          <a:blip r:embed="rId2">
+            <a:extLst>
+              <a:ext uri="{28A0092B-C50C-407E-A947-70E740481C1C}">
+                <a14:useLocalDpi xmlns:a14="http://schemas.microsoft.com/office/drawing/2010/main" val="0"/>
+              </a:ext>
+            </a:extLst>
+          </a:blip>
+          <a:srcRect/>
+          <a:stretch>
+            <a:fillRect/>
+          </a:stretch>
+        </p:blipFill>
+        <p:spPr bwMode="auto">
+          <a:xfrm>
+            <a:off x="0" y="5869092"/>
+            <a:ext cx="1676400" cy="476250"/>
+          </a:xfrm>
+          <a:prstGeom prst="rect">
+            <a:avLst/>
+          </a:prstGeom>
+          <a:noFill/>
+          <a:extLst>
+            <a:ext uri="{909E8E84-426E-40DD-AFC4-6F175D3DCCD1}">
+              <a14:hiddenFill xmlns:a14="http://schemas.microsoft.com/office/drawing/2010/main">
+                <a:solidFill>
+                  <a:srgbClr val="FFFFFF"/>
+                </a:solidFill>
+              </a14:hiddenFill>
+            </a:ext>
+          </a:extLst>
+        </p:spPr>
+      </p:pic>
+      <p:sp>
+        <p:nvSpPr>
+          <p:cNvPr id="6" name="TextBox 5">
+            <a:extLst>
+              <a:ext uri="{FF2B5EF4-FFF2-40B4-BE49-F238E27FC236}">
+                <a16:creationId xmlns:a16="http://schemas.microsoft.com/office/drawing/2014/main" id="{84465E54-BE8F-4210-BF94-0DD80118E45A}"/>
+              </a:ext>
+            </a:extLst>
+          </p:cNvPr>
+          <p:cNvSpPr txBox="1"/>
+          <p:nvPr/>
+        </p:nvSpPr>
+        <p:spPr>
+          <a:xfrm>
+            <a:off x="1676400" y="5922551"/>
+            <a:ext cx="6433930" cy="369332"/>
+          </a:xfrm>
+          <a:prstGeom prst="rect">
+            <a:avLst/>
+          </a:prstGeom>
+          <a:noFill/>
+        </p:spPr>
+        <p:txBody>
+          <a:bodyPr wrap="square" rtlCol="0">
+            <a:spAutoFit/>
+          </a:bodyPr>
+          <a:lstStyle/>
+          <a:p>
+            <a:r>
+              <a:rPr lang="en-IN" dirty="0"/>
+              <a:t> </a:t>
+            </a:r>
+            <a:r>
+              <a:rPr lang="en-IN" b="1" dirty="0"/>
+              <a:t>Team</a:t>
+            </a:r>
+            <a:r>
+              <a:rPr lang="en-IN" dirty="0"/>
+              <a:t> </a:t>
+            </a:r>
+            <a:r>
+              <a:rPr lang="en-IN" b="1" dirty="0"/>
+              <a:t>Unplugged Techies</a:t>
+            </a:r>
+          </a:p>
+        </p:txBody>
+      </p:sp>
+      <p:pic>
+        <p:nvPicPr>
+          <p:cNvPr id="2050" name="Picture 2" descr="Integrating New Team Members Into Projects | OneDesk Software App">
+            <a:extLst>
+              <a:ext uri="{FF2B5EF4-FFF2-40B4-BE49-F238E27FC236}">
+                <a16:creationId xmlns:a16="http://schemas.microsoft.com/office/drawing/2014/main" id="{F27EBE5B-40AB-474D-8C26-8C558C218DA5}"/>
+              </a:ext>
+            </a:extLst>
+          </p:cNvPr>
+          <p:cNvPicPr>
+            <a:picLocks noChangeAspect="1" noChangeArrowheads="1"/>
+          </p:cNvPicPr>
+          <p:nvPr/>
+        </p:nvPicPr>
+        <p:blipFill>
+          <a:blip r:embed="rId3">
+            <a:extLst>
+              <a:ext uri="{28A0092B-C50C-407E-A947-70E740481C1C}">
+                <a14:useLocalDpi xmlns:a14="http://schemas.microsoft.com/office/drawing/2010/main" val="0"/>
+              </a:ext>
+            </a:extLst>
+          </a:blip>
+          <a:srcRect/>
+          <a:stretch>
+            <a:fillRect/>
+          </a:stretch>
+        </p:blipFill>
+        <p:spPr bwMode="auto">
+          <a:xfrm>
+            <a:off x="4757530" y="2254369"/>
+            <a:ext cx="5378242" cy="3133830"/>
+          </a:xfrm>
+          <a:prstGeom prst="rect">
+            <a:avLst/>
+          </a:prstGeom>
+          <a:noFill/>
+          <a:extLst>
+            <a:ext uri="{909E8E84-426E-40DD-AFC4-6F175D3DCCD1}">
+              <a14:hiddenFill xmlns:a14="http://schemas.microsoft.com/office/drawing/2010/main">
+                <a:solidFill>
+                  <a:srgbClr val="FFFFFF"/>
+                </a:solidFill>
+              </a14:hiddenFill>
+            </a:ext>
+          </a:extLst>
+        </p:spPr>
+      </p:pic>
+    </p:spTree>
+    <p:extLst>
+      <p:ext uri="{BB962C8B-B14F-4D97-AF65-F5344CB8AC3E}">
+        <p14:creationId xmlns:p14="http://schemas.microsoft.com/office/powerpoint/2010/main" val="610037832"/>
+      </p:ext>
+    </p:extLst>
+  </p:cSld>
+  <p:clrMapOvr>
+    <a:masterClrMapping/>
+  </p:clrMapOvr>
+</p:sld>
+</file>
+
+<file path=ppt/slides/slide3.xml><?xml version="1.0" encoding="utf-8"?>
+<p:sld xmlns:a="http://schemas.openxmlformats.org/drawingml/2006/main" xmlns:r="http://schemas.openxmlformats.org/officeDocument/2006/relationships" xmlns:p="http://schemas.openxmlformats.org/presentationml/2006/main">
+  <p:cSld>
+    <p:spTree>
+      <p:nvGrpSpPr>
+        <p:cNvPr id="1" name=""/>
+        <p:cNvGrpSpPr/>
+        <p:nvPr/>
+      </p:nvGrpSpPr>
+      <p:grpSpPr>
+        <a:xfrm>
+          <a:off x="0" y="0"/>
+          <a:ext cx="0" cy="0"/>
+          <a:chOff x="0" y="0"/>
+          <a:chExt cx="0" cy="0"/>
+        </a:xfrm>
+      </p:grpSpPr>
+      <p:sp>
+        <p:nvSpPr>
+          <p:cNvPr id="2" name="Title 1">
+            <a:extLst>
+              <a:ext uri="{FF2B5EF4-FFF2-40B4-BE49-F238E27FC236}">
+                <a16:creationId xmlns:a16="http://schemas.microsoft.com/office/drawing/2014/main" id="{2D3820AA-5149-46B2-AE66-4D0149F90A70}"/>
+              </a:ext>
+            </a:extLst>
+          </p:cNvPr>
+          <p:cNvSpPr>
+            <a:spLocks noGrp="1"/>
+          </p:cNvSpPr>
+          <p:nvPr>
+            <p:ph type="title"/>
+          </p:nvPr>
+        </p:nvSpPr>
+        <p:spPr/>
+        <p:txBody>
+          <a:bodyPr/>
+          <a:lstStyle/>
+          <a:p>
+            <a:r>
+              <a:rPr lang="en-IN" dirty="0"/>
+              <a:t>Overview		</a:t>
+            </a:r>
+          </a:p>
+        </p:txBody>
+      </p:sp>
+      <p:sp>
+        <p:nvSpPr>
+          <p:cNvPr id="4" name="Slide Number Placeholder 3">
+            <a:extLst>
+              <a:ext uri="{FF2B5EF4-FFF2-40B4-BE49-F238E27FC236}">
+                <a16:creationId xmlns:a16="http://schemas.microsoft.com/office/drawing/2014/main" id="{9E2612D2-C376-4D6D-A1BF-FF49E04A2FEA}"/>
+              </a:ext>
+            </a:extLst>
+          </p:cNvPr>
+          <p:cNvSpPr>
+            <a:spLocks noGrp="1"/>
+          </p:cNvSpPr>
+          <p:nvPr>
+            <p:ph type="sldNum" sz="quarter" idx="12"/>
+          </p:nvPr>
+        </p:nvSpPr>
+        <p:spPr/>
+        <p:txBody>
+          <a:bodyPr/>
+          <a:lstStyle/>
+          <a:p>
+            <a:fld id="{3A98EE3D-8CD1-4C3F-BD1C-C98C9596463C}" type="slidenum">
+              <a:rPr lang="en-US" smtClean="0"/>
+              <a:t>3</a:t>
+            </a:fld>
+            <a:endParaRPr lang="en-US" dirty="0"/>
+          </a:p>
+        </p:txBody>
+      </p:sp>
+      <p:pic>
+        <p:nvPicPr>
+          <p:cNvPr id="5" name="Picture 3" descr="Text, logo&#10;&#10;Description automatically generated">
+            <a:extLst>
+              <a:ext uri="{FF2B5EF4-FFF2-40B4-BE49-F238E27FC236}">
+                <a16:creationId xmlns:a16="http://schemas.microsoft.com/office/drawing/2014/main" id="{950C292F-104E-4F5E-81BB-EE6FEB4D7006}"/>
+              </a:ext>
+            </a:extLst>
+          </p:cNvPr>
+          <p:cNvPicPr>
+            <a:picLocks noChangeAspect="1" noChangeArrowheads="1"/>
+          </p:cNvPicPr>
+          <p:nvPr/>
+        </p:nvPicPr>
+        <p:blipFill>
+          <a:blip r:embed="rId2">
+            <a:extLst>
+              <a:ext uri="{28A0092B-C50C-407E-A947-70E740481C1C}">
+                <a14:useLocalDpi xmlns:a14="http://schemas.microsoft.com/office/drawing/2010/main" val="0"/>
+              </a:ext>
+            </a:extLst>
+          </a:blip>
+          <a:srcRect/>
+          <a:stretch>
+            <a:fillRect/>
+          </a:stretch>
+        </p:blipFill>
+        <p:spPr bwMode="auto">
+          <a:xfrm>
+            <a:off x="0" y="5869092"/>
+            <a:ext cx="1676400" cy="476250"/>
+          </a:xfrm>
+          <a:prstGeom prst="rect">
+            <a:avLst/>
+          </a:prstGeom>
+          <a:noFill/>
+          <a:extLst>
+            <a:ext uri="{909E8E84-426E-40DD-AFC4-6F175D3DCCD1}">
+              <a14:hiddenFill xmlns:a14="http://schemas.microsoft.com/office/drawing/2010/main">
+                <a:solidFill>
+                  <a:srgbClr val="FFFFFF"/>
+                </a:solidFill>
+              </a14:hiddenFill>
+            </a:ext>
+          </a:extLst>
+        </p:spPr>
+      </p:pic>
+      <p:sp>
+        <p:nvSpPr>
+          <p:cNvPr id="6" name="TextBox 5">
+            <a:extLst>
+              <a:ext uri="{FF2B5EF4-FFF2-40B4-BE49-F238E27FC236}">
+                <a16:creationId xmlns:a16="http://schemas.microsoft.com/office/drawing/2014/main" id="{84465E54-BE8F-4210-BF94-0DD80118E45A}"/>
+              </a:ext>
+            </a:extLst>
+          </p:cNvPr>
+          <p:cNvSpPr txBox="1"/>
+          <p:nvPr/>
+        </p:nvSpPr>
+        <p:spPr>
+          <a:xfrm>
+            <a:off x="1676400" y="5922551"/>
+            <a:ext cx="6433930" cy="369332"/>
+          </a:xfrm>
+          <a:prstGeom prst="rect">
+            <a:avLst/>
+          </a:prstGeom>
+          <a:noFill/>
+        </p:spPr>
+        <p:txBody>
+          <a:bodyPr wrap="square" rtlCol="0">
+            <a:spAutoFit/>
+          </a:bodyPr>
+          <a:lstStyle/>
+          <a:p>
+            <a:r>
+              <a:rPr lang="en-IN" dirty="0"/>
+              <a:t> </a:t>
+            </a:r>
+            <a:r>
+              <a:rPr lang="en-IN" b="1" dirty="0"/>
+              <a:t>Team</a:t>
+            </a:r>
+            <a:r>
+              <a:rPr lang="en-IN" dirty="0"/>
+              <a:t> </a:t>
+            </a:r>
+            <a:r>
+              <a:rPr lang="en-IN" b="1" dirty="0"/>
+              <a:t>Unplugged Techies</a:t>
+            </a:r>
+          </a:p>
+        </p:txBody>
+      </p:sp>
+      <p:graphicFrame>
+        <p:nvGraphicFramePr>
+          <p:cNvPr id="13" name="Content Placeholder 10">
+            <a:extLst>
+              <a:ext uri="{FF2B5EF4-FFF2-40B4-BE49-F238E27FC236}">
+                <a16:creationId xmlns:a16="http://schemas.microsoft.com/office/drawing/2014/main" id="{3A37C41C-D425-BB1A-EC3D-2980323B2278}"/>
+              </a:ext>
+            </a:extLst>
+          </p:cNvPr>
+          <p:cNvGraphicFramePr>
+            <a:graphicFrameLocks noGrp="1"/>
+          </p:cNvGraphicFramePr>
+          <p:nvPr>
+            <p:ph idx="1"/>
+          </p:nvPr>
+        </p:nvGraphicFramePr>
+        <p:xfrm>
+          <a:off x="1097280" y="2108201"/>
+          <a:ext cx="10058400" cy="3760891"/>
+        </p:xfrm>
+        <a:graphic>
+          <a:graphicData uri="http://schemas.openxmlformats.org/drawingml/2006/diagram">
+            <dgm:relIds xmlns:dgm="http://schemas.openxmlformats.org/drawingml/2006/diagram" xmlns:r="http://schemas.openxmlformats.org/officeDocument/2006/relationships" r:dm="rId3" r:lo="rId4" r:qs="rId5" r:cs="rId6"/>
+          </a:graphicData>
+        </a:graphic>
+      </p:graphicFrame>
+    </p:spTree>
+    <p:extLst>
+      <p:ext uri="{BB962C8B-B14F-4D97-AF65-F5344CB8AC3E}">
+        <p14:creationId xmlns:p14="http://schemas.microsoft.com/office/powerpoint/2010/main" val="2418299063"/>
+      </p:ext>
+    </p:extLst>
+  </p:cSld>
+  <p:clrMapOvr>
+    <a:masterClrMapping/>
+  </p:clrMapOvr>
+</p:sld>
+</file>
+
+<file path=ppt/slides/slide4.xml><?xml version="1.0" encoding="utf-8"?>
+<p:sld xmlns:a="http://schemas.openxmlformats.org/drawingml/2006/main" xmlns:r="http://schemas.openxmlformats.org/officeDocument/2006/relationships" xmlns:p="http://schemas.openxmlformats.org/presentationml/2006/main">
+  <p:cSld>
+    <p:spTree>
+      <p:nvGrpSpPr>
+        <p:cNvPr id="1" name=""/>
+        <p:cNvGrpSpPr/>
+        <p:nvPr/>
+      </p:nvGrpSpPr>
+      <p:grpSpPr>
+        <a:xfrm>
+          <a:off x="0" y="0"/>
+          <a:ext cx="0" cy="0"/>
+          <a:chOff x="0" y="0"/>
+          <a:chExt cx="0" cy="0"/>
+        </a:xfrm>
+      </p:grpSpPr>
+      <p:sp>
+        <p:nvSpPr>
+          <p:cNvPr id="2" name="Title 1">
+            <a:extLst>
+              <a:ext uri="{FF2B5EF4-FFF2-40B4-BE49-F238E27FC236}">
+                <a16:creationId xmlns:a16="http://schemas.microsoft.com/office/drawing/2014/main" id="{2D3820AA-5149-46B2-AE66-4D0149F90A70}"/>
+              </a:ext>
+            </a:extLst>
+          </p:cNvPr>
+          <p:cNvSpPr>
+            <a:spLocks noGrp="1"/>
+          </p:cNvSpPr>
+          <p:nvPr>
+            <p:ph type="title"/>
+          </p:nvPr>
+        </p:nvSpPr>
+        <p:spPr/>
+        <p:txBody>
+          <a:bodyPr/>
+          <a:lstStyle/>
+          <a:p>
+            <a:r>
+              <a:rPr lang="en-IN" dirty="0"/>
+              <a:t>Why ParkMyWheels </a:t>
+            </a:r>
+          </a:p>
+        </p:txBody>
+      </p:sp>
+      <p:sp>
+        <p:nvSpPr>
+          <p:cNvPr id="4" name="Slide Number Placeholder 3">
+            <a:extLst>
+              <a:ext uri="{FF2B5EF4-FFF2-40B4-BE49-F238E27FC236}">
+                <a16:creationId xmlns:a16="http://schemas.microsoft.com/office/drawing/2014/main" id="{9E2612D2-C376-4D6D-A1BF-FF49E04A2FEA}"/>
+              </a:ext>
+            </a:extLst>
+          </p:cNvPr>
+          <p:cNvSpPr>
+            <a:spLocks noGrp="1"/>
+          </p:cNvSpPr>
+          <p:nvPr>
+            <p:ph type="sldNum" sz="quarter" idx="12"/>
+          </p:nvPr>
+        </p:nvSpPr>
+        <p:spPr/>
+        <p:txBody>
+          <a:bodyPr/>
+          <a:lstStyle/>
+          <a:p>
+            <a:fld id="{3A98EE3D-8CD1-4C3F-BD1C-C98C9596463C}" type="slidenum">
+              <a:rPr lang="en-US" smtClean="0"/>
+              <a:t>4</a:t>
+            </a:fld>
+            <a:endParaRPr lang="en-US" dirty="0"/>
+          </a:p>
+        </p:txBody>
+      </p:sp>
+      <p:pic>
+        <p:nvPicPr>
+          <p:cNvPr id="5" name="Picture 3" descr="Text, logo&#10;&#10;Description automatically generated">
+            <a:extLst>
+              <a:ext uri="{FF2B5EF4-FFF2-40B4-BE49-F238E27FC236}">
+                <a16:creationId xmlns:a16="http://schemas.microsoft.com/office/drawing/2014/main" id="{950C292F-104E-4F5E-81BB-EE6FEB4D7006}"/>
+              </a:ext>
+            </a:extLst>
+          </p:cNvPr>
+          <p:cNvPicPr>
+            <a:picLocks noChangeAspect="1" noChangeArrowheads="1"/>
+          </p:cNvPicPr>
+          <p:nvPr/>
+        </p:nvPicPr>
+        <p:blipFill>
+          <a:blip r:embed="rId2">
+            <a:extLst>
+              <a:ext uri="{28A0092B-C50C-407E-A947-70E740481C1C}">
+                <a14:useLocalDpi xmlns:a14="http://schemas.microsoft.com/office/drawing/2010/main" val="0"/>
+              </a:ext>
+            </a:extLst>
+          </a:blip>
+          <a:srcRect/>
+          <a:stretch>
+            <a:fillRect/>
+          </a:stretch>
+        </p:blipFill>
+        <p:spPr bwMode="auto">
+          <a:xfrm>
+            <a:off x="0" y="5869092"/>
+            <a:ext cx="1676400" cy="476250"/>
+          </a:xfrm>
+          <a:prstGeom prst="rect">
+            <a:avLst/>
+          </a:prstGeom>
+          <a:noFill/>
+          <a:extLst>
+            <a:ext uri="{909E8E84-426E-40DD-AFC4-6F175D3DCCD1}">
+              <a14:hiddenFill xmlns:a14="http://schemas.microsoft.com/office/drawing/2010/main">
+                <a:solidFill>
+                  <a:srgbClr val="FFFFFF"/>
+                </a:solidFill>
+              </a14:hiddenFill>
+            </a:ext>
+          </a:extLst>
+        </p:spPr>
+      </p:pic>
+      <p:sp>
+        <p:nvSpPr>
+          <p:cNvPr id="6" name="TextBox 5">
+            <a:extLst>
+              <a:ext uri="{FF2B5EF4-FFF2-40B4-BE49-F238E27FC236}">
+                <a16:creationId xmlns:a16="http://schemas.microsoft.com/office/drawing/2014/main" id="{84465E54-BE8F-4210-BF94-0DD80118E45A}"/>
+              </a:ext>
+            </a:extLst>
+          </p:cNvPr>
+          <p:cNvSpPr txBox="1"/>
+          <p:nvPr/>
+        </p:nvSpPr>
+        <p:spPr>
+          <a:xfrm>
+            <a:off x="1676400" y="5922551"/>
+            <a:ext cx="6433930" cy="369332"/>
+          </a:xfrm>
+          <a:prstGeom prst="rect">
+            <a:avLst/>
+          </a:prstGeom>
+          <a:noFill/>
+        </p:spPr>
+        <p:txBody>
+          <a:bodyPr wrap="square" rtlCol="0">
+            <a:spAutoFit/>
+          </a:bodyPr>
+          <a:lstStyle/>
+          <a:p>
+            <a:r>
+              <a:rPr lang="en-IN" dirty="0"/>
+              <a:t> </a:t>
+            </a:r>
+            <a:r>
+              <a:rPr lang="en-IN" b="1" dirty="0"/>
+              <a:t>Team</a:t>
+            </a:r>
+            <a:r>
+              <a:rPr lang="en-IN" dirty="0"/>
+              <a:t> </a:t>
+            </a:r>
+            <a:r>
+              <a:rPr lang="en-IN" b="1" dirty="0"/>
+              <a:t>Unplugged Techies</a:t>
+            </a:r>
+          </a:p>
+        </p:txBody>
+      </p:sp>
+      <p:pic>
+        <p:nvPicPr>
+          <p:cNvPr id="4098" name="Picture 2" descr="320,305 Parking Stock Photos, Pictures &amp; Royalty-Free Images - iStock">
+            <a:extLst>
+              <a:ext uri="{FF2B5EF4-FFF2-40B4-BE49-F238E27FC236}">
+                <a16:creationId xmlns:a16="http://schemas.microsoft.com/office/drawing/2014/main" id="{8E610832-B37E-44F9-B9D9-9219700E7E8D}"/>
+              </a:ext>
+            </a:extLst>
+          </p:cNvPr>
+          <p:cNvPicPr>
+            <a:picLocks noChangeAspect="1" noChangeArrowheads="1"/>
+          </p:cNvPicPr>
+          <p:nvPr/>
+        </p:nvPicPr>
+        <p:blipFill>
+          <a:blip r:embed="rId3">
+            <a:extLst>
+              <a:ext uri="{28A0092B-C50C-407E-A947-70E740481C1C}">
+                <a14:useLocalDpi xmlns:a14="http://schemas.microsoft.com/office/drawing/2010/main" val="0"/>
+              </a:ext>
+            </a:extLst>
+          </a:blip>
+          <a:srcRect/>
+          <a:stretch>
+            <a:fillRect/>
+          </a:stretch>
+        </p:blipFill>
+        <p:spPr bwMode="auto">
+          <a:xfrm>
+            <a:off x="5923721" y="313332"/>
+            <a:ext cx="1455876" cy="1450757"/>
+          </a:xfrm>
+          <a:prstGeom prst="rect">
+            <a:avLst/>
+          </a:prstGeom>
+          <a:noFill/>
+          <a:extLst>
+            <a:ext uri="{909E8E84-426E-40DD-AFC4-6F175D3DCCD1}">
+              <a14:hiddenFill xmlns:a14="http://schemas.microsoft.com/office/drawing/2010/main">
+                <a:solidFill>
+                  <a:srgbClr val="FFFFFF"/>
+                </a:solidFill>
+              </a14:hiddenFill>
+            </a:ext>
+          </a:extLst>
+        </p:spPr>
+      </p:pic>
+      <p:graphicFrame>
+        <p:nvGraphicFramePr>
+          <p:cNvPr id="4100" name="Content Placeholder 10">
+            <a:extLst>
+              <a:ext uri="{FF2B5EF4-FFF2-40B4-BE49-F238E27FC236}">
+                <a16:creationId xmlns:a16="http://schemas.microsoft.com/office/drawing/2014/main" id="{87FB2B42-B491-0E06-8BD2-14D10DE3B8B7}"/>
+              </a:ext>
+            </a:extLst>
+          </p:cNvPr>
+          <p:cNvGraphicFramePr>
+            <a:graphicFrameLocks noGrp="1"/>
+          </p:cNvGraphicFramePr>
+          <p:nvPr>
+            <p:ph idx="1"/>
+            <p:extLst>
+              <p:ext uri="{D42A27DB-BD31-4B8C-83A1-F6EECF244321}">
+                <p14:modId xmlns:p14="http://schemas.microsoft.com/office/powerpoint/2010/main" val="1412401401"/>
+              </p:ext>
+            </p:extLst>
+          </p:nvPr>
+        </p:nvGraphicFramePr>
+        <p:xfrm>
+          <a:off x="1097280" y="2108201"/>
+          <a:ext cx="10058400" cy="3760891"/>
+        </p:xfrm>
+        <a:graphic>
+          <a:graphicData uri="http://schemas.openxmlformats.org/drawingml/2006/diagram">
+            <dgm:relIds xmlns:dgm="http://schemas.openxmlformats.org/drawingml/2006/diagram" xmlns:r="http://schemas.openxmlformats.org/officeDocument/2006/relationships" r:dm="rId4" r:lo="rId5" r:qs="rId6" r:cs="rId7"/>
+          </a:graphicData>
+        </a:graphic>
+      </p:graphicFrame>
+    </p:spTree>
+    <p:extLst>
+      <p:ext uri="{BB962C8B-B14F-4D97-AF65-F5344CB8AC3E}">
+        <p14:creationId xmlns:p14="http://schemas.microsoft.com/office/powerpoint/2010/main" val="3354695890"/>
+      </p:ext>
+    </p:extLst>
+  </p:cSld>
+  <p:clrMapOvr>
+    <a:masterClrMapping/>
+  </p:clrMapOvr>
+</p:sld>
+</file>
+
+<file path=ppt/slides/slide5.xml><?xml version="1.0" encoding="utf-8"?>
+<p:sld xmlns:a="http://schemas.openxmlformats.org/drawingml/2006/main" xmlns:r="http://schemas.openxmlformats.org/officeDocument/2006/relationships" xmlns:p="http://schemas.openxmlformats.org/presentationml/2006/main">
+  <p:cSld>
+    <p:bg>
+      <p:bgPr>
+        <a:solidFill>
+          <a:schemeClr val="bg1"/>
+        </a:solidFill>
+        <a:effectLst/>
+      </p:bgPr>
+    </p:bg>
+    <p:spTree>
+      <p:nvGrpSpPr>
+        <p:cNvPr id="1" name=""/>
+        <p:cNvGrpSpPr/>
+        <p:nvPr/>
+      </p:nvGrpSpPr>
+      <p:grpSpPr>
+        <a:xfrm>
+          <a:off x="0" y="0"/>
+          <a:ext cx="0" cy="0"/>
+          <a:chOff x="0" y="0"/>
+          <a:chExt cx="0" cy="0"/>
+        </a:xfrm>
+      </p:grpSpPr>
+      <p:sp useBgFill="1">
+        <p:nvSpPr>
+          <p:cNvPr id="10" name="Rectangle 9">
+            <a:extLst>
+              <a:ext uri="{FF2B5EF4-FFF2-40B4-BE49-F238E27FC236}">
+                <a16:creationId xmlns:a16="http://schemas.microsoft.com/office/drawing/2014/main" id="{67B74F2B-9534-4540-96B0-5C8E958B940F}"/>
+              </a:ext>
+              <a:ext uri="{C183D7F6-B498-43B3-948B-1728B52AA6E4}">
+                <adec:decorative xmlns:adec="http://schemas.microsoft.com/office/drawing/2017/decorative" val="1"/>
+              </a:ext>
+            </a:extLst>
+          </p:cNvPr>
+          <p:cNvSpPr>
+            <a:spLocks noGrp="1" noRot="1" noChangeAspect="1" noMove="1" noResize="1" noEditPoints="1" noAdjustHandles="1" noChangeArrowheads="1" noChangeShapeType="1" noTextEdit="1"/>
+          </p:cNvSpPr>
+          <p:nvPr>
+            <p:extLst>
+              <p:ext uri="{386F3935-93C4-4BCD-93E2-E3B085C9AB24}">
+                <p16:designElem xmlns:p16="http://schemas.microsoft.com/office/powerpoint/2015/main" val="1"/>
+              </p:ext>
+            </p:extLst>
+          </p:nvPr>
+        </p:nvSpPr>
+        <p:spPr>
+          <a:xfrm>
+            <a:off x="0" y="0"/>
+            <a:ext cx="12192001" cy="6858000"/>
+          </a:xfrm>
+          <a:prstGeom prst="rect">
+            <a:avLst/>
+          </a:prstGeom>
+          <a:ln>
+            <a:noFill/>
+          </a:ln>
+        </p:spPr>
+        <p:style>
+          <a:lnRef idx="2">
+            <a:schemeClr val="accent1">
+              <a:shade val="50000"/>
+            </a:schemeClr>
+          </a:lnRef>
+          <a:fillRef idx="1">
+            <a:schemeClr val="accent1"/>
+          </a:fillRef>
+          <a:effectRef idx="0">
+            <a:schemeClr val="accent1"/>
+          </a:effectRef>
+          <a:fontRef idx="minor">
+            <a:schemeClr val="lt1"/>
+          </a:fontRef>
+        </p:style>
+        <p:txBody>
+          <a:bodyPr rtlCol="0" anchor="ctr"/>
+          <a:lstStyle/>
+          <a:p>
+            <a:pPr algn="ctr"/>
+            <a:endParaRPr lang="en-US"/>
+          </a:p>
+        </p:txBody>
+      </p:sp>
+      <p:sp>
+        <p:nvSpPr>
+          <p:cNvPr id="2" name="Title 1">
+            <a:extLst>
+              <a:ext uri="{FF2B5EF4-FFF2-40B4-BE49-F238E27FC236}">
+                <a16:creationId xmlns:a16="http://schemas.microsoft.com/office/drawing/2014/main" id="{395F2792-50F8-4294-8BA0-DBFCF08D6BC0}"/>
+              </a:ext>
+            </a:extLst>
+          </p:cNvPr>
+          <p:cNvSpPr>
+            <a:spLocks noGrp="1"/>
+          </p:cNvSpPr>
+          <p:nvPr>
+            <p:ph type="title"/>
+          </p:nvPr>
+        </p:nvSpPr>
+        <p:spPr>
+          <a:xfrm>
+            <a:off x="5172074" y="286603"/>
+            <a:ext cx="5983605" cy="1450757"/>
+          </a:xfrm>
+        </p:spPr>
+        <p:txBody>
+          <a:bodyPr>
+            <a:normAutofit/>
+          </a:bodyPr>
+          <a:lstStyle/>
+          <a:p>
+            <a:r>
+              <a:rPr lang="en-IN" dirty="0"/>
+              <a:t>ParkUrWheels Features</a:t>
+            </a:r>
+          </a:p>
+        </p:txBody>
+      </p:sp>
+      <p:pic>
+        <p:nvPicPr>
+          <p:cNvPr id="6" name="Picture 5" descr="Car park lanes with skid marks on the road">
+            <a:extLst>
+              <a:ext uri="{FF2B5EF4-FFF2-40B4-BE49-F238E27FC236}">
+                <a16:creationId xmlns:a16="http://schemas.microsoft.com/office/drawing/2014/main" id="{7F99D1DE-DF1E-E17C-85CA-61F01088B16D}"/>
+              </a:ext>
+            </a:extLst>
+          </p:cNvPr>
+          <p:cNvPicPr>
+            <a:picLocks noChangeAspect="1"/>
+          </p:cNvPicPr>
+          <p:nvPr/>
+        </p:nvPicPr>
+        <p:blipFill rotWithShape="1">
+          <a:blip r:embed="rId2"/>
+          <a:srcRect l="24678" r="27559"/>
+          <a:stretch/>
+        </p:blipFill>
+        <p:spPr>
+          <a:xfrm>
+            <a:off x="20" y="-26494"/>
+            <a:ext cx="4580077" cy="6400784"/>
+          </a:xfrm>
+          <a:prstGeom prst="rect">
+            <a:avLst/>
+          </a:prstGeom>
+        </p:spPr>
+      </p:pic>
+      <p:cxnSp>
+        <p:nvCxnSpPr>
+          <p:cNvPr id="12" name="!!Straight Connector">
+            <a:extLst>
+              <a:ext uri="{FF2B5EF4-FFF2-40B4-BE49-F238E27FC236}">
+                <a16:creationId xmlns:a16="http://schemas.microsoft.com/office/drawing/2014/main" id="{33BECB2B-2CFA-412C-880F-C4B60974936F}"/>
+              </a:ext>
+              <a:ext uri="{C183D7F6-B498-43B3-948B-1728B52AA6E4}">
+                <adec:decorative xmlns:adec="http://schemas.microsoft.com/office/drawing/2017/decorative" val="1"/>
+              </a:ext>
+            </a:extLst>
+          </p:cNvPr>
+          <p:cNvCxnSpPr>
+            <a:cxnSpLocks noGrp="1" noRot="1" noChangeAspect="1" noMove="1" noResize="1" noEditPoints="1" noAdjustHandles="1" noChangeArrowheads="1" noChangeShapeType="1"/>
+          </p:cNvCxnSpPr>
+          <p:nvPr>
+            <p:extLst>
+              <p:ext uri="{386F3935-93C4-4BCD-93E2-E3B085C9AB24}">
+                <p16:designElem xmlns:p16="http://schemas.microsoft.com/office/powerpoint/2015/main" val="1"/>
+              </p:ext>
+            </p:extLst>
+          </p:nvPr>
+        </p:nvCxnSpPr>
+        <p:spPr>
+          <a:xfrm>
+            <a:off x="5242903" y="1917852"/>
+            <a:ext cx="5943600" cy="0"/>
+          </a:xfrm>
+          <a:prstGeom prst="line">
+            <a:avLst/>
+          </a:prstGeom>
+          <a:ln w="12700">
+            <a:solidFill>
+              <a:schemeClr val="tx1">
+                <a:lumMod val="75000"/>
+                <a:lumOff val="25000"/>
+              </a:schemeClr>
+            </a:solidFill>
+          </a:ln>
+        </p:spPr>
+        <p:style>
+          <a:lnRef idx="1">
+            <a:schemeClr val="accent1"/>
+          </a:lnRef>
+          <a:fillRef idx="0">
+            <a:schemeClr val="accent1"/>
+          </a:fillRef>
+          <a:effectRef idx="0">
+            <a:schemeClr val="accent1"/>
+          </a:effectRef>
+          <a:fontRef idx="minor">
+            <a:schemeClr val="tx1"/>
+          </a:fontRef>
+        </p:style>
+      </p:cxnSp>
+      <p:sp>
+        <p:nvSpPr>
+          <p:cNvPr id="3" name="Content Placeholder 2">
+            <a:extLst>
+              <a:ext uri="{FF2B5EF4-FFF2-40B4-BE49-F238E27FC236}">
+                <a16:creationId xmlns:a16="http://schemas.microsoft.com/office/drawing/2014/main" id="{023C4E0A-B7F4-4ED3-B5F9-99E8AA9E4D65}"/>
+              </a:ext>
+            </a:extLst>
+          </p:cNvPr>
+          <p:cNvSpPr>
+            <a:spLocks noGrp="1"/>
+          </p:cNvSpPr>
+          <p:nvPr>
+            <p:ph idx="1"/>
+          </p:nvPr>
+        </p:nvSpPr>
+        <p:spPr>
+          <a:xfrm>
+            <a:off x="5172074" y="2110194"/>
+            <a:ext cx="5983606" cy="3760891"/>
+          </a:xfrm>
+        </p:spPr>
+        <p:txBody>
+          <a:bodyPr>
+            <a:normAutofit/>
+          </a:bodyPr>
+          <a:lstStyle/>
+          <a:p>
+            <a:pPr>
+              <a:buFont typeface="Arial" panose="020B0604020202020204" pitchFamily="34" charset="0"/>
+              <a:buChar char="•"/>
+            </a:pPr>
+            <a:endParaRPr lang="en-IN" dirty="0">
+              <a:solidFill>
+                <a:schemeClr val="tx1"/>
+              </a:solidFill>
+              <a:latin typeface="Times New Roman" panose="02020603050405020304" pitchFamily="18" charset="0"/>
+              <a:cs typeface="Times New Roman" panose="02020603050405020304" pitchFamily="18" charset="0"/>
+            </a:endParaRPr>
+          </a:p>
+          <a:p>
+            <a:pPr>
+              <a:buFont typeface="Arial" panose="020B0604020202020204" pitchFamily="34" charset="0"/>
+              <a:buChar char="•"/>
+            </a:pPr>
+            <a:r>
+              <a:rPr lang="en-IN" dirty="0">
+                <a:solidFill>
+                  <a:schemeClr val="tx1"/>
+                </a:solidFill>
+                <a:latin typeface="Times New Roman" panose="02020603050405020304" pitchFamily="18" charset="0"/>
+                <a:cs typeface="Times New Roman" panose="02020603050405020304" pitchFamily="18" charset="0"/>
+              </a:rPr>
+              <a:t>Check nearby available parking slots.</a:t>
+            </a:r>
+          </a:p>
+          <a:p>
+            <a:pPr>
+              <a:buFont typeface="Arial" panose="020B0604020202020204" pitchFamily="34" charset="0"/>
+              <a:buChar char="•"/>
+            </a:pPr>
+            <a:r>
+              <a:rPr lang="en-IN" dirty="0">
+                <a:solidFill>
+                  <a:schemeClr val="tx1"/>
+                </a:solidFill>
+                <a:latin typeface="Times New Roman" panose="02020603050405020304" pitchFamily="18" charset="0"/>
+                <a:cs typeface="Times New Roman" panose="02020603050405020304" pitchFamily="18" charset="0"/>
+              </a:rPr>
+              <a:t>Compare fare among nearby available parking slots.</a:t>
+            </a:r>
+          </a:p>
+          <a:p>
+            <a:pPr>
+              <a:buFont typeface="Arial" panose="020B0604020202020204" pitchFamily="34" charset="0"/>
+              <a:buChar char="•"/>
+            </a:pPr>
+            <a:r>
+              <a:rPr lang="en-IN" dirty="0">
+                <a:solidFill>
+                  <a:schemeClr val="tx1"/>
+                </a:solidFill>
+                <a:latin typeface="Times New Roman" panose="02020603050405020304" pitchFamily="18" charset="0"/>
+                <a:cs typeface="Times New Roman" panose="02020603050405020304" pitchFamily="18" charset="0"/>
+              </a:rPr>
+              <a:t>Advance parking slot booking.</a:t>
+            </a:r>
+          </a:p>
+          <a:p>
+            <a:pPr>
+              <a:buFont typeface="Arial" panose="020B0604020202020204" pitchFamily="34" charset="0"/>
+              <a:buChar char="•"/>
+            </a:pPr>
+            <a:r>
+              <a:rPr lang="en-IN" dirty="0">
+                <a:solidFill>
+                  <a:schemeClr val="tx1"/>
+                </a:solidFill>
+                <a:latin typeface="Times New Roman" panose="02020603050405020304" pitchFamily="18" charset="0"/>
+                <a:cs typeface="Times New Roman" panose="02020603050405020304" pitchFamily="18" charset="0"/>
+              </a:rPr>
+              <a:t>To get real-time status.</a:t>
+            </a:r>
+          </a:p>
+          <a:p>
+            <a:pPr>
+              <a:buFont typeface="Arial" panose="020B0604020202020204" pitchFamily="34" charset="0"/>
+              <a:buChar char="•"/>
+            </a:pPr>
+            <a:r>
+              <a:rPr lang="en-IN" dirty="0">
+                <a:solidFill>
+                  <a:schemeClr val="tx1"/>
+                </a:solidFill>
+                <a:latin typeface="Times New Roman" panose="02020603050405020304" pitchFamily="18" charset="0"/>
+                <a:cs typeface="Times New Roman" panose="02020603050405020304" pitchFamily="18" charset="0"/>
+              </a:rPr>
+              <a:t>Map guidance to parking.</a:t>
+            </a:r>
+          </a:p>
+          <a:p>
+            <a:endParaRPr lang="en-IN" dirty="0">
+              <a:solidFill>
+                <a:schemeClr val="tx1"/>
+              </a:solidFill>
+              <a:latin typeface="Times New Roman" panose="02020603050405020304" pitchFamily="18" charset="0"/>
+              <a:cs typeface="Times New Roman" panose="02020603050405020304" pitchFamily="18" charset="0"/>
+            </a:endParaRPr>
+          </a:p>
+        </p:txBody>
+      </p:sp>
+      <p:sp>
+        <p:nvSpPr>
+          <p:cNvPr id="17" name="Rectangle 13">
+            <a:extLst>
+              <a:ext uri="{FF2B5EF4-FFF2-40B4-BE49-F238E27FC236}">
+                <a16:creationId xmlns:a16="http://schemas.microsoft.com/office/drawing/2014/main" id="{C1B60310-C5C3-46A0-A452-2A0B008434DA}"/>
+              </a:ext>
+              <a:ext uri="{C183D7F6-B498-43B3-948B-1728B52AA6E4}">
+                <adec:decorative xmlns:adec="http://schemas.microsoft.com/office/drawing/2017/decorative" val="1"/>
+              </a:ext>
+            </a:extLst>
+          </p:cNvPr>
+          <p:cNvSpPr>
+            <a:spLocks noGrp="1" noRot="1" noChangeAspect="1" noMove="1" noResize="1" noEditPoints="1" noAdjustHandles="1" noChangeArrowheads="1" noChangeShapeType="1" noTextEdit="1"/>
+          </p:cNvSpPr>
+          <p:nvPr>
+            <p:extLst>
+              <p:ext uri="{386F3935-93C4-4BCD-93E2-E3B085C9AB24}">
+                <p16:designElem xmlns:p16="http://schemas.microsoft.com/office/powerpoint/2015/main" val="1"/>
+              </p:ext>
+            </p:extLst>
+          </p:nvPr>
+        </p:nvSpPr>
+        <p:spPr>
+          <a:xfrm>
+            <a:off x="-1" y="6400800"/>
+            <a:ext cx="12192000" cy="457200"/>
+          </a:xfrm>
+          <a:prstGeom prst="rect">
+            <a:avLst/>
+          </a:prstGeom>
+          <a:solidFill>
+            <a:srgbClr val="262626"/>
+          </a:solidFill>
+          <a:ln>
+            <a:noFill/>
+          </a:ln>
+        </p:spPr>
+        <p:style>
+          <a:lnRef idx="2">
+            <a:schemeClr val="accent1">
+              <a:shade val="50000"/>
+            </a:schemeClr>
+          </a:lnRef>
+          <a:fillRef idx="1">
+            <a:schemeClr val="accent1"/>
+          </a:fillRef>
+          <a:effectRef idx="0">
+            <a:schemeClr val="accent1"/>
+          </a:effectRef>
+          <a:fontRef idx="minor">
+            <a:schemeClr val="lt1"/>
+          </a:fontRef>
+        </p:style>
+      </p:sp>
+      <p:sp>
+        <p:nvSpPr>
+          <p:cNvPr id="4" name="Slide Number Placeholder 3">
+            <a:extLst>
+              <a:ext uri="{FF2B5EF4-FFF2-40B4-BE49-F238E27FC236}">
+                <a16:creationId xmlns:a16="http://schemas.microsoft.com/office/drawing/2014/main" id="{C740943A-2588-4D2D-9ACE-A10DA4521CA3}"/>
+              </a:ext>
+            </a:extLst>
+          </p:cNvPr>
+          <p:cNvSpPr>
+            <a:spLocks noGrp="1"/>
+          </p:cNvSpPr>
+          <p:nvPr>
+            <p:ph type="sldNum" sz="quarter" idx="12"/>
+          </p:nvPr>
+        </p:nvSpPr>
+        <p:spPr>
+          <a:xfrm>
+            <a:off x="10993582" y="6446838"/>
+            <a:ext cx="780010" cy="365125"/>
+          </a:xfrm>
+        </p:spPr>
+        <p:txBody>
+          <a:bodyPr>
+            <a:normAutofit/>
+          </a:bodyPr>
+          <a:lstStyle/>
+          <a:p>
+            <a:pPr>
+              <a:spcAft>
+                <a:spcPts val="600"/>
+              </a:spcAft>
+            </a:pPr>
+            <a:fld id="{3A98EE3D-8CD1-4C3F-BD1C-C98C9596463C}" type="slidenum">
+              <a:rPr lang="en-US" smtClean="0"/>
+              <a:pPr>
+                <a:spcAft>
+                  <a:spcPts val="600"/>
+                </a:spcAft>
+              </a:pPr>
+              <a:t>5</a:t>
+            </a:fld>
+            <a:endParaRPr lang="en-US"/>
+          </a:p>
+        </p:txBody>
+      </p:sp>
+      <p:pic>
+        <p:nvPicPr>
+          <p:cNvPr id="16" name="Picture 3" descr="Text, logo&#10;&#10;Description automatically generated">
+            <a:extLst>
+              <a:ext uri="{FF2B5EF4-FFF2-40B4-BE49-F238E27FC236}">
+                <a16:creationId xmlns:a16="http://schemas.microsoft.com/office/drawing/2014/main" id="{A7DD976D-F996-4312-82A1-7440D3073A6B}"/>
+              </a:ext>
+            </a:extLst>
+          </p:cNvPr>
+          <p:cNvPicPr>
+            <a:picLocks noChangeAspect="1" noChangeArrowheads="1"/>
+          </p:cNvPicPr>
+          <p:nvPr/>
+        </p:nvPicPr>
+        <p:blipFill>
+          <a:blip r:embed="rId3">
+            <a:extLst>
+              <a:ext uri="{28A0092B-C50C-407E-A947-70E740481C1C}">
+                <a14:useLocalDpi xmlns:a14="http://schemas.microsoft.com/office/drawing/2010/main" val="0"/>
+              </a:ext>
+            </a:extLst>
+          </a:blip>
+          <a:srcRect/>
+          <a:stretch>
+            <a:fillRect/>
+          </a:stretch>
+        </p:blipFill>
+        <p:spPr bwMode="auto">
+          <a:xfrm>
+            <a:off x="4580097" y="5924547"/>
+            <a:ext cx="1676400" cy="476250"/>
+          </a:xfrm>
+          <a:prstGeom prst="rect">
+            <a:avLst/>
+          </a:prstGeom>
+          <a:noFill/>
+          <a:extLst>
+            <a:ext uri="{909E8E84-426E-40DD-AFC4-6F175D3DCCD1}">
+              <a14:hiddenFill xmlns:a14="http://schemas.microsoft.com/office/drawing/2010/main">
+                <a:solidFill>
+                  <a:srgbClr val="FFFFFF"/>
+                </a:solidFill>
+              </a14:hiddenFill>
+            </a:ext>
+          </a:extLst>
+        </p:spPr>
+      </p:pic>
+      <p:sp>
+        <p:nvSpPr>
+          <p:cNvPr id="18" name="TextBox 17">
+            <a:extLst>
+              <a:ext uri="{FF2B5EF4-FFF2-40B4-BE49-F238E27FC236}">
+                <a16:creationId xmlns:a16="http://schemas.microsoft.com/office/drawing/2014/main" id="{72E31A11-7C85-4362-A960-1626F22D5DEA}"/>
+              </a:ext>
+            </a:extLst>
+          </p:cNvPr>
+          <p:cNvSpPr txBox="1"/>
+          <p:nvPr/>
+        </p:nvSpPr>
+        <p:spPr>
+          <a:xfrm>
+            <a:off x="6256497" y="5978006"/>
+            <a:ext cx="6096000" cy="369332"/>
+          </a:xfrm>
+          <a:prstGeom prst="rect">
+            <a:avLst/>
+          </a:prstGeom>
+          <a:noFill/>
+        </p:spPr>
+        <p:txBody>
+          <a:bodyPr wrap="square">
+            <a:spAutoFit/>
+          </a:bodyPr>
+          <a:lstStyle/>
+          <a:p>
+            <a:r>
+              <a:rPr lang="en-IN" dirty="0"/>
+              <a:t> </a:t>
+            </a:r>
+            <a:r>
+              <a:rPr lang="en-IN" b="1" dirty="0"/>
+              <a:t>Team</a:t>
+            </a:r>
+            <a:r>
+              <a:rPr lang="en-IN" dirty="0"/>
+              <a:t> </a:t>
+            </a:r>
+            <a:r>
+              <a:rPr lang="en-IN" b="1" dirty="0"/>
+              <a:t>Unplugged Techies</a:t>
+            </a:r>
+          </a:p>
+        </p:txBody>
+      </p:sp>
+      <p:pic>
+        <p:nvPicPr>
+          <p:cNvPr id="7" name="Picture 6" descr="Icon&#10;&#10;Description automatically generated">
+            <a:extLst>
+              <a:ext uri="{FF2B5EF4-FFF2-40B4-BE49-F238E27FC236}">
+                <a16:creationId xmlns:a16="http://schemas.microsoft.com/office/drawing/2014/main" id="{16CF37B2-1FB9-37C2-5B43-67F0A7E84CE5}"/>
+              </a:ext>
+            </a:extLst>
+          </p:cNvPr>
+          <p:cNvPicPr>
+            <a:picLocks noChangeAspect="1"/>
+          </p:cNvPicPr>
+          <p:nvPr/>
+        </p:nvPicPr>
+        <p:blipFill>
+          <a:blip r:embed="rId4"/>
+          <a:stretch>
+            <a:fillRect/>
+          </a:stretch>
+        </p:blipFill>
+        <p:spPr>
+          <a:xfrm>
+            <a:off x="1245442" y="1737360"/>
+            <a:ext cx="2513757" cy="2712687"/>
+          </a:xfrm>
+          <a:prstGeom prst="rect">
+            <a:avLst/>
+          </a:prstGeom>
+        </p:spPr>
+      </p:pic>
+    </p:spTree>
+    <p:extLst>
+      <p:ext uri="{BB962C8B-B14F-4D97-AF65-F5344CB8AC3E}">
+        <p14:creationId xmlns:p14="http://schemas.microsoft.com/office/powerpoint/2010/main" val="3148741629"/>
+      </p:ext>
+    </p:extLst>
+  </p:cSld>
+  <p:clrMapOvr>
+    <a:masterClrMapping/>
+  </p:clrMapOvr>
+</p:sld>
+</file>
+
+<file path=ppt/slides/slide6.xml><?xml version="1.0" encoding="utf-8"?>
+<p:sld xmlns:a="http://schemas.openxmlformats.org/drawingml/2006/main" xmlns:r="http://schemas.openxmlformats.org/officeDocument/2006/relationships" xmlns:p="http://schemas.openxmlformats.org/presentationml/2006/main">
+  <p:cSld>
+    <p:spTree>
+      <p:nvGrpSpPr>
+        <p:cNvPr id="1" name=""/>
+        <p:cNvGrpSpPr/>
+        <p:nvPr/>
+      </p:nvGrpSpPr>
+      <p:grpSpPr>
+        <a:xfrm>
+          <a:off x="0" y="0"/>
+          <a:ext cx="0" cy="0"/>
+          <a:chOff x="0" y="0"/>
+          <a:chExt cx="0" cy="0"/>
+        </a:xfrm>
+      </p:grpSpPr>
+      <p:sp>
+        <p:nvSpPr>
+          <p:cNvPr id="2" name="Title 1">
+            <a:extLst>
+              <a:ext uri="{FF2B5EF4-FFF2-40B4-BE49-F238E27FC236}">
+                <a16:creationId xmlns:a16="http://schemas.microsoft.com/office/drawing/2014/main" id="{2D3820AA-5149-46B2-AE66-4D0149F90A70}"/>
+              </a:ext>
+            </a:extLst>
+          </p:cNvPr>
+          <p:cNvSpPr>
+            <a:spLocks noGrp="1"/>
+          </p:cNvSpPr>
+          <p:nvPr>
+            <p:ph type="title"/>
+          </p:nvPr>
+        </p:nvSpPr>
+        <p:spPr/>
+        <p:txBody>
+          <a:bodyPr/>
+          <a:lstStyle/>
+          <a:p>
+            <a:r>
+              <a:rPr lang="en-IN" dirty="0"/>
+              <a:t>System Design</a:t>
+            </a:r>
+          </a:p>
+        </p:txBody>
+      </p:sp>
+      <p:sp>
+        <p:nvSpPr>
+          <p:cNvPr id="4" name="Slide Number Placeholder 3">
+            <a:extLst>
+              <a:ext uri="{FF2B5EF4-FFF2-40B4-BE49-F238E27FC236}">
+                <a16:creationId xmlns:a16="http://schemas.microsoft.com/office/drawing/2014/main" id="{9E2612D2-C376-4D6D-A1BF-FF49E04A2FEA}"/>
+              </a:ext>
+            </a:extLst>
+          </p:cNvPr>
+          <p:cNvSpPr>
+            <a:spLocks noGrp="1"/>
+          </p:cNvSpPr>
+          <p:nvPr>
+            <p:ph type="sldNum" sz="quarter" idx="12"/>
+          </p:nvPr>
+        </p:nvSpPr>
+        <p:spPr/>
+        <p:txBody>
+          <a:bodyPr/>
+          <a:lstStyle/>
+          <a:p>
+            <a:fld id="{3A98EE3D-8CD1-4C3F-BD1C-C98C9596463C}" type="slidenum">
+              <a:rPr lang="en-US" smtClean="0"/>
+              <a:t>6</a:t>
+            </a:fld>
+            <a:endParaRPr lang="en-US" dirty="0"/>
+          </a:p>
+        </p:txBody>
+      </p:sp>
+      <p:pic>
+        <p:nvPicPr>
+          <p:cNvPr id="5" name="Picture 3" descr="Text, logo&#10;&#10;Description automatically generated">
+            <a:extLst>
+              <a:ext uri="{FF2B5EF4-FFF2-40B4-BE49-F238E27FC236}">
+                <a16:creationId xmlns:a16="http://schemas.microsoft.com/office/drawing/2014/main" id="{950C292F-104E-4F5E-81BB-EE6FEB4D7006}"/>
+              </a:ext>
+            </a:extLst>
+          </p:cNvPr>
+          <p:cNvPicPr>
+            <a:picLocks noChangeAspect="1" noChangeArrowheads="1"/>
+          </p:cNvPicPr>
+          <p:nvPr/>
+        </p:nvPicPr>
+        <p:blipFill>
+          <a:blip r:embed="rId2">
+            <a:extLst>
+              <a:ext uri="{28A0092B-C50C-407E-A947-70E740481C1C}">
+                <a14:useLocalDpi xmlns:a14="http://schemas.microsoft.com/office/drawing/2010/main" val="0"/>
+              </a:ext>
+            </a:extLst>
+          </a:blip>
+          <a:srcRect/>
+          <a:stretch>
+            <a:fillRect/>
+          </a:stretch>
+        </p:blipFill>
+        <p:spPr bwMode="auto">
+          <a:xfrm>
+            <a:off x="0" y="5869092"/>
+            <a:ext cx="1676400" cy="476250"/>
+          </a:xfrm>
+          <a:prstGeom prst="rect">
+            <a:avLst/>
+          </a:prstGeom>
+          <a:noFill/>
+          <a:extLst>
+            <a:ext uri="{909E8E84-426E-40DD-AFC4-6F175D3DCCD1}">
+              <a14:hiddenFill xmlns:a14="http://schemas.microsoft.com/office/drawing/2010/main">
+                <a:solidFill>
+                  <a:srgbClr val="FFFFFF"/>
+                </a:solidFill>
+              </a14:hiddenFill>
+            </a:ext>
+          </a:extLst>
+        </p:spPr>
+      </p:pic>
+      <p:sp>
+        <p:nvSpPr>
+          <p:cNvPr id="6" name="TextBox 5">
+            <a:extLst>
+              <a:ext uri="{FF2B5EF4-FFF2-40B4-BE49-F238E27FC236}">
+                <a16:creationId xmlns:a16="http://schemas.microsoft.com/office/drawing/2014/main" id="{84465E54-BE8F-4210-BF94-0DD80118E45A}"/>
+              </a:ext>
+            </a:extLst>
+          </p:cNvPr>
+          <p:cNvSpPr txBox="1"/>
+          <p:nvPr/>
+        </p:nvSpPr>
+        <p:spPr>
+          <a:xfrm>
+            <a:off x="1676400" y="5922551"/>
+            <a:ext cx="6433930" cy="369332"/>
+          </a:xfrm>
+          <a:prstGeom prst="rect">
+            <a:avLst/>
+          </a:prstGeom>
+          <a:noFill/>
+        </p:spPr>
+        <p:txBody>
+          <a:bodyPr wrap="square" rtlCol="0">
+            <a:spAutoFit/>
+          </a:bodyPr>
+          <a:lstStyle/>
+          <a:p>
+            <a:r>
+              <a:rPr lang="en-IN" dirty="0"/>
+              <a:t> </a:t>
+            </a:r>
+            <a:r>
+              <a:rPr lang="en-IN" b="1" dirty="0"/>
+              <a:t>Team</a:t>
+            </a:r>
+            <a:r>
+              <a:rPr lang="en-IN" dirty="0"/>
+              <a:t> </a:t>
+            </a:r>
+            <a:r>
+              <a:rPr lang="en-IN" b="1" dirty="0"/>
+              <a:t>Unplugged Techies</a:t>
+            </a:r>
+          </a:p>
+        </p:txBody>
+      </p:sp>
+      <p:graphicFrame>
+        <p:nvGraphicFramePr>
+          <p:cNvPr id="24" name="Content Placeholder 6">
+            <a:extLst>
+              <a:ext uri="{FF2B5EF4-FFF2-40B4-BE49-F238E27FC236}">
+                <a16:creationId xmlns:a16="http://schemas.microsoft.com/office/drawing/2014/main" id="{55431EFD-CCE6-85EB-030B-FDF3BEAEECCA}"/>
+              </a:ext>
+            </a:extLst>
+          </p:cNvPr>
+          <p:cNvGraphicFramePr>
+            <a:graphicFrameLocks noGrp="1"/>
+          </p:cNvGraphicFramePr>
+          <p:nvPr>
+            <p:ph idx="1"/>
+          </p:nvPr>
+        </p:nvGraphicFramePr>
+        <p:xfrm>
+          <a:off x="1097280" y="2108201"/>
+          <a:ext cx="10058400" cy="3760891"/>
+        </p:xfrm>
+        <a:graphic>
+          <a:graphicData uri="http://schemas.openxmlformats.org/drawingml/2006/diagram">
+            <dgm:relIds xmlns:dgm="http://schemas.openxmlformats.org/drawingml/2006/diagram" xmlns:r="http://schemas.openxmlformats.org/officeDocument/2006/relationships" r:dm="rId3" r:lo="rId4" r:qs="rId5" r:cs="rId6"/>
+          </a:graphicData>
+        </a:graphic>
+      </p:graphicFrame>
+    </p:spTree>
+    <p:extLst>
+      <p:ext uri="{BB962C8B-B14F-4D97-AF65-F5344CB8AC3E}">
+        <p14:creationId xmlns:p14="http://schemas.microsoft.com/office/powerpoint/2010/main" val="2179270703"/>
+      </p:ext>
+    </p:extLst>
+  </p:cSld>
+  <p:clrMapOvr>
+    <a:masterClrMapping/>
+  </p:clrMapOvr>
+</p:sld>
+</file>
+
+<file path=ppt/slides/slide7.xml><?xml version="1.0" encoding="utf-8"?>
+<p:sld xmlns:a="http://schemas.openxmlformats.org/drawingml/2006/main" xmlns:r="http://schemas.openxmlformats.org/officeDocument/2006/relationships" xmlns:p="http://schemas.openxmlformats.org/presentationml/2006/main">
+  <p:cSld>
+    <p:spTree>
+      <p:nvGrpSpPr>
+        <p:cNvPr id="1" name=""/>
+        <p:cNvGrpSpPr/>
+        <p:nvPr/>
+      </p:nvGrpSpPr>
+      <p:grpSpPr>
+        <a:xfrm>
+          <a:off x="0" y="0"/>
+          <a:ext cx="0" cy="0"/>
+          <a:chOff x="0" y="0"/>
+          <a:chExt cx="0" cy="0"/>
+        </a:xfrm>
+      </p:grpSpPr>
+      <p:sp>
+        <p:nvSpPr>
+          <p:cNvPr id="2" name="Title 1">
+            <a:extLst>
+              <a:ext uri="{FF2B5EF4-FFF2-40B4-BE49-F238E27FC236}">
+                <a16:creationId xmlns:a16="http://schemas.microsoft.com/office/drawing/2014/main" id="{2D3820AA-5149-46B2-AE66-4D0149F90A70}"/>
+              </a:ext>
+            </a:extLst>
+          </p:cNvPr>
+          <p:cNvSpPr>
+            <a:spLocks noGrp="1"/>
+          </p:cNvSpPr>
+          <p:nvPr>
+            <p:ph type="title"/>
+          </p:nvPr>
+        </p:nvSpPr>
+        <p:spPr>
+          <a:xfrm>
+            <a:off x="705394" y="286603"/>
+            <a:ext cx="10058400" cy="226055"/>
+          </a:xfrm>
+        </p:spPr>
+        <p:txBody>
+          <a:bodyPr>
+            <a:normAutofit fontScale="90000"/>
+          </a:bodyPr>
+          <a:lstStyle/>
+          <a:p>
+            <a:r>
+              <a:rPr lang="en-IN" sz="2000" b="1" dirty="0"/>
+              <a:t>Application Flow</a:t>
+            </a:r>
+          </a:p>
+        </p:txBody>
+      </p:sp>
+      <p:sp>
+        <p:nvSpPr>
+          <p:cNvPr id="4" name="Slide Number Placeholder 3">
+            <a:extLst>
+              <a:ext uri="{FF2B5EF4-FFF2-40B4-BE49-F238E27FC236}">
+                <a16:creationId xmlns:a16="http://schemas.microsoft.com/office/drawing/2014/main" id="{9E2612D2-C376-4D6D-A1BF-FF49E04A2FEA}"/>
+              </a:ext>
+            </a:extLst>
+          </p:cNvPr>
+          <p:cNvSpPr>
+            <a:spLocks noGrp="1"/>
+          </p:cNvSpPr>
+          <p:nvPr>
+            <p:ph type="sldNum" sz="quarter" idx="12"/>
+          </p:nvPr>
+        </p:nvSpPr>
+        <p:spPr/>
+        <p:txBody>
+          <a:bodyPr/>
+          <a:lstStyle/>
+          <a:p>
+            <a:fld id="{3A98EE3D-8CD1-4C3F-BD1C-C98C9596463C}" type="slidenum">
+              <a:rPr lang="en-US" smtClean="0"/>
+              <a:t>7</a:t>
+            </a:fld>
+            <a:endParaRPr lang="en-US" dirty="0"/>
+          </a:p>
+        </p:txBody>
+      </p:sp>
+      <p:pic>
+        <p:nvPicPr>
+          <p:cNvPr id="5" name="Picture 3" descr="Text, logo&#10;&#10;Description automatically generated">
+            <a:extLst>
+              <a:ext uri="{FF2B5EF4-FFF2-40B4-BE49-F238E27FC236}">
+                <a16:creationId xmlns:a16="http://schemas.microsoft.com/office/drawing/2014/main" id="{950C292F-104E-4F5E-81BB-EE6FEB4D7006}"/>
+              </a:ext>
+            </a:extLst>
+          </p:cNvPr>
+          <p:cNvPicPr>
+            <a:picLocks noChangeAspect="1" noChangeArrowheads="1"/>
+          </p:cNvPicPr>
+          <p:nvPr/>
+        </p:nvPicPr>
+        <p:blipFill>
+          <a:blip r:embed="rId2">
+            <a:extLst>
+              <a:ext uri="{28A0092B-C50C-407E-A947-70E740481C1C}">
+                <a14:useLocalDpi xmlns:a14="http://schemas.microsoft.com/office/drawing/2010/main" val="0"/>
+              </a:ext>
+            </a:extLst>
+          </a:blip>
+          <a:srcRect/>
+          <a:stretch>
+            <a:fillRect/>
+          </a:stretch>
+        </p:blipFill>
+        <p:spPr bwMode="auto">
+          <a:xfrm>
+            <a:off x="0" y="5869092"/>
+            <a:ext cx="1676400" cy="476250"/>
+          </a:xfrm>
+          <a:prstGeom prst="rect">
+            <a:avLst/>
+          </a:prstGeom>
+          <a:noFill/>
+          <a:extLst>
+            <a:ext uri="{909E8E84-426E-40DD-AFC4-6F175D3DCCD1}">
+              <a14:hiddenFill xmlns:a14="http://schemas.microsoft.com/office/drawing/2010/main">
+                <a:solidFill>
+                  <a:srgbClr val="FFFFFF"/>
+                </a:solidFill>
+              </a14:hiddenFill>
+            </a:ext>
+          </a:extLst>
+        </p:spPr>
+      </p:pic>
+      <p:sp>
+        <p:nvSpPr>
+          <p:cNvPr id="6" name="TextBox 5">
+            <a:extLst>
+              <a:ext uri="{FF2B5EF4-FFF2-40B4-BE49-F238E27FC236}">
+                <a16:creationId xmlns:a16="http://schemas.microsoft.com/office/drawing/2014/main" id="{84465E54-BE8F-4210-BF94-0DD80118E45A}"/>
+              </a:ext>
+            </a:extLst>
+          </p:cNvPr>
+          <p:cNvSpPr txBox="1"/>
+          <p:nvPr/>
+        </p:nvSpPr>
+        <p:spPr>
+          <a:xfrm>
+            <a:off x="1676400" y="5922551"/>
+            <a:ext cx="6433930" cy="369332"/>
+          </a:xfrm>
+          <a:prstGeom prst="rect">
+            <a:avLst/>
+          </a:prstGeom>
+          <a:noFill/>
+        </p:spPr>
+        <p:txBody>
+          <a:bodyPr wrap="square" rtlCol="0">
+            <a:spAutoFit/>
+          </a:bodyPr>
+          <a:lstStyle/>
+          <a:p>
+            <a:r>
+              <a:rPr lang="en-IN" dirty="0"/>
+              <a:t> </a:t>
+            </a:r>
+            <a:r>
+              <a:rPr lang="en-IN" b="1" dirty="0"/>
+              <a:t>Team</a:t>
+            </a:r>
+            <a:r>
+              <a:rPr lang="en-IN" dirty="0"/>
+              <a:t> </a:t>
+            </a:r>
+            <a:r>
+              <a:rPr lang="en-IN" b="1" dirty="0"/>
+              <a:t>Unplugged Techies</a:t>
+            </a:r>
+          </a:p>
+        </p:txBody>
+      </p:sp>
+      <p:sp>
+        <p:nvSpPr>
+          <p:cNvPr id="7" name="Content Placeholder 6">
+            <a:extLst>
+              <a:ext uri="{FF2B5EF4-FFF2-40B4-BE49-F238E27FC236}">
+                <a16:creationId xmlns:a16="http://schemas.microsoft.com/office/drawing/2014/main" id="{A5F883A0-2E4E-8004-FE6A-FB6ED1E4F8EC}"/>
+              </a:ext>
+            </a:extLst>
+          </p:cNvPr>
+          <p:cNvSpPr>
+            <a:spLocks noGrp="1"/>
+          </p:cNvSpPr>
+          <p:nvPr>
+            <p:ph idx="1"/>
+          </p:nvPr>
+        </p:nvSpPr>
+        <p:spPr/>
+        <p:txBody>
+          <a:bodyPr/>
+          <a:lstStyle/>
+          <a:p>
+            <a:endParaRPr lang="en-US"/>
+          </a:p>
+        </p:txBody>
+      </p:sp>
+      <p:pic>
+        <p:nvPicPr>
+          <p:cNvPr id="1026" name="Picture 2">
+            <a:extLst>
+              <a:ext uri="{FF2B5EF4-FFF2-40B4-BE49-F238E27FC236}">
+                <a16:creationId xmlns:a16="http://schemas.microsoft.com/office/drawing/2014/main" id="{52647AED-5E6C-1CDF-700F-6AABF931674F}"/>
+              </a:ext>
+            </a:extLst>
+          </p:cNvPr>
+          <p:cNvPicPr>
+            <a:picLocks noChangeAspect="1" noChangeArrowheads="1"/>
+          </p:cNvPicPr>
+          <p:nvPr/>
+        </p:nvPicPr>
+        <p:blipFill>
+          <a:blip r:embed="rId3">
+            <a:extLst>
+              <a:ext uri="{28A0092B-C50C-407E-A947-70E740481C1C}">
+                <a14:useLocalDpi xmlns:a14="http://schemas.microsoft.com/office/drawing/2010/main" val="0"/>
+              </a:ext>
+            </a:extLst>
+          </a:blip>
+          <a:srcRect/>
+          <a:stretch>
+            <a:fillRect/>
+          </a:stretch>
+        </p:blipFill>
+        <p:spPr bwMode="auto">
+          <a:xfrm>
+            <a:off x="523009" y="456475"/>
+            <a:ext cx="10732820" cy="5566254"/>
+          </a:xfrm>
+          <a:prstGeom prst="rect">
+            <a:avLst/>
+          </a:prstGeom>
+          <a:noFill/>
+          <a:extLst>
+            <a:ext uri="{909E8E84-426E-40DD-AFC4-6F175D3DCCD1}">
+              <a14:hiddenFill xmlns:a14="http://schemas.microsoft.com/office/drawing/2010/main">
+                <a:solidFill>
+                  <a:srgbClr val="FFFFFF"/>
+                </a:solidFill>
+              </a14:hiddenFill>
+            </a:ext>
+          </a:extLst>
+        </p:spPr>
+      </p:pic>
+    </p:spTree>
+    <p:extLst>
+      <p:ext uri="{BB962C8B-B14F-4D97-AF65-F5344CB8AC3E}">
+        <p14:creationId xmlns:p14="http://schemas.microsoft.com/office/powerpoint/2010/main" val="3452439451"/>
+      </p:ext>
+    </p:extLst>
+  </p:cSld>
+  <p:clrMapOvr>
+    <a:masterClrMapping/>
+  </p:clrMapOvr>
+</p:sld>
+</file>
+
+<file path=ppt/slides/slide8.xml><?xml version="1.0" encoding="utf-8"?>
+<p:sld xmlns:a="http://schemas.openxmlformats.org/drawingml/2006/main" xmlns:r="http://schemas.openxmlformats.org/officeDocument/2006/relationships" xmlns:p="http://schemas.openxmlformats.org/presentationml/2006/main">
+  <p:cSld>
+    <p:bg>
+      <p:bgPr>
+        <a:solidFill>
+          <a:schemeClr val="bg1"/>
+        </a:solidFill>
+        <a:effectLst/>
+      </p:bgPr>
+    </p:bg>
+    <p:spTree>
+      <p:nvGrpSpPr>
+        <p:cNvPr id="1" name=""/>
+        <p:cNvGrpSpPr/>
+        <p:nvPr/>
+      </p:nvGrpSpPr>
+      <p:grpSpPr>
+        <a:xfrm>
+          <a:off x="0" y="0"/>
+          <a:ext cx="0" cy="0"/>
+          <a:chOff x="0" y="0"/>
+          <a:chExt cx="0" cy="0"/>
+        </a:xfrm>
+      </p:grpSpPr>
+      <p:sp>
+        <p:nvSpPr>
+          <p:cNvPr id="15" name="Rectangle 14">
+            <a:extLst>
+              <a:ext uri="{FF2B5EF4-FFF2-40B4-BE49-F238E27FC236}">
+                <a16:creationId xmlns:a16="http://schemas.microsoft.com/office/drawing/2014/main" id="{39E3965E-AC41-4711-9D10-E25ABB132D86}"/>
+              </a:ext>
+              <a:ext uri="{C183D7F6-B498-43B3-948B-1728B52AA6E4}">
+                <adec:decorative xmlns:adec="http://schemas.microsoft.com/office/drawing/2017/decorative" val="1"/>
+              </a:ext>
+            </a:extLst>
+          </p:cNvPr>
+          <p:cNvSpPr>
+            <a:spLocks noGrp="1" noRot="1" noChangeAspect="1" noMove="1" noResize="1" noEditPoints="1" noAdjustHandles="1" noChangeArrowheads="1" noChangeShapeType="1" noTextEdit="1"/>
+          </p:cNvSpPr>
+          <p:nvPr>
+            <p:extLst>
+              <p:ext uri="{386F3935-93C4-4BCD-93E2-E3B085C9AB24}">
+                <p16:designElem xmlns:p16="http://schemas.microsoft.com/office/powerpoint/2015/main" val="1"/>
+              </p:ext>
+            </p:extLst>
+          </p:nvPr>
+        </p:nvSpPr>
+        <p:spPr>
+          <a:xfrm>
+            <a:off x="3175" y="6400800"/>
+            <a:ext cx="12188825" cy="457200"/>
+          </a:xfrm>
+          <a:prstGeom prst="rect">
+            <a:avLst/>
+          </a:prstGeom>
+          <a:solidFill>
+            <a:srgbClr val="262626"/>
+          </a:solidFill>
+          <a:ln>
+            <a:noFill/>
+          </a:ln>
+        </p:spPr>
+        <p:style>
+          <a:lnRef idx="2">
+            <a:schemeClr val="accent1">
+              <a:shade val="50000"/>
+            </a:schemeClr>
+          </a:lnRef>
+          <a:fillRef idx="1">
+            <a:schemeClr val="accent1"/>
+          </a:fillRef>
+          <a:effectRef idx="0">
+            <a:schemeClr val="accent1"/>
+          </a:effectRef>
+          <a:fontRef idx="minor">
+            <a:schemeClr val="lt1"/>
+          </a:fontRef>
+        </p:style>
+      </p:sp>
+      <p:cxnSp>
+        <p:nvCxnSpPr>
+          <p:cNvPr id="22" name="Straight Connector 16">
+            <a:extLst>
+              <a:ext uri="{FF2B5EF4-FFF2-40B4-BE49-F238E27FC236}">
+                <a16:creationId xmlns:a16="http://schemas.microsoft.com/office/drawing/2014/main" id="{1F5DC8C3-BA5F-4EED-BB9A-A14272BD82A1}"/>
+              </a:ext>
+              <a:ext uri="{C183D7F6-B498-43B3-948B-1728B52AA6E4}">
+                <adec:decorative xmlns:adec="http://schemas.microsoft.com/office/drawing/2017/decorative" val="1"/>
+              </a:ext>
+            </a:extLst>
+          </p:cNvPr>
+          <p:cNvCxnSpPr>
+            <a:cxnSpLocks noGrp="1" noRot="1" noChangeAspect="1" noMove="1" noResize="1" noEditPoints="1" noAdjustHandles="1" noChangeArrowheads="1" noChangeShapeType="1"/>
+          </p:cNvCxnSpPr>
+          <p:nvPr>
+            <p:extLst>
+              <p:ext uri="{386F3935-93C4-4BCD-93E2-E3B085C9AB24}">
+                <p16:designElem xmlns:p16="http://schemas.microsoft.com/office/powerpoint/2015/main" val="1"/>
+              </p:ext>
+            </p:extLst>
+          </p:nvPr>
+        </p:nvCxnSpPr>
+        <p:spPr>
+          <a:xfrm>
+            <a:off x="1207658" y="4474741"/>
+            <a:ext cx="9875520" cy="0"/>
+          </a:xfrm>
+          <a:prstGeom prst="line">
+            <a:avLst/>
+          </a:prstGeom>
+          <a:ln w="12700">
+            <a:solidFill>
+              <a:schemeClr val="tx1">
+                <a:lumMod val="75000"/>
+                <a:lumOff val="25000"/>
+              </a:schemeClr>
+            </a:solidFill>
+          </a:ln>
+        </p:spPr>
+        <p:style>
+          <a:lnRef idx="1">
+            <a:schemeClr val="accent1"/>
+          </a:lnRef>
+          <a:fillRef idx="0">
+            <a:schemeClr val="accent1"/>
+          </a:fillRef>
+          <a:effectRef idx="0">
+            <a:schemeClr val="accent1"/>
+          </a:effectRef>
+          <a:fontRef idx="minor">
+            <a:schemeClr val="tx1"/>
+          </a:fontRef>
+        </p:style>
+      </p:cxnSp>
+      <p:sp useBgFill="1">
+        <p:nvSpPr>
+          <p:cNvPr id="24" name="Rectangle 18">
+            <a:extLst>
+              <a:ext uri="{FF2B5EF4-FFF2-40B4-BE49-F238E27FC236}">
+                <a16:creationId xmlns:a16="http://schemas.microsoft.com/office/drawing/2014/main" id="{548B4202-DCD5-4F8C-B481-743A989A9DFF}"/>
+              </a:ext>
+              <a:ext uri="{C183D7F6-B498-43B3-948B-1728B52AA6E4}">
+                <adec:decorative xmlns:adec="http://schemas.microsoft.com/office/drawing/2017/decorative" val="1"/>
+              </a:ext>
+            </a:extLst>
+          </p:cNvPr>
+          <p:cNvSpPr>
+            <a:spLocks noGrp="1" noRot="1" noChangeAspect="1" noMove="1" noResize="1" noEditPoints="1" noAdjustHandles="1" noChangeArrowheads="1" noChangeShapeType="1" noTextEdit="1"/>
+          </p:cNvSpPr>
+          <p:nvPr>
+            <p:extLst>
+              <p:ext uri="{386F3935-93C4-4BCD-93E2-E3B085C9AB24}">
+                <p16:designElem xmlns:p16="http://schemas.microsoft.com/office/powerpoint/2015/main" val="1"/>
+              </p:ext>
+            </p:extLst>
+          </p:nvPr>
+        </p:nvSpPr>
+        <p:spPr>
+          <a:xfrm>
+            <a:off x="0" y="0"/>
+            <a:ext cx="12192001" cy="6858000"/>
+          </a:xfrm>
+          <a:prstGeom prst="rect">
+            <a:avLst/>
+          </a:prstGeom>
+          <a:ln>
+            <a:noFill/>
+          </a:ln>
+        </p:spPr>
+        <p:style>
+          <a:lnRef idx="2">
+            <a:schemeClr val="accent1">
+              <a:shade val="50000"/>
+            </a:schemeClr>
+          </a:lnRef>
+          <a:fillRef idx="1">
+            <a:schemeClr val="accent1"/>
+          </a:fillRef>
+          <a:effectRef idx="0">
+            <a:schemeClr val="accent1"/>
+          </a:effectRef>
+          <a:fontRef idx="minor">
+            <a:schemeClr val="lt1"/>
+          </a:fontRef>
+        </p:style>
+        <p:txBody>
+          <a:bodyPr rtlCol="0" anchor="ctr"/>
+          <a:lstStyle/>
+          <a:p>
+            <a:pPr algn="ctr"/>
+            <a:endParaRPr lang="en-US"/>
+          </a:p>
+        </p:txBody>
+      </p:sp>
+      <p:sp>
+        <p:nvSpPr>
+          <p:cNvPr id="2" name="Title 1">
+            <a:extLst>
+              <a:ext uri="{FF2B5EF4-FFF2-40B4-BE49-F238E27FC236}">
+                <a16:creationId xmlns:a16="http://schemas.microsoft.com/office/drawing/2014/main" id="{2D3820AA-5149-46B2-AE66-4D0149F90A70}"/>
+              </a:ext>
+            </a:extLst>
+          </p:cNvPr>
+          <p:cNvSpPr>
+            <a:spLocks noGrp="1"/>
+          </p:cNvSpPr>
+          <p:nvPr>
+            <p:ph type="title"/>
+          </p:nvPr>
+        </p:nvSpPr>
+        <p:spPr>
+          <a:xfrm>
+            <a:off x="577728" y="4789381"/>
+            <a:ext cx="10909073" cy="957902"/>
+          </a:xfrm>
+        </p:spPr>
+        <p:txBody>
+          <a:bodyPr vert="horz" lIns="91440" tIns="45720" rIns="91440" bIns="45720" rtlCol="0" anchor="b">
+            <a:normAutofit/>
+          </a:bodyPr>
+          <a:lstStyle/>
+          <a:p>
+            <a:r>
+              <a:rPr lang="en-US" sz="6000">
+                <a:solidFill>
+                  <a:schemeClr val="tx1">
+                    <a:lumMod val="85000"/>
+                    <a:lumOff val="15000"/>
+                  </a:schemeClr>
+                </a:solidFill>
+              </a:rPr>
+              <a:t>Parking Sensors</a:t>
+            </a:r>
+          </a:p>
+        </p:txBody>
+      </p:sp>
+      <p:pic>
+        <p:nvPicPr>
+          <p:cNvPr id="8" name="Picture 4" descr="See the source image">
+            <a:extLst>
+              <a:ext uri="{FF2B5EF4-FFF2-40B4-BE49-F238E27FC236}">
+                <a16:creationId xmlns:a16="http://schemas.microsoft.com/office/drawing/2014/main" id="{6B35336B-5571-45C8-A98A-9895C9CCA725}"/>
+              </a:ext>
+            </a:extLst>
+          </p:cNvPr>
+          <p:cNvPicPr>
+            <a:picLocks noGrp="1" noChangeAspect="1" noChangeArrowheads="1"/>
+          </p:cNvPicPr>
+          <p:nvPr>
+            <p:ph idx="1"/>
+          </p:nvPr>
+        </p:nvPicPr>
+        <p:blipFill rotWithShape="1">
+          <a:blip r:embed="rId2">
+            <a:extLst>
+              <a:ext uri="{28A0092B-C50C-407E-A947-70E740481C1C}">
+                <a14:useLocalDpi xmlns:a14="http://schemas.microsoft.com/office/drawing/2010/main" val="0"/>
+              </a:ext>
+            </a:extLst>
+          </a:blip>
+          <a:srcRect l="8362" r="3580" b="-2"/>
+          <a:stretch/>
+        </p:blipFill>
+        <p:spPr bwMode="auto">
+          <a:xfrm>
+            <a:off x="-1" y="-2"/>
+            <a:ext cx="6050281" cy="4242816"/>
+          </a:xfrm>
+          <a:prstGeom prst="rect">
+            <a:avLst/>
+          </a:prstGeom>
+          <a:noFill/>
+          <a:extLst>
+            <a:ext uri="{909E8E84-426E-40DD-AFC4-6F175D3DCCD1}">
+              <a14:hiddenFill xmlns:a14="http://schemas.microsoft.com/office/drawing/2010/main">
+                <a:solidFill>
+                  <a:srgbClr val="FFFFFF"/>
+                </a:solidFill>
+              </a14:hiddenFill>
+            </a:ext>
+          </a:extLst>
+        </p:spPr>
+      </p:pic>
+      <p:pic>
+        <p:nvPicPr>
+          <p:cNvPr id="10" name="Picture 6" descr="See the source image">
+            <a:extLst>
+              <a:ext uri="{FF2B5EF4-FFF2-40B4-BE49-F238E27FC236}">
+                <a16:creationId xmlns:a16="http://schemas.microsoft.com/office/drawing/2014/main" id="{B3AA4324-5FF3-4F78-9B27-2DA8477C29F5}"/>
+              </a:ext>
+            </a:extLst>
+          </p:cNvPr>
+          <p:cNvPicPr>
+            <a:picLocks noChangeAspect="1" noChangeArrowheads="1"/>
+          </p:cNvPicPr>
+          <p:nvPr/>
+        </p:nvPicPr>
+        <p:blipFill rotWithShape="1">
+          <a:blip r:embed="rId3">
+            <a:extLst>
+              <a:ext uri="{28A0092B-C50C-407E-A947-70E740481C1C}">
+                <a14:useLocalDpi xmlns:a14="http://schemas.microsoft.com/office/drawing/2010/main" val="0"/>
+              </a:ext>
+            </a:extLst>
+          </a:blip>
+          <a:srcRect l="5171" r="-3" b="-3"/>
+          <a:stretch/>
+        </p:blipFill>
+        <p:spPr bwMode="auto">
+          <a:xfrm>
+            <a:off x="6141722" y="0"/>
+            <a:ext cx="6050279" cy="4242815"/>
+          </a:xfrm>
+          <a:prstGeom prst="rect">
+            <a:avLst/>
+          </a:prstGeom>
+          <a:noFill/>
+          <a:extLst>
+            <a:ext uri="{909E8E84-426E-40DD-AFC4-6F175D3DCCD1}">
+              <a14:hiddenFill xmlns:a14="http://schemas.microsoft.com/office/drawing/2010/main">
+                <a:solidFill>
+                  <a:srgbClr val="FFFFFF"/>
+                </a:solidFill>
+              </a14:hiddenFill>
+            </a:ext>
+          </a:extLst>
+        </p:spPr>
+      </p:pic>
+      <p:cxnSp>
+        <p:nvCxnSpPr>
+          <p:cNvPr id="21" name="Straight Connector 20">
+            <a:extLst>
+              <a:ext uri="{FF2B5EF4-FFF2-40B4-BE49-F238E27FC236}">
+                <a16:creationId xmlns:a16="http://schemas.microsoft.com/office/drawing/2014/main" id="{F7F57F6B-E621-4E40-A34D-2FE12902AA20}"/>
+              </a:ext>
+              <a:ext uri="{C183D7F6-B498-43B3-948B-1728B52AA6E4}">
+                <adec:decorative xmlns:adec="http://schemas.microsoft.com/office/drawing/2017/decorative" val="1"/>
+              </a:ext>
+            </a:extLst>
+          </p:cNvPr>
+          <p:cNvCxnSpPr>
+            <a:cxnSpLocks noGrp="1" noRot="1" noChangeAspect="1" noMove="1" noResize="1" noEditPoints="1" noAdjustHandles="1" noChangeArrowheads="1" noChangeShapeType="1"/>
+          </p:cNvCxnSpPr>
+          <p:nvPr>
+            <p:extLst>
+              <p:ext uri="{386F3935-93C4-4BCD-93E2-E3B085C9AB24}">
+                <p16:designElem xmlns:p16="http://schemas.microsoft.com/office/powerpoint/2015/main" val="1"/>
+              </p:ext>
+            </p:extLst>
+          </p:nvPr>
+        </p:nvCxnSpPr>
+        <p:spPr>
+          <a:xfrm>
+            <a:off x="721086" y="5645296"/>
+            <a:ext cx="10515600" cy="0"/>
+          </a:xfrm>
+          <a:prstGeom prst="line">
+            <a:avLst/>
+          </a:prstGeom>
+          <a:ln w="12700">
+            <a:solidFill>
+              <a:schemeClr val="tx1">
+                <a:lumMod val="75000"/>
+                <a:lumOff val="25000"/>
+              </a:schemeClr>
+            </a:solidFill>
+          </a:ln>
+        </p:spPr>
+        <p:style>
+          <a:lnRef idx="1">
+            <a:schemeClr val="accent1"/>
+          </a:lnRef>
+          <a:fillRef idx="0">
+            <a:schemeClr val="accent1"/>
+          </a:fillRef>
+          <a:effectRef idx="0">
+            <a:schemeClr val="accent1"/>
+          </a:effectRef>
+          <a:fontRef idx="minor">
+            <a:schemeClr val="tx1"/>
+          </a:fontRef>
+        </p:style>
+      </p:cxnSp>
+      <p:sp>
+        <p:nvSpPr>
+          <p:cNvPr id="23" name="Rectangle 22">
+            <a:extLst>
+              <a:ext uri="{FF2B5EF4-FFF2-40B4-BE49-F238E27FC236}">
+                <a16:creationId xmlns:a16="http://schemas.microsoft.com/office/drawing/2014/main" id="{8EE702CF-91CE-4661-ACBF-3C8160D1B433}"/>
+              </a:ext>
+              <a:ext uri="{C183D7F6-B498-43B3-948B-1728B52AA6E4}">
+                <adec:decorative xmlns:adec="http://schemas.microsoft.com/office/drawing/2017/decorative" val="1"/>
+              </a:ext>
+            </a:extLst>
+          </p:cNvPr>
+          <p:cNvSpPr>
+            <a:spLocks noGrp="1" noRot="1" noChangeAspect="1" noMove="1" noResize="1" noEditPoints="1" noAdjustHandles="1" noChangeArrowheads="1" noChangeShapeType="1" noTextEdit="1"/>
+          </p:cNvSpPr>
+          <p:nvPr>
+            <p:extLst>
+              <p:ext uri="{386F3935-93C4-4BCD-93E2-E3B085C9AB24}">
+                <p16:designElem xmlns:p16="http://schemas.microsoft.com/office/powerpoint/2015/main" val="1"/>
+              </p:ext>
+            </p:extLst>
+          </p:nvPr>
+        </p:nvSpPr>
+        <p:spPr>
+          <a:xfrm>
+            <a:off x="1" y="6400800"/>
+            <a:ext cx="12192000" cy="457200"/>
+          </a:xfrm>
+          <a:prstGeom prst="rect">
+            <a:avLst/>
+          </a:prstGeom>
+          <a:solidFill>
+            <a:srgbClr val="262626"/>
+          </a:solidFill>
+          <a:ln>
+            <a:noFill/>
+          </a:ln>
+        </p:spPr>
+        <p:style>
+          <a:lnRef idx="2">
+            <a:schemeClr val="accent1">
+              <a:shade val="50000"/>
+            </a:schemeClr>
+          </a:lnRef>
+          <a:fillRef idx="1">
+            <a:schemeClr val="accent1"/>
+          </a:fillRef>
+          <a:effectRef idx="0">
+            <a:schemeClr val="accent1"/>
+          </a:effectRef>
+          <a:fontRef idx="minor">
+            <a:schemeClr val="lt1"/>
+          </a:fontRef>
+        </p:style>
+      </p:sp>
+      <p:sp>
+        <p:nvSpPr>
+          <p:cNvPr id="4" name="Slide Number Placeholder 3">
+            <a:extLst>
+              <a:ext uri="{FF2B5EF4-FFF2-40B4-BE49-F238E27FC236}">
+                <a16:creationId xmlns:a16="http://schemas.microsoft.com/office/drawing/2014/main" id="{9E2612D2-C376-4D6D-A1BF-FF49E04A2FEA}"/>
+              </a:ext>
+            </a:extLst>
+          </p:cNvPr>
+          <p:cNvSpPr>
+            <a:spLocks noGrp="1"/>
+          </p:cNvSpPr>
+          <p:nvPr>
+            <p:ph type="sldNum" sz="quarter" idx="12"/>
+          </p:nvPr>
+        </p:nvSpPr>
+        <p:spPr>
+          <a:xfrm>
+            <a:off x="10993582" y="6446838"/>
+            <a:ext cx="780010" cy="365125"/>
+          </a:xfrm>
+        </p:spPr>
+        <p:txBody>
+          <a:bodyPr vert="horz" lIns="91440" tIns="45720" rIns="91440" bIns="45720" rtlCol="0" anchor="ctr">
+            <a:normAutofit/>
+          </a:bodyPr>
+          <a:lstStyle/>
+          <a:p>
+            <a:pPr>
+              <a:spcAft>
+                <a:spcPts val="600"/>
+              </a:spcAft>
+            </a:pPr>
+            <a:fld id="{3A98EE3D-8CD1-4C3F-BD1C-C98C9596463C}" type="slidenum">
+              <a:rPr lang="en-US" sz="1050" smtClean="0"/>
+              <a:pPr>
+                <a:spcAft>
+                  <a:spcPts val="600"/>
+                </a:spcAft>
+              </a:pPr>
+              <a:t>8</a:t>
+            </a:fld>
+            <a:endParaRPr lang="en-US" sz="1050"/>
+          </a:p>
+        </p:txBody>
+      </p:sp>
+      <p:pic>
+        <p:nvPicPr>
+          <p:cNvPr id="5" name="Picture 3" descr="Text, logo&#10;&#10;Description automatically generated">
+            <a:extLst>
+              <a:ext uri="{FF2B5EF4-FFF2-40B4-BE49-F238E27FC236}">
+                <a16:creationId xmlns:a16="http://schemas.microsoft.com/office/drawing/2014/main" id="{950C292F-104E-4F5E-81BB-EE6FEB4D7006}"/>
+              </a:ext>
+            </a:extLst>
+          </p:cNvPr>
+          <p:cNvPicPr>
+            <a:picLocks noChangeAspect="1" noChangeArrowheads="1"/>
+          </p:cNvPicPr>
+          <p:nvPr/>
+        </p:nvPicPr>
+        <p:blipFill>
+          <a:blip r:embed="rId4">
+            <a:extLst>
+              <a:ext uri="{28A0092B-C50C-407E-A947-70E740481C1C}">
+                <a14:useLocalDpi xmlns:a14="http://schemas.microsoft.com/office/drawing/2010/main" val="0"/>
+              </a:ext>
+            </a:extLst>
+          </a:blip>
+          <a:srcRect/>
+          <a:stretch>
+            <a:fillRect/>
+          </a:stretch>
+        </p:blipFill>
+        <p:spPr bwMode="auto">
+          <a:xfrm>
+            <a:off x="0" y="5869092"/>
+            <a:ext cx="1676400" cy="476250"/>
+          </a:xfrm>
+          <a:prstGeom prst="rect">
+            <a:avLst/>
+          </a:prstGeom>
+          <a:noFill/>
+          <a:extLst>
+            <a:ext uri="{909E8E84-426E-40DD-AFC4-6F175D3DCCD1}">
+              <a14:hiddenFill xmlns:a14="http://schemas.microsoft.com/office/drawing/2010/main">
+                <a:solidFill>
+                  <a:srgbClr val="FFFFFF"/>
+                </a:solidFill>
+              </a14:hiddenFill>
+            </a:ext>
+          </a:extLst>
+        </p:spPr>
+      </p:pic>
+      <p:sp>
+        <p:nvSpPr>
+          <p:cNvPr id="6" name="TextBox 5">
+            <a:extLst>
+              <a:ext uri="{FF2B5EF4-FFF2-40B4-BE49-F238E27FC236}">
+                <a16:creationId xmlns:a16="http://schemas.microsoft.com/office/drawing/2014/main" id="{84465E54-BE8F-4210-BF94-0DD80118E45A}"/>
+              </a:ext>
+            </a:extLst>
+          </p:cNvPr>
+          <p:cNvSpPr txBox="1"/>
+          <p:nvPr/>
+        </p:nvSpPr>
+        <p:spPr>
+          <a:xfrm>
+            <a:off x="1676400" y="5922551"/>
+            <a:ext cx="6433930" cy="369332"/>
+          </a:xfrm>
+          <a:prstGeom prst="rect">
+            <a:avLst/>
+          </a:prstGeom>
+          <a:noFill/>
+        </p:spPr>
+        <p:txBody>
+          <a:bodyPr wrap="square" rtlCol="0">
+            <a:spAutoFit/>
+          </a:bodyPr>
+          <a:lstStyle/>
+          <a:p>
+            <a:pPr>
+              <a:spcAft>
+                <a:spcPts val="600"/>
+              </a:spcAft>
+            </a:pPr>
+            <a:r>
+              <a:rPr lang="en-IN" dirty="0"/>
+              <a:t> </a:t>
+            </a:r>
+            <a:r>
+              <a:rPr lang="en-IN" b="1" dirty="0"/>
+              <a:t>Team</a:t>
+            </a:r>
+            <a:r>
+              <a:rPr lang="en-IN" dirty="0"/>
+              <a:t> </a:t>
+            </a:r>
+            <a:r>
+              <a:rPr lang="en-IN" b="1" dirty="0"/>
+              <a:t>Unplugged Techies</a:t>
+            </a:r>
+          </a:p>
+        </p:txBody>
+      </p:sp>
+    </p:spTree>
+    <p:extLst>
+      <p:ext uri="{BB962C8B-B14F-4D97-AF65-F5344CB8AC3E}">
+        <p14:creationId xmlns:p14="http://schemas.microsoft.com/office/powerpoint/2010/main" val="2735791237"/>
+      </p:ext>
+    </p:extLst>
+  </p:cSld>
+  <p:clrMapOvr>
+    <a:masterClrMapping/>
+  </p:clrMapOvr>
+</p:sld>
+</file>
+
+<file path=ppt/slides/slide9.xml><?xml version="1.0" encoding="utf-8"?>
+<p:sld xmlns:a="http://schemas.openxmlformats.org/drawingml/2006/main" xmlns:r="http://schemas.openxmlformats.org/officeDocument/2006/relationships" xmlns:p="http://schemas.openxmlformats.org/presentationml/2006/main">
+  <p:cSld>
     <p:spTree>
       <p:nvGrpSpPr>
         <p:cNvPr id="1" name=""/>
@@ -15259,7 +16513,7 @@
           <a:p>
             <a:fld id="{3A98EE3D-8CD1-4C3F-BD1C-C98C9596463C}" type="slidenum">
               <a:rPr lang="en-US" smtClean="0"/>
-              <a:t>10</a:t>
+              <a:t>9</a:t>
             </a:fld>
             <a:endParaRPr lang="en-US" dirty="0"/>
           </a:p>
@@ -15496,3339 +16750,6 @@
     <p:extLst>
       <p:ext uri="{BB962C8B-B14F-4D97-AF65-F5344CB8AC3E}">
         <p14:creationId xmlns:p14="http://schemas.microsoft.com/office/powerpoint/2010/main" val="1188426638"/>
-      </p:ext>
-    </p:extLst>
-  </p:cSld>
-  <p:clrMapOvr>
-    <a:masterClrMapping/>
-  </p:clrMapOvr>
-</p:sld>
-</file>
-
-<file path=ppt/slides/slide11.xml><?xml version="1.0" encoding="utf-8"?>
-<p:sld xmlns:a="http://schemas.openxmlformats.org/drawingml/2006/main" xmlns:r="http://schemas.openxmlformats.org/officeDocument/2006/relationships" xmlns:p="http://schemas.openxmlformats.org/presentationml/2006/main">
-  <p:cSld>
-    <p:bg>
-      <p:bgPr>
-        <a:solidFill>
-          <a:schemeClr val="bg1"/>
-        </a:solidFill>
-        <a:effectLst/>
-      </p:bgPr>
-    </p:bg>
-    <p:spTree>
-      <p:nvGrpSpPr>
-        <p:cNvPr id="1" name=""/>
-        <p:cNvGrpSpPr/>
-        <p:nvPr/>
-      </p:nvGrpSpPr>
-      <p:grpSpPr>
-        <a:xfrm>
-          <a:off x="0" y="0"/>
-          <a:ext cx="0" cy="0"/>
-          <a:chOff x="0" y="0"/>
-          <a:chExt cx="0" cy="0"/>
-        </a:xfrm>
-      </p:grpSpPr>
-      <p:sp>
-        <p:nvSpPr>
-          <p:cNvPr id="71" name="Rectangle 70">
-            <a:extLst>
-              <a:ext uri="{FF2B5EF4-FFF2-40B4-BE49-F238E27FC236}">
-                <a16:creationId xmlns:a16="http://schemas.microsoft.com/office/drawing/2014/main" id="{39E3965E-AC41-4711-9D10-E25ABB132D86}"/>
-              </a:ext>
-              <a:ext uri="{C183D7F6-B498-43B3-948B-1728B52AA6E4}">
-                <adec:decorative xmlns:adec="http://schemas.microsoft.com/office/drawing/2017/decorative" val="1"/>
-              </a:ext>
-            </a:extLst>
-          </p:cNvPr>
-          <p:cNvSpPr>
-            <a:spLocks noGrp="1" noRot="1" noChangeAspect="1" noMove="1" noResize="1" noEditPoints="1" noAdjustHandles="1" noChangeArrowheads="1" noChangeShapeType="1" noTextEdit="1"/>
-          </p:cNvSpPr>
-          <p:nvPr>
-            <p:extLst>
-              <p:ext uri="{386F3935-93C4-4BCD-93E2-E3B085C9AB24}">
-                <p16:designElem xmlns:p16="http://schemas.microsoft.com/office/powerpoint/2015/main" val="1"/>
-              </p:ext>
-            </p:extLst>
-          </p:nvPr>
-        </p:nvSpPr>
-        <p:spPr>
-          <a:xfrm>
-            <a:off x="3175" y="6400800"/>
-            <a:ext cx="12188825" cy="457200"/>
-          </a:xfrm>
-          <a:prstGeom prst="rect">
-            <a:avLst/>
-          </a:prstGeom>
-          <a:solidFill>
-            <a:srgbClr val="262626"/>
-          </a:solidFill>
-          <a:ln>
-            <a:noFill/>
-          </a:ln>
-        </p:spPr>
-        <p:style>
-          <a:lnRef idx="2">
-            <a:schemeClr val="accent1">
-              <a:shade val="50000"/>
-            </a:schemeClr>
-          </a:lnRef>
-          <a:fillRef idx="1">
-            <a:schemeClr val="accent1"/>
-          </a:fillRef>
-          <a:effectRef idx="0">
-            <a:schemeClr val="accent1"/>
-          </a:effectRef>
-          <a:fontRef idx="minor">
-            <a:schemeClr val="lt1"/>
-          </a:fontRef>
-        </p:style>
-      </p:sp>
-      <p:cxnSp>
-        <p:nvCxnSpPr>
-          <p:cNvPr id="73" name="Straight Connector 72">
-            <a:extLst>
-              <a:ext uri="{FF2B5EF4-FFF2-40B4-BE49-F238E27FC236}">
-                <a16:creationId xmlns:a16="http://schemas.microsoft.com/office/drawing/2014/main" id="{1F5DC8C3-BA5F-4EED-BB9A-A14272BD82A1}"/>
-              </a:ext>
-              <a:ext uri="{C183D7F6-B498-43B3-948B-1728B52AA6E4}">
-                <adec:decorative xmlns:adec="http://schemas.microsoft.com/office/drawing/2017/decorative" val="1"/>
-              </a:ext>
-            </a:extLst>
-          </p:cNvPr>
-          <p:cNvCxnSpPr>
-            <a:cxnSpLocks noGrp="1" noRot="1" noChangeAspect="1" noMove="1" noResize="1" noEditPoints="1" noAdjustHandles="1" noChangeArrowheads="1" noChangeShapeType="1"/>
-          </p:cNvCxnSpPr>
-          <p:nvPr>
-            <p:extLst>
-              <p:ext uri="{386F3935-93C4-4BCD-93E2-E3B085C9AB24}">
-                <p16:designElem xmlns:p16="http://schemas.microsoft.com/office/powerpoint/2015/main" val="1"/>
-              </p:ext>
-            </p:extLst>
-          </p:nvPr>
-        </p:nvCxnSpPr>
-        <p:spPr>
-          <a:xfrm>
-            <a:off x="1207658" y="4474741"/>
-            <a:ext cx="9875520" cy="0"/>
-          </a:xfrm>
-          <a:prstGeom prst="line">
-            <a:avLst/>
-          </a:prstGeom>
-          <a:ln w="12700">
-            <a:solidFill>
-              <a:schemeClr val="tx1">
-                <a:lumMod val="75000"/>
-                <a:lumOff val="25000"/>
-              </a:schemeClr>
-            </a:solidFill>
-          </a:ln>
-        </p:spPr>
-        <p:style>
-          <a:lnRef idx="1">
-            <a:schemeClr val="accent1"/>
-          </a:lnRef>
-          <a:fillRef idx="0">
-            <a:schemeClr val="accent1"/>
-          </a:fillRef>
-          <a:effectRef idx="0">
-            <a:schemeClr val="accent1"/>
-          </a:effectRef>
-          <a:fontRef idx="minor">
-            <a:schemeClr val="tx1"/>
-          </a:fontRef>
-        </p:style>
-      </p:cxnSp>
-      <p:sp useBgFill="1">
-        <p:nvSpPr>
-          <p:cNvPr id="75" name="Rectangle 74">
-            <a:extLst>
-              <a:ext uri="{FF2B5EF4-FFF2-40B4-BE49-F238E27FC236}">
-                <a16:creationId xmlns:a16="http://schemas.microsoft.com/office/drawing/2014/main" id="{B4D0E555-16F6-44D0-BF56-AF5FF5BDE9D6}"/>
-              </a:ext>
-              <a:ext uri="{C183D7F6-B498-43B3-948B-1728B52AA6E4}">
-                <adec:decorative xmlns:adec="http://schemas.microsoft.com/office/drawing/2017/decorative" val="1"/>
-              </a:ext>
-            </a:extLst>
-          </p:cNvPr>
-          <p:cNvSpPr>
-            <a:spLocks noGrp="1" noRot="1" noChangeAspect="1" noMove="1" noResize="1" noEditPoints="1" noAdjustHandles="1" noChangeArrowheads="1" noChangeShapeType="1" noTextEdit="1"/>
-          </p:cNvSpPr>
-          <p:nvPr>
-            <p:extLst>
-              <p:ext uri="{386F3935-93C4-4BCD-93E2-E3B085C9AB24}">
-                <p16:designElem xmlns:p16="http://schemas.microsoft.com/office/powerpoint/2015/main" val="1"/>
-              </p:ext>
-            </p:extLst>
-          </p:nvPr>
-        </p:nvSpPr>
-        <p:spPr>
-          <a:xfrm>
-            <a:off x="0" y="0"/>
-            <a:ext cx="12192000" cy="6858000"/>
-          </a:xfrm>
-          <a:prstGeom prst="rect">
-            <a:avLst/>
-          </a:prstGeom>
-          <a:ln>
-            <a:noFill/>
-          </a:ln>
-        </p:spPr>
-        <p:style>
-          <a:lnRef idx="2">
-            <a:schemeClr val="accent1">
-              <a:shade val="50000"/>
-            </a:schemeClr>
-          </a:lnRef>
-          <a:fillRef idx="1001">
-            <a:schemeClr val="lt1"/>
-          </a:fillRef>
-          <a:effectRef idx="0">
-            <a:schemeClr val="accent1"/>
-          </a:effectRef>
-          <a:fontRef idx="minor">
-            <a:schemeClr val="lt1"/>
-          </a:fontRef>
-        </p:style>
-        <p:txBody>
-          <a:bodyPr rtlCol="0" anchor="ctr"/>
-          <a:lstStyle/>
-          <a:p>
-            <a:pPr algn="ctr"/>
-            <a:endParaRPr lang="en-US"/>
-          </a:p>
-        </p:txBody>
-      </p:sp>
-      <p:sp>
-        <p:nvSpPr>
-          <p:cNvPr id="77" name="Rectangle 76">
-            <a:extLst>
-              <a:ext uri="{FF2B5EF4-FFF2-40B4-BE49-F238E27FC236}">
-                <a16:creationId xmlns:a16="http://schemas.microsoft.com/office/drawing/2014/main" id="{8117041D-1A7B-4ECA-AB68-3CFDB6726B8E}"/>
-              </a:ext>
-              <a:ext uri="{C183D7F6-B498-43B3-948B-1728B52AA6E4}">
-                <adec:decorative xmlns:adec="http://schemas.microsoft.com/office/drawing/2017/decorative" val="1"/>
-              </a:ext>
-            </a:extLst>
-          </p:cNvPr>
-          <p:cNvSpPr>
-            <a:spLocks noGrp="1" noRot="1" noChangeAspect="1" noMove="1" noResize="1" noEditPoints="1" noAdjustHandles="1" noChangeArrowheads="1" noChangeShapeType="1" noTextEdit="1"/>
-          </p:cNvSpPr>
-          <p:nvPr>
-            <p:extLst>
-              <p:ext uri="{386F3935-93C4-4BCD-93E2-E3B085C9AB24}">
-                <p16:designElem xmlns:p16="http://schemas.microsoft.com/office/powerpoint/2015/main" val="1"/>
-              </p:ext>
-            </p:extLst>
-          </p:nvPr>
-        </p:nvSpPr>
-        <p:spPr bwMode="white">
-          <a:xfrm>
-            <a:off x="-6220" y="0"/>
-            <a:ext cx="4641314" cy="6858000"/>
-          </a:xfrm>
-          <a:prstGeom prst="rect">
-            <a:avLst/>
-          </a:prstGeom>
-          <a:solidFill>
-            <a:srgbClr val="674F49"/>
-          </a:solidFill>
-          <a:ln>
-            <a:noFill/>
-          </a:ln>
-        </p:spPr>
-        <p:style>
-          <a:lnRef idx="2">
-            <a:schemeClr val="accent1">
-              <a:shade val="50000"/>
-            </a:schemeClr>
-          </a:lnRef>
-          <a:fillRef idx="1">
-            <a:schemeClr val="accent1"/>
-          </a:fillRef>
-          <a:effectRef idx="0">
-            <a:schemeClr val="accent1"/>
-          </a:effectRef>
-          <a:fontRef idx="minor">
-            <a:schemeClr val="lt1"/>
-          </a:fontRef>
-        </p:style>
-      </p:sp>
-      <p:sp>
-        <p:nvSpPr>
-          <p:cNvPr id="2" name="Title 1">
-            <a:extLst>
-              <a:ext uri="{FF2B5EF4-FFF2-40B4-BE49-F238E27FC236}">
-                <a16:creationId xmlns:a16="http://schemas.microsoft.com/office/drawing/2014/main" id="{01264EA7-9E11-4702-B609-FF120E44D6A6}"/>
-              </a:ext>
-            </a:extLst>
-          </p:cNvPr>
-          <p:cNvSpPr>
-            <a:spLocks noGrp="1"/>
-          </p:cNvSpPr>
-          <p:nvPr>
-            <p:ph type="title"/>
-          </p:nvPr>
-        </p:nvSpPr>
-        <p:spPr>
-          <a:xfrm>
-            <a:off x="435869" y="640080"/>
-            <a:ext cx="3659246" cy="2862699"/>
-          </a:xfrm>
-        </p:spPr>
-        <p:txBody>
-          <a:bodyPr vert="horz" lIns="91440" tIns="45720" rIns="91440" bIns="45720" rtlCol="0" anchor="b">
-            <a:normAutofit/>
-          </a:bodyPr>
-          <a:lstStyle/>
-          <a:p>
-            <a:r>
-              <a:rPr lang="en-US" sz="4400">
-                <a:solidFill>
-                  <a:srgbClr val="FFFFFF"/>
-                </a:solidFill>
-              </a:rPr>
-              <a:t>Login Screen</a:t>
-            </a:r>
-          </a:p>
-        </p:txBody>
-      </p:sp>
-      <p:cxnSp>
-        <p:nvCxnSpPr>
-          <p:cNvPr id="79" name="Straight Connector 78">
-            <a:extLst>
-              <a:ext uri="{FF2B5EF4-FFF2-40B4-BE49-F238E27FC236}">
-                <a16:creationId xmlns:a16="http://schemas.microsoft.com/office/drawing/2014/main" id="{ABCD2462-4C1E-401A-AC2D-F799A138B245}"/>
-              </a:ext>
-              <a:ext uri="{C183D7F6-B498-43B3-948B-1728B52AA6E4}">
-                <adec:decorative xmlns:adec="http://schemas.microsoft.com/office/drawing/2017/decorative" val="1"/>
-              </a:ext>
-            </a:extLst>
-          </p:cNvPr>
-          <p:cNvCxnSpPr>
-            <a:cxnSpLocks noGrp="1" noRot="1" noChangeAspect="1" noMove="1" noResize="1" noEditPoints="1" noAdjustHandles="1" noChangeArrowheads="1" noChangeShapeType="1"/>
-          </p:cNvCxnSpPr>
-          <p:nvPr>
-            <p:extLst>
-              <p:ext uri="{386F3935-93C4-4BCD-93E2-E3B085C9AB24}">
-                <p16:designElem xmlns:p16="http://schemas.microsoft.com/office/powerpoint/2015/main" val="1"/>
-              </p:ext>
-            </p:extLst>
-          </p:nvPr>
-        </p:nvCxnSpPr>
-        <p:spPr>
-          <a:xfrm>
-            <a:off x="573852" y="3663649"/>
-            <a:ext cx="3383280" cy="0"/>
-          </a:xfrm>
-          <a:prstGeom prst="line">
-            <a:avLst/>
-          </a:prstGeom>
-          <a:ln w="19050">
-            <a:solidFill>
-              <a:schemeClr val="accent1"/>
-            </a:solidFill>
-          </a:ln>
-        </p:spPr>
-        <p:style>
-          <a:lnRef idx="1">
-            <a:schemeClr val="accent1"/>
-          </a:lnRef>
-          <a:fillRef idx="0">
-            <a:schemeClr val="accent1"/>
-          </a:fillRef>
-          <a:effectRef idx="0">
-            <a:schemeClr val="accent1"/>
-          </a:effectRef>
-          <a:fontRef idx="minor">
-            <a:schemeClr val="tx1"/>
-          </a:fontRef>
-        </p:style>
-      </p:cxnSp>
-      <p:pic>
-        <p:nvPicPr>
-          <p:cNvPr id="6146" name="Picture 2" descr="image">
-            <a:extLst>
-              <a:ext uri="{FF2B5EF4-FFF2-40B4-BE49-F238E27FC236}">
-                <a16:creationId xmlns:a16="http://schemas.microsoft.com/office/drawing/2014/main" id="{8B620EA0-BABE-421D-8C43-C6CF2569C7FB}"/>
-              </a:ext>
-            </a:extLst>
-          </p:cNvPr>
-          <p:cNvPicPr>
-            <a:picLocks noGrp="1" noChangeAspect="1" noChangeArrowheads="1"/>
-          </p:cNvPicPr>
-          <p:nvPr>
-            <p:ph idx="1"/>
-          </p:nvPr>
-        </p:nvPicPr>
-        <p:blipFill>
-          <a:blip r:embed="rId2">
-            <a:extLst>
-              <a:ext uri="{28A0092B-C50C-407E-A947-70E740481C1C}">
-                <a14:useLocalDpi xmlns:a14="http://schemas.microsoft.com/office/drawing/2010/main" val="0"/>
-              </a:ext>
-            </a:extLst>
-          </a:blip>
-          <a:stretch>
-            <a:fillRect/>
-          </a:stretch>
-        </p:blipFill>
-        <p:spPr bwMode="auto">
-          <a:xfrm>
-            <a:off x="6866101" y="188318"/>
-            <a:ext cx="3094892" cy="6258520"/>
-          </a:xfrm>
-          <a:prstGeom prst="rect">
-            <a:avLst/>
-          </a:prstGeom>
-          <a:noFill/>
-          <a:extLst>
-            <a:ext uri="{909E8E84-426E-40DD-AFC4-6F175D3DCCD1}">
-              <a14:hiddenFill xmlns:a14="http://schemas.microsoft.com/office/drawing/2010/main">
-                <a:solidFill>
-                  <a:srgbClr val="FFFFFF"/>
-                </a:solidFill>
-              </a14:hiddenFill>
-            </a:ext>
-          </a:extLst>
-        </p:spPr>
-      </p:pic>
-      <p:sp>
-        <p:nvSpPr>
-          <p:cNvPr id="4" name="Slide Number Placeholder 3">
-            <a:extLst>
-              <a:ext uri="{FF2B5EF4-FFF2-40B4-BE49-F238E27FC236}">
-                <a16:creationId xmlns:a16="http://schemas.microsoft.com/office/drawing/2014/main" id="{8B68F4EF-A913-459D-88BC-976F637F3DEB}"/>
-              </a:ext>
-            </a:extLst>
-          </p:cNvPr>
-          <p:cNvSpPr>
-            <a:spLocks noGrp="1"/>
-          </p:cNvSpPr>
-          <p:nvPr>
-            <p:ph type="sldNum" sz="quarter" idx="12"/>
-          </p:nvPr>
-        </p:nvSpPr>
-        <p:spPr>
-          <a:xfrm>
-            <a:off x="10993582" y="6446838"/>
-            <a:ext cx="780010" cy="365125"/>
-          </a:xfrm>
-        </p:spPr>
-        <p:txBody>
-          <a:bodyPr vert="horz" lIns="91440" tIns="45720" rIns="91440" bIns="45720" rtlCol="0" anchor="ctr">
-            <a:normAutofit/>
-          </a:bodyPr>
-          <a:lstStyle/>
-          <a:p>
-            <a:pPr>
-              <a:spcAft>
-                <a:spcPts val="600"/>
-              </a:spcAft>
-            </a:pPr>
-            <a:fld id="{3A98EE3D-8CD1-4C3F-BD1C-C98C9596463C}" type="slidenum">
-              <a:rPr lang="en-US" sz="1050">
-                <a:solidFill>
-                  <a:schemeClr val="tx1">
-                    <a:lumMod val="85000"/>
-                    <a:lumOff val="15000"/>
-                  </a:schemeClr>
-                </a:solidFill>
-              </a:rPr>
-              <a:pPr>
-                <a:spcAft>
-                  <a:spcPts val="600"/>
-                </a:spcAft>
-              </a:pPr>
-              <a:t>11</a:t>
-            </a:fld>
-            <a:endParaRPr lang="en-US" sz="1050">
-              <a:solidFill>
-                <a:schemeClr val="tx1">
-                  <a:lumMod val="85000"/>
-                  <a:lumOff val="15000"/>
-                </a:schemeClr>
-              </a:solidFill>
-            </a:endParaRPr>
-          </a:p>
-        </p:txBody>
-      </p:sp>
-    </p:spTree>
-    <p:extLst>
-      <p:ext uri="{BB962C8B-B14F-4D97-AF65-F5344CB8AC3E}">
-        <p14:creationId xmlns:p14="http://schemas.microsoft.com/office/powerpoint/2010/main" val="1743787261"/>
-      </p:ext>
-    </p:extLst>
-  </p:cSld>
-  <p:clrMapOvr>
-    <a:masterClrMapping/>
-  </p:clrMapOvr>
-</p:sld>
-</file>
-
-<file path=ppt/slides/slide2.xml><?xml version="1.0" encoding="utf-8"?>
-<p:sld xmlns:a="http://schemas.openxmlformats.org/drawingml/2006/main" xmlns:r="http://schemas.openxmlformats.org/officeDocument/2006/relationships" xmlns:p="http://schemas.openxmlformats.org/presentationml/2006/main">
-  <p:cSld>
-    <p:spTree>
-      <p:nvGrpSpPr>
-        <p:cNvPr id="1" name=""/>
-        <p:cNvGrpSpPr/>
-        <p:nvPr/>
-      </p:nvGrpSpPr>
-      <p:grpSpPr>
-        <a:xfrm>
-          <a:off x="0" y="0"/>
-          <a:ext cx="0" cy="0"/>
-          <a:chOff x="0" y="0"/>
-          <a:chExt cx="0" cy="0"/>
-        </a:xfrm>
-      </p:grpSpPr>
-      <p:sp>
-        <p:nvSpPr>
-          <p:cNvPr id="2" name="Title 1">
-            <a:extLst>
-              <a:ext uri="{FF2B5EF4-FFF2-40B4-BE49-F238E27FC236}">
-                <a16:creationId xmlns:a16="http://schemas.microsoft.com/office/drawing/2014/main" id="{2D3820AA-5149-46B2-AE66-4D0149F90A70}"/>
-              </a:ext>
-            </a:extLst>
-          </p:cNvPr>
-          <p:cNvSpPr>
-            <a:spLocks noGrp="1"/>
-          </p:cNvSpPr>
-          <p:nvPr>
-            <p:ph type="title"/>
-          </p:nvPr>
-        </p:nvSpPr>
-        <p:spPr/>
-        <p:txBody>
-          <a:bodyPr/>
-          <a:lstStyle/>
-          <a:p>
-            <a:r>
-              <a:rPr lang="en-IN" dirty="0"/>
-              <a:t>Team Members</a:t>
-            </a:r>
-          </a:p>
-        </p:txBody>
-      </p:sp>
-      <p:sp>
-        <p:nvSpPr>
-          <p:cNvPr id="3" name="Content Placeholder 2">
-            <a:extLst>
-              <a:ext uri="{FF2B5EF4-FFF2-40B4-BE49-F238E27FC236}">
-                <a16:creationId xmlns:a16="http://schemas.microsoft.com/office/drawing/2014/main" id="{05A885D9-17F7-4AC3-B122-9CDF68D72740}"/>
-              </a:ext>
-            </a:extLst>
-          </p:cNvPr>
-          <p:cNvSpPr>
-            <a:spLocks noGrp="1"/>
-          </p:cNvSpPr>
-          <p:nvPr>
-            <p:ph idx="1"/>
-          </p:nvPr>
-        </p:nvSpPr>
-        <p:spPr/>
-        <p:txBody>
-          <a:bodyPr/>
-          <a:lstStyle/>
-          <a:p>
-            <a:pPr marL="457200" indent="-457200">
-              <a:buFont typeface="+mj-lt"/>
-              <a:buAutoNum type="arabicPeriod"/>
-            </a:pPr>
-            <a:r>
-              <a:rPr lang="en-IN" dirty="0">
-                <a:solidFill>
-                  <a:schemeClr val="tx1"/>
-                </a:solidFill>
-                <a:latin typeface="Times New Roman" panose="02020603050405020304" pitchFamily="18" charset="0"/>
-                <a:cs typeface="Times New Roman" panose="02020603050405020304" pitchFamily="18" charset="0"/>
-              </a:rPr>
-              <a:t>Inzamul Hoque.</a:t>
-            </a:r>
-          </a:p>
-          <a:p>
-            <a:pPr marL="457200" indent="-457200">
-              <a:buFont typeface="+mj-lt"/>
-              <a:buAutoNum type="arabicPeriod"/>
-            </a:pPr>
-            <a:r>
-              <a:rPr lang="en-IN" dirty="0">
-                <a:solidFill>
-                  <a:schemeClr val="tx1"/>
-                </a:solidFill>
-                <a:latin typeface="Times New Roman" panose="02020603050405020304" pitchFamily="18" charset="0"/>
-                <a:cs typeface="Times New Roman" panose="02020603050405020304" pitchFamily="18" charset="0"/>
-              </a:rPr>
-              <a:t>Shubham Kamble.</a:t>
-            </a:r>
-          </a:p>
-          <a:p>
-            <a:pPr marL="457200" indent="-457200">
-              <a:buFont typeface="+mj-lt"/>
-              <a:buAutoNum type="arabicPeriod"/>
-            </a:pPr>
-            <a:r>
-              <a:rPr lang="en-IN" dirty="0">
-                <a:solidFill>
-                  <a:schemeClr val="tx1"/>
-                </a:solidFill>
-                <a:latin typeface="Times New Roman" panose="02020603050405020304" pitchFamily="18" charset="0"/>
-                <a:cs typeface="Times New Roman" panose="02020603050405020304" pitchFamily="18" charset="0"/>
-              </a:rPr>
-              <a:t>Snehal Gugale</a:t>
-            </a:r>
-          </a:p>
-          <a:p>
-            <a:pPr marL="457200" indent="-457200">
-              <a:buFont typeface="+mj-lt"/>
-              <a:buAutoNum type="arabicPeriod"/>
-            </a:pPr>
-            <a:r>
-              <a:rPr lang="en-IN" dirty="0">
-                <a:solidFill>
-                  <a:schemeClr val="tx1"/>
-                </a:solidFill>
-                <a:latin typeface="Times New Roman" panose="02020603050405020304" pitchFamily="18" charset="0"/>
-                <a:cs typeface="Times New Roman" panose="02020603050405020304" pitchFamily="18" charset="0"/>
-              </a:rPr>
-              <a:t>Sujit Kharat.</a:t>
-            </a:r>
-          </a:p>
-          <a:p>
-            <a:pPr marL="457200" indent="-457200">
-              <a:buFont typeface="+mj-lt"/>
-              <a:buAutoNum type="arabicPeriod"/>
-            </a:pPr>
-            <a:r>
-              <a:rPr lang="en-IN" dirty="0">
-                <a:solidFill>
-                  <a:schemeClr val="tx1"/>
-                </a:solidFill>
-                <a:latin typeface="Times New Roman" panose="02020603050405020304" pitchFamily="18" charset="0"/>
-                <a:cs typeface="Times New Roman" panose="02020603050405020304" pitchFamily="18" charset="0"/>
-              </a:rPr>
-              <a:t>Rajesh Pandhare.</a:t>
-            </a:r>
-          </a:p>
-        </p:txBody>
-      </p:sp>
-      <p:sp>
-        <p:nvSpPr>
-          <p:cNvPr id="4" name="Slide Number Placeholder 3">
-            <a:extLst>
-              <a:ext uri="{FF2B5EF4-FFF2-40B4-BE49-F238E27FC236}">
-                <a16:creationId xmlns:a16="http://schemas.microsoft.com/office/drawing/2014/main" id="{9E2612D2-C376-4D6D-A1BF-FF49E04A2FEA}"/>
-              </a:ext>
-            </a:extLst>
-          </p:cNvPr>
-          <p:cNvSpPr>
-            <a:spLocks noGrp="1"/>
-          </p:cNvSpPr>
-          <p:nvPr>
-            <p:ph type="sldNum" sz="quarter" idx="12"/>
-          </p:nvPr>
-        </p:nvSpPr>
-        <p:spPr/>
-        <p:txBody>
-          <a:bodyPr/>
-          <a:lstStyle/>
-          <a:p>
-            <a:fld id="{3A98EE3D-8CD1-4C3F-BD1C-C98C9596463C}" type="slidenum">
-              <a:rPr lang="en-US" smtClean="0"/>
-              <a:t>2</a:t>
-            </a:fld>
-            <a:endParaRPr lang="en-US" dirty="0"/>
-          </a:p>
-        </p:txBody>
-      </p:sp>
-      <p:pic>
-        <p:nvPicPr>
-          <p:cNvPr id="5" name="Picture 3">
-            <a:extLst>
-              <a:ext uri="{FF2B5EF4-FFF2-40B4-BE49-F238E27FC236}">
-                <a16:creationId xmlns:a16="http://schemas.microsoft.com/office/drawing/2014/main" id="{950C292F-104E-4F5E-81BB-EE6FEB4D7006}"/>
-              </a:ext>
-            </a:extLst>
-          </p:cNvPr>
-          <p:cNvPicPr>
-            <a:picLocks noChangeAspect="1" noChangeArrowheads="1"/>
-          </p:cNvPicPr>
-          <p:nvPr/>
-        </p:nvPicPr>
-        <p:blipFill>
-          <a:blip r:embed="rId2">
-            <a:extLst>
-              <a:ext uri="{28A0092B-C50C-407E-A947-70E740481C1C}">
-                <a14:useLocalDpi xmlns:a14="http://schemas.microsoft.com/office/drawing/2010/main" val="0"/>
-              </a:ext>
-            </a:extLst>
-          </a:blip>
-          <a:srcRect/>
-          <a:stretch>
-            <a:fillRect/>
-          </a:stretch>
-        </p:blipFill>
-        <p:spPr bwMode="auto">
-          <a:xfrm>
-            <a:off x="0" y="5869092"/>
-            <a:ext cx="1676400" cy="476250"/>
-          </a:xfrm>
-          <a:prstGeom prst="rect">
-            <a:avLst/>
-          </a:prstGeom>
-          <a:noFill/>
-          <a:extLst>
-            <a:ext uri="{909E8E84-426E-40DD-AFC4-6F175D3DCCD1}">
-              <a14:hiddenFill xmlns:a14="http://schemas.microsoft.com/office/drawing/2010/main">
-                <a:solidFill>
-                  <a:srgbClr val="FFFFFF"/>
-                </a:solidFill>
-              </a14:hiddenFill>
-            </a:ext>
-          </a:extLst>
-        </p:spPr>
-      </p:pic>
-      <p:sp>
-        <p:nvSpPr>
-          <p:cNvPr id="6" name="TextBox 5">
-            <a:extLst>
-              <a:ext uri="{FF2B5EF4-FFF2-40B4-BE49-F238E27FC236}">
-                <a16:creationId xmlns:a16="http://schemas.microsoft.com/office/drawing/2014/main" id="{84465E54-BE8F-4210-BF94-0DD80118E45A}"/>
-              </a:ext>
-            </a:extLst>
-          </p:cNvPr>
-          <p:cNvSpPr txBox="1"/>
-          <p:nvPr/>
-        </p:nvSpPr>
-        <p:spPr>
-          <a:xfrm>
-            <a:off x="1676400" y="5922551"/>
-            <a:ext cx="6433930" cy="369332"/>
-          </a:xfrm>
-          <a:prstGeom prst="rect">
-            <a:avLst/>
-          </a:prstGeom>
-          <a:noFill/>
-        </p:spPr>
-        <p:txBody>
-          <a:bodyPr wrap="square" rtlCol="0">
-            <a:spAutoFit/>
-          </a:bodyPr>
-          <a:lstStyle/>
-          <a:p>
-            <a:r>
-              <a:rPr lang="en-IN" dirty="0"/>
-              <a:t> </a:t>
-            </a:r>
-            <a:r>
-              <a:rPr lang="en-IN" b="1" dirty="0"/>
-              <a:t>Team</a:t>
-            </a:r>
-            <a:r>
-              <a:rPr lang="en-IN" dirty="0"/>
-              <a:t> </a:t>
-            </a:r>
-            <a:r>
-              <a:rPr lang="en-IN" b="1" dirty="0"/>
-              <a:t>Unplugged Techies</a:t>
-            </a:r>
-          </a:p>
-        </p:txBody>
-      </p:sp>
-      <p:pic>
-        <p:nvPicPr>
-          <p:cNvPr id="2050" name="Picture 2" descr="Integrating New Team Members Into Projects | OneDesk Software App">
-            <a:extLst>
-              <a:ext uri="{FF2B5EF4-FFF2-40B4-BE49-F238E27FC236}">
-                <a16:creationId xmlns:a16="http://schemas.microsoft.com/office/drawing/2014/main" id="{F27EBE5B-40AB-474D-8C26-8C558C218DA5}"/>
-              </a:ext>
-            </a:extLst>
-          </p:cNvPr>
-          <p:cNvPicPr>
-            <a:picLocks noChangeAspect="1" noChangeArrowheads="1"/>
-          </p:cNvPicPr>
-          <p:nvPr/>
-        </p:nvPicPr>
-        <p:blipFill>
-          <a:blip r:embed="rId3">
-            <a:extLst>
-              <a:ext uri="{28A0092B-C50C-407E-A947-70E740481C1C}">
-                <a14:useLocalDpi xmlns:a14="http://schemas.microsoft.com/office/drawing/2010/main" val="0"/>
-              </a:ext>
-            </a:extLst>
-          </a:blip>
-          <a:srcRect/>
-          <a:stretch>
-            <a:fillRect/>
-          </a:stretch>
-        </p:blipFill>
-        <p:spPr bwMode="auto">
-          <a:xfrm>
-            <a:off x="4757530" y="2254369"/>
-            <a:ext cx="5378242" cy="3133830"/>
-          </a:xfrm>
-          <a:prstGeom prst="rect">
-            <a:avLst/>
-          </a:prstGeom>
-          <a:noFill/>
-          <a:extLst>
-            <a:ext uri="{909E8E84-426E-40DD-AFC4-6F175D3DCCD1}">
-              <a14:hiddenFill xmlns:a14="http://schemas.microsoft.com/office/drawing/2010/main">
-                <a:solidFill>
-                  <a:srgbClr val="FFFFFF"/>
-                </a:solidFill>
-              </a14:hiddenFill>
-            </a:ext>
-          </a:extLst>
-        </p:spPr>
-      </p:pic>
-    </p:spTree>
-    <p:extLst>
-      <p:ext uri="{BB962C8B-B14F-4D97-AF65-F5344CB8AC3E}">
-        <p14:creationId xmlns:p14="http://schemas.microsoft.com/office/powerpoint/2010/main" val="610037832"/>
-      </p:ext>
-    </p:extLst>
-  </p:cSld>
-  <p:clrMapOvr>
-    <a:masterClrMapping/>
-  </p:clrMapOvr>
-</p:sld>
-</file>
-
-<file path=ppt/slides/slide3.xml><?xml version="1.0" encoding="utf-8"?>
-<p:sld xmlns:a="http://schemas.openxmlformats.org/drawingml/2006/main" xmlns:r="http://schemas.openxmlformats.org/officeDocument/2006/relationships" xmlns:p="http://schemas.openxmlformats.org/presentationml/2006/main">
-  <p:cSld>
-    <p:spTree>
-      <p:nvGrpSpPr>
-        <p:cNvPr id="1" name=""/>
-        <p:cNvGrpSpPr/>
-        <p:nvPr/>
-      </p:nvGrpSpPr>
-      <p:grpSpPr>
-        <a:xfrm>
-          <a:off x="0" y="0"/>
-          <a:ext cx="0" cy="0"/>
-          <a:chOff x="0" y="0"/>
-          <a:chExt cx="0" cy="0"/>
-        </a:xfrm>
-      </p:grpSpPr>
-      <p:sp>
-        <p:nvSpPr>
-          <p:cNvPr id="2" name="Title 1">
-            <a:extLst>
-              <a:ext uri="{FF2B5EF4-FFF2-40B4-BE49-F238E27FC236}">
-                <a16:creationId xmlns:a16="http://schemas.microsoft.com/office/drawing/2014/main" id="{2D3820AA-5149-46B2-AE66-4D0149F90A70}"/>
-              </a:ext>
-            </a:extLst>
-          </p:cNvPr>
-          <p:cNvSpPr>
-            <a:spLocks noGrp="1"/>
-          </p:cNvSpPr>
-          <p:nvPr>
-            <p:ph type="title"/>
-          </p:nvPr>
-        </p:nvSpPr>
-        <p:spPr/>
-        <p:txBody>
-          <a:bodyPr/>
-          <a:lstStyle/>
-          <a:p>
-            <a:r>
-              <a:rPr lang="en-IN" dirty="0"/>
-              <a:t>Overview		</a:t>
-            </a:r>
-          </a:p>
-        </p:txBody>
-      </p:sp>
-      <p:sp>
-        <p:nvSpPr>
-          <p:cNvPr id="4" name="Slide Number Placeholder 3">
-            <a:extLst>
-              <a:ext uri="{FF2B5EF4-FFF2-40B4-BE49-F238E27FC236}">
-                <a16:creationId xmlns:a16="http://schemas.microsoft.com/office/drawing/2014/main" id="{9E2612D2-C376-4D6D-A1BF-FF49E04A2FEA}"/>
-              </a:ext>
-            </a:extLst>
-          </p:cNvPr>
-          <p:cNvSpPr>
-            <a:spLocks noGrp="1"/>
-          </p:cNvSpPr>
-          <p:nvPr>
-            <p:ph type="sldNum" sz="quarter" idx="12"/>
-          </p:nvPr>
-        </p:nvSpPr>
-        <p:spPr/>
-        <p:txBody>
-          <a:bodyPr/>
-          <a:lstStyle/>
-          <a:p>
-            <a:fld id="{3A98EE3D-8CD1-4C3F-BD1C-C98C9596463C}" type="slidenum">
-              <a:rPr lang="en-US" smtClean="0"/>
-              <a:t>3</a:t>
-            </a:fld>
-            <a:endParaRPr lang="en-US" dirty="0"/>
-          </a:p>
-        </p:txBody>
-      </p:sp>
-      <p:pic>
-        <p:nvPicPr>
-          <p:cNvPr id="5" name="Picture 3" descr="Text, logo&#10;&#10;Description automatically generated">
-            <a:extLst>
-              <a:ext uri="{FF2B5EF4-FFF2-40B4-BE49-F238E27FC236}">
-                <a16:creationId xmlns:a16="http://schemas.microsoft.com/office/drawing/2014/main" id="{950C292F-104E-4F5E-81BB-EE6FEB4D7006}"/>
-              </a:ext>
-            </a:extLst>
-          </p:cNvPr>
-          <p:cNvPicPr>
-            <a:picLocks noChangeAspect="1" noChangeArrowheads="1"/>
-          </p:cNvPicPr>
-          <p:nvPr/>
-        </p:nvPicPr>
-        <p:blipFill>
-          <a:blip r:embed="rId2">
-            <a:extLst>
-              <a:ext uri="{28A0092B-C50C-407E-A947-70E740481C1C}">
-                <a14:useLocalDpi xmlns:a14="http://schemas.microsoft.com/office/drawing/2010/main" val="0"/>
-              </a:ext>
-            </a:extLst>
-          </a:blip>
-          <a:srcRect/>
-          <a:stretch>
-            <a:fillRect/>
-          </a:stretch>
-        </p:blipFill>
-        <p:spPr bwMode="auto">
-          <a:xfrm>
-            <a:off x="0" y="5869092"/>
-            <a:ext cx="1676400" cy="476250"/>
-          </a:xfrm>
-          <a:prstGeom prst="rect">
-            <a:avLst/>
-          </a:prstGeom>
-          <a:noFill/>
-          <a:extLst>
-            <a:ext uri="{909E8E84-426E-40DD-AFC4-6F175D3DCCD1}">
-              <a14:hiddenFill xmlns:a14="http://schemas.microsoft.com/office/drawing/2010/main">
-                <a:solidFill>
-                  <a:srgbClr val="FFFFFF"/>
-                </a:solidFill>
-              </a14:hiddenFill>
-            </a:ext>
-          </a:extLst>
-        </p:spPr>
-      </p:pic>
-      <p:sp>
-        <p:nvSpPr>
-          <p:cNvPr id="6" name="TextBox 5">
-            <a:extLst>
-              <a:ext uri="{FF2B5EF4-FFF2-40B4-BE49-F238E27FC236}">
-                <a16:creationId xmlns:a16="http://schemas.microsoft.com/office/drawing/2014/main" id="{84465E54-BE8F-4210-BF94-0DD80118E45A}"/>
-              </a:ext>
-            </a:extLst>
-          </p:cNvPr>
-          <p:cNvSpPr txBox="1"/>
-          <p:nvPr/>
-        </p:nvSpPr>
-        <p:spPr>
-          <a:xfrm>
-            <a:off x="1676400" y="5922551"/>
-            <a:ext cx="6433930" cy="369332"/>
-          </a:xfrm>
-          <a:prstGeom prst="rect">
-            <a:avLst/>
-          </a:prstGeom>
-          <a:noFill/>
-        </p:spPr>
-        <p:txBody>
-          <a:bodyPr wrap="square" rtlCol="0">
-            <a:spAutoFit/>
-          </a:bodyPr>
-          <a:lstStyle/>
-          <a:p>
-            <a:r>
-              <a:rPr lang="en-IN" dirty="0"/>
-              <a:t> </a:t>
-            </a:r>
-            <a:r>
-              <a:rPr lang="en-IN" b="1" dirty="0"/>
-              <a:t>Team</a:t>
-            </a:r>
-            <a:r>
-              <a:rPr lang="en-IN" dirty="0"/>
-              <a:t> </a:t>
-            </a:r>
-            <a:r>
-              <a:rPr lang="en-IN" b="1" dirty="0"/>
-              <a:t>Unplugged Techies</a:t>
-            </a:r>
-          </a:p>
-        </p:txBody>
-      </p:sp>
-      <p:graphicFrame>
-        <p:nvGraphicFramePr>
-          <p:cNvPr id="13" name="Content Placeholder 10">
-            <a:extLst>
-              <a:ext uri="{FF2B5EF4-FFF2-40B4-BE49-F238E27FC236}">
-                <a16:creationId xmlns:a16="http://schemas.microsoft.com/office/drawing/2014/main" id="{3A37C41C-D425-BB1A-EC3D-2980323B2278}"/>
-              </a:ext>
-            </a:extLst>
-          </p:cNvPr>
-          <p:cNvGraphicFramePr>
-            <a:graphicFrameLocks noGrp="1"/>
-          </p:cNvGraphicFramePr>
-          <p:nvPr>
-            <p:ph idx="1"/>
-          </p:nvPr>
-        </p:nvGraphicFramePr>
-        <p:xfrm>
-          <a:off x="1097280" y="2108201"/>
-          <a:ext cx="10058400" cy="3760891"/>
-        </p:xfrm>
-        <a:graphic>
-          <a:graphicData uri="http://schemas.openxmlformats.org/drawingml/2006/diagram">
-            <dgm:relIds xmlns:dgm="http://schemas.openxmlformats.org/drawingml/2006/diagram" xmlns:r="http://schemas.openxmlformats.org/officeDocument/2006/relationships" r:dm="rId3" r:lo="rId4" r:qs="rId5" r:cs="rId6"/>
-          </a:graphicData>
-        </a:graphic>
-      </p:graphicFrame>
-    </p:spTree>
-    <p:extLst>
-      <p:ext uri="{BB962C8B-B14F-4D97-AF65-F5344CB8AC3E}">
-        <p14:creationId xmlns:p14="http://schemas.microsoft.com/office/powerpoint/2010/main" val="2418299063"/>
-      </p:ext>
-    </p:extLst>
-  </p:cSld>
-  <p:clrMapOvr>
-    <a:masterClrMapping/>
-  </p:clrMapOvr>
-</p:sld>
-</file>
-
-<file path=ppt/slides/slide4.xml><?xml version="1.0" encoding="utf-8"?>
-<p:sld xmlns:a="http://schemas.openxmlformats.org/drawingml/2006/main" xmlns:r="http://schemas.openxmlformats.org/officeDocument/2006/relationships" xmlns:p="http://schemas.openxmlformats.org/presentationml/2006/main">
-  <p:cSld>
-    <p:spTree>
-      <p:nvGrpSpPr>
-        <p:cNvPr id="1" name=""/>
-        <p:cNvGrpSpPr/>
-        <p:nvPr/>
-      </p:nvGrpSpPr>
-      <p:grpSpPr>
-        <a:xfrm>
-          <a:off x="0" y="0"/>
-          <a:ext cx="0" cy="0"/>
-          <a:chOff x="0" y="0"/>
-          <a:chExt cx="0" cy="0"/>
-        </a:xfrm>
-      </p:grpSpPr>
-      <p:sp>
-        <p:nvSpPr>
-          <p:cNvPr id="2" name="Title 1">
-            <a:extLst>
-              <a:ext uri="{FF2B5EF4-FFF2-40B4-BE49-F238E27FC236}">
-                <a16:creationId xmlns:a16="http://schemas.microsoft.com/office/drawing/2014/main" id="{2D3820AA-5149-46B2-AE66-4D0149F90A70}"/>
-              </a:ext>
-            </a:extLst>
-          </p:cNvPr>
-          <p:cNvSpPr>
-            <a:spLocks noGrp="1"/>
-          </p:cNvSpPr>
-          <p:nvPr>
-            <p:ph type="title"/>
-          </p:nvPr>
-        </p:nvSpPr>
-        <p:spPr/>
-        <p:txBody>
-          <a:bodyPr/>
-          <a:lstStyle/>
-          <a:p>
-            <a:r>
-              <a:rPr lang="en-IN" dirty="0"/>
-              <a:t>Why ParkMyWheels </a:t>
-            </a:r>
-          </a:p>
-        </p:txBody>
-      </p:sp>
-      <p:sp>
-        <p:nvSpPr>
-          <p:cNvPr id="4" name="Slide Number Placeholder 3">
-            <a:extLst>
-              <a:ext uri="{FF2B5EF4-FFF2-40B4-BE49-F238E27FC236}">
-                <a16:creationId xmlns:a16="http://schemas.microsoft.com/office/drawing/2014/main" id="{9E2612D2-C376-4D6D-A1BF-FF49E04A2FEA}"/>
-              </a:ext>
-            </a:extLst>
-          </p:cNvPr>
-          <p:cNvSpPr>
-            <a:spLocks noGrp="1"/>
-          </p:cNvSpPr>
-          <p:nvPr>
-            <p:ph type="sldNum" sz="quarter" idx="12"/>
-          </p:nvPr>
-        </p:nvSpPr>
-        <p:spPr/>
-        <p:txBody>
-          <a:bodyPr/>
-          <a:lstStyle/>
-          <a:p>
-            <a:fld id="{3A98EE3D-8CD1-4C3F-BD1C-C98C9596463C}" type="slidenum">
-              <a:rPr lang="en-US" smtClean="0"/>
-              <a:t>4</a:t>
-            </a:fld>
-            <a:endParaRPr lang="en-US" dirty="0"/>
-          </a:p>
-        </p:txBody>
-      </p:sp>
-      <p:pic>
-        <p:nvPicPr>
-          <p:cNvPr id="5" name="Picture 3" descr="Text, logo&#10;&#10;Description automatically generated">
-            <a:extLst>
-              <a:ext uri="{FF2B5EF4-FFF2-40B4-BE49-F238E27FC236}">
-                <a16:creationId xmlns:a16="http://schemas.microsoft.com/office/drawing/2014/main" id="{950C292F-104E-4F5E-81BB-EE6FEB4D7006}"/>
-              </a:ext>
-            </a:extLst>
-          </p:cNvPr>
-          <p:cNvPicPr>
-            <a:picLocks noChangeAspect="1" noChangeArrowheads="1"/>
-          </p:cNvPicPr>
-          <p:nvPr/>
-        </p:nvPicPr>
-        <p:blipFill>
-          <a:blip r:embed="rId2">
-            <a:extLst>
-              <a:ext uri="{28A0092B-C50C-407E-A947-70E740481C1C}">
-                <a14:useLocalDpi xmlns:a14="http://schemas.microsoft.com/office/drawing/2010/main" val="0"/>
-              </a:ext>
-            </a:extLst>
-          </a:blip>
-          <a:srcRect/>
-          <a:stretch>
-            <a:fillRect/>
-          </a:stretch>
-        </p:blipFill>
-        <p:spPr bwMode="auto">
-          <a:xfrm>
-            <a:off x="0" y="5869092"/>
-            <a:ext cx="1676400" cy="476250"/>
-          </a:xfrm>
-          <a:prstGeom prst="rect">
-            <a:avLst/>
-          </a:prstGeom>
-          <a:noFill/>
-          <a:extLst>
-            <a:ext uri="{909E8E84-426E-40DD-AFC4-6F175D3DCCD1}">
-              <a14:hiddenFill xmlns:a14="http://schemas.microsoft.com/office/drawing/2010/main">
-                <a:solidFill>
-                  <a:srgbClr val="FFFFFF"/>
-                </a:solidFill>
-              </a14:hiddenFill>
-            </a:ext>
-          </a:extLst>
-        </p:spPr>
-      </p:pic>
-      <p:sp>
-        <p:nvSpPr>
-          <p:cNvPr id="6" name="TextBox 5">
-            <a:extLst>
-              <a:ext uri="{FF2B5EF4-FFF2-40B4-BE49-F238E27FC236}">
-                <a16:creationId xmlns:a16="http://schemas.microsoft.com/office/drawing/2014/main" id="{84465E54-BE8F-4210-BF94-0DD80118E45A}"/>
-              </a:ext>
-            </a:extLst>
-          </p:cNvPr>
-          <p:cNvSpPr txBox="1"/>
-          <p:nvPr/>
-        </p:nvSpPr>
-        <p:spPr>
-          <a:xfrm>
-            <a:off x="1676400" y="5922551"/>
-            <a:ext cx="6433930" cy="369332"/>
-          </a:xfrm>
-          <a:prstGeom prst="rect">
-            <a:avLst/>
-          </a:prstGeom>
-          <a:noFill/>
-        </p:spPr>
-        <p:txBody>
-          <a:bodyPr wrap="square" rtlCol="0">
-            <a:spAutoFit/>
-          </a:bodyPr>
-          <a:lstStyle/>
-          <a:p>
-            <a:r>
-              <a:rPr lang="en-IN" dirty="0"/>
-              <a:t> </a:t>
-            </a:r>
-            <a:r>
-              <a:rPr lang="en-IN" b="1" dirty="0"/>
-              <a:t>Team</a:t>
-            </a:r>
-            <a:r>
-              <a:rPr lang="en-IN" dirty="0"/>
-              <a:t> </a:t>
-            </a:r>
-            <a:r>
-              <a:rPr lang="en-IN" b="1" dirty="0"/>
-              <a:t>Unplugged Techies</a:t>
-            </a:r>
-          </a:p>
-        </p:txBody>
-      </p:sp>
-      <p:pic>
-        <p:nvPicPr>
-          <p:cNvPr id="4098" name="Picture 2" descr="320,305 Parking Stock Photos, Pictures &amp; Royalty-Free Images - iStock">
-            <a:extLst>
-              <a:ext uri="{FF2B5EF4-FFF2-40B4-BE49-F238E27FC236}">
-                <a16:creationId xmlns:a16="http://schemas.microsoft.com/office/drawing/2014/main" id="{8E610832-B37E-44F9-B9D9-9219700E7E8D}"/>
-              </a:ext>
-            </a:extLst>
-          </p:cNvPr>
-          <p:cNvPicPr>
-            <a:picLocks noChangeAspect="1" noChangeArrowheads="1"/>
-          </p:cNvPicPr>
-          <p:nvPr/>
-        </p:nvPicPr>
-        <p:blipFill>
-          <a:blip r:embed="rId3">
-            <a:extLst>
-              <a:ext uri="{28A0092B-C50C-407E-A947-70E740481C1C}">
-                <a14:useLocalDpi xmlns:a14="http://schemas.microsoft.com/office/drawing/2010/main" val="0"/>
-              </a:ext>
-            </a:extLst>
-          </a:blip>
-          <a:srcRect/>
-          <a:stretch>
-            <a:fillRect/>
-          </a:stretch>
-        </p:blipFill>
-        <p:spPr bwMode="auto">
-          <a:xfrm>
-            <a:off x="5923721" y="313332"/>
-            <a:ext cx="1455876" cy="1450757"/>
-          </a:xfrm>
-          <a:prstGeom prst="rect">
-            <a:avLst/>
-          </a:prstGeom>
-          <a:noFill/>
-          <a:extLst>
-            <a:ext uri="{909E8E84-426E-40DD-AFC4-6F175D3DCCD1}">
-              <a14:hiddenFill xmlns:a14="http://schemas.microsoft.com/office/drawing/2010/main">
-                <a:solidFill>
-                  <a:srgbClr val="FFFFFF"/>
-                </a:solidFill>
-              </a14:hiddenFill>
-            </a:ext>
-          </a:extLst>
-        </p:spPr>
-      </p:pic>
-      <p:graphicFrame>
-        <p:nvGraphicFramePr>
-          <p:cNvPr id="4100" name="Content Placeholder 10">
-            <a:extLst>
-              <a:ext uri="{FF2B5EF4-FFF2-40B4-BE49-F238E27FC236}">
-                <a16:creationId xmlns:a16="http://schemas.microsoft.com/office/drawing/2014/main" id="{87FB2B42-B491-0E06-8BD2-14D10DE3B8B7}"/>
-              </a:ext>
-            </a:extLst>
-          </p:cNvPr>
-          <p:cNvGraphicFramePr>
-            <a:graphicFrameLocks noGrp="1"/>
-          </p:cNvGraphicFramePr>
-          <p:nvPr>
-            <p:ph idx="1"/>
-            <p:extLst>
-              <p:ext uri="{D42A27DB-BD31-4B8C-83A1-F6EECF244321}">
-                <p14:modId xmlns:p14="http://schemas.microsoft.com/office/powerpoint/2010/main" val="1412401401"/>
-              </p:ext>
-            </p:extLst>
-          </p:nvPr>
-        </p:nvGraphicFramePr>
-        <p:xfrm>
-          <a:off x="1097280" y="2108201"/>
-          <a:ext cx="10058400" cy="3760891"/>
-        </p:xfrm>
-        <a:graphic>
-          <a:graphicData uri="http://schemas.openxmlformats.org/drawingml/2006/diagram">
-            <dgm:relIds xmlns:dgm="http://schemas.openxmlformats.org/drawingml/2006/diagram" xmlns:r="http://schemas.openxmlformats.org/officeDocument/2006/relationships" r:dm="rId4" r:lo="rId5" r:qs="rId6" r:cs="rId7"/>
-          </a:graphicData>
-        </a:graphic>
-      </p:graphicFrame>
-    </p:spTree>
-    <p:extLst>
-      <p:ext uri="{BB962C8B-B14F-4D97-AF65-F5344CB8AC3E}">
-        <p14:creationId xmlns:p14="http://schemas.microsoft.com/office/powerpoint/2010/main" val="3354695890"/>
-      </p:ext>
-    </p:extLst>
-  </p:cSld>
-  <p:clrMapOvr>
-    <a:masterClrMapping/>
-  </p:clrMapOvr>
-</p:sld>
-</file>
-
-<file path=ppt/slides/slide5.xml><?xml version="1.0" encoding="utf-8"?>
-<p:sld xmlns:a="http://schemas.openxmlformats.org/drawingml/2006/main" xmlns:r="http://schemas.openxmlformats.org/officeDocument/2006/relationships" xmlns:p="http://schemas.openxmlformats.org/presentationml/2006/main">
-  <p:cSld>
-    <p:bg>
-      <p:bgPr>
-        <a:solidFill>
-          <a:schemeClr val="bg1"/>
-        </a:solidFill>
-        <a:effectLst/>
-      </p:bgPr>
-    </p:bg>
-    <p:spTree>
-      <p:nvGrpSpPr>
-        <p:cNvPr id="1" name=""/>
-        <p:cNvGrpSpPr/>
-        <p:nvPr/>
-      </p:nvGrpSpPr>
-      <p:grpSpPr>
-        <a:xfrm>
-          <a:off x="0" y="0"/>
-          <a:ext cx="0" cy="0"/>
-          <a:chOff x="0" y="0"/>
-          <a:chExt cx="0" cy="0"/>
-        </a:xfrm>
-      </p:grpSpPr>
-      <p:sp useBgFill="1">
-        <p:nvSpPr>
-          <p:cNvPr id="10" name="Rectangle 9">
-            <a:extLst>
-              <a:ext uri="{FF2B5EF4-FFF2-40B4-BE49-F238E27FC236}">
-                <a16:creationId xmlns:a16="http://schemas.microsoft.com/office/drawing/2014/main" id="{67B74F2B-9534-4540-96B0-5C8E958B940F}"/>
-              </a:ext>
-              <a:ext uri="{C183D7F6-B498-43B3-948B-1728B52AA6E4}">
-                <adec:decorative xmlns:adec="http://schemas.microsoft.com/office/drawing/2017/decorative" val="1"/>
-              </a:ext>
-            </a:extLst>
-          </p:cNvPr>
-          <p:cNvSpPr>
-            <a:spLocks noGrp="1" noRot="1" noChangeAspect="1" noMove="1" noResize="1" noEditPoints="1" noAdjustHandles="1" noChangeArrowheads="1" noChangeShapeType="1" noTextEdit="1"/>
-          </p:cNvSpPr>
-          <p:nvPr>
-            <p:extLst>
-              <p:ext uri="{386F3935-93C4-4BCD-93E2-E3B085C9AB24}">
-                <p16:designElem xmlns:p16="http://schemas.microsoft.com/office/powerpoint/2015/main" val="1"/>
-              </p:ext>
-            </p:extLst>
-          </p:nvPr>
-        </p:nvSpPr>
-        <p:spPr>
-          <a:xfrm>
-            <a:off x="0" y="0"/>
-            <a:ext cx="12192001" cy="6858000"/>
-          </a:xfrm>
-          <a:prstGeom prst="rect">
-            <a:avLst/>
-          </a:prstGeom>
-          <a:ln>
-            <a:noFill/>
-          </a:ln>
-        </p:spPr>
-        <p:style>
-          <a:lnRef idx="2">
-            <a:schemeClr val="accent1">
-              <a:shade val="50000"/>
-            </a:schemeClr>
-          </a:lnRef>
-          <a:fillRef idx="1">
-            <a:schemeClr val="accent1"/>
-          </a:fillRef>
-          <a:effectRef idx="0">
-            <a:schemeClr val="accent1"/>
-          </a:effectRef>
-          <a:fontRef idx="minor">
-            <a:schemeClr val="lt1"/>
-          </a:fontRef>
-        </p:style>
-        <p:txBody>
-          <a:bodyPr rtlCol="0" anchor="ctr"/>
-          <a:lstStyle/>
-          <a:p>
-            <a:pPr algn="ctr"/>
-            <a:endParaRPr lang="en-US"/>
-          </a:p>
-        </p:txBody>
-      </p:sp>
-      <p:sp>
-        <p:nvSpPr>
-          <p:cNvPr id="2" name="Title 1">
-            <a:extLst>
-              <a:ext uri="{FF2B5EF4-FFF2-40B4-BE49-F238E27FC236}">
-                <a16:creationId xmlns:a16="http://schemas.microsoft.com/office/drawing/2014/main" id="{395F2792-50F8-4294-8BA0-DBFCF08D6BC0}"/>
-              </a:ext>
-            </a:extLst>
-          </p:cNvPr>
-          <p:cNvSpPr>
-            <a:spLocks noGrp="1"/>
-          </p:cNvSpPr>
-          <p:nvPr>
-            <p:ph type="title"/>
-          </p:nvPr>
-        </p:nvSpPr>
-        <p:spPr>
-          <a:xfrm>
-            <a:off x="5172074" y="286603"/>
-            <a:ext cx="5983605" cy="1450757"/>
-          </a:xfrm>
-        </p:spPr>
-        <p:txBody>
-          <a:bodyPr>
-            <a:normAutofit/>
-          </a:bodyPr>
-          <a:lstStyle/>
-          <a:p>
-            <a:r>
-              <a:rPr lang="en-IN" dirty="0"/>
-              <a:t>ParkUrWheels Features</a:t>
-            </a:r>
-          </a:p>
-        </p:txBody>
-      </p:sp>
-      <p:pic>
-        <p:nvPicPr>
-          <p:cNvPr id="6" name="Picture 5" descr="Car park lanes with skid marks on the road">
-            <a:extLst>
-              <a:ext uri="{FF2B5EF4-FFF2-40B4-BE49-F238E27FC236}">
-                <a16:creationId xmlns:a16="http://schemas.microsoft.com/office/drawing/2014/main" id="{7F99D1DE-DF1E-E17C-85CA-61F01088B16D}"/>
-              </a:ext>
-            </a:extLst>
-          </p:cNvPr>
-          <p:cNvPicPr>
-            <a:picLocks noChangeAspect="1"/>
-          </p:cNvPicPr>
-          <p:nvPr/>
-        </p:nvPicPr>
-        <p:blipFill rotWithShape="1">
-          <a:blip r:embed="rId2"/>
-          <a:srcRect l="24678" r="27559"/>
-          <a:stretch/>
-        </p:blipFill>
-        <p:spPr>
-          <a:xfrm>
-            <a:off x="20" y="-26494"/>
-            <a:ext cx="4580077" cy="6400784"/>
-          </a:xfrm>
-          <a:prstGeom prst="rect">
-            <a:avLst/>
-          </a:prstGeom>
-        </p:spPr>
-      </p:pic>
-      <p:cxnSp>
-        <p:nvCxnSpPr>
-          <p:cNvPr id="12" name="!!Straight Connector">
-            <a:extLst>
-              <a:ext uri="{FF2B5EF4-FFF2-40B4-BE49-F238E27FC236}">
-                <a16:creationId xmlns:a16="http://schemas.microsoft.com/office/drawing/2014/main" id="{33BECB2B-2CFA-412C-880F-C4B60974936F}"/>
-              </a:ext>
-              <a:ext uri="{C183D7F6-B498-43B3-948B-1728B52AA6E4}">
-                <adec:decorative xmlns:adec="http://schemas.microsoft.com/office/drawing/2017/decorative" val="1"/>
-              </a:ext>
-            </a:extLst>
-          </p:cNvPr>
-          <p:cNvCxnSpPr>
-            <a:cxnSpLocks noGrp="1" noRot="1" noChangeAspect="1" noMove="1" noResize="1" noEditPoints="1" noAdjustHandles="1" noChangeArrowheads="1" noChangeShapeType="1"/>
-          </p:cNvCxnSpPr>
-          <p:nvPr>
-            <p:extLst>
-              <p:ext uri="{386F3935-93C4-4BCD-93E2-E3B085C9AB24}">
-                <p16:designElem xmlns:p16="http://schemas.microsoft.com/office/powerpoint/2015/main" val="1"/>
-              </p:ext>
-            </p:extLst>
-          </p:nvPr>
-        </p:nvCxnSpPr>
-        <p:spPr>
-          <a:xfrm>
-            <a:off x="5242903" y="1917852"/>
-            <a:ext cx="5943600" cy="0"/>
-          </a:xfrm>
-          <a:prstGeom prst="line">
-            <a:avLst/>
-          </a:prstGeom>
-          <a:ln w="12700">
-            <a:solidFill>
-              <a:schemeClr val="tx1">
-                <a:lumMod val="75000"/>
-                <a:lumOff val="25000"/>
-              </a:schemeClr>
-            </a:solidFill>
-          </a:ln>
-        </p:spPr>
-        <p:style>
-          <a:lnRef idx="1">
-            <a:schemeClr val="accent1"/>
-          </a:lnRef>
-          <a:fillRef idx="0">
-            <a:schemeClr val="accent1"/>
-          </a:fillRef>
-          <a:effectRef idx="0">
-            <a:schemeClr val="accent1"/>
-          </a:effectRef>
-          <a:fontRef idx="minor">
-            <a:schemeClr val="tx1"/>
-          </a:fontRef>
-        </p:style>
-      </p:cxnSp>
-      <p:sp>
-        <p:nvSpPr>
-          <p:cNvPr id="3" name="Content Placeholder 2">
-            <a:extLst>
-              <a:ext uri="{FF2B5EF4-FFF2-40B4-BE49-F238E27FC236}">
-                <a16:creationId xmlns:a16="http://schemas.microsoft.com/office/drawing/2014/main" id="{023C4E0A-B7F4-4ED3-B5F9-99E8AA9E4D65}"/>
-              </a:ext>
-            </a:extLst>
-          </p:cNvPr>
-          <p:cNvSpPr>
-            <a:spLocks noGrp="1"/>
-          </p:cNvSpPr>
-          <p:nvPr>
-            <p:ph idx="1"/>
-          </p:nvPr>
-        </p:nvSpPr>
-        <p:spPr>
-          <a:xfrm>
-            <a:off x="5172074" y="2110194"/>
-            <a:ext cx="5983606" cy="3760891"/>
-          </a:xfrm>
-        </p:spPr>
-        <p:txBody>
-          <a:bodyPr>
-            <a:normAutofit/>
-          </a:bodyPr>
-          <a:lstStyle/>
-          <a:p>
-            <a:pPr>
-              <a:buFont typeface="Arial" panose="020B0604020202020204" pitchFamily="34" charset="0"/>
-              <a:buChar char="•"/>
-            </a:pPr>
-            <a:endParaRPr lang="en-IN" dirty="0">
-              <a:solidFill>
-                <a:schemeClr val="tx1"/>
-              </a:solidFill>
-              <a:latin typeface="Times New Roman" panose="02020603050405020304" pitchFamily="18" charset="0"/>
-              <a:cs typeface="Times New Roman" panose="02020603050405020304" pitchFamily="18" charset="0"/>
-            </a:endParaRPr>
-          </a:p>
-          <a:p>
-            <a:pPr>
-              <a:buFont typeface="Arial" panose="020B0604020202020204" pitchFamily="34" charset="0"/>
-              <a:buChar char="•"/>
-            </a:pPr>
-            <a:r>
-              <a:rPr lang="en-IN" dirty="0">
-                <a:solidFill>
-                  <a:schemeClr val="tx1"/>
-                </a:solidFill>
-                <a:latin typeface="Times New Roman" panose="02020603050405020304" pitchFamily="18" charset="0"/>
-                <a:cs typeface="Times New Roman" panose="02020603050405020304" pitchFamily="18" charset="0"/>
-              </a:rPr>
-              <a:t>Check nearby available parking slots.</a:t>
-            </a:r>
-          </a:p>
-          <a:p>
-            <a:pPr>
-              <a:buFont typeface="Arial" panose="020B0604020202020204" pitchFamily="34" charset="0"/>
-              <a:buChar char="•"/>
-            </a:pPr>
-            <a:r>
-              <a:rPr lang="en-IN" dirty="0">
-                <a:solidFill>
-                  <a:schemeClr val="tx1"/>
-                </a:solidFill>
-                <a:latin typeface="Times New Roman" panose="02020603050405020304" pitchFamily="18" charset="0"/>
-                <a:cs typeface="Times New Roman" panose="02020603050405020304" pitchFamily="18" charset="0"/>
-              </a:rPr>
-              <a:t>Compare fare among nearby available parking slots.</a:t>
-            </a:r>
-          </a:p>
-          <a:p>
-            <a:pPr>
-              <a:buFont typeface="Arial" panose="020B0604020202020204" pitchFamily="34" charset="0"/>
-              <a:buChar char="•"/>
-            </a:pPr>
-            <a:r>
-              <a:rPr lang="en-IN" dirty="0">
-                <a:solidFill>
-                  <a:schemeClr val="tx1"/>
-                </a:solidFill>
-                <a:latin typeface="Times New Roman" panose="02020603050405020304" pitchFamily="18" charset="0"/>
-                <a:cs typeface="Times New Roman" panose="02020603050405020304" pitchFamily="18" charset="0"/>
-              </a:rPr>
-              <a:t>Advance parking slot booking.</a:t>
-            </a:r>
-          </a:p>
-          <a:p>
-            <a:pPr>
-              <a:buFont typeface="Arial" panose="020B0604020202020204" pitchFamily="34" charset="0"/>
-              <a:buChar char="•"/>
-            </a:pPr>
-            <a:r>
-              <a:rPr lang="en-IN" dirty="0">
-                <a:solidFill>
-                  <a:schemeClr val="tx1"/>
-                </a:solidFill>
-                <a:latin typeface="Times New Roman" panose="02020603050405020304" pitchFamily="18" charset="0"/>
-                <a:cs typeface="Times New Roman" panose="02020603050405020304" pitchFamily="18" charset="0"/>
-              </a:rPr>
-              <a:t>To get real-time status.</a:t>
-            </a:r>
-          </a:p>
-          <a:p>
-            <a:pPr>
-              <a:buFont typeface="Arial" panose="020B0604020202020204" pitchFamily="34" charset="0"/>
-              <a:buChar char="•"/>
-            </a:pPr>
-            <a:r>
-              <a:rPr lang="en-IN" dirty="0">
-                <a:solidFill>
-                  <a:schemeClr val="tx1"/>
-                </a:solidFill>
-                <a:latin typeface="Times New Roman" panose="02020603050405020304" pitchFamily="18" charset="0"/>
-                <a:cs typeface="Times New Roman" panose="02020603050405020304" pitchFamily="18" charset="0"/>
-              </a:rPr>
-              <a:t>Way to parking.</a:t>
-            </a:r>
-          </a:p>
-          <a:p>
-            <a:endParaRPr lang="en-IN" dirty="0">
-              <a:solidFill>
-                <a:schemeClr val="tx1"/>
-              </a:solidFill>
-              <a:latin typeface="Times New Roman" panose="02020603050405020304" pitchFamily="18" charset="0"/>
-              <a:cs typeface="Times New Roman" panose="02020603050405020304" pitchFamily="18" charset="0"/>
-            </a:endParaRPr>
-          </a:p>
-        </p:txBody>
-      </p:sp>
-      <p:sp>
-        <p:nvSpPr>
-          <p:cNvPr id="17" name="Rectangle 13">
-            <a:extLst>
-              <a:ext uri="{FF2B5EF4-FFF2-40B4-BE49-F238E27FC236}">
-                <a16:creationId xmlns:a16="http://schemas.microsoft.com/office/drawing/2014/main" id="{C1B60310-C5C3-46A0-A452-2A0B008434DA}"/>
-              </a:ext>
-              <a:ext uri="{C183D7F6-B498-43B3-948B-1728B52AA6E4}">
-                <adec:decorative xmlns:adec="http://schemas.microsoft.com/office/drawing/2017/decorative" val="1"/>
-              </a:ext>
-            </a:extLst>
-          </p:cNvPr>
-          <p:cNvSpPr>
-            <a:spLocks noGrp="1" noRot="1" noChangeAspect="1" noMove="1" noResize="1" noEditPoints="1" noAdjustHandles="1" noChangeArrowheads="1" noChangeShapeType="1" noTextEdit="1"/>
-          </p:cNvSpPr>
-          <p:nvPr>
-            <p:extLst>
-              <p:ext uri="{386F3935-93C4-4BCD-93E2-E3B085C9AB24}">
-                <p16:designElem xmlns:p16="http://schemas.microsoft.com/office/powerpoint/2015/main" val="1"/>
-              </p:ext>
-            </p:extLst>
-          </p:nvPr>
-        </p:nvSpPr>
-        <p:spPr>
-          <a:xfrm>
-            <a:off x="-1" y="6400800"/>
-            <a:ext cx="12192000" cy="457200"/>
-          </a:xfrm>
-          <a:prstGeom prst="rect">
-            <a:avLst/>
-          </a:prstGeom>
-          <a:solidFill>
-            <a:srgbClr val="262626"/>
-          </a:solidFill>
-          <a:ln>
-            <a:noFill/>
-          </a:ln>
-        </p:spPr>
-        <p:style>
-          <a:lnRef idx="2">
-            <a:schemeClr val="accent1">
-              <a:shade val="50000"/>
-            </a:schemeClr>
-          </a:lnRef>
-          <a:fillRef idx="1">
-            <a:schemeClr val="accent1"/>
-          </a:fillRef>
-          <a:effectRef idx="0">
-            <a:schemeClr val="accent1"/>
-          </a:effectRef>
-          <a:fontRef idx="minor">
-            <a:schemeClr val="lt1"/>
-          </a:fontRef>
-        </p:style>
-      </p:sp>
-      <p:sp>
-        <p:nvSpPr>
-          <p:cNvPr id="4" name="Slide Number Placeholder 3">
-            <a:extLst>
-              <a:ext uri="{FF2B5EF4-FFF2-40B4-BE49-F238E27FC236}">
-                <a16:creationId xmlns:a16="http://schemas.microsoft.com/office/drawing/2014/main" id="{C740943A-2588-4D2D-9ACE-A10DA4521CA3}"/>
-              </a:ext>
-            </a:extLst>
-          </p:cNvPr>
-          <p:cNvSpPr>
-            <a:spLocks noGrp="1"/>
-          </p:cNvSpPr>
-          <p:nvPr>
-            <p:ph type="sldNum" sz="quarter" idx="12"/>
-          </p:nvPr>
-        </p:nvSpPr>
-        <p:spPr>
-          <a:xfrm>
-            <a:off x="10993582" y="6446838"/>
-            <a:ext cx="780010" cy="365125"/>
-          </a:xfrm>
-        </p:spPr>
-        <p:txBody>
-          <a:bodyPr>
-            <a:normAutofit/>
-          </a:bodyPr>
-          <a:lstStyle/>
-          <a:p>
-            <a:pPr>
-              <a:spcAft>
-                <a:spcPts val="600"/>
-              </a:spcAft>
-            </a:pPr>
-            <a:fld id="{3A98EE3D-8CD1-4C3F-BD1C-C98C9596463C}" type="slidenum">
-              <a:rPr lang="en-US" smtClean="0"/>
-              <a:pPr>
-                <a:spcAft>
-                  <a:spcPts val="600"/>
-                </a:spcAft>
-              </a:pPr>
-              <a:t>5</a:t>
-            </a:fld>
-            <a:endParaRPr lang="en-US"/>
-          </a:p>
-        </p:txBody>
-      </p:sp>
-      <p:pic>
-        <p:nvPicPr>
-          <p:cNvPr id="16" name="Picture 3" descr="Text, logo&#10;&#10;Description automatically generated">
-            <a:extLst>
-              <a:ext uri="{FF2B5EF4-FFF2-40B4-BE49-F238E27FC236}">
-                <a16:creationId xmlns:a16="http://schemas.microsoft.com/office/drawing/2014/main" id="{A7DD976D-F996-4312-82A1-7440D3073A6B}"/>
-              </a:ext>
-            </a:extLst>
-          </p:cNvPr>
-          <p:cNvPicPr>
-            <a:picLocks noChangeAspect="1" noChangeArrowheads="1"/>
-          </p:cNvPicPr>
-          <p:nvPr/>
-        </p:nvPicPr>
-        <p:blipFill>
-          <a:blip r:embed="rId3">
-            <a:extLst>
-              <a:ext uri="{28A0092B-C50C-407E-A947-70E740481C1C}">
-                <a14:useLocalDpi xmlns:a14="http://schemas.microsoft.com/office/drawing/2010/main" val="0"/>
-              </a:ext>
-            </a:extLst>
-          </a:blip>
-          <a:srcRect/>
-          <a:stretch>
-            <a:fillRect/>
-          </a:stretch>
-        </p:blipFill>
-        <p:spPr bwMode="auto">
-          <a:xfrm>
-            <a:off x="4580097" y="5924547"/>
-            <a:ext cx="1676400" cy="476250"/>
-          </a:xfrm>
-          <a:prstGeom prst="rect">
-            <a:avLst/>
-          </a:prstGeom>
-          <a:noFill/>
-          <a:extLst>
-            <a:ext uri="{909E8E84-426E-40DD-AFC4-6F175D3DCCD1}">
-              <a14:hiddenFill xmlns:a14="http://schemas.microsoft.com/office/drawing/2010/main">
-                <a:solidFill>
-                  <a:srgbClr val="FFFFFF"/>
-                </a:solidFill>
-              </a14:hiddenFill>
-            </a:ext>
-          </a:extLst>
-        </p:spPr>
-      </p:pic>
-      <p:sp>
-        <p:nvSpPr>
-          <p:cNvPr id="18" name="TextBox 17">
-            <a:extLst>
-              <a:ext uri="{FF2B5EF4-FFF2-40B4-BE49-F238E27FC236}">
-                <a16:creationId xmlns:a16="http://schemas.microsoft.com/office/drawing/2014/main" id="{72E31A11-7C85-4362-A960-1626F22D5DEA}"/>
-              </a:ext>
-            </a:extLst>
-          </p:cNvPr>
-          <p:cNvSpPr txBox="1"/>
-          <p:nvPr/>
-        </p:nvSpPr>
-        <p:spPr>
-          <a:xfrm>
-            <a:off x="6256497" y="5978006"/>
-            <a:ext cx="6096000" cy="369332"/>
-          </a:xfrm>
-          <a:prstGeom prst="rect">
-            <a:avLst/>
-          </a:prstGeom>
-          <a:noFill/>
-        </p:spPr>
-        <p:txBody>
-          <a:bodyPr wrap="square">
-            <a:spAutoFit/>
-          </a:bodyPr>
-          <a:lstStyle/>
-          <a:p>
-            <a:r>
-              <a:rPr lang="en-IN" dirty="0"/>
-              <a:t> </a:t>
-            </a:r>
-            <a:r>
-              <a:rPr lang="en-IN" b="1" dirty="0"/>
-              <a:t>Team</a:t>
-            </a:r>
-            <a:r>
-              <a:rPr lang="en-IN" dirty="0"/>
-              <a:t> </a:t>
-            </a:r>
-            <a:r>
-              <a:rPr lang="en-IN" b="1" dirty="0"/>
-              <a:t>Unplugged Techies</a:t>
-            </a:r>
-          </a:p>
-        </p:txBody>
-      </p:sp>
-    </p:spTree>
-    <p:extLst>
-      <p:ext uri="{BB962C8B-B14F-4D97-AF65-F5344CB8AC3E}">
-        <p14:creationId xmlns:p14="http://schemas.microsoft.com/office/powerpoint/2010/main" val="3148741629"/>
-      </p:ext>
-    </p:extLst>
-  </p:cSld>
-  <p:clrMapOvr>
-    <a:masterClrMapping/>
-  </p:clrMapOvr>
-</p:sld>
-</file>
-
-<file path=ppt/slides/slide6.xml><?xml version="1.0" encoding="utf-8"?>
-<p:sld xmlns:a="http://schemas.openxmlformats.org/drawingml/2006/main" xmlns:r="http://schemas.openxmlformats.org/officeDocument/2006/relationships" xmlns:p="http://schemas.openxmlformats.org/presentationml/2006/main">
-  <p:cSld>
-    <p:spTree>
-      <p:nvGrpSpPr>
-        <p:cNvPr id="1" name=""/>
-        <p:cNvGrpSpPr/>
-        <p:nvPr/>
-      </p:nvGrpSpPr>
-      <p:grpSpPr>
-        <a:xfrm>
-          <a:off x="0" y="0"/>
-          <a:ext cx="0" cy="0"/>
-          <a:chOff x="0" y="0"/>
-          <a:chExt cx="0" cy="0"/>
-        </a:xfrm>
-      </p:grpSpPr>
-      <p:sp>
-        <p:nvSpPr>
-          <p:cNvPr id="2" name="Title 1">
-            <a:extLst>
-              <a:ext uri="{FF2B5EF4-FFF2-40B4-BE49-F238E27FC236}">
-                <a16:creationId xmlns:a16="http://schemas.microsoft.com/office/drawing/2014/main" id="{2D3820AA-5149-46B2-AE66-4D0149F90A70}"/>
-              </a:ext>
-            </a:extLst>
-          </p:cNvPr>
-          <p:cNvSpPr>
-            <a:spLocks noGrp="1"/>
-          </p:cNvSpPr>
-          <p:nvPr>
-            <p:ph type="title"/>
-          </p:nvPr>
-        </p:nvSpPr>
-        <p:spPr/>
-        <p:txBody>
-          <a:bodyPr/>
-          <a:lstStyle/>
-          <a:p>
-            <a:r>
-              <a:rPr lang="en-IN" dirty="0"/>
-              <a:t>System Design</a:t>
-            </a:r>
-          </a:p>
-        </p:txBody>
-      </p:sp>
-      <p:sp>
-        <p:nvSpPr>
-          <p:cNvPr id="4" name="Slide Number Placeholder 3">
-            <a:extLst>
-              <a:ext uri="{FF2B5EF4-FFF2-40B4-BE49-F238E27FC236}">
-                <a16:creationId xmlns:a16="http://schemas.microsoft.com/office/drawing/2014/main" id="{9E2612D2-C376-4D6D-A1BF-FF49E04A2FEA}"/>
-              </a:ext>
-            </a:extLst>
-          </p:cNvPr>
-          <p:cNvSpPr>
-            <a:spLocks noGrp="1"/>
-          </p:cNvSpPr>
-          <p:nvPr>
-            <p:ph type="sldNum" sz="quarter" idx="12"/>
-          </p:nvPr>
-        </p:nvSpPr>
-        <p:spPr/>
-        <p:txBody>
-          <a:bodyPr/>
-          <a:lstStyle/>
-          <a:p>
-            <a:fld id="{3A98EE3D-8CD1-4C3F-BD1C-C98C9596463C}" type="slidenum">
-              <a:rPr lang="en-US" smtClean="0"/>
-              <a:t>6</a:t>
-            </a:fld>
-            <a:endParaRPr lang="en-US" dirty="0"/>
-          </a:p>
-        </p:txBody>
-      </p:sp>
-      <p:pic>
-        <p:nvPicPr>
-          <p:cNvPr id="5" name="Picture 3" descr="Text, logo&#10;&#10;Description automatically generated">
-            <a:extLst>
-              <a:ext uri="{FF2B5EF4-FFF2-40B4-BE49-F238E27FC236}">
-                <a16:creationId xmlns:a16="http://schemas.microsoft.com/office/drawing/2014/main" id="{950C292F-104E-4F5E-81BB-EE6FEB4D7006}"/>
-              </a:ext>
-            </a:extLst>
-          </p:cNvPr>
-          <p:cNvPicPr>
-            <a:picLocks noChangeAspect="1" noChangeArrowheads="1"/>
-          </p:cNvPicPr>
-          <p:nvPr/>
-        </p:nvPicPr>
-        <p:blipFill>
-          <a:blip r:embed="rId2">
-            <a:extLst>
-              <a:ext uri="{28A0092B-C50C-407E-A947-70E740481C1C}">
-                <a14:useLocalDpi xmlns:a14="http://schemas.microsoft.com/office/drawing/2010/main" val="0"/>
-              </a:ext>
-            </a:extLst>
-          </a:blip>
-          <a:srcRect/>
-          <a:stretch>
-            <a:fillRect/>
-          </a:stretch>
-        </p:blipFill>
-        <p:spPr bwMode="auto">
-          <a:xfrm>
-            <a:off x="0" y="5869092"/>
-            <a:ext cx="1676400" cy="476250"/>
-          </a:xfrm>
-          <a:prstGeom prst="rect">
-            <a:avLst/>
-          </a:prstGeom>
-          <a:noFill/>
-          <a:extLst>
-            <a:ext uri="{909E8E84-426E-40DD-AFC4-6F175D3DCCD1}">
-              <a14:hiddenFill xmlns:a14="http://schemas.microsoft.com/office/drawing/2010/main">
-                <a:solidFill>
-                  <a:srgbClr val="FFFFFF"/>
-                </a:solidFill>
-              </a14:hiddenFill>
-            </a:ext>
-          </a:extLst>
-        </p:spPr>
-      </p:pic>
-      <p:sp>
-        <p:nvSpPr>
-          <p:cNvPr id="6" name="TextBox 5">
-            <a:extLst>
-              <a:ext uri="{FF2B5EF4-FFF2-40B4-BE49-F238E27FC236}">
-                <a16:creationId xmlns:a16="http://schemas.microsoft.com/office/drawing/2014/main" id="{84465E54-BE8F-4210-BF94-0DD80118E45A}"/>
-              </a:ext>
-            </a:extLst>
-          </p:cNvPr>
-          <p:cNvSpPr txBox="1"/>
-          <p:nvPr/>
-        </p:nvSpPr>
-        <p:spPr>
-          <a:xfrm>
-            <a:off x="1676400" y="5922551"/>
-            <a:ext cx="6433930" cy="369332"/>
-          </a:xfrm>
-          <a:prstGeom prst="rect">
-            <a:avLst/>
-          </a:prstGeom>
-          <a:noFill/>
-        </p:spPr>
-        <p:txBody>
-          <a:bodyPr wrap="square" rtlCol="0">
-            <a:spAutoFit/>
-          </a:bodyPr>
-          <a:lstStyle/>
-          <a:p>
-            <a:r>
-              <a:rPr lang="en-IN" dirty="0"/>
-              <a:t> </a:t>
-            </a:r>
-            <a:r>
-              <a:rPr lang="en-IN" b="1" dirty="0"/>
-              <a:t>Team</a:t>
-            </a:r>
-            <a:r>
-              <a:rPr lang="en-IN" dirty="0"/>
-              <a:t> </a:t>
-            </a:r>
-            <a:r>
-              <a:rPr lang="en-IN" b="1" dirty="0"/>
-              <a:t>Unplugged Techies</a:t>
-            </a:r>
-          </a:p>
-        </p:txBody>
-      </p:sp>
-      <p:graphicFrame>
-        <p:nvGraphicFramePr>
-          <p:cNvPr id="24" name="Content Placeholder 6">
-            <a:extLst>
-              <a:ext uri="{FF2B5EF4-FFF2-40B4-BE49-F238E27FC236}">
-                <a16:creationId xmlns:a16="http://schemas.microsoft.com/office/drawing/2014/main" id="{55431EFD-CCE6-85EB-030B-FDF3BEAEECCA}"/>
-              </a:ext>
-            </a:extLst>
-          </p:cNvPr>
-          <p:cNvGraphicFramePr>
-            <a:graphicFrameLocks noGrp="1"/>
-          </p:cNvGraphicFramePr>
-          <p:nvPr>
-            <p:ph idx="1"/>
-          </p:nvPr>
-        </p:nvGraphicFramePr>
-        <p:xfrm>
-          <a:off x="1097280" y="2108201"/>
-          <a:ext cx="10058400" cy="3760891"/>
-        </p:xfrm>
-        <a:graphic>
-          <a:graphicData uri="http://schemas.openxmlformats.org/drawingml/2006/diagram">
-            <dgm:relIds xmlns:dgm="http://schemas.openxmlformats.org/drawingml/2006/diagram" xmlns:r="http://schemas.openxmlformats.org/officeDocument/2006/relationships" r:dm="rId3" r:lo="rId4" r:qs="rId5" r:cs="rId6"/>
-          </a:graphicData>
-        </a:graphic>
-      </p:graphicFrame>
-    </p:spTree>
-    <p:extLst>
-      <p:ext uri="{BB962C8B-B14F-4D97-AF65-F5344CB8AC3E}">
-        <p14:creationId xmlns:p14="http://schemas.microsoft.com/office/powerpoint/2010/main" val="2179270703"/>
-      </p:ext>
-    </p:extLst>
-  </p:cSld>
-  <p:clrMapOvr>
-    <a:masterClrMapping/>
-  </p:clrMapOvr>
-</p:sld>
-</file>
-
-<file path=ppt/slides/slide7.xml><?xml version="1.0" encoding="utf-8"?>
-<p:sld xmlns:a="http://schemas.openxmlformats.org/drawingml/2006/main" xmlns:r="http://schemas.openxmlformats.org/officeDocument/2006/relationships" xmlns:p="http://schemas.openxmlformats.org/presentationml/2006/main">
-  <p:cSld>
-    <p:spTree>
-      <p:nvGrpSpPr>
-        <p:cNvPr id="1" name=""/>
-        <p:cNvGrpSpPr/>
-        <p:nvPr/>
-      </p:nvGrpSpPr>
-      <p:grpSpPr>
-        <a:xfrm>
-          <a:off x="0" y="0"/>
-          <a:ext cx="0" cy="0"/>
-          <a:chOff x="0" y="0"/>
-          <a:chExt cx="0" cy="0"/>
-        </a:xfrm>
-      </p:grpSpPr>
-      <p:sp>
-        <p:nvSpPr>
-          <p:cNvPr id="2" name="Title 1">
-            <a:extLst>
-              <a:ext uri="{FF2B5EF4-FFF2-40B4-BE49-F238E27FC236}">
-                <a16:creationId xmlns:a16="http://schemas.microsoft.com/office/drawing/2014/main" id="{2D3820AA-5149-46B2-AE66-4D0149F90A70}"/>
-              </a:ext>
-            </a:extLst>
-          </p:cNvPr>
-          <p:cNvSpPr>
-            <a:spLocks noGrp="1"/>
-          </p:cNvSpPr>
-          <p:nvPr>
-            <p:ph type="title"/>
-          </p:nvPr>
-        </p:nvSpPr>
-        <p:spPr/>
-        <p:txBody>
-          <a:bodyPr/>
-          <a:lstStyle/>
-          <a:p>
-            <a:r>
-              <a:rPr lang="en-IN" dirty="0"/>
-              <a:t>Application Flow</a:t>
-            </a:r>
-          </a:p>
-        </p:txBody>
-      </p:sp>
-      <p:sp>
-        <p:nvSpPr>
-          <p:cNvPr id="4" name="Slide Number Placeholder 3">
-            <a:extLst>
-              <a:ext uri="{FF2B5EF4-FFF2-40B4-BE49-F238E27FC236}">
-                <a16:creationId xmlns:a16="http://schemas.microsoft.com/office/drawing/2014/main" id="{9E2612D2-C376-4D6D-A1BF-FF49E04A2FEA}"/>
-              </a:ext>
-            </a:extLst>
-          </p:cNvPr>
-          <p:cNvSpPr>
-            <a:spLocks noGrp="1"/>
-          </p:cNvSpPr>
-          <p:nvPr>
-            <p:ph type="sldNum" sz="quarter" idx="12"/>
-          </p:nvPr>
-        </p:nvSpPr>
-        <p:spPr/>
-        <p:txBody>
-          <a:bodyPr/>
-          <a:lstStyle/>
-          <a:p>
-            <a:fld id="{3A98EE3D-8CD1-4C3F-BD1C-C98C9596463C}" type="slidenum">
-              <a:rPr lang="en-US" smtClean="0"/>
-              <a:t>7</a:t>
-            </a:fld>
-            <a:endParaRPr lang="en-US" dirty="0"/>
-          </a:p>
-        </p:txBody>
-      </p:sp>
-      <p:pic>
-        <p:nvPicPr>
-          <p:cNvPr id="5" name="Picture 3" descr="Text, logo&#10;&#10;Description automatically generated">
-            <a:extLst>
-              <a:ext uri="{FF2B5EF4-FFF2-40B4-BE49-F238E27FC236}">
-                <a16:creationId xmlns:a16="http://schemas.microsoft.com/office/drawing/2014/main" id="{950C292F-104E-4F5E-81BB-EE6FEB4D7006}"/>
-              </a:ext>
-            </a:extLst>
-          </p:cNvPr>
-          <p:cNvPicPr>
-            <a:picLocks noChangeAspect="1" noChangeArrowheads="1"/>
-          </p:cNvPicPr>
-          <p:nvPr/>
-        </p:nvPicPr>
-        <p:blipFill>
-          <a:blip r:embed="rId2">
-            <a:extLst>
-              <a:ext uri="{28A0092B-C50C-407E-A947-70E740481C1C}">
-                <a14:useLocalDpi xmlns:a14="http://schemas.microsoft.com/office/drawing/2010/main" val="0"/>
-              </a:ext>
-            </a:extLst>
-          </a:blip>
-          <a:srcRect/>
-          <a:stretch>
-            <a:fillRect/>
-          </a:stretch>
-        </p:blipFill>
-        <p:spPr bwMode="auto">
-          <a:xfrm>
-            <a:off x="0" y="5869092"/>
-            <a:ext cx="1676400" cy="476250"/>
-          </a:xfrm>
-          <a:prstGeom prst="rect">
-            <a:avLst/>
-          </a:prstGeom>
-          <a:noFill/>
-          <a:extLst>
-            <a:ext uri="{909E8E84-426E-40DD-AFC4-6F175D3DCCD1}">
-              <a14:hiddenFill xmlns:a14="http://schemas.microsoft.com/office/drawing/2010/main">
-                <a:solidFill>
-                  <a:srgbClr val="FFFFFF"/>
-                </a:solidFill>
-              </a14:hiddenFill>
-            </a:ext>
-          </a:extLst>
-        </p:spPr>
-      </p:pic>
-      <p:sp>
-        <p:nvSpPr>
-          <p:cNvPr id="6" name="TextBox 5">
-            <a:extLst>
-              <a:ext uri="{FF2B5EF4-FFF2-40B4-BE49-F238E27FC236}">
-                <a16:creationId xmlns:a16="http://schemas.microsoft.com/office/drawing/2014/main" id="{84465E54-BE8F-4210-BF94-0DD80118E45A}"/>
-              </a:ext>
-            </a:extLst>
-          </p:cNvPr>
-          <p:cNvSpPr txBox="1"/>
-          <p:nvPr/>
-        </p:nvSpPr>
-        <p:spPr>
-          <a:xfrm>
-            <a:off x="1676400" y="5922551"/>
-            <a:ext cx="6433930" cy="369332"/>
-          </a:xfrm>
-          <a:prstGeom prst="rect">
-            <a:avLst/>
-          </a:prstGeom>
-          <a:noFill/>
-        </p:spPr>
-        <p:txBody>
-          <a:bodyPr wrap="square" rtlCol="0">
-            <a:spAutoFit/>
-          </a:bodyPr>
-          <a:lstStyle/>
-          <a:p>
-            <a:r>
-              <a:rPr lang="en-IN" dirty="0"/>
-              <a:t> </a:t>
-            </a:r>
-            <a:r>
-              <a:rPr lang="en-IN" b="1" dirty="0"/>
-              <a:t>Team</a:t>
-            </a:r>
-            <a:r>
-              <a:rPr lang="en-IN" dirty="0"/>
-              <a:t> </a:t>
-            </a:r>
-            <a:r>
-              <a:rPr lang="en-IN" b="1" dirty="0"/>
-              <a:t>Unplugged Techies</a:t>
-            </a:r>
-          </a:p>
-        </p:txBody>
-      </p:sp>
-      <p:graphicFrame>
-        <p:nvGraphicFramePr>
-          <p:cNvPr id="9" name="Content Placeholder 8">
-            <a:extLst>
-              <a:ext uri="{FF2B5EF4-FFF2-40B4-BE49-F238E27FC236}">
-                <a16:creationId xmlns:a16="http://schemas.microsoft.com/office/drawing/2014/main" id="{FD53A69B-ADB0-414E-B731-A2C82D08464D}"/>
-              </a:ext>
-            </a:extLst>
-          </p:cNvPr>
-          <p:cNvGraphicFramePr>
-            <a:graphicFrameLocks noGrp="1"/>
-          </p:cNvGraphicFramePr>
-          <p:nvPr>
-            <p:ph idx="1"/>
-            <p:extLst>
-              <p:ext uri="{D42A27DB-BD31-4B8C-83A1-F6EECF244321}">
-                <p14:modId xmlns:p14="http://schemas.microsoft.com/office/powerpoint/2010/main" val="3881822643"/>
-              </p:ext>
-            </p:extLst>
-          </p:nvPr>
-        </p:nvGraphicFramePr>
-        <p:xfrm>
-          <a:off x="1096963" y="2108200"/>
-          <a:ext cx="10058400" cy="3760788"/>
-        </p:xfrm>
-        <a:graphic>
-          <a:graphicData uri="http://schemas.openxmlformats.org/drawingml/2006/diagram">
-            <dgm:relIds xmlns:dgm="http://schemas.openxmlformats.org/drawingml/2006/diagram" xmlns:r="http://schemas.openxmlformats.org/officeDocument/2006/relationships" r:dm="rId3" r:lo="rId4" r:qs="rId5" r:cs="rId6"/>
-          </a:graphicData>
-        </a:graphic>
-      </p:graphicFrame>
-    </p:spTree>
-    <p:extLst>
-      <p:ext uri="{BB962C8B-B14F-4D97-AF65-F5344CB8AC3E}">
-        <p14:creationId xmlns:p14="http://schemas.microsoft.com/office/powerpoint/2010/main" val="3452439451"/>
-      </p:ext>
-    </p:extLst>
-  </p:cSld>
-  <p:clrMapOvr>
-    <a:masterClrMapping/>
-  </p:clrMapOvr>
-</p:sld>
-</file>
-
-<file path=ppt/slides/slide8.xml><?xml version="1.0" encoding="utf-8"?>
-<p:sld xmlns:a="http://schemas.openxmlformats.org/drawingml/2006/main" xmlns:r="http://schemas.openxmlformats.org/officeDocument/2006/relationships" xmlns:p="http://schemas.openxmlformats.org/presentationml/2006/main">
-  <p:cSld>
-    <p:bg>
-      <p:bgPr>
-        <a:solidFill>
-          <a:schemeClr val="bg1"/>
-        </a:solidFill>
-        <a:effectLst/>
-      </p:bgPr>
-    </p:bg>
-    <p:spTree>
-      <p:nvGrpSpPr>
-        <p:cNvPr id="1" name=""/>
-        <p:cNvGrpSpPr/>
-        <p:nvPr/>
-      </p:nvGrpSpPr>
-      <p:grpSpPr>
-        <a:xfrm>
-          <a:off x="0" y="0"/>
-          <a:ext cx="0" cy="0"/>
-          <a:chOff x="0" y="0"/>
-          <a:chExt cx="0" cy="0"/>
-        </a:xfrm>
-      </p:grpSpPr>
-      <p:sp>
-        <p:nvSpPr>
-          <p:cNvPr id="15" name="Rectangle 14">
-            <a:extLst>
-              <a:ext uri="{FF2B5EF4-FFF2-40B4-BE49-F238E27FC236}">
-                <a16:creationId xmlns:a16="http://schemas.microsoft.com/office/drawing/2014/main" id="{39E3965E-AC41-4711-9D10-E25ABB132D86}"/>
-              </a:ext>
-              <a:ext uri="{C183D7F6-B498-43B3-948B-1728B52AA6E4}">
-                <adec:decorative xmlns:adec="http://schemas.microsoft.com/office/drawing/2017/decorative" val="1"/>
-              </a:ext>
-            </a:extLst>
-          </p:cNvPr>
-          <p:cNvSpPr>
-            <a:spLocks noGrp="1" noRot="1" noChangeAspect="1" noMove="1" noResize="1" noEditPoints="1" noAdjustHandles="1" noChangeArrowheads="1" noChangeShapeType="1" noTextEdit="1"/>
-          </p:cNvSpPr>
-          <p:nvPr>
-            <p:extLst>
-              <p:ext uri="{386F3935-93C4-4BCD-93E2-E3B085C9AB24}">
-                <p16:designElem xmlns:p16="http://schemas.microsoft.com/office/powerpoint/2015/main" val="1"/>
-              </p:ext>
-            </p:extLst>
-          </p:nvPr>
-        </p:nvSpPr>
-        <p:spPr>
-          <a:xfrm>
-            <a:off x="3175" y="6400800"/>
-            <a:ext cx="12188825" cy="457200"/>
-          </a:xfrm>
-          <a:prstGeom prst="rect">
-            <a:avLst/>
-          </a:prstGeom>
-          <a:solidFill>
-            <a:srgbClr val="262626"/>
-          </a:solidFill>
-          <a:ln>
-            <a:noFill/>
-          </a:ln>
-        </p:spPr>
-        <p:style>
-          <a:lnRef idx="2">
-            <a:schemeClr val="accent1">
-              <a:shade val="50000"/>
-            </a:schemeClr>
-          </a:lnRef>
-          <a:fillRef idx="1">
-            <a:schemeClr val="accent1"/>
-          </a:fillRef>
-          <a:effectRef idx="0">
-            <a:schemeClr val="accent1"/>
-          </a:effectRef>
-          <a:fontRef idx="minor">
-            <a:schemeClr val="lt1"/>
-          </a:fontRef>
-        </p:style>
-      </p:sp>
-      <p:cxnSp>
-        <p:nvCxnSpPr>
-          <p:cNvPr id="22" name="Straight Connector 16">
-            <a:extLst>
-              <a:ext uri="{FF2B5EF4-FFF2-40B4-BE49-F238E27FC236}">
-                <a16:creationId xmlns:a16="http://schemas.microsoft.com/office/drawing/2014/main" id="{1F5DC8C3-BA5F-4EED-BB9A-A14272BD82A1}"/>
-              </a:ext>
-              <a:ext uri="{C183D7F6-B498-43B3-948B-1728B52AA6E4}">
-                <adec:decorative xmlns:adec="http://schemas.microsoft.com/office/drawing/2017/decorative" val="1"/>
-              </a:ext>
-            </a:extLst>
-          </p:cNvPr>
-          <p:cNvCxnSpPr>
-            <a:cxnSpLocks noGrp="1" noRot="1" noChangeAspect="1" noMove="1" noResize="1" noEditPoints="1" noAdjustHandles="1" noChangeArrowheads="1" noChangeShapeType="1"/>
-          </p:cNvCxnSpPr>
-          <p:nvPr>
-            <p:extLst>
-              <p:ext uri="{386F3935-93C4-4BCD-93E2-E3B085C9AB24}">
-                <p16:designElem xmlns:p16="http://schemas.microsoft.com/office/powerpoint/2015/main" val="1"/>
-              </p:ext>
-            </p:extLst>
-          </p:nvPr>
-        </p:nvCxnSpPr>
-        <p:spPr>
-          <a:xfrm>
-            <a:off x="1207658" y="4474741"/>
-            <a:ext cx="9875520" cy="0"/>
-          </a:xfrm>
-          <a:prstGeom prst="line">
-            <a:avLst/>
-          </a:prstGeom>
-          <a:ln w="12700">
-            <a:solidFill>
-              <a:schemeClr val="tx1">
-                <a:lumMod val="75000"/>
-                <a:lumOff val="25000"/>
-              </a:schemeClr>
-            </a:solidFill>
-          </a:ln>
-        </p:spPr>
-        <p:style>
-          <a:lnRef idx="1">
-            <a:schemeClr val="accent1"/>
-          </a:lnRef>
-          <a:fillRef idx="0">
-            <a:schemeClr val="accent1"/>
-          </a:fillRef>
-          <a:effectRef idx="0">
-            <a:schemeClr val="accent1"/>
-          </a:effectRef>
-          <a:fontRef idx="minor">
-            <a:schemeClr val="tx1"/>
-          </a:fontRef>
-        </p:style>
-      </p:cxnSp>
-      <p:sp useBgFill="1">
-        <p:nvSpPr>
-          <p:cNvPr id="24" name="Rectangle 18">
-            <a:extLst>
-              <a:ext uri="{FF2B5EF4-FFF2-40B4-BE49-F238E27FC236}">
-                <a16:creationId xmlns:a16="http://schemas.microsoft.com/office/drawing/2014/main" id="{548B4202-DCD5-4F8C-B481-743A989A9DFF}"/>
-              </a:ext>
-              <a:ext uri="{C183D7F6-B498-43B3-948B-1728B52AA6E4}">
-                <adec:decorative xmlns:adec="http://schemas.microsoft.com/office/drawing/2017/decorative" val="1"/>
-              </a:ext>
-            </a:extLst>
-          </p:cNvPr>
-          <p:cNvSpPr>
-            <a:spLocks noGrp="1" noRot="1" noChangeAspect="1" noMove="1" noResize="1" noEditPoints="1" noAdjustHandles="1" noChangeArrowheads="1" noChangeShapeType="1" noTextEdit="1"/>
-          </p:cNvSpPr>
-          <p:nvPr>
-            <p:extLst>
-              <p:ext uri="{386F3935-93C4-4BCD-93E2-E3B085C9AB24}">
-                <p16:designElem xmlns:p16="http://schemas.microsoft.com/office/powerpoint/2015/main" val="1"/>
-              </p:ext>
-            </p:extLst>
-          </p:nvPr>
-        </p:nvSpPr>
-        <p:spPr>
-          <a:xfrm>
-            <a:off x="0" y="0"/>
-            <a:ext cx="12192001" cy="6858000"/>
-          </a:xfrm>
-          <a:prstGeom prst="rect">
-            <a:avLst/>
-          </a:prstGeom>
-          <a:ln>
-            <a:noFill/>
-          </a:ln>
-        </p:spPr>
-        <p:style>
-          <a:lnRef idx="2">
-            <a:schemeClr val="accent1">
-              <a:shade val="50000"/>
-            </a:schemeClr>
-          </a:lnRef>
-          <a:fillRef idx="1">
-            <a:schemeClr val="accent1"/>
-          </a:fillRef>
-          <a:effectRef idx="0">
-            <a:schemeClr val="accent1"/>
-          </a:effectRef>
-          <a:fontRef idx="minor">
-            <a:schemeClr val="lt1"/>
-          </a:fontRef>
-        </p:style>
-        <p:txBody>
-          <a:bodyPr rtlCol="0" anchor="ctr"/>
-          <a:lstStyle/>
-          <a:p>
-            <a:pPr algn="ctr"/>
-            <a:endParaRPr lang="en-US"/>
-          </a:p>
-        </p:txBody>
-      </p:sp>
-      <p:sp>
-        <p:nvSpPr>
-          <p:cNvPr id="2" name="Title 1">
-            <a:extLst>
-              <a:ext uri="{FF2B5EF4-FFF2-40B4-BE49-F238E27FC236}">
-                <a16:creationId xmlns:a16="http://schemas.microsoft.com/office/drawing/2014/main" id="{2D3820AA-5149-46B2-AE66-4D0149F90A70}"/>
-              </a:ext>
-            </a:extLst>
-          </p:cNvPr>
-          <p:cNvSpPr>
-            <a:spLocks noGrp="1"/>
-          </p:cNvSpPr>
-          <p:nvPr>
-            <p:ph type="title"/>
-          </p:nvPr>
-        </p:nvSpPr>
-        <p:spPr>
-          <a:xfrm>
-            <a:off x="577728" y="4789381"/>
-            <a:ext cx="10909073" cy="957902"/>
-          </a:xfrm>
-        </p:spPr>
-        <p:txBody>
-          <a:bodyPr vert="horz" lIns="91440" tIns="45720" rIns="91440" bIns="45720" rtlCol="0" anchor="b">
-            <a:normAutofit/>
-          </a:bodyPr>
-          <a:lstStyle/>
-          <a:p>
-            <a:r>
-              <a:rPr lang="en-US" sz="6000">
-                <a:solidFill>
-                  <a:schemeClr val="tx1">
-                    <a:lumMod val="85000"/>
-                    <a:lumOff val="15000"/>
-                  </a:schemeClr>
-                </a:solidFill>
-              </a:rPr>
-              <a:t>Parking Sensors</a:t>
-            </a:r>
-          </a:p>
-        </p:txBody>
-      </p:sp>
-      <p:pic>
-        <p:nvPicPr>
-          <p:cNvPr id="8" name="Picture 4" descr="See the source image">
-            <a:extLst>
-              <a:ext uri="{FF2B5EF4-FFF2-40B4-BE49-F238E27FC236}">
-                <a16:creationId xmlns:a16="http://schemas.microsoft.com/office/drawing/2014/main" id="{6B35336B-5571-45C8-A98A-9895C9CCA725}"/>
-              </a:ext>
-            </a:extLst>
-          </p:cNvPr>
-          <p:cNvPicPr>
-            <a:picLocks noGrp="1" noChangeAspect="1" noChangeArrowheads="1"/>
-          </p:cNvPicPr>
-          <p:nvPr>
-            <p:ph idx="1"/>
-          </p:nvPr>
-        </p:nvPicPr>
-        <p:blipFill rotWithShape="1">
-          <a:blip r:embed="rId2">
-            <a:extLst>
-              <a:ext uri="{28A0092B-C50C-407E-A947-70E740481C1C}">
-                <a14:useLocalDpi xmlns:a14="http://schemas.microsoft.com/office/drawing/2010/main" val="0"/>
-              </a:ext>
-            </a:extLst>
-          </a:blip>
-          <a:srcRect l="8362" r="3580" b="-2"/>
-          <a:stretch/>
-        </p:blipFill>
-        <p:spPr bwMode="auto">
-          <a:xfrm>
-            <a:off x="-1" y="-2"/>
-            <a:ext cx="6050281" cy="4242816"/>
-          </a:xfrm>
-          <a:prstGeom prst="rect">
-            <a:avLst/>
-          </a:prstGeom>
-          <a:noFill/>
-          <a:extLst>
-            <a:ext uri="{909E8E84-426E-40DD-AFC4-6F175D3DCCD1}">
-              <a14:hiddenFill xmlns:a14="http://schemas.microsoft.com/office/drawing/2010/main">
-                <a:solidFill>
-                  <a:srgbClr val="FFFFFF"/>
-                </a:solidFill>
-              </a14:hiddenFill>
-            </a:ext>
-          </a:extLst>
-        </p:spPr>
-      </p:pic>
-      <p:pic>
-        <p:nvPicPr>
-          <p:cNvPr id="10" name="Picture 6" descr="See the source image">
-            <a:extLst>
-              <a:ext uri="{FF2B5EF4-FFF2-40B4-BE49-F238E27FC236}">
-                <a16:creationId xmlns:a16="http://schemas.microsoft.com/office/drawing/2014/main" id="{B3AA4324-5FF3-4F78-9B27-2DA8477C29F5}"/>
-              </a:ext>
-            </a:extLst>
-          </p:cNvPr>
-          <p:cNvPicPr>
-            <a:picLocks noChangeAspect="1" noChangeArrowheads="1"/>
-          </p:cNvPicPr>
-          <p:nvPr/>
-        </p:nvPicPr>
-        <p:blipFill rotWithShape="1">
-          <a:blip r:embed="rId3">
-            <a:extLst>
-              <a:ext uri="{28A0092B-C50C-407E-A947-70E740481C1C}">
-                <a14:useLocalDpi xmlns:a14="http://schemas.microsoft.com/office/drawing/2010/main" val="0"/>
-              </a:ext>
-            </a:extLst>
-          </a:blip>
-          <a:srcRect l="5171" r="-3" b="-3"/>
-          <a:stretch/>
-        </p:blipFill>
-        <p:spPr bwMode="auto">
-          <a:xfrm>
-            <a:off x="6141722" y="0"/>
-            <a:ext cx="6050279" cy="4242815"/>
-          </a:xfrm>
-          <a:prstGeom prst="rect">
-            <a:avLst/>
-          </a:prstGeom>
-          <a:noFill/>
-          <a:extLst>
-            <a:ext uri="{909E8E84-426E-40DD-AFC4-6F175D3DCCD1}">
-              <a14:hiddenFill xmlns:a14="http://schemas.microsoft.com/office/drawing/2010/main">
-                <a:solidFill>
-                  <a:srgbClr val="FFFFFF"/>
-                </a:solidFill>
-              </a14:hiddenFill>
-            </a:ext>
-          </a:extLst>
-        </p:spPr>
-      </p:pic>
-      <p:cxnSp>
-        <p:nvCxnSpPr>
-          <p:cNvPr id="21" name="Straight Connector 20">
-            <a:extLst>
-              <a:ext uri="{FF2B5EF4-FFF2-40B4-BE49-F238E27FC236}">
-                <a16:creationId xmlns:a16="http://schemas.microsoft.com/office/drawing/2014/main" id="{F7F57F6B-E621-4E40-A34D-2FE12902AA20}"/>
-              </a:ext>
-              <a:ext uri="{C183D7F6-B498-43B3-948B-1728B52AA6E4}">
-                <adec:decorative xmlns:adec="http://schemas.microsoft.com/office/drawing/2017/decorative" val="1"/>
-              </a:ext>
-            </a:extLst>
-          </p:cNvPr>
-          <p:cNvCxnSpPr>
-            <a:cxnSpLocks noGrp="1" noRot="1" noChangeAspect="1" noMove="1" noResize="1" noEditPoints="1" noAdjustHandles="1" noChangeArrowheads="1" noChangeShapeType="1"/>
-          </p:cNvCxnSpPr>
-          <p:nvPr>
-            <p:extLst>
-              <p:ext uri="{386F3935-93C4-4BCD-93E2-E3B085C9AB24}">
-                <p16:designElem xmlns:p16="http://schemas.microsoft.com/office/powerpoint/2015/main" val="1"/>
-              </p:ext>
-            </p:extLst>
-          </p:nvPr>
-        </p:nvCxnSpPr>
-        <p:spPr>
-          <a:xfrm>
-            <a:off x="721086" y="5645296"/>
-            <a:ext cx="10515600" cy="0"/>
-          </a:xfrm>
-          <a:prstGeom prst="line">
-            <a:avLst/>
-          </a:prstGeom>
-          <a:ln w="12700">
-            <a:solidFill>
-              <a:schemeClr val="tx1">
-                <a:lumMod val="75000"/>
-                <a:lumOff val="25000"/>
-              </a:schemeClr>
-            </a:solidFill>
-          </a:ln>
-        </p:spPr>
-        <p:style>
-          <a:lnRef idx="1">
-            <a:schemeClr val="accent1"/>
-          </a:lnRef>
-          <a:fillRef idx="0">
-            <a:schemeClr val="accent1"/>
-          </a:fillRef>
-          <a:effectRef idx="0">
-            <a:schemeClr val="accent1"/>
-          </a:effectRef>
-          <a:fontRef idx="minor">
-            <a:schemeClr val="tx1"/>
-          </a:fontRef>
-        </p:style>
-      </p:cxnSp>
-      <p:sp>
-        <p:nvSpPr>
-          <p:cNvPr id="23" name="Rectangle 22">
-            <a:extLst>
-              <a:ext uri="{FF2B5EF4-FFF2-40B4-BE49-F238E27FC236}">
-                <a16:creationId xmlns:a16="http://schemas.microsoft.com/office/drawing/2014/main" id="{8EE702CF-91CE-4661-ACBF-3C8160D1B433}"/>
-              </a:ext>
-              <a:ext uri="{C183D7F6-B498-43B3-948B-1728B52AA6E4}">
-                <adec:decorative xmlns:adec="http://schemas.microsoft.com/office/drawing/2017/decorative" val="1"/>
-              </a:ext>
-            </a:extLst>
-          </p:cNvPr>
-          <p:cNvSpPr>
-            <a:spLocks noGrp="1" noRot="1" noChangeAspect="1" noMove="1" noResize="1" noEditPoints="1" noAdjustHandles="1" noChangeArrowheads="1" noChangeShapeType="1" noTextEdit="1"/>
-          </p:cNvSpPr>
-          <p:nvPr>
-            <p:extLst>
-              <p:ext uri="{386F3935-93C4-4BCD-93E2-E3B085C9AB24}">
-                <p16:designElem xmlns:p16="http://schemas.microsoft.com/office/powerpoint/2015/main" val="1"/>
-              </p:ext>
-            </p:extLst>
-          </p:nvPr>
-        </p:nvSpPr>
-        <p:spPr>
-          <a:xfrm>
-            <a:off x="1" y="6400800"/>
-            <a:ext cx="12192000" cy="457200"/>
-          </a:xfrm>
-          <a:prstGeom prst="rect">
-            <a:avLst/>
-          </a:prstGeom>
-          <a:solidFill>
-            <a:srgbClr val="262626"/>
-          </a:solidFill>
-          <a:ln>
-            <a:noFill/>
-          </a:ln>
-        </p:spPr>
-        <p:style>
-          <a:lnRef idx="2">
-            <a:schemeClr val="accent1">
-              <a:shade val="50000"/>
-            </a:schemeClr>
-          </a:lnRef>
-          <a:fillRef idx="1">
-            <a:schemeClr val="accent1"/>
-          </a:fillRef>
-          <a:effectRef idx="0">
-            <a:schemeClr val="accent1"/>
-          </a:effectRef>
-          <a:fontRef idx="minor">
-            <a:schemeClr val="lt1"/>
-          </a:fontRef>
-        </p:style>
-      </p:sp>
-      <p:sp>
-        <p:nvSpPr>
-          <p:cNvPr id="4" name="Slide Number Placeholder 3">
-            <a:extLst>
-              <a:ext uri="{FF2B5EF4-FFF2-40B4-BE49-F238E27FC236}">
-                <a16:creationId xmlns:a16="http://schemas.microsoft.com/office/drawing/2014/main" id="{9E2612D2-C376-4D6D-A1BF-FF49E04A2FEA}"/>
-              </a:ext>
-            </a:extLst>
-          </p:cNvPr>
-          <p:cNvSpPr>
-            <a:spLocks noGrp="1"/>
-          </p:cNvSpPr>
-          <p:nvPr>
-            <p:ph type="sldNum" sz="quarter" idx="12"/>
-          </p:nvPr>
-        </p:nvSpPr>
-        <p:spPr>
-          <a:xfrm>
-            <a:off x="10993582" y="6446838"/>
-            <a:ext cx="780010" cy="365125"/>
-          </a:xfrm>
-        </p:spPr>
-        <p:txBody>
-          <a:bodyPr vert="horz" lIns="91440" tIns="45720" rIns="91440" bIns="45720" rtlCol="0" anchor="ctr">
-            <a:normAutofit/>
-          </a:bodyPr>
-          <a:lstStyle/>
-          <a:p>
-            <a:pPr>
-              <a:spcAft>
-                <a:spcPts val="600"/>
-              </a:spcAft>
-            </a:pPr>
-            <a:fld id="{3A98EE3D-8CD1-4C3F-BD1C-C98C9596463C}" type="slidenum">
-              <a:rPr lang="en-US" sz="1050" smtClean="0"/>
-              <a:pPr>
-                <a:spcAft>
-                  <a:spcPts val="600"/>
-                </a:spcAft>
-              </a:pPr>
-              <a:t>8</a:t>
-            </a:fld>
-            <a:endParaRPr lang="en-US" sz="1050"/>
-          </a:p>
-        </p:txBody>
-      </p:sp>
-      <p:pic>
-        <p:nvPicPr>
-          <p:cNvPr id="5" name="Picture 3" descr="Text, logo&#10;&#10;Description automatically generated">
-            <a:extLst>
-              <a:ext uri="{FF2B5EF4-FFF2-40B4-BE49-F238E27FC236}">
-                <a16:creationId xmlns:a16="http://schemas.microsoft.com/office/drawing/2014/main" id="{950C292F-104E-4F5E-81BB-EE6FEB4D7006}"/>
-              </a:ext>
-            </a:extLst>
-          </p:cNvPr>
-          <p:cNvPicPr>
-            <a:picLocks noChangeAspect="1" noChangeArrowheads="1"/>
-          </p:cNvPicPr>
-          <p:nvPr/>
-        </p:nvPicPr>
-        <p:blipFill>
-          <a:blip r:embed="rId4">
-            <a:extLst>
-              <a:ext uri="{28A0092B-C50C-407E-A947-70E740481C1C}">
-                <a14:useLocalDpi xmlns:a14="http://schemas.microsoft.com/office/drawing/2010/main" val="0"/>
-              </a:ext>
-            </a:extLst>
-          </a:blip>
-          <a:srcRect/>
-          <a:stretch>
-            <a:fillRect/>
-          </a:stretch>
-        </p:blipFill>
-        <p:spPr bwMode="auto">
-          <a:xfrm>
-            <a:off x="0" y="5869092"/>
-            <a:ext cx="1676400" cy="476250"/>
-          </a:xfrm>
-          <a:prstGeom prst="rect">
-            <a:avLst/>
-          </a:prstGeom>
-          <a:noFill/>
-          <a:extLst>
-            <a:ext uri="{909E8E84-426E-40DD-AFC4-6F175D3DCCD1}">
-              <a14:hiddenFill xmlns:a14="http://schemas.microsoft.com/office/drawing/2010/main">
-                <a:solidFill>
-                  <a:srgbClr val="FFFFFF"/>
-                </a:solidFill>
-              </a14:hiddenFill>
-            </a:ext>
-          </a:extLst>
-        </p:spPr>
-      </p:pic>
-      <p:sp>
-        <p:nvSpPr>
-          <p:cNvPr id="6" name="TextBox 5">
-            <a:extLst>
-              <a:ext uri="{FF2B5EF4-FFF2-40B4-BE49-F238E27FC236}">
-                <a16:creationId xmlns:a16="http://schemas.microsoft.com/office/drawing/2014/main" id="{84465E54-BE8F-4210-BF94-0DD80118E45A}"/>
-              </a:ext>
-            </a:extLst>
-          </p:cNvPr>
-          <p:cNvSpPr txBox="1"/>
-          <p:nvPr/>
-        </p:nvSpPr>
-        <p:spPr>
-          <a:xfrm>
-            <a:off x="1676400" y="5922551"/>
-            <a:ext cx="6433930" cy="369332"/>
-          </a:xfrm>
-          <a:prstGeom prst="rect">
-            <a:avLst/>
-          </a:prstGeom>
-          <a:noFill/>
-        </p:spPr>
-        <p:txBody>
-          <a:bodyPr wrap="square" rtlCol="0">
-            <a:spAutoFit/>
-          </a:bodyPr>
-          <a:lstStyle/>
-          <a:p>
-            <a:pPr>
-              <a:spcAft>
-                <a:spcPts val="600"/>
-              </a:spcAft>
-            </a:pPr>
-            <a:r>
-              <a:rPr lang="en-IN" dirty="0"/>
-              <a:t> </a:t>
-            </a:r>
-            <a:r>
-              <a:rPr lang="en-IN" b="1" dirty="0"/>
-              <a:t>Team</a:t>
-            </a:r>
-            <a:r>
-              <a:rPr lang="en-IN" dirty="0"/>
-              <a:t> </a:t>
-            </a:r>
-            <a:r>
-              <a:rPr lang="en-IN" b="1" dirty="0"/>
-              <a:t>Unplugged Techies</a:t>
-            </a:r>
-          </a:p>
-        </p:txBody>
-      </p:sp>
-    </p:spTree>
-    <p:extLst>
-      <p:ext uri="{BB962C8B-B14F-4D97-AF65-F5344CB8AC3E}">
-        <p14:creationId xmlns:p14="http://schemas.microsoft.com/office/powerpoint/2010/main" val="2735791237"/>
-      </p:ext>
-    </p:extLst>
-  </p:cSld>
-  <p:clrMapOvr>
-    <a:masterClrMapping/>
-  </p:clrMapOvr>
-</p:sld>
-</file>
-
-<file path=ppt/slides/slide9.xml><?xml version="1.0" encoding="utf-8"?>
-<p:sld xmlns:a="http://schemas.openxmlformats.org/drawingml/2006/main" xmlns:r="http://schemas.openxmlformats.org/officeDocument/2006/relationships" xmlns:p="http://schemas.openxmlformats.org/presentationml/2006/main">
-  <p:cSld>
-    <p:bg>
-      <p:bgPr>
-        <a:solidFill>
-          <a:schemeClr val="bg1"/>
-        </a:solidFill>
-        <a:effectLst/>
-      </p:bgPr>
-    </p:bg>
-    <p:spTree>
-      <p:nvGrpSpPr>
-        <p:cNvPr id="1" name=""/>
-        <p:cNvGrpSpPr/>
-        <p:nvPr/>
-      </p:nvGrpSpPr>
-      <p:grpSpPr>
-        <a:xfrm>
-          <a:off x="0" y="0"/>
-          <a:ext cx="0" cy="0"/>
-          <a:chOff x="0" y="0"/>
-          <a:chExt cx="0" cy="0"/>
-        </a:xfrm>
-      </p:grpSpPr>
-      <p:sp useBgFill="1">
-        <p:nvSpPr>
-          <p:cNvPr id="29" name="Rectangle 22">
-            <a:extLst>
-              <a:ext uri="{FF2B5EF4-FFF2-40B4-BE49-F238E27FC236}">
-                <a16:creationId xmlns:a16="http://schemas.microsoft.com/office/drawing/2014/main" id="{73734CDA-1CE8-4F1C-B0B3-AAB252B0135C}"/>
-              </a:ext>
-              <a:ext uri="{C183D7F6-B498-43B3-948B-1728B52AA6E4}">
-                <adec:decorative xmlns:adec="http://schemas.microsoft.com/office/drawing/2017/decorative" val="1"/>
-              </a:ext>
-            </a:extLst>
-          </p:cNvPr>
-          <p:cNvSpPr>
-            <a:spLocks noGrp="1" noRot="1" noChangeAspect="1" noMove="1" noResize="1" noEditPoints="1" noAdjustHandles="1" noChangeArrowheads="1" noChangeShapeType="1" noTextEdit="1"/>
-          </p:cNvSpPr>
-          <p:nvPr>
-            <p:extLst>
-              <p:ext uri="{386F3935-93C4-4BCD-93E2-E3B085C9AB24}">
-                <p16:designElem xmlns:p16="http://schemas.microsoft.com/office/powerpoint/2015/main" val="1"/>
-              </p:ext>
-            </p:extLst>
-          </p:nvPr>
-        </p:nvSpPr>
-        <p:spPr>
-          <a:xfrm>
-            <a:off x="0" y="0"/>
-            <a:ext cx="12192001" cy="6858000"/>
-          </a:xfrm>
-          <a:prstGeom prst="rect">
-            <a:avLst/>
-          </a:prstGeom>
-          <a:ln>
-            <a:noFill/>
-          </a:ln>
-        </p:spPr>
-        <p:style>
-          <a:lnRef idx="2">
-            <a:schemeClr val="accent1">
-              <a:shade val="50000"/>
-            </a:schemeClr>
-          </a:lnRef>
-          <a:fillRef idx="1">
-            <a:schemeClr val="accent1"/>
-          </a:fillRef>
-          <a:effectRef idx="0">
-            <a:schemeClr val="accent1"/>
-          </a:effectRef>
-          <a:fontRef idx="minor">
-            <a:schemeClr val="lt1"/>
-          </a:fontRef>
-        </p:style>
-        <p:txBody>
-          <a:bodyPr rtlCol="0" anchor="ctr"/>
-          <a:lstStyle/>
-          <a:p>
-            <a:pPr algn="ctr"/>
-            <a:endParaRPr lang="en-US"/>
-          </a:p>
-        </p:txBody>
-      </p:sp>
-      <p:sp>
-        <p:nvSpPr>
-          <p:cNvPr id="2" name="Title 1">
-            <a:extLst>
-              <a:ext uri="{FF2B5EF4-FFF2-40B4-BE49-F238E27FC236}">
-                <a16:creationId xmlns:a16="http://schemas.microsoft.com/office/drawing/2014/main" id="{74CAAFD7-329A-481E-9E13-85FEC36A873D}"/>
-              </a:ext>
-            </a:extLst>
-          </p:cNvPr>
-          <p:cNvSpPr>
-            <a:spLocks noGrp="1"/>
-          </p:cNvSpPr>
-          <p:nvPr>
-            <p:ph type="title"/>
-          </p:nvPr>
-        </p:nvSpPr>
-        <p:spPr>
-          <a:xfrm>
-            <a:off x="4974771" y="634946"/>
-            <a:ext cx="6574972" cy="1450757"/>
-          </a:xfrm>
-        </p:spPr>
-        <p:txBody>
-          <a:bodyPr>
-            <a:normAutofit/>
-          </a:bodyPr>
-          <a:lstStyle/>
-          <a:p>
-            <a:r>
-              <a:rPr lang="en-IN" dirty="0"/>
-              <a:t>Sensor Workflow</a:t>
-            </a:r>
-          </a:p>
-        </p:txBody>
-      </p:sp>
-      <p:pic>
-        <p:nvPicPr>
-          <p:cNvPr id="5" name="Content Placeholder 6">
-            <a:extLst>
-              <a:ext uri="{FF2B5EF4-FFF2-40B4-BE49-F238E27FC236}">
-                <a16:creationId xmlns:a16="http://schemas.microsoft.com/office/drawing/2014/main" id="{6958D3CC-B161-4E59-B56D-E70CE23ADF02}"/>
-              </a:ext>
-            </a:extLst>
-          </p:cNvPr>
-          <p:cNvPicPr>
-            <a:picLocks noChangeAspect="1"/>
-          </p:cNvPicPr>
-          <p:nvPr/>
-        </p:nvPicPr>
-        <p:blipFill>
-          <a:blip r:embed="rId2"/>
-          <a:stretch>
-            <a:fillRect/>
-          </a:stretch>
-        </p:blipFill>
-        <p:spPr>
-          <a:xfrm>
-            <a:off x="636274" y="2921819"/>
-            <a:ext cx="3695179" cy="1856827"/>
-          </a:xfrm>
-          <a:prstGeom prst="rect">
-            <a:avLst/>
-          </a:prstGeom>
-        </p:spPr>
-      </p:pic>
-      <p:cxnSp>
-        <p:nvCxnSpPr>
-          <p:cNvPr id="30" name="Straight Connector 24">
-            <a:extLst>
-              <a:ext uri="{FF2B5EF4-FFF2-40B4-BE49-F238E27FC236}">
-                <a16:creationId xmlns:a16="http://schemas.microsoft.com/office/drawing/2014/main" id="{D7143990-FA50-4B23-AE6D-E17D22F52676}"/>
-              </a:ext>
-              <a:ext uri="{C183D7F6-B498-43B3-948B-1728B52AA6E4}">
-                <adec:decorative xmlns:adec="http://schemas.microsoft.com/office/drawing/2017/decorative" val="1"/>
-              </a:ext>
-            </a:extLst>
-          </p:cNvPr>
-          <p:cNvCxnSpPr>
-            <a:cxnSpLocks noGrp="1" noRot="1" noChangeAspect="1" noMove="1" noResize="1" noEditPoints="1" noAdjustHandles="1" noChangeArrowheads="1" noChangeShapeType="1"/>
-          </p:cNvCxnSpPr>
-          <p:nvPr>
-            <p:extLst>
-              <p:ext uri="{386F3935-93C4-4BCD-93E2-E3B085C9AB24}">
-                <p16:designElem xmlns:p16="http://schemas.microsoft.com/office/powerpoint/2015/main" val="1"/>
-              </p:ext>
-            </p:extLst>
-          </p:nvPr>
-        </p:nvCxnSpPr>
-        <p:spPr>
-          <a:xfrm>
-            <a:off x="5063482" y="2246569"/>
-            <a:ext cx="5852160" cy="0"/>
-          </a:xfrm>
-          <a:prstGeom prst="line">
-            <a:avLst/>
-          </a:prstGeom>
-          <a:ln w="12700">
-            <a:solidFill>
-              <a:schemeClr val="tx1">
-                <a:lumMod val="75000"/>
-                <a:lumOff val="25000"/>
-              </a:schemeClr>
-            </a:solidFill>
-          </a:ln>
-        </p:spPr>
-        <p:style>
-          <a:lnRef idx="1">
-            <a:schemeClr val="accent1"/>
-          </a:lnRef>
-          <a:fillRef idx="0">
-            <a:schemeClr val="accent1"/>
-          </a:fillRef>
-          <a:effectRef idx="0">
-            <a:schemeClr val="accent1"/>
-          </a:effectRef>
-          <a:fontRef idx="minor">
-            <a:schemeClr val="tx1"/>
-          </a:fontRef>
-        </p:style>
-      </p:cxnSp>
-      <p:sp>
-        <p:nvSpPr>
-          <p:cNvPr id="3" name="Content Placeholder 2">
-            <a:extLst>
-              <a:ext uri="{FF2B5EF4-FFF2-40B4-BE49-F238E27FC236}">
-                <a16:creationId xmlns:a16="http://schemas.microsoft.com/office/drawing/2014/main" id="{3BCCDE26-8F4D-42D5-9873-E3049580C63E}"/>
-              </a:ext>
-            </a:extLst>
-          </p:cNvPr>
-          <p:cNvSpPr>
-            <a:spLocks noGrp="1"/>
-          </p:cNvSpPr>
-          <p:nvPr>
-            <p:ph idx="1"/>
-          </p:nvPr>
-        </p:nvSpPr>
-        <p:spPr>
-          <a:xfrm>
-            <a:off x="4973711" y="2407436"/>
-            <a:ext cx="6576032" cy="3461657"/>
-          </a:xfrm>
-        </p:spPr>
-        <p:txBody>
-          <a:bodyPr>
-            <a:normAutofit fontScale="92500"/>
-          </a:bodyPr>
-          <a:lstStyle/>
-          <a:p>
-            <a:endParaRPr lang="en-US" b="0" i="0" dirty="0">
-              <a:effectLst/>
-              <a:latin typeface="Times New Roman" panose="02020603050405020304" pitchFamily="18" charset="0"/>
-              <a:cs typeface="Times New Roman" panose="02020603050405020304" pitchFamily="18" charset="0"/>
-            </a:endParaRPr>
-          </a:p>
-          <a:p>
-            <a:r>
-              <a:rPr lang="en-US" b="0" i="0" dirty="0">
-                <a:effectLst/>
-                <a:latin typeface="Times New Roman" panose="02020603050405020304" pitchFamily="18" charset="0"/>
-                <a:cs typeface="Times New Roman" panose="02020603050405020304" pitchFamily="18" charset="0"/>
-              </a:rPr>
-              <a:t>A sensor detects a parked car by measuring the distance to the nearest obstacle-in our case, to the bottom of the car. The state can be </a:t>
-            </a:r>
-          </a:p>
-          <a:p>
-            <a:r>
-              <a:rPr lang="en-US" b="0" i="0" dirty="0">
-                <a:effectLst/>
-                <a:latin typeface="Times New Roman" panose="02020603050405020304" pitchFamily="18" charset="0"/>
-                <a:cs typeface="Times New Roman" panose="02020603050405020304" pitchFamily="18" charset="0"/>
-              </a:rPr>
-              <a:t>“occupied” if the distance is in the range of 10cm – 50cm.</a:t>
-            </a:r>
-          </a:p>
-          <a:p>
-            <a:r>
-              <a:rPr lang="en-US" b="0" i="0" dirty="0">
-                <a:effectLst/>
-                <a:latin typeface="Times New Roman" panose="02020603050405020304" pitchFamily="18" charset="0"/>
-                <a:cs typeface="Times New Roman" panose="02020603050405020304" pitchFamily="18" charset="0"/>
-              </a:rPr>
-              <a:t>“free” if the distance is more than 50cm and “Blocked” if the distance is less than 10cm</a:t>
-            </a:r>
-            <a:r>
-              <a:rPr lang="en-US" dirty="0">
-                <a:latin typeface="Times New Roman" panose="02020603050405020304" pitchFamily="18" charset="0"/>
-                <a:cs typeface="Times New Roman" panose="02020603050405020304" pitchFamily="18" charset="0"/>
-              </a:rPr>
-              <a:t>.</a:t>
-            </a:r>
-            <a:r>
-              <a:rPr lang="en-US" b="0" i="0" dirty="0">
-                <a:effectLst/>
-                <a:latin typeface="Times New Roman" panose="02020603050405020304" pitchFamily="18" charset="0"/>
-                <a:cs typeface="Times New Roman" panose="02020603050405020304" pitchFamily="18" charset="0"/>
-              </a:rPr>
-              <a:t> </a:t>
-            </a:r>
-          </a:p>
-          <a:p>
-            <a:r>
-              <a:rPr lang="en-US" b="0" i="0" dirty="0">
-                <a:effectLst/>
-                <a:latin typeface="Times New Roman" panose="02020603050405020304" pitchFamily="18" charset="0"/>
-                <a:cs typeface="Times New Roman" panose="02020603050405020304" pitchFamily="18" charset="0"/>
-              </a:rPr>
-              <a:t>which means that the sensor may be unclean and needs checking.</a:t>
-            </a:r>
-            <a:endParaRPr lang="en-IN" b="0" i="0" dirty="0">
-              <a:effectLst/>
-              <a:latin typeface="Times New Roman" panose="02020603050405020304" pitchFamily="18" charset="0"/>
-              <a:cs typeface="Times New Roman" panose="02020603050405020304" pitchFamily="18" charset="0"/>
-            </a:endParaRPr>
-          </a:p>
-          <a:p>
-            <a:endParaRPr lang="en-US" b="0" i="0" dirty="0">
-              <a:effectLst/>
-              <a:latin typeface="Times New Roman" panose="02020603050405020304" pitchFamily="18" charset="0"/>
-              <a:cs typeface="Times New Roman" panose="02020603050405020304" pitchFamily="18" charset="0"/>
-            </a:endParaRPr>
-          </a:p>
-        </p:txBody>
-      </p:sp>
-      <p:sp>
-        <p:nvSpPr>
-          <p:cNvPr id="31" name="Rectangle 26">
-            <a:extLst>
-              <a:ext uri="{FF2B5EF4-FFF2-40B4-BE49-F238E27FC236}">
-                <a16:creationId xmlns:a16="http://schemas.microsoft.com/office/drawing/2014/main" id="{3BD57AB6-3172-4520-B22E-FCD0184F3BA3}"/>
-              </a:ext>
-              <a:ext uri="{C183D7F6-B498-43B3-948B-1728B52AA6E4}">
-                <adec:decorative xmlns:adec="http://schemas.microsoft.com/office/drawing/2017/decorative" val="1"/>
-              </a:ext>
-            </a:extLst>
-          </p:cNvPr>
-          <p:cNvSpPr>
-            <a:spLocks noGrp="1" noRot="1" noChangeAspect="1" noMove="1" noResize="1" noEditPoints="1" noAdjustHandles="1" noChangeArrowheads="1" noChangeShapeType="1" noTextEdit="1"/>
-          </p:cNvSpPr>
-          <p:nvPr>
-            <p:extLst>
-              <p:ext uri="{386F3935-93C4-4BCD-93E2-E3B085C9AB24}">
-                <p16:designElem xmlns:p16="http://schemas.microsoft.com/office/powerpoint/2015/main" val="1"/>
-              </p:ext>
-            </p:extLst>
-          </p:nvPr>
-        </p:nvSpPr>
-        <p:spPr>
-          <a:xfrm>
-            <a:off x="0" y="6400800"/>
-            <a:ext cx="12192000" cy="457200"/>
-          </a:xfrm>
-          <a:prstGeom prst="rect">
-            <a:avLst/>
-          </a:prstGeom>
-          <a:solidFill>
-            <a:srgbClr val="262626"/>
-          </a:solidFill>
-          <a:ln>
-            <a:noFill/>
-          </a:ln>
-        </p:spPr>
-        <p:style>
-          <a:lnRef idx="2">
-            <a:schemeClr val="accent1">
-              <a:shade val="50000"/>
-            </a:schemeClr>
-          </a:lnRef>
-          <a:fillRef idx="1">
-            <a:schemeClr val="accent1"/>
-          </a:fillRef>
-          <a:effectRef idx="0">
-            <a:schemeClr val="accent1"/>
-          </a:effectRef>
-          <a:fontRef idx="minor">
-            <a:schemeClr val="lt1"/>
-          </a:fontRef>
-        </p:style>
-      </p:sp>
-      <p:sp>
-        <p:nvSpPr>
-          <p:cNvPr id="4" name="Slide Number Placeholder 3">
-            <a:extLst>
-              <a:ext uri="{FF2B5EF4-FFF2-40B4-BE49-F238E27FC236}">
-                <a16:creationId xmlns:a16="http://schemas.microsoft.com/office/drawing/2014/main" id="{1C64922A-710D-476E-822C-C4A03CB16FC0}"/>
-              </a:ext>
-            </a:extLst>
-          </p:cNvPr>
-          <p:cNvSpPr>
-            <a:spLocks noGrp="1"/>
-          </p:cNvSpPr>
-          <p:nvPr>
-            <p:ph type="sldNum" sz="quarter" idx="12"/>
-          </p:nvPr>
-        </p:nvSpPr>
-        <p:spPr>
-          <a:xfrm>
-            <a:off x="10993582" y="6446838"/>
-            <a:ext cx="780010" cy="365125"/>
-          </a:xfrm>
-        </p:spPr>
-        <p:txBody>
-          <a:bodyPr>
-            <a:normAutofit/>
-          </a:bodyPr>
-          <a:lstStyle/>
-          <a:p>
-            <a:pPr>
-              <a:spcAft>
-                <a:spcPts val="600"/>
-              </a:spcAft>
-            </a:pPr>
-            <a:fld id="{3A98EE3D-8CD1-4C3F-BD1C-C98C9596463C}" type="slidenum">
-              <a:rPr lang="en-US" smtClean="0"/>
-              <a:pPr>
-                <a:spcAft>
-                  <a:spcPts val="600"/>
-                </a:spcAft>
-              </a:pPr>
-              <a:t>9</a:t>
-            </a:fld>
-            <a:endParaRPr lang="en-US"/>
-          </a:p>
-        </p:txBody>
-      </p:sp>
-      <p:pic>
-        <p:nvPicPr>
-          <p:cNvPr id="19" name="Picture 3" descr="Text, logo&#10;&#10;Description automatically generated">
-            <a:extLst>
-              <a:ext uri="{FF2B5EF4-FFF2-40B4-BE49-F238E27FC236}">
-                <a16:creationId xmlns:a16="http://schemas.microsoft.com/office/drawing/2014/main" id="{5E30654D-82B7-414C-95E8-310377114FD4}"/>
-              </a:ext>
-            </a:extLst>
-          </p:cNvPr>
-          <p:cNvPicPr>
-            <a:picLocks noChangeAspect="1" noChangeArrowheads="1"/>
-          </p:cNvPicPr>
-          <p:nvPr/>
-        </p:nvPicPr>
-        <p:blipFill>
-          <a:blip r:embed="rId3">
-            <a:extLst>
-              <a:ext uri="{28A0092B-C50C-407E-A947-70E740481C1C}">
-                <a14:useLocalDpi xmlns:a14="http://schemas.microsoft.com/office/drawing/2010/main" val="0"/>
-              </a:ext>
-            </a:extLst>
-          </a:blip>
-          <a:srcRect/>
-          <a:stretch>
-            <a:fillRect/>
-          </a:stretch>
-        </p:blipFill>
-        <p:spPr bwMode="auto">
-          <a:xfrm>
-            <a:off x="-14067" y="5869092"/>
-            <a:ext cx="1676400" cy="476250"/>
-          </a:xfrm>
-          <a:prstGeom prst="rect">
-            <a:avLst/>
-          </a:prstGeom>
-          <a:noFill/>
-          <a:extLst>
-            <a:ext uri="{909E8E84-426E-40DD-AFC4-6F175D3DCCD1}">
-              <a14:hiddenFill xmlns:a14="http://schemas.microsoft.com/office/drawing/2010/main">
-                <a:solidFill>
-                  <a:srgbClr val="FFFFFF"/>
-                </a:solidFill>
-              </a14:hiddenFill>
-            </a:ext>
-          </a:extLst>
-        </p:spPr>
-      </p:pic>
-      <p:sp>
-        <p:nvSpPr>
-          <p:cNvPr id="20" name="TextBox 19">
-            <a:extLst>
-              <a:ext uri="{FF2B5EF4-FFF2-40B4-BE49-F238E27FC236}">
-                <a16:creationId xmlns:a16="http://schemas.microsoft.com/office/drawing/2014/main" id="{34C88E77-A6AF-4186-99A2-C8384DA11DCF}"/>
-              </a:ext>
-            </a:extLst>
-          </p:cNvPr>
-          <p:cNvSpPr txBox="1"/>
-          <p:nvPr/>
-        </p:nvSpPr>
-        <p:spPr>
-          <a:xfrm>
-            <a:off x="1676400" y="5922551"/>
-            <a:ext cx="6433930" cy="369332"/>
-          </a:xfrm>
-          <a:prstGeom prst="rect">
-            <a:avLst/>
-          </a:prstGeom>
-          <a:noFill/>
-        </p:spPr>
-        <p:txBody>
-          <a:bodyPr wrap="square" rtlCol="0">
-            <a:spAutoFit/>
-          </a:bodyPr>
-          <a:lstStyle/>
-          <a:p>
-            <a:r>
-              <a:rPr lang="en-IN" dirty="0"/>
-              <a:t> </a:t>
-            </a:r>
-            <a:r>
-              <a:rPr lang="en-IN" b="1" dirty="0"/>
-              <a:t>Team</a:t>
-            </a:r>
-            <a:r>
-              <a:rPr lang="en-IN" dirty="0"/>
-              <a:t> </a:t>
-            </a:r>
-            <a:r>
-              <a:rPr lang="en-IN" b="1" dirty="0"/>
-              <a:t>Unplugged Techies</a:t>
-            </a:r>
-          </a:p>
-        </p:txBody>
-      </p:sp>
-    </p:spTree>
-    <p:extLst>
-      <p:ext uri="{BB962C8B-B14F-4D97-AF65-F5344CB8AC3E}">
-        <p14:creationId xmlns:p14="http://schemas.microsoft.com/office/powerpoint/2010/main" val="2441678090"/>
       </p:ext>
     </p:extLst>
   </p:cSld>
@@ -19755,6 +17676,15 @@
 </file>
 
 <file path=customXml/item1.xml><?xml version="1.0" encoding="utf-8"?>
+<?mso-contentType ?>
+<FormTemplates xmlns="http://schemas.microsoft.com/sharepoint/v3/contenttype/forms">
+  <Display>DocumentLibraryForm</Display>
+  <Edit>DocumentLibraryForm</Edit>
+  <New>DocumentLibraryForm</New>
+</FormTemplates>
+</file>
+
+<file path=customXml/item2.xml><?xml version="1.0" encoding="utf-8"?>
 <ct:contentTypeSchema xmlns:ct="http://schemas.microsoft.com/office/2006/metadata/contentType" xmlns:ma="http://schemas.microsoft.com/office/2006/metadata/properties/metaAttributes" ct:_="" ma:_="" ma:contentTypeName="Document" ma:contentTypeID="0x01010079F111ED35F8CC479449609E8A0923A6" ma:contentTypeVersion="12" ma:contentTypeDescription="Create a new document." ma:contentTypeScope="" ma:versionID="a410dd7f93c95333ffa1b60ed6adedd1">
   <xsd:schema xmlns:xsd="http://www.w3.org/2001/XMLSchema" xmlns:xs="http://www.w3.org/2001/XMLSchema" xmlns:p="http://schemas.microsoft.com/office/2006/metadata/properties" xmlns:ns2="71af3243-3dd4-4a8d-8c0d-dd76da1f02a5" xmlns:ns3="16c05727-aa75-4e4a-9b5f-8a80a1165891" targetNamespace="http://schemas.microsoft.com/office/2006/metadata/properties" ma:root="true" ma:fieldsID="a936d9baba76aa3866493feff160faab" ns2:_="" ns3:_="">
     <xsd:import namespace="71af3243-3dd4-4a8d-8c0d-dd76da1f02a5"/>
@@ -19975,15 +17905,6 @@
 </ct:contentTypeSchema>
 </file>
 
-<file path=customXml/item2.xml><?xml version="1.0" encoding="utf-8"?>
-<?mso-contentType ?>
-<FormTemplates xmlns="http://schemas.microsoft.com/sharepoint/v3/contenttype/forms">
-  <Display>DocumentLibraryForm</Display>
-  <Edit>DocumentLibraryForm</Edit>
-  <New>DocumentLibraryForm</New>
-</FormTemplates>
-</file>
-
 <file path=customXml/item3.xml><?xml version="1.0" encoding="utf-8"?>
 <p:properties xmlns:p="http://schemas.microsoft.com/office/2006/metadata/properties" xmlns:xsi="http://www.w3.org/2001/XMLSchema-instance" xmlns:pc="http://schemas.microsoft.com/office/infopath/2007/PartnerControls">
   <documentManagement>
@@ -19994,6 +17915,14 @@
 </file>
 
 <file path=customXml/itemProps1.xml><?xml version="1.0" encoding="utf-8"?>
+<ds:datastoreItem xmlns:ds="http://schemas.openxmlformats.org/officeDocument/2006/customXml" ds:itemID="{31F006B4-A9E1-4F39-85C8-FB836F919348}">
+  <ds:schemaRefs>
+    <ds:schemaRef ds:uri="http://schemas.microsoft.com/sharepoint/v3/contenttype/forms"/>
+  </ds:schemaRefs>
+</ds:datastoreItem>
+</file>
+
+<file path=customXml/itemProps2.xml><?xml version="1.0" encoding="utf-8"?>
 <ds:datastoreItem xmlns:ds="http://schemas.openxmlformats.org/officeDocument/2006/customXml" ds:itemID="{16377351-63A1-4C2E-8C9A-66CDD70F16AC}">
   <ds:schemaRefs>
     <ds:schemaRef ds:uri="http://schemas.microsoft.com/office/2006/metadata/contentType"/>
@@ -20012,14 +17941,6 @@
 </ds:datastoreItem>
 </file>
 
-<file path=customXml/itemProps2.xml><?xml version="1.0" encoding="utf-8"?>
-<ds:datastoreItem xmlns:ds="http://schemas.openxmlformats.org/officeDocument/2006/customXml" ds:itemID="{31F006B4-A9E1-4F39-85C8-FB836F919348}">
-  <ds:schemaRefs>
-    <ds:schemaRef ds:uri="http://schemas.microsoft.com/sharepoint/v3/contenttype/forms"/>
-  </ds:schemaRefs>
-</ds:datastoreItem>
-</file>
-
 <file path=customXml/itemProps3.xml><?xml version="1.0" encoding="utf-8"?>
 <ds:datastoreItem xmlns:ds="http://schemas.openxmlformats.org/officeDocument/2006/customXml" ds:itemID="{8F3CD65D-61A5-43C9-A837-6EC73C7DA8AB}">
   <ds:schemaRefs>

--- a/ParkUrWheels PPT.pptx
+++ b/ParkUrWheels PPT.pptx
@@ -5,23 +5,22 @@
     <p:sldMasterId id="2147483660" r:id="rId4"/>
   </p:sldMasterIdLst>
   <p:notesMasterIdLst>
-    <p:notesMasterId r:id="rId16"/>
+    <p:notesMasterId r:id="rId15"/>
   </p:notesMasterIdLst>
   <p:handoutMasterIdLst>
-    <p:handoutMasterId r:id="rId17"/>
+    <p:handoutMasterId r:id="rId16"/>
   </p:handoutMasterIdLst>
   <p:sldIdLst>
     <p:sldId id="266" r:id="rId5"/>
     <p:sldId id="269" r:id="rId6"/>
-    <p:sldId id="281" r:id="rId7"/>
-    <p:sldId id="272" r:id="rId8"/>
-    <p:sldId id="275" r:id="rId9"/>
-    <p:sldId id="273" r:id="rId10"/>
-    <p:sldId id="274" r:id="rId11"/>
-    <p:sldId id="277" r:id="rId12"/>
-    <p:sldId id="279" r:id="rId13"/>
-    <p:sldId id="284" r:id="rId14"/>
-    <p:sldId id="271" r:id="rId15"/>
+    <p:sldId id="272" r:id="rId7"/>
+    <p:sldId id="275" r:id="rId8"/>
+    <p:sldId id="273" r:id="rId9"/>
+    <p:sldId id="274" r:id="rId10"/>
+    <p:sldId id="277" r:id="rId11"/>
+    <p:sldId id="279" r:id="rId12"/>
+    <p:sldId id="284" r:id="rId13"/>
+    <p:sldId id="271" r:id="rId14"/>
   </p:sldIdLst>
   <p:sldSz cx="12192000" cy="6858000"/>
   <p:notesSz cx="6858000" cy="9144000"/>
@@ -1622,1086 +1621,7 @@
 </dgm:colorsDef>
 </file>
 
-<file path=ppt/diagrams/colors3.xml><?xml version="1.0" encoding="utf-8"?>
-<dgm:colorsDef xmlns:dgm="http://schemas.openxmlformats.org/drawingml/2006/diagram" xmlns:a="http://schemas.openxmlformats.org/drawingml/2006/main" uniqueId="urn:microsoft.com/office/officeart/2005/8/colors/accent1_2">
-  <dgm:title val=""/>
-  <dgm:desc val=""/>
-  <dgm:catLst>
-    <dgm:cat type="accent1" pri="11200"/>
-  </dgm:catLst>
-  <dgm:styleLbl name="node0">
-    <dgm:fillClrLst meth="repeat">
-      <a:schemeClr val="accent1"/>
-    </dgm:fillClrLst>
-    <dgm:linClrLst meth="repeat">
-      <a:schemeClr val="lt1"/>
-    </dgm:linClrLst>
-    <dgm:effectClrLst/>
-    <dgm:txLinClrLst/>
-    <dgm:txFillClrLst/>
-    <dgm:txEffectClrLst/>
-  </dgm:styleLbl>
-  <dgm:styleLbl name="alignNode1">
-    <dgm:fillClrLst meth="repeat">
-      <a:schemeClr val="accent1"/>
-    </dgm:fillClrLst>
-    <dgm:linClrLst meth="repeat">
-      <a:schemeClr val="accent1"/>
-    </dgm:linClrLst>
-    <dgm:effectClrLst/>
-    <dgm:txLinClrLst/>
-    <dgm:txFillClrLst/>
-    <dgm:txEffectClrLst/>
-  </dgm:styleLbl>
-  <dgm:styleLbl name="node1">
-    <dgm:fillClrLst meth="repeat">
-      <a:schemeClr val="accent1"/>
-    </dgm:fillClrLst>
-    <dgm:linClrLst meth="repeat">
-      <a:schemeClr val="lt1"/>
-    </dgm:linClrLst>
-    <dgm:effectClrLst/>
-    <dgm:txLinClrLst/>
-    <dgm:txFillClrLst/>
-    <dgm:txEffectClrLst/>
-  </dgm:styleLbl>
-  <dgm:styleLbl name="lnNode1">
-    <dgm:fillClrLst meth="repeat">
-      <a:schemeClr val="accent1"/>
-    </dgm:fillClrLst>
-    <dgm:linClrLst meth="repeat">
-      <a:schemeClr val="lt1"/>
-    </dgm:linClrLst>
-    <dgm:effectClrLst/>
-    <dgm:txLinClrLst/>
-    <dgm:txFillClrLst/>
-    <dgm:txEffectClrLst/>
-  </dgm:styleLbl>
-  <dgm:styleLbl name="vennNode1">
-    <dgm:fillClrLst meth="repeat">
-      <a:schemeClr val="accent1">
-        <a:alpha val="50000"/>
-      </a:schemeClr>
-    </dgm:fillClrLst>
-    <dgm:linClrLst meth="repeat">
-      <a:schemeClr val="lt1"/>
-    </dgm:linClrLst>
-    <dgm:effectClrLst/>
-    <dgm:txLinClrLst/>
-    <dgm:txFillClrLst/>
-    <dgm:txEffectClrLst/>
-  </dgm:styleLbl>
-  <dgm:styleLbl name="node2">
-    <dgm:fillClrLst meth="repeat">
-      <a:schemeClr val="accent1"/>
-    </dgm:fillClrLst>
-    <dgm:linClrLst meth="repeat">
-      <a:schemeClr val="lt1"/>
-    </dgm:linClrLst>
-    <dgm:effectClrLst/>
-    <dgm:txLinClrLst/>
-    <dgm:txFillClrLst/>
-    <dgm:txEffectClrLst/>
-  </dgm:styleLbl>
-  <dgm:styleLbl name="node3">
-    <dgm:fillClrLst meth="repeat">
-      <a:schemeClr val="accent1"/>
-    </dgm:fillClrLst>
-    <dgm:linClrLst meth="repeat">
-      <a:schemeClr val="lt1"/>
-    </dgm:linClrLst>
-    <dgm:effectClrLst/>
-    <dgm:txLinClrLst/>
-    <dgm:txFillClrLst/>
-    <dgm:txEffectClrLst/>
-  </dgm:styleLbl>
-  <dgm:styleLbl name="node4">
-    <dgm:fillClrLst meth="repeat">
-      <a:schemeClr val="accent1"/>
-    </dgm:fillClrLst>
-    <dgm:linClrLst meth="repeat">
-      <a:schemeClr val="lt1"/>
-    </dgm:linClrLst>
-    <dgm:effectClrLst/>
-    <dgm:txLinClrLst/>
-    <dgm:txFillClrLst/>
-    <dgm:txEffectClrLst/>
-  </dgm:styleLbl>
-  <dgm:styleLbl name="fgImgPlace1">
-    <dgm:fillClrLst meth="repeat">
-      <a:schemeClr val="accent1">
-        <a:tint val="50000"/>
-      </a:schemeClr>
-    </dgm:fillClrLst>
-    <dgm:linClrLst meth="repeat">
-      <a:schemeClr val="lt1"/>
-    </dgm:linClrLst>
-    <dgm:effectClrLst/>
-    <dgm:txLinClrLst/>
-    <dgm:txFillClrLst meth="repeat">
-      <a:schemeClr val="lt1"/>
-    </dgm:txFillClrLst>
-    <dgm:txEffectClrLst/>
-  </dgm:styleLbl>
-  <dgm:styleLbl name="alignImgPlace1">
-    <dgm:fillClrLst meth="repeat">
-      <a:schemeClr val="accent1">
-        <a:tint val="50000"/>
-      </a:schemeClr>
-    </dgm:fillClrLst>
-    <dgm:linClrLst meth="repeat">
-      <a:schemeClr val="lt1"/>
-    </dgm:linClrLst>
-    <dgm:effectClrLst/>
-    <dgm:txLinClrLst/>
-    <dgm:txFillClrLst meth="repeat">
-      <a:schemeClr val="lt1"/>
-    </dgm:txFillClrLst>
-    <dgm:txEffectClrLst/>
-  </dgm:styleLbl>
-  <dgm:styleLbl name="bgImgPlace1">
-    <dgm:fillClrLst meth="repeat">
-      <a:schemeClr val="accent1">
-        <a:tint val="50000"/>
-      </a:schemeClr>
-    </dgm:fillClrLst>
-    <dgm:linClrLst meth="repeat">
-      <a:schemeClr val="lt1"/>
-    </dgm:linClrLst>
-    <dgm:effectClrLst/>
-    <dgm:txLinClrLst/>
-    <dgm:txFillClrLst meth="repeat">
-      <a:schemeClr val="lt1"/>
-    </dgm:txFillClrLst>
-    <dgm:txEffectClrLst/>
-  </dgm:styleLbl>
-  <dgm:styleLbl name="sibTrans2D1">
-    <dgm:fillClrLst meth="repeat">
-      <a:schemeClr val="accent1">
-        <a:tint val="60000"/>
-      </a:schemeClr>
-    </dgm:fillClrLst>
-    <dgm:linClrLst meth="repeat">
-      <a:schemeClr val="accent1">
-        <a:tint val="60000"/>
-      </a:schemeClr>
-    </dgm:linClrLst>
-    <dgm:effectClrLst/>
-    <dgm:txLinClrLst/>
-    <dgm:txFillClrLst/>
-    <dgm:txEffectClrLst/>
-  </dgm:styleLbl>
-  <dgm:styleLbl name="fgSibTrans2D1">
-    <dgm:fillClrLst meth="repeat">
-      <a:schemeClr val="accent1">
-        <a:tint val="60000"/>
-      </a:schemeClr>
-    </dgm:fillClrLst>
-    <dgm:linClrLst meth="repeat">
-      <a:schemeClr val="accent1">
-        <a:tint val="60000"/>
-      </a:schemeClr>
-    </dgm:linClrLst>
-    <dgm:effectClrLst/>
-    <dgm:txLinClrLst/>
-    <dgm:txFillClrLst/>
-    <dgm:txEffectClrLst/>
-  </dgm:styleLbl>
-  <dgm:styleLbl name="bgSibTrans2D1">
-    <dgm:fillClrLst meth="repeat">
-      <a:schemeClr val="accent1">
-        <a:tint val="60000"/>
-      </a:schemeClr>
-    </dgm:fillClrLst>
-    <dgm:linClrLst meth="repeat">
-      <a:schemeClr val="accent1">
-        <a:tint val="60000"/>
-      </a:schemeClr>
-    </dgm:linClrLst>
-    <dgm:effectClrLst/>
-    <dgm:txLinClrLst/>
-    <dgm:txFillClrLst/>
-    <dgm:txEffectClrLst/>
-  </dgm:styleLbl>
-  <dgm:styleLbl name="sibTrans1D1">
-    <dgm:fillClrLst meth="repeat">
-      <a:schemeClr val="accent1"/>
-    </dgm:fillClrLst>
-    <dgm:linClrLst meth="repeat">
-      <a:schemeClr val="accent1"/>
-    </dgm:linClrLst>
-    <dgm:effectClrLst/>
-    <dgm:txLinClrLst/>
-    <dgm:txFillClrLst meth="repeat">
-      <a:schemeClr val="tx1"/>
-    </dgm:txFillClrLst>
-    <dgm:txEffectClrLst/>
-  </dgm:styleLbl>
-  <dgm:styleLbl name="callout">
-    <dgm:fillClrLst meth="repeat">
-      <a:schemeClr val="accent1"/>
-    </dgm:fillClrLst>
-    <dgm:linClrLst meth="repeat">
-      <a:schemeClr val="accent1">
-        <a:tint val="50000"/>
-      </a:schemeClr>
-    </dgm:linClrLst>
-    <dgm:effectClrLst/>
-    <dgm:txLinClrLst/>
-    <dgm:txFillClrLst meth="repeat">
-      <a:schemeClr val="tx1"/>
-    </dgm:txFillClrLst>
-    <dgm:txEffectClrLst/>
-  </dgm:styleLbl>
-  <dgm:styleLbl name="asst0">
-    <dgm:fillClrLst meth="repeat">
-      <a:schemeClr val="accent1"/>
-    </dgm:fillClrLst>
-    <dgm:linClrLst meth="repeat">
-      <a:schemeClr val="lt1"/>
-    </dgm:linClrLst>
-    <dgm:effectClrLst/>
-    <dgm:txLinClrLst/>
-    <dgm:txFillClrLst/>
-    <dgm:txEffectClrLst/>
-  </dgm:styleLbl>
-  <dgm:styleLbl name="asst1">
-    <dgm:fillClrLst meth="repeat">
-      <a:schemeClr val="accent1"/>
-    </dgm:fillClrLst>
-    <dgm:linClrLst meth="repeat">
-      <a:schemeClr val="lt1"/>
-    </dgm:linClrLst>
-    <dgm:effectClrLst/>
-    <dgm:txLinClrLst/>
-    <dgm:txFillClrLst/>
-    <dgm:txEffectClrLst/>
-  </dgm:styleLbl>
-  <dgm:styleLbl name="asst2">
-    <dgm:fillClrLst meth="repeat">
-      <a:schemeClr val="accent1"/>
-    </dgm:fillClrLst>
-    <dgm:linClrLst meth="repeat">
-      <a:schemeClr val="lt1"/>
-    </dgm:linClrLst>
-    <dgm:effectClrLst/>
-    <dgm:txLinClrLst/>
-    <dgm:txFillClrLst/>
-    <dgm:txEffectClrLst/>
-  </dgm:styleLbl>
-  <dgm:styleLbl name="asst3">
-    <dgm:fillClrLst meth="repeat">
-      <a:schemeClr val="accent1"/>
-    </dgm:fillClrLst>
-    <dgm:linClrLst meth="repeat">
-      <a:schemeClr val="lt1"/>
-    </dgm:linClrLst>
-    <dgm:effectClrLst/>
-    <dgm:txLinClrLst/>
-    <dgm:txFillClrLst/>
-    <dgm:txEffectClrLst/>
-  </dgm:styleLbl>
-  <dgm:styleLbl name="asst4">
-    <dgm:fillClrLst meth="repeat">
-      <a:schemeClr val="accent1"/>
-    </dgm:fillClrLst>
-    <dgm:linClrLst meth="repeat">
-      <a:schemeClr val="lt1"/>
-    </dgm:linClrLst>
-    <dgm:effectClrLst/>
-    <dgm:txLinClrLst/>
-    <dgm:txFillClrLst/>
-    <dgm:txEffectClrLst/>
-  </dgm:styleLbl>
-  <dgm:styleLbl name="parChTrans2D1">
-    <dgm:fillClrLst meth="repeat">
-      <a:schemeClr val="accent1">
-        <a:tint val="60000"/>
-      </a:schemeClr>
-    </dgm:fillClrLst>
-    <dgm:linClrLst meth="repeat">
-      <a:schemeClr val="accent1">
-        <a:tint val="60000"/>
-      </a:schemeClr>
-    </dgm:linClrLst>
-    <dgm:effectClrLst/>
-    <dgm:txLinClrLst/>
-    <dgm:txFillClrLst meth="repeat">
-      <a:schemeClr val="lt1"/>
-    </dgm:txFillClrLst>
-    <dgm:txEffectClrLst/>
-  </dgm:styleLbl>
-  <dgm:styleLbl name="parChTrans2D2">
-    <dgm:fillClrLst meth="repeat">
-      <a:schemeClr val="accent1"/>
-    </dgm:fillClrLst>
-    <dgm:linClrLst meth="repeat">
-      <a:schemeClr val="accent1"/>
-    </dgm:linClrLst>
-    <dgm:effectClrLst/>
-    <dgm:txLinClrLst/>
-    <dgm:txFillClrLst meth="repeat">
-      <a:schemeClr val="lt1"/>
-    </dgm:txFillClrLst>
-    <dgm:txEffectClrLst/>
-  </dgm:styleLbl>
-  <dgm:styleLbl name="parChTrans2D3">
-    <dgm:fillClrLst meth="repeat">
-      <a:schemeClr val="accent1"/>
-    </dgm:fillClrLst>
-    <dgm:linClrLst meth="repeat">
-      <a:schemeClr val="accent1"/>
-    </dgm:linClrLst>
-    <dgm:effectClrLst/>
-    <dgm:txLinClrLst/>
-    <dgm:txFillClrLst meth="repeat">
-      <a:schemeClr val="lt1"/>
-    </dgm:txFillClrLst>
-    <dgm:txEffectClrLst/>
-  </dgm:styleLbl>
-  <dgm:styleLbl name="parChTrans2D4">
-    <dgm:fillClrLst meth="repeat">
-      <a:schemeClr val="accent1"/>
-    </dgm:fillClrLst>
-    <dgm:linClrLst meth="repeat">
-      <a:schemeClr val="accent1"/>
-    </dgm:linClrLst>
-    <dgm:effectClrLst/>
-    <dgm:txLinClrLst/>
-    <dgm:txFillClrLst meth="repeat">
-      <a:schemeClr val="lt1"/>
-    </dgm:txFillClrLst>
-    <dgm:txEffectClrLst/>
-  </dgm:styleLbl>
-  <dgm:styleLbl name="parChTrans1D1">
-    <dgm:fillClrLst meth="repeat">
-      <a:schemeClr val="accent1"/>
-    </dgm:fillClrLst>
-    <dgm:linClrLst meth="repeat">
-      <a:schemeClr val="accent1">
-        <a:shade val="60000"/>
-      </a:schemeClr>
-    </dgm:linClrLst>
-    <dgm:effectClrLst/>
-    <dgm:txLinClrLst/>
-    <dgm:txFillClrLst meth="repeat">
-      <a:schemeClr val="tx1"/>
-    </dgm:txFillClrLst>
-    <dgm:txEffectClrLst/>
-  </dgm:styleLbl>
-  <dgm:styleLbl name="parChTrans1D2">
-    <dgm:fillClrLst meth="repeat">
-      <a:schemeClr val="accent1"/>
-    </dgm:fillClrLst>
-    <dgm:linClrLst meth="repeat">
-      <a:schemeClr val="accent1">
-        <a:shade val="60000"/>
-      </a:schemeClr>
-    </dgm:linClrLst>
-    <dgm:effectClrLst/>
-    <dgm:txLinClrLst/>
-    <dgm:txFillClrLst meth="repeat">
-      <a:schemeClr val="tx1"/>
-    </dgm:txFillClrLst>
-    <dgm:txEffectClrLst/>
-  </dgm:styleLbl>
-  <dgm:styleLbl name="parChTrans1D3">
-    <dgm:fillClrLst meth="repeat">
-      <a:schemeClr val="accent1"/>
-    </dgm:fillClrLst>
-    <dgm:linClrLst meth="repeat">
-      <a:schemeClr val="accent1">
-        <a:shade val="80000"/>
-      </a:schemeClr>
-    </dgm:linClrLst>
-    <dgm:effectClrLst/>
-    <dgm:txLinClrLst/>
-    <dgm:txFillClrLst meth="repeat">
-      <a:schemeClr val="tx1"/>
-    </dgm:txFillClrLst>
-    <dgm:txEffectClrLst/>
-  </dgm:styleLbl>
-  <dgm:styleLbl name="parChTrans1D4">
-    <dgm:fillClrLst meth="repeat">
-      <a:schemeClr val="accent1"/>
-    </dgm:fillClrLst>
-    <dgm:linClrLst meth="repeat">
-      <a:schemeClr val="accent1">
-        <a:shade val="80000"/>
-      </a:schemeClr>
-    </dgm:linClrLst>
-    <dgm:effectClrLst/>
-    <dgm:txLinClrLst/>
-    <dgm:txFillClrLst meth="repeat">
-      <a:schemeClr val="tx1"/>
-    </dgm:txFillClrLst>
-    <dgm:txEffectClrLst/>
-  </dgm:styleLbl>
-  <dgm:styleLbl name="fgAcc1">
-    <dgm:fillClrLst meth="repeat">
-      <a:schemeClr val="lt1">
-        <a:alpha val="90000"/>
-      </a:schemeClr>
-    </dgm:fillClrLst>
-    <dgm:linClrLst meth="repeat">
-      <a:schemeClr val="accent1"/>
-    </dgm:linClrLst>
-    <dgm:effectClrLst/>
-    <dgm:txLinClrLst/>
-    <dgm:txFillClrLst meth="repeat">
-      <a:schemeClr val="dk1"/>
-    </dgm:txFillClrLst>
-    <dgm:txEffectClrLst/>
-  </dgm:styleLbl>
-  <dgm:styleLbl name="conFgAcc1">
-    <dgm:fillClrLst meth="repeat">
-      <a:schemeClr val="lt1">
-        <a:alpha val="90000"/>
-      </a:schemeClr>
-    </dgm:fillClrLst>
-    <dgm:linClrLst meth="repeat">
-      <a:schemeClr val="accent1"/>
-    </dgm:linClrLst>
-    <dgm:effectClrLst/>
-    <dgm:txLinClrLst/>
-    <dgm:txFillClrLst meth="repeat">
-      <a:schemeClr val="dk1"/>
-    </dgm:txFillClrLst>
-    <dgm:txEffectClrLst/>
-  </dgm:styleLbl>
-  <dgm:styleLbl name="alignAcc1">
-    <dgm:fillClrLst meth="repeat">
-      <a:schemeClr val="lt1">
-        <a:alpha val="90000"/>
-      </a:schemeClr>
-    </dgm:fillClrLst>
-    <dgm:linClrLst meth="repeat">
-      <a:schemeClr val="accent1"/>
-    </dgm:linClrLst>
-    <dgm:effectClrLst/>
-    <dgm:txLinClrLst/>
-    <dgm:txFillClrLst meth="repeat">
-      <a:schemeClr val="dk1"/>
-    </dgm:txFillClrLst>
-    <dgm:txEffectClrLst/>
-  </dgm:styleLbl>
-  <dgm:styleLbl name="trAlignAcc1">
-    <dgm:fillClrLst meth="repeat">
-      <a:schemeClr val="lt1">
-        <a:alpha val="40000"/>
-      </a:schemeClr>
-    </dgm:fillClrLst>
-    <dgm:linClrLst meth="repeat">
-      <a:schemeClr val="accent1"/>
-    </dgm:linClrLst>
-    <dgm:effectClrLst/>
-    <dgm:txLinClrLst/>
-    <dgm:txFillClrLst meth="repeat">
-      <a:schemeClr val="dk1"/>
-    </dgm:txFillClrLst>
-    <dgm:txEffectClrLst/>
-  </dgm:styleLbl>
-  <dgm:styleLbl name="bgAcc1">
-    <dgm:fillClrLst meth="repeat">
-      <a:schemeClr val="lt1">
-        <a:alpha val="90000"/>
-      </a:schemeClr>
-    </dgm:fillClrLst>
-    <dgm:linClrLst meth="repeat">
-      <a:schemeClr val="accent1"/>
-    </dgm:linClrLst>
-    <dgm:effectClrLst/>
-    <dgm:txLinClrLst/>
-    <dgm:txFillClrLst meth="repeat">
-      <a:schemeClr val="dk1"/>
-    </dgm:txFillClrLst>
-    <dgm:txEffectClrLst/>
-  </dgm:styleLbl>
-  <dgm:styleLbl name="solidFgAcc1">
-    <dgm:fillClrLst meth="repeat">
-      <a:schemeClr val="lt1"/>
-    </dgm:fillClrLst>
-    <dgm:linClrLst meth="repeat">
-      <a:schemeClr val="accent1"/>
-    </dgm:linClrLst>
-    <dgm:effectClrLst/>
-    <dgm:txLinClrLst/>
-    <dgm:txFillClrLst meth="repeat">
-      <a:schemeClr val="dk1"/>
-    </dgm:txFillClrLst>
-    <dgm:txEffectClrLst/>
-  </dgm:styleLbl>
-  <dgm:styleLbl name="solidAlignAcc1">
-    <dgm:fillClrLst meth="repeat">
-      <a:schemeClr val="lt1"/>
-    </dgm:fillClrLst>
-    <dgm:linClrLst meth="repeat">
-      <a:schemeClr val="accent1"/>
-    </dgm:linClrLst>
-    <dgm:effectClrLst/>
-    <dgm:txLinClrLst/>
-    <dgm:txFillClrLst meth="repeat">
-      <a:schemeClr val="dk1"/>
-    </dgm:txFillClrLst>
-    <dgm:txEffectClrLst/>
-  </dgm:styleLbl>
-  <dgm:styleLbl name="solidBgAcc1">
-    <dgm:fillClrLst meth="repeat">
-      <a:schemeClr val="lt1"/>
-    </dgm:fillClrLst>
-    <dgm:linClrLst meth="repeat">
-      <a:schemeClr val="accent1"/>
-    </dgm:linClrLst>
-    <dgm:effectClrLst/>
-    <dgm:txLinClrLst/>
-    <dgm:txFillClrLst meth="repeat">
-      <a:schemeClr val="dk1"/>
-    </dgm:txFillClrLst>
-    <dgm:txEffectClrLst/>
-  </dgm:styleLbl>
-  <dgm:styleLbl name="fgAccFollowNode1">
-    <dgm:fillClrLst meth="repeat">
-      <a:schemeClr val="accent1">
-        <a:alpha val="90000"/>
-        <a:tint val="40000"/>
-      </a:schemeClr>
-    </dgm:fillClrLst>
-    <dgm:linClrLst meth="repeat">
-      <a:schemeClr val="accent1">
-        <a:alpha val="90000"/>
-        <a:tint val="40000"/>
-      </a:schemeClr>
-    </dgm:linClrLst>
-    <dgm:effectClrLst/>
-    <dgm:txLinClrLst/>
-    <dgm:txFillClrLst meth="repeat">
-      <a:schemeClr val="dk1"/>
-    </dgm:txFillClrLst>
-    <dgm:txEffectClrLst/>
-  </dgm:styleLbl>
-  <dgm:styleLbl name="alignAccFollowNode1">
-    <dgm:fillClrLst meth="repeat">
-      <a:schemeClr val="accent1">
-        <a:alpha val="90000"/>
-        <a:tint val="40000"/>
-      </a:schemeClr>
-    </dgm:fillClrLst>
-    <dgm:linClrLst meth="repeat">
-      <a:schemeClr val="accent1">
-        <a:alpha val="90000"/>
-        <a:tint val="40000"/>
-      </a:schemeClr>
-    </dgm:linClrLst>
-    <dgm:effectClrLst/>
-    <dgm:txLinClrLst/>
-    <dgm:txFillClrLst meth="repeat">
-      <a:schemeClr val="dk1"/>
-    </dgm:txFillClrLst>
-    <dgm:txEffectClrLst/>
-  </dgm:styleLbl>
-  <dgm:styleLbl name="bgAccFollowNode1">
-    <dgm:fillClrLst meth="repeat">
-      <a:schemeClr val="accent1">
-        <a:alpha val="90000"/>
-        <a:tint val="40000"/>
-      </a:schemeClr>
-    </dgm:fillClrLst>
-    <dgm:linClrLst meth="repeat">
-      <a:schemeClr val="accent1">
-        <a:alpha val="90000"/>
-        <a:tint val="40000"/>
-      </a:schemeClr>
-    </dgm:linClrLst>
-    <dgm:effectClrLst/>
-    <dgm:txLinClrLst/>
-    <dgm:txFillClrLst meth="repeat">
-      <a:schemeClr val="dk1"/>
-    </dgm:txFillClrLst>
-    <dgm:txEffectClrLst/>
-  </dgm:styleLbl>
-  <dgm:styleLbl name="fgAcc0">
-    <dgm:fillClrLst meth="repeat">
-      <a:schemeClr val="lt1">
-        <a:alpha val="90000"/>
-      </a:schemeClr>
-    </dgm:fillClrLst>
-    <dgm:linClrLst meth="repeat">
-      <a:schemeClr val="accent1"/>
-    </dgm:linClrLst>
-    <dgm:effectClrLst/>
-    <dgm:txLinClrLst/>
-    <dgm:txFillClrLst meth="repeat">
-      <a:schemeClr val="dk1"/>
-    </dgm:txFillClrLst>
-    <dgm:txEffectClrLst/>
-  </dgm:styleLbl>
-  <dgm:styleLbl name="fgAcc2">
-    <dgm:fillClrLst meth="repeat">
-      <a:schemeClr val="lt1">
-        <a:alpha val="90000"/>
-      </a:schemeClr>
-    </dgm:fillClrLst>
-    <dgm:linClrLst meth="repeat">
-      <a:schemeClr val="accent1"/>
-    </dgm:linClrLst>
-    <dgm:effectClrLst/>
-    <dgm:txLinClrLst/>
-    <dgm:txFillClrLst meth="repeat">
-      <a:schemeClr val="dk1"/>
-    </dgm:txFillClrLst>
-    <dgm:txEffectClrLst/>
-  </dgm:styleLbl>
-  <dgm:styleLbl name="fgAcc3">
-    <dgm:fillClrLst meth="repeat">
-      <a:schemeClr val="lt1">
-        <a:alpha val="90000"/>
-      </a:schemeClr>
-    </dgm:fillClrLst>
-    <dgm:linClrLst meth="repeat">
-      <a:schemeClr val="accent1"/>
-    </dgm:linClrLst>
-    <dgm:effectClrLst/>
-    <dgm:txLinClrLst/>
-    <dgm:txFillClrLst meth="repeat">
-      <a:schemeClr val="dk1"/>
-    </dgm:txFillClrLst>
-    <dgm:txEffectClrLst/>
-  </dgm:styleLbl>
-  <dgm:styleLbl name="fgAcc4">
-    <dgm:fillClrLst meth="repeat">
-      <a:schemeClr val="lt1">
-        <a:alpha val="90000"/>
-      </a:schemeClr>
-    </dgm:fillClrLst>
-    <dgm:linClrLst meth="repeat">
-      <a:schemeClr val="accent1"/>
-    </dgm:linClrLst>
-    <dgm:effectClrLst/>
-    <dgm:txLinClrLst/>
-    <dgm:txFillClrLst meth="repeat">
-      <a:schemeClr val="dk1"/>
-    </dgm:txFillClrLst>
-    <dgm:txEffectClrLst/>
-  </dgm:styleLbl>
-  <dgm:styleLbl name="bgShp">
-    <dgm:fillClrLst meth="repeat">
-      <a:schemeClr val="accent1">
-        <a:tint val="40000"/>
-      </a:schemeClr>
-    </dgm:fillClrLst>
-    <dgm:linClrLst meth="repeat">
-      <a:schemeClr val="accent1"/>
-    </dgm:linClrLst>
-    <dgm:effectClrLst/>
-    <dgm:txLinClrLst/>
-    <dgm:txFillClrLst meth="repeat">
-      <a:schemeClr val="dk1"/>
-    </dgm:txFillClrLst>
-    <dgm:txEffectClrLst/>
-  </dgm:styleLbl>
-  <dgm:styleLbl name="dkBgShp">
-    <dgm:fillClrLst meth="repeat">
-      <a:schemeClr val="accent1">
-        <a:shade val="80000"/>
-      </a:schemeClr>
-    </dgm:fillClrLst>
-    <dgm:linClrLst meth="repeat">
-      <a:schemeClr val="accent1"/>
-    </dgm:linClrLst>
-    <dgm:effectClrLst/>
-    <dgm:txLinClrLst/>
-    <dgm:txFillClrLst meth="repeat">
-      <a:schemeClr val="lt1"/>
-    </dgm:txFillClrLst>
-    <dgm:txEffectClrLst/>
-  </dgm:styleLbl>
-  <dgm:styleLbl name="trBgShp">
-    <dgm:fillClrLst meth="repeat">
-      <a:schemeClr val="accent1">
-        <a:tint val="50000"/>
-        <a:alpha val="40000"/>
-      </a:schemeClr>
-    </dgm:fillClrLst>
-    <dgm:linClrLst meth="repeat">
-      <a:schemeClr val="accent1"/>
-    </dgm:linClrLst>
-    <dgm:effectClrLst/>
-    <dgm:txLinClrLst/>
-    <dgm:txFillClrLst meth="repeat">
-      <a:schemeClr val="lt1"/>
-    </dgm:txFillClrLst>
-    <dgm:txEffectClrLst/>
-  </dgm:styleLbl>
-  <dgm:styleLbl name="fgShp">
-    <dgm:fillClrLst meth="repeat">
-      <a:schemeClr val="accent1">
-        <a:tint val="60000"/>
-      </a:schemeClr>
-    </dgm:fillClrLst>
-    <dgm:linClrLst meth="repeat">
-      <a:schemeClr val="lt1"/>
-    </dgm:linClrLst>
-    <dgm:effectClrLst/>
-    <dgm:txLinClrLst/>
-    <dgm:txFillClrLst meth="repeat">
-      <a:schemeClr val="dk1"/>
-    </dgm:txFillClrLst>
-    <dgm:txEffectClrLst/>
-  </dgm:styleLbl>
-  <dgm:styleLbl name="revTx">
-    <dgm:fillClrLst meth="repeat">
-      <a:schemeClr val="lt1">
-        <a:alpha val="0"/>
-      </a:schemeClr>
-    </dgm:fillClrLst>
-    <dgm:linClrLst meth="repeat">
-      <a:schemeClr val="dk1">
-        <a:alpha val="0"/>
-      </a:schemeClr>
-    </dgm:linClrLst>
-    <dgm:effectClrLst/>
-    <dgm:txLinClrLst/>
-    <dgm:txFillClrLst meth="repeat">
-      <a:schemeClr val="tx1"/>
-    </dgm:txFillClrLst>
-    <dgm:txEffectClrLst/>
-  </dgm:styleLbl>
-</dgm:colorsDef>
-</file>
-
 <file path=ppt/diagrams/data1.xml><?xml version="1.0" encoding="utf-8"?>
-<dgm:dataModel xmlns:dgm="http://schemas.openxmlformats.org/drawingml/2006/diagram" xmlns:a="http://schemas.openxmlformats.org/drawingml/2006/main">
-  <dgm:ptLst>
-    <dgm:pt modelId="{F8862ACE-AD5C-4066-9866-14315674F7DE}" type="doc">
-      <dgm:prSet loTypeId="urn:microsoft.com/office/officeart/2018/2/layout/IconVerticalSolidList" loCatId="icon" qsTypeId="urn:microsoft.com/office/officeart/2005/8/quickstyle/simple1" qsCatId="simple" csTypeId="urn:microsoft.com/office/officeart/2005/8/colors/accent1_2" csCatId="accent1" phldr="1"/>
-      <dgm:spPr/>
-      <dgm:t>
-        <a:bodyPr/>
-        <a:lstStyle/>
-        <a:p>
-          <a:endParaRPr lang="en-US"/>
-        </a:p>
-      </dgm:t>
-    </dgm:pt>
-    <dgm:pt modelId="{28CB35BE-7CBC-4324-927C-CD3541EE75CE}">
-      <dgm:prSet/>
-      <dgm:spPr/>
-      <dgm:t>
-        <a:bodyPr/>
-        <a:lstStyle/>
-        <a:p>
-          <a:pPr>
-            <a:lnSpc>
-              <a:spcPct val="100000"/>
-            </a:lnSpc>
-          </a:pPr>
-          <a:r>
-            <a:rPr lang="en-IN"/>
-            <a:t>The main objective of parking system is to manage the details of duration , Vehicles ,Parking Slots , Customer and Parking Fees.</a:t>
-          </a:r>
-          <a:endParaRPr lang="en-US"/>
-        </a:p>
-      </dgm:t>
-    </dgm:pt>
-    <dgm:pt modelId="{81D3B527-6B49-4181-8EC8-5FC0C3C0EE0F}" type="parTrans" cxnId="{D2726CFF-D939-46E5-972F-D5CF7416DC43}">
-      <dgm:prSet/>
-      <dgm:spPr/>
-      <dgm:t>
-        <a:bodyPr/>
-        <a:lstStyle/>
-        <a:p>
-          <a:endParaRPr lang="en-US"/>
-        </a:p>
-      </dgm:t>
-    </dgm:pt>
-    <dgm:pt modelId="{3D3D31C8-67DD-4860-B2AC-4342B50A6F27}" type="sibTrans" cxnId="{D2726CFF-D939-46E5-972F-D5CF7416DC43}">
-      <dgm:prSet/>
-      <dgm:spPr/>
-      <dgm:t>
-        <a:bodyPr/>
-        <a:lstStyle/>
-        <a:p>
-          <a:endParaRPr lang="en-US"/>
-        </a:p>
-      </dgm:t>
-    </dgm:pt>
-    <dgm:pt modelId="{911207F9-208D-4752-A39C-0AED6203062F}">
-      <dgm:prSet/>
-      <dgm:spPr/>
-      <dgm:t>
-        <a:bodyPr/>
-        <a:lstStyle/>
-        <a:p>
-          <a:pPr>
-            <a:lnSpc>
-              <a:spcPct val="100000"/>
-            </a:lnSpc>
-          </a:pPr>
-          <a:r>
-            <a:rPr lang="en-IN"/>
-            <a:t>The objective of our hackathon topic is to automate and simplify parking slot concern.</a:t>
-          </a:r>
-          <a:endParaRPr lang="en-US"/>
-        </a:p>
-      </dgm:t>
-    </dgm:pt>
-    <dgm:pt modelId="{FB7C88DD-1D50-436B-8BB9-A73676C7DE17}" type="parTrans" cxnId="{3E878550-6C3D-4008-AB2B-83A82DCC033B}">
-      <dgm:prSet/>
-      <dgm:spPr/>
-      <dgm:t>
-        <a:bodyPr/>
-        <a:lstStyle/>
-        <a:p>
-          <a:endParaRPr lang="en-US"/>
-        </a:p>
-      </dgm:t>
-    </dgm:pt>
-    <dgm:pt modelId="{0D256B33-4AF9-44AE-B590-16426D91FF61}" type="sibTrans" cxnId="{3E878550-6C3D-4008-AB2B-83A82DCC033B}">
-      <dgm:prSet/>
-      <dgm:spPr/>
-      <dgm:t>
-        <a:bodyPr/>
-        <a:lstStyle/>
-        <a:p>
-          <a:endParaRPr lang="en-US"/>
-        </a:p>
-      </dgm:t>
-    </dgm:pt>
-    <dgm:pt modelId="{11CC8A55-1C18-4A94-B899-549A2F311438}">
-      <dgm:prSet/>
-      <dgm:spPr/>
-      <dgm:t>
-        <a:bodyPr/>
-        <a:lstStyle/>
-        <a:p>
-          <a:pPr>
-            <a:lnSpc>
-              <a:spcPct val="100000"/>
-            </a:lnSpc>
-          </a:pPr>
-          <a:r>
-            <a:rPr lang="en-IN"/>
-            <a:t>With the use of high accuracy latest industry sensors to get run-time parking status.</a:t>
-          </a:r>
-          <a:endParaRPr lang="en-US"/>
-        </a:p>
-      </dgm:t>
-    </dgm:pt>
-    <dgm:pt modelId="{721EB542-440B-4994-871C-7C330DD04999}" type="parTrans" cxnId="{DE45EAE3-F9D6-4A86-BAE7-DA785A08C5A6}">
-      <dgm:prSet/>
-      <dgm:spPr/>
-      <dgm:t>
-        <a:bodyPr/>
-        <a:lstStyle/>
-        <a:p>
-          <a:endParaRPr lang="en-US"/>
-        </a:p>
-      </dgm:t>
-    </dgm:pt>
-    <dgm:pt modelId="{797779BE-514B-4C24-83ED-36B259B07B40}" type="sibTrans" cxnId="{DE45EAE3-F9D6-4A86-BAE7-DA785A08C5A6}">
-      <dgm:prSet/>
-      <dgm:spPr/>
-      <dgm:t>
-        <a:bodyPr/>
-        <a:lstStyle/>
-        <a:p>
-          <a:endParaRPr lang="en-US"/>
-        </a:p>
-      </dgm:t>
-    </dgm:pt>
-    <dgm:pt modelId="{F67304F4-8765-43AB-A192-AFF24EF64A26}" type="pres">
-      <dgm:prSet presAssocID="{F8862ACE-AD5C-4066-9866-14315674F7DE}" presName="root" presStyleCnt="0">
-        <dgm:presLayoutVars>
-          <dgm:dir/>
-          <dgm:resizeHandles val="exact"/>
-        </dgm:presLayoutVars>
-      </dgm:prSet>
-      <dgm:spPr/>
-    </dgm:pt>
-    <dgm:pt modelId="{B4D1175B-6107-46E5-A55E-975F73B26822}" type="pres">
-      <dgm:prSet presAssocID="{28CB35BE-7CBC-4324-927C-CD3541EE75CE}" presName="compNode" presStyleCnt="0"/>
-      <dgm:spPr/>
-    </dgm:pt>
-    <dgm:pt modelId="{53EAA641-9630-46BB-93EC-3FEF0E5EF6C3}" type="pres">
-      <dgm:prSet presAssocID="{28CB35BE-7CBC-4324-927C-CD3541EE75CE}" presName="bgRect" presStyleLbl="bgShp" presStyleIdx="0" presStyleCnt="3"/>
-      <dgm:spPr/>
-    </dgm:pt>
-    <dgm:pt modelId="{635CF272-9913-4C5C-A730-824BE0F3F418}" type="pres">
-      <dgm:prSet presAssocID="{28CB35BE-7CBC-4324-927C-CD3541EE75CE}" presName="iconRect" presStyleLbl="node1" presStyleIdx="0" presStyleCnt="3"/>
-      <dgm:spPr>
-        <a:blipFill>
-          <a:blip xmlns:r="http://schemas.openxmlformats.org/officeDocument/2006/relationships" r:embed="rId1">
-            <a:extLst>
-              <a:ext uri="{28A0092B-C50C-407E-A947-70E740481C1C}">
-                <a14:useLocalDpi xmlns:a14="http://schemas.microsoft.com/office/drawing/2010/main" val="0"/>
-              </a:ext>
-              <a:ext uri="{96DAC541-7B7A-43D3-8B79-37D633B846F1}">
-                <asvg:svgBlip xmlns:asvg="http://schemas.microsoft.com/office/drawing/2016/SVG/main" r:embed="rId2"/>
-              </a:ext>
-            </a:extLst>
-          </a:blip>
-          <a:stretch>
-            <a:fillRect/>
-          </a:stretch>
-        </a:blipFill>
-      </dgm:spPr>
-      <dgm:extLst>
-        <a:ext uri="{E40237B7-FDA0-4F09-8148-C483321AD2D9}">
-          <dgm14:cNvPr xmlns:dgm14="http://schemas.microsoft.com/office/drawing/2010/diagram" id="0" name="" descr="Scooter"/>
-        </a:ext>
-      </dgm:extLst>
-    </dgm:pt>
-    <dgm:pt modelId="{48999054-1E3F-4E0D-B9A6-D24CEE372151}" type="pres">
-      <dgm:prSet presAssocID="{28CB35BE-7CBC-4324-927C-CD3541EE75CE}" presName="spaceRect" presStyleCnt="0"/>
-      <dgm:spPr/>
-    </dgm:pt>
-    <dgm:pt modelId="{63219469-A217-4790-8659-395B168B4E33}" type="pres">
-      <dgm:prSet presAssocID="{28CB35BE-7CBC-4324-927C-CD3541EE75CE}" presName="parTx" presStyleLbl="revTx" presStyleIdx="0" presStyleCnt="3">
-        <dgm:presLayoutVars>
-          <dgm:chMax val="0"/>
-          <dgm:chPref val="0"/>
-        </dgm:presLayoutVars>
-      </dgm:prSet>
-      <dgm:spPr/>
-    </dgm:pt>
-    <dgm:pt modelId="{72841F78-DB00-4857-81A0-FFF9CD57423D}" type="pres">
-      <dgm:prSet presAssocID="{3D3D31C8-67DD-4860-B2AC-4342B50A6F27}" presName="sibTrans" presStyleCnt="0"/>
-      <dgm:spPr/>
-    </dgm:pt>
-    <dgm:pt modelId="{AFE7C02F-D1C8-4033-A4FB-252F875077B6}" type="pres">
-      <dgm:prSet presAssocID="{911207F9-208D-4752-A39C-0AED6203062F}" presName="compNode" presStyleCnt="0"/>
-      <dgm:spPr/>
-    </dgm:pt>
-    <dgm:pt modelId="{E1F3F60D-373C-4165-B6E6-B818C45CCB4F}" type="pres">
-      <dgm:prSet presAssocID="{911207F9-208D-4752-A39C-0AED6203062F}" presName="bgRect" presStyleLbl="bgShp" presStyleIdx="1" presStyleCnt="3"/>
-      <dgm:spPr/>
-    </dgm:pt>
-    <dgm:pt modelId="{94846B8B-B2DA-4001-92E2-A077B182874E}" type="pres">
-      <dgm:prSet presAssocID="{911207F9-208D-4752-A39C-0AED6203062F}" presName="iconRect" presStyleLbl="node1" presStyleIdx="1" presStyleCnt="3"/>
-      <dgm:spPr>
-        <a:blipFill>
-          <a:blip xmlns:r="http://schemas.openxmlformats.org/officeDocument/2006/relationships" r:embed="rId3">
-            <a:extLst>
-              <a:ext uri="{28A0092B-C50C-407E-A947-70E740481C1C}">
-                <a14:useLocalDpi xmlns:a14="http://schemas.microsoft.com/office/drawing/2010/main" val="0"/>
-              </a:ext>
-              <a:ext uri="{96DAC541-7B7A-43D3-8B79-37D633B846F1}">
-                <asvg:svgBlip xmlns:asvg="http://schemas.microsoft.com/office/drawing/2016/SVG/main" r:embed="rId4"/>
-              </a:ext>
-            </a:extLst>
-          </a:blip>
-          <a:stretch>
-            <a:fillRect/>
-          </a:stretch>
-        </a:blipFill>
-      </dgm:spPr>
-      <dgm:extLst>
-        <a:ext uri="{E40237B7-FDA0-4F09-8148-C483321AD2D9}">
-          <dgm14:cNvPr xmlns:dgm14="http://schemas.microsoft.com/office/drawing/2010/diagram" id="0" name="" descr="Bullseye"/>
-        </a:ext>
-      </dgm:extLst>
-    </dgm:pt>
-    <dgm:pt modelId="{DE794363-C4AE-4755-BAC8-0415AECB1126}" type="pres">
-      <dgm:prSet presAssocID="{911207F9-208D-4752-A39C-0AED6203062F}" presName="spaceRect" presStyleCnt="0"/>
-      <dgm:spPr/>
-    </dgm:pt>
-    <dgm:pt modelId="{CD96556E-4DCC-4CA3-85BD-E09D8BAACAB9}" type="pres">
-      <dgm:prSet presAssocID="{911207F9-208D-4752-A39C-0AED6203062F}" presName="parTx" presStyleLbl="revTx" presStyleIdx="1" presStyleCnt="3">
-        <dgm:presLayoutVars>
-          <dgm:chMax val="0"/>
-          <dgm:chPref val="0"/>
-        </dgm:presLayoutVars>
-      </dgm:prSet>
-      <dgm:spPr/>
-    </dgm:pt>
-    <dgm:pt modelId="{B9C01229-2BD1-4B1D-98A7-84977E0DC6C0}" type="pres">
-      <dgm:prSet presAssocID="{0D256B33-4AF9-44AE-B590-16426D91FF61}" presName="sibTrans" presStyleCnt="0"/>
-      <dgm:spPr/>
-    </dgm:pt>
-    <dgm:pt modelId="{2EFF7D61-DA17-4BEA-83B5-F5529DA957A9}" type="pres">
-      <dgm:prSet presAssocID="{11CC8A55-1C18-4A94-B899-549A2F311438}" presName="compNode" presStyleCnt="0"/>
-      <dgm:spPr/>
-    </dgm:pt>
-    <dgm:pt modelId="{ACB63984-037E-4B7C-8AD8-B376F39E2E41}" type="pres">
-      <dgm:prSet presAssocID="{11CC8A55-1C18-4A94-B899-549A2F311438}" presName="bgRect" presStyleLbl="bgShp" presStyleIdx="2" presStyleCnt="3"/>
-      <dgm:spPr/>
-    </dgm:pt>
-    <dgm:pt modelId="{AB9C6002-EBA0-44C6-8984-BAD41D5001AD}" type="pres">
-      <dgm:prSet presAssocID="{11CC8A55-1C18-4A94-B899-549A2F311438}" presName="iconRect" presStyleLbl="node1" presStyleIdx="2" presStyleCnt="3"/>
-      <dgm:spPr>
-        <a:blipFill>
-          <a:blip xmlns:r="http://schemas.openxmlformats.org/officeDocument/2006/relationships" r:embed="rId5">
-            <a:extLst>
-              <a:ext uri="{28A0092B-C50C-407E-A947-70E740481C1C}">
-                <a14:useLocalDpi xmlns:a14="http://schemas.microsoft.com/office/drawing/2010/main" val="0"/>
-              </a:ext>
-              <a:ext uri="{96DAC541-7B7A-43D3-8B79-37D633B846F1}">
-                <asvg:svgBlip xmlns:asvg="http://schemas.microsoft.com/office/drawing/2016/SVG/main" r:embed="rId6"/>
-              </a:ext>
-            </a:extLst>
-          </a:blip>
-          <a:stretch>
-            <a:fillRect/>
-          </a:stretch>
-        </a:blipFill>
-      </dgm:spPr>
-      <dgm:extLst>
-        <a:ext uri="{E40237B7-FDA0-4F09-8148-C483321AD2D9}">
-          <dgm14:cNvPr xmlns:dgm14="http://schemas.microsoft.com/office/drawing/2010/diagram" id="0" name="" descr="Target"/>
-        </a:ext>
-      </dgm:extLst>
-    </dgm:pt>
-    <dgm:pt modelId="{7035D010-8406-4E04-A496-FACC130EF958}" type="pres">
-      <dgm:prSet presAssocID="{11CC8A55-1C18-4A94-B899-549A2F311438}" presName="spaceRect" presStyleCnt="0"/>
-      <dgm:spPr/>
-    </dgm:pt>
-    <dgm:pt modelId="{9F95055A-BBEA-4B9E-AB21-073BD66F3E8B}" type="pres">
-      <dgm:prSet presAssocID="{11CC8A55-1C18-4A94-B899-549A2F311438}" presName="parTx" presStyleLbl="revTx" presStyleIdx="2" presStyleCnt="3">
-        <dgm:presLayoutVars>
-          <dgm:chMax val="0"/>
-          <dgm:chPref val="0"/>
-        </dgm:presLayoutVars>
-      </dgm:prSet>
-      <dgm:spPr/>
-    </dgm:pt>
-  </dgm:ptLst>
-  <dgm:cxnLst>
-    <dgm:cxn modelId="{06B3940B-F90D-469A-97C8-F912E3C08320}" type="presOf" srcId="{11CC8A55-1C18-4A94-B899-549A2F311438}" destId="{9F95055A-BBEA-4B9E-AB21-073BD66F3E8B}" srcOrd="0" destOrd="0" presId="urn:microsoft.com/office/officeart/2018/2/layout/IconVerticalSolidList"/>
-    <dgm:cxn modelId="{F0C3FD42-5E81-49A3-8EC4-B5647EBE596B}" type="presOf" srcId="{911207F9-208D-4752-A39C-0AED6203062F}" destId="{CD96556E-4DCC-4CA3-85BD-E09D8BAACAB9}" srcOrd="0" destOrd="0" presId="urn:microsoft.com/office/officeart/2018/2/layout/IconVerticalSolidList"/>
-    <dgm:cxn modelId="{3E878550-6C3D-4008-AB2B-83A82DCC033B}" srcId="{F8862ACE-AD5C-4066-9866-14315674F7DE}" destId="{911207F9-208D-4752-A39C-0AED6203062F}" srcOrd="1" destOrd="0" parTransId="{FB7C88DD-1D50-436B-8BB9-A73676C7DE17}" sibTransId="{0D256B33-4AF9-44AE-B590-16426D91FF61}"/>
-    <dgm:cxn modelId="{75E5A37B-2023-47D5-875F-70FDEB7F3EBD}" type="presOf" srcId="{28CB35BE-7CBC-4324-927C-CD3541EE75CE}" destId="{63219469-A217-4790-8659-395B168B4E33}" srcOrd="0" destOrd="0" presId="urn:microsoft.com/office/officeart/2018/2/layout/IconVerticalSolidList"/>
-    <dgm:cxn modelId="{D9EB95BD-C37A-4229-BC20-9F81DDFB1137}" type="presOf" srcId="{F8862ACE-AD5C-4066-9866-14315674F7DE}" destId="{F67304F4-8765-43AB-A192-AFF24EF64A26}" srcOrd="0" destOrd="0" presId="urn:microsoft.com/office/officeart/2018/2/layout/IconVerticalSolidList"/>
-    <dgm:cxn modelId="{DE45EAE3-F9D6-4A86-BAE7-DA785A08C5A6}" srcId="{F8862ACE-AD5C-4066-9866-14315674F7DE}" destId="{11CC8A55-1C18-4A94-B899-549A2F311438}" srcOrd="2" destOrd="0" parTransId="{721EB542-440B-4994-871C-7C330DD04999}" sibTransId="{797779BE-514B-4C24-83ED-36B259B07B40}"/>
-    <dgm:cxn modelId="{D2726CFF-D939-46E5-972F-D5CF7416DC43}" srcId="{F8862ACE-AD5C-4066-9866-14315674F7DE}" destId="{28CB35BE-7CBC-4324-927C-CD3541EE75CE}" srcOrd="0" destOrd="0" parTransId="{81D3B527-6B49-4181-8EC8-5FC0C3C0EE0F}" sibTransId="{3D3D31C8-67DD-4860-B2AC-4342B50A6F27}"/>
-    <dgm:cxn modelId="{68069AD1-C318-4E73-A071-C283ACBD8C8B}" type="presParOf" srcId="{F67304F4-8765-43AB-A192-AFF24EF64A26}" destId="{B4D1175B-6107-46E5-A55E-975F73B26822}" srcOrd="0" destOrd="0" presId="urn:microsoft.com/office/officeart/2018/2/layout/IconVerticalSolidList"/>
-    <dgm:cxn modelId="{4C8D3A3E-AB29-49EB-B112-BA3E6CF53CFC}" type="presParOf" srcId="{B4D1175B-6107-46E5-A55E-975F73B26822}" destId="{53EAA641-9630-46BB-93EC-3FEF0E5EF6C3}" srcOrd="0" destOrd="0" presId="urn:microsoft.com/office/officeart/2018/2/layout/IconVerticalSolidList"/>
-    <dgm:cxn modelId="{599E7F0F-DF67-42BC-9B9C-A2D28F2B5F3A}" type="presParOf" srcId="{B4D1175B-6107-46E5-A55E-975F73B26822}" destId="{635CF272-9913-4C5C-A730-824BE0F3F418}" srcOrd="1" destOrd="0" presId="urn:microsoft.com/office/officeart/2018/2/layout/IconVerticalSolidList"/>
-    <dgm:cxn modelId="{9597F148-3265-4003-9AD8-9E1581D1740B}" type="presParOf" srcId="{B4D1175B-6107-46E5-A55E-975F73B26822}" destId="{48999054-1E3F-4E0D-B9A6-D24CEE372151}" srcOrd="2" destOrd="0" presId="urn:microsoft.com/office/officeart/2018/2/layout/IconVerticalSolidList"/>
-    <dgm:cxn modelId="{CF8D9922-5102-4A77-B47E-E3A1C8DA7ADC}" type="presParOf" srcId="{B4D1175B-6107-46E5-A55E-975F73B26822}" destId="{63219469-A217-4790-8659-395B168B4E33}" srcOrd="3" destOrd="0" presId="urn:microsoft.com/office/officeart/2018/2/layout/IconVerticalSolidList"/>
-    <dgm:cxn modelId="{F6FC8004-BED7-4BB3-8729-E1D37F8B23A1}" type="presParOf" srcId="{F67304F4-8765-43AB-A192-AFF24EF64A26}" destId="{72841F78-DB00-4857-81A0-FFF9CD57423D}" srcOrd="1" destOrd="0" presId="urn:microsoft.com/office/officeart/2018/2/layout/IconVerticalSolidList"/>
-    <dgm:cxn modelId="{522A8FFD-0776-499F-873F-5022BE96E803}" type="presParOf" srcId="{F67304F4-8765-43AB-A192-AFF24EF64A26}" destId="{AFE7C02F-D1C8-4033-A4FB-252F875077B6}" srcOrd="2" destOrd="0" presId="urn:microsoft.com/office/officeart/2018/2/layout/IconVerticalSolidList"/>
-    <dgm:cxn modelId="{FB710E9F-0FDA-41FF-B442-8E1DD90BC268}" type="presParOf" srcId="{AFE7C02F-D1C8-4033-A4FB-252F875077B6}" destId="{E1F3F60D-373C-4165-B6E6-B818C45CCB4F}" srcOrd="0" destOrd="0" presId="urn:microsoft.com/office/officeart/2018/2/layout/IconVerticalSolidList"/>
-    <dgm:cxn modelId="{2088C36B-0F31-4C82-AD57-4F3A2282E97A}" type="presParOf" srcId="{AFE7C02F-D1C8-4033-A4FB-252F875077B6}" destId="{94846B8B-B2DA-4001-92E2-A077B182874E}" srcOrd="1" destOrd="0" presId="urn:microsoft.com/office/officeart/2018/2/layout/IconVerticalSolidList"/>
-    <dgm:cxn modelId="{1ECF46AC-113A-45E0-B490-ACD2322B78D4}" type="presParOf" srcId="{AFE7C02F-D1C8-4033-A4FB-252F875077B6}" destId="{DE794363-C4AE-4755-BAC8-0415AECB1126}" srcOrd="2" destOrd="0" presId="urn:microsoft.com/office/officeart/2018/2/layout/IconVerticalSolidList"/>
-    <dgm:cxn modelId="{3A37A5F5-47C0-460C-AF78-5095A3BB79F1}" type="presParOf" srcId="{AFE7C02F-D1C8-4033-A4FB-252F875077B6}" destId="{CD96556E-4DCC-4CA3-85BD-E09D8BAACAB9}" srcOrd="3" destOrd="0" presId="urn:microsoft.com/office/officeart/2018/2/layout/IconVerticalSolidList"/>
-    <dgm:cxn modelId="{31A38235-F8F4-4B8B-ABBB-8A712B08B0B4}" type="presParOf" srcId="{F67304F4-8765-43AB-A192-AFF24EF64A26}" destId="{B9C01229-2BD1-4B1D-98A7-84977E0DC6C0}" srcOrd="3" destOrd="0" presId="urn:microsoft.com/office/officeart/2018/2/layout/IconVerticalSolidList"/>
-    <dgm:cxn modelId="{998F9CA9-371E-4B81-AE59-2EF7A911EA72}" type="presParOf" srcId="{F67304F4-8765-43AB-A192-AFF24EF64A26}" destId="{2EFF7D61-DA17-4BEA-83B5-F5529DA957A9}" srcOrd="4" destOrd="0" presId="urn:microsoft.com/office/officeart/2018/2/layout/IconVerticalSolidList"/>
-    <dgm:cxn modelId="{AE27831E-B4A5-4782-B062-75BF5F52F5EE}" type="presParOf" srcId="{2EFF7D61-DA17-4BEA-83B5-F5529DA957A9}" destId="{ACB63984-037E-4B7C-8AD8-B376F39E2E41}" srcOrd="0" destOrd="0" presId="urn:microsoft.com/office/officeart/2018/2/layout/IconVerticalSolidList"/>
-    <dgm:cxn modelId="{924EF0AB-7032-4109-8902-1FFD4960D8EF}" type="presParOf" srcId="{2EFF7D61-DA17-4BEA-83B5-F5529DA957A9}" destId="{AB9C6002-EBA0-44C6-8984-BAD41D5001AD}" srcOrd="1" destOrd="0" presId="urn:microsoft.com/office/officeart/2018/2/layout/IconVerticalSolidList"/>
-    <dgm:cxn modelId="{247B4A43-64AA-4089-8111-1955E1DBB6F9}" type="presParOf" srcId="{2EFF7D61-DA17-4BEA-83B5-F5529DA957A9}" destId="{7035D010-8406-4E04-A496-FACC130EF958}" srcOrd="2" destOrd="0" presId="urn:microsoft.com/office/officeart/2018/2/layout/IconVerticalSolidList"/>
-    <dgm:cxn modelId="{52A1140A-9CF3-4740-A7FB-35E098AB4E7B}" type="presParOf" srcId="{2EFF7D61-DA17-4BEA-83B5-F5529DA957A9}" destId="{9F95055A-BBEA-4B9E-AB21-073BD66F3E8B}" srcOrd="3" destOrd="0" presId="urn:microsoft.com/office/officeart/2018/2/layout/IconVerticalSolidList"/>
-  </dgm:cxnLst>
-  <dgm:bg/>
-  <dgm:whole/>
-  <dgm:extLst>
-    <a:ext uri="http://schemas.microsoft.com/office/drawing/2008/diagram">
-      <dsp:dataModelExt xmlns:dsp="http://schemas.microsoft.com/office/drawing/2008/diagram" relId="rId7" minVer="http://schemas.openxmlformats.org/drawingml/2006/diagram"/>
-    </a:ext>
-  </dgm:extLst>
-</dgm:dataModel>
-</file>
-
-<file path=ppt/diagrams/data2.xml><?xml version="1.0" encoding="utf-8"?>
 <dgm:dataModel xmlns:dgm="http://schemas.openxmlformats.org/drawingml/2006/diagram" xmlns:a="http://schemas.openxmlformats.org/drawingml/2006/main">
   <dgm:ptLst>
     <dgm:pt modelId="{82FD8078-D5F4-41BA-90E1-E55856DB7A9C}" type="doc">
@@ -3054,7 +1974,7 @@
 </dgm:dataModel>
 </file>
 
-<file path=ppt/diagrams/data3.xml><?xml version="1.0" encoding="utf-8"?>
+<file path=ppt/diagrams/data2.xml><?xml version="1.0" encoding="utf-8"?>
 <dgm:dataModel xmlns:dgm="http://schemas.openxmlformats.org/drawingml/2006/diagram" xmlns:a="http://schemas.openxmlformats.org/drawingml/2006/main">
   <dgm:ptLst>
     <dgm:pt modelId="{8E9F42EB-7A1C-444D-8B7C-063130E414E3}" type="doc">
@@ -3569,495 +2489,6 @@
       <dsp:cNvGrpSpPr/>
     </dsp:nvGrpSpPr>
     <dsp:grpSpPr/>
-    <dsp:sp modelId="{53EAA641-9630-46BB-93EC-3FEF0E5EF6C3}">
-      <dsp:nvSpPr>
-        <dsp:cNvPr id="0" name=""/>
-        <dsp:cNvSpPr/>
-      </dsp:nvSpPr>
-      <dsp:spPr>
-        <a:xfrm>
-          <a:off x="0" y="459"/>
-          <a:ext cx="10058399" cy="1074277"/>
-        </a:xfrm>
-        <a:prstGeom prst="roundRect">
-          <a:avLst>
-            <a:gd name="adj" fmla="val 10000"/>
-          </a:avLst>
-        </a:prstGeom>
-        <a:solidFill>
-          <a:schemeClr val="accent1">
-            <a:tint val="40000"/>
-            <a:hueOff val="0"/>
-            <a:satOff val="0"/>
-            <a:lumOff val="0"/>
-            <a:alphaOff val="0"/>
-          </a:schemeClr>
-        </a:solidFill>
-        <a:ln>
-          <a:noFill/>
-        </a:ln>
-        <a:effectLst/>
-      </dsp:spPr>
-      <dsp:style>
-        <a:lnRef idx="0">
-          <a:scrgbClr r="0" g="0" b="0"/>
-        </a:lnRef>
-        <a:fillRef idx="1">
-          <a:scrgbClr r="0" g="0" b="0"/>
-        </a:fillRef>
-        <a:effectRef idx="0">
-          <a:scrgbClr r="0" g="0" b="0"/>
-        </a:effectRef>
-        <a:fontRef idx="minor"/>
-      </dsp:style>
-    </dsp:sp>
-    <dsp:sp modelId="{635CF272-9913-4C5C-A730-824BE0F3F418}">
-      <dsp:nvSpPr>
-        <dsp:cNvPr id="0" name=""/>
-        <dsp:cNvSpPr/>
-      </dsp:nvSpPr>
-      <dsp:spPr>
-        <a:xfrm>
-          <a:off x="324969" y="242171"/>
-          <a:ext cx="590852" cy="590852"/>
-        </a:xfrm>
-        <a:prstGeom prst="rect">
-          <a:avLst/>
-        </a:prstGeom>
-        <a:blipFill>
-          <a:blip xmlns:r="http://schemas.openxmlformats.org/officeDocument/2006/relationships" r:embed="rId1">
-            <a:extLst>
-              <a:ext uri="{28A0092B-C50C-407E-A947-70E740481C1C}">
-                <a14:useLocalDpi xmlns:a14="http://schemas.microsoft.com/office/drawing/2010/main" val="0"/>
-              </a:ext>
-              <a:ext uri="{96DAC541-7B7A-43D3-8B79-37D633B846F1}">
-                <asvg:svgBlip xmlns:asvg="http://schemas.microsoft.com/office/drawing/2016/SVG/main" r:embed="rId2"/>
-              </a:ext>
-            </a:extLst>
-          </a:blip>
-          <a:stretch>
-            <a:fillRect/>
-          </a:stretch>
-        </a:blipFill>
-        <a:ln w="15875" cap="flat" cmpd="sng" algn="ctr">
-          <a:solidFill>
-            <a:schemeClr val="lt1">
-              <a:hueOff val="0"/>
-              <a:satOff val="0"/>
-              <a:lumOff val="0"/>
-              <a:alphaOff val="0"/>
-            </a:schemeClr>
-          </a:solidFill>
-          <a:prstDash val="solid"/>
-        </a:ln>
-        <a:effectLst/>
-      </dsp:spPr>
-      <dsp:style>
-        <a:lnRef idx="2">
-          <a:scrgbClr r="0" g="0" b="0"/>
-        </a:lnRef>
-        <a:fillRef idx="1">
-          <a:scrgbClr r="0" g="0" b="0"/>
-        </a:fillRef>
-        <a:effectRef idx="0">
-          <a:scrgbClr r="0" g="0" b="0"/>
-        </a:effectRef>
-        <a:fontRef idx="minor">
-          <a:schemeClr val="lt1"/>
-        </a:fontRef>
-      </dsp:style>
-    </dsp:sp>
-    <dsp:sp modelId="{63219469-A217-4790-8659-395B168B4E33}">
-      <dsp:nvSpPr>
-        <dsp:cNvPr id="0" name=""/>
-        <dsp:cNvSpPr/>
-      </dsp:nvSpPr>
-      <dsp:spPr>
-        <a:xfrm>
-          <a:off x="1240791" y="459"/>
-          <a:ext cx="8817608" cy="1074277"/>
-        </a:xfrm>
-        <a:prstGeom prst="rect">
-          <a:avLst/>
-        </a:prstGeom>
-        <a:noFill/>
-        <a:ln>
-          <a:noFill/>
-        </a:ln>
-        <a:effectLst/>
-      </dsp:spPr>
-      <dsp:style>
-        <a:lnRef idx="0">
-          <a:scrgbClr r="0" g="0" b="0"/>
-        </a:lnRef>
-        <a:fillRef idx="0">
-          <a:scrgbClr r="0" g="0" b="0"/>
-        </a:fillRef>
-        <a:effectRef idx="0">
-          <a:scrgbClr r="0" g="0" b="0"/>
-        </a:effectRef>
-        <a:fontRef idx="minor"/>
-      </dsp:style>
-      <dsp:txBody>
-        <a:bodyPr spcFirstLastPara="0" vert="horz" wrap="square" lIns="113694" tIns="113694" rIns="113694" bIns="113694" numCol="1" spcCol="1270" anchor="ctr" anchorCtr="0">
-          <a:noAutofit/>
-        </a:bodyPr>
-        <a:lstStyle/>
-        <a:p>
-          <a:pPr marL="0" lvl="0" indent="0" algn="l" defTabSz="1111250">
-            <a:lnSpc>
-              <a:spcPct val="100000"/>
-            </a:lnSpc>
-            <a:spcBef>
-              <a:spcPct val="0"/>
-            </a:spcBef>
-            <a:spcAft>
-              <a:spcPct val="35000"/>
-            </a:spcAft>
-            <a:buNone/>
-          </a:pPr>
-          <a:r>
-            <a:rPr lang="en-IN" sz="2500" kern="1200"/>
-            <a:t>The main objective of parking system is to manage the details of duration , Vehicles ,Parking Slots , Customer and Parking Fees.</a:t>
-          </a:r>
-          <a:endParaRPr lang="en-US" sz="2500" kern="1200"/>
-        </a:p>
-      </dsp:txBody>
-      <dsp:txXfrm>
-        <a:off x="1240791" y="459"/>
-        <a:ext cx="8817608" cy="1074277"/>
-      </dsp:txXfrm>
-    </dsp:sp>
-    <dsp:sp modelId="{E1F3F60D-373C-4165-B6E6-B818C45CCB4F}">
-      <dsp:nvSpPr>
-        <dsp:cNvPr id="0" name=""/>
-        <dsp:cNvSpPr/>
-      </dsp:nvSpPr>
-      <dsp:spPr>
-        <a:xfrm>
-          <a:off x="0" y="1343306"/>
-          <a:ext cx="10058399" cy="1074277"/>
-        </a:xfrm>
-        <a:prstGeom prst="roundRect">
-          <a:avLst>
-            <a:gd name="adj" fmla="val 10000"/>
-          </a:avLst>
-        </a:prstGeom>
-        <a:solidFill>
-          <a:schemeClr val="accent1">
-            <a:tint val="40000"/>
-            <a:hueOff val="0"/>
-            <a:satOff val="0"/>
-            <a:lumOff val="0"/>
-            <a:alphaOff val="0"/>
-          </a:schemeClr>
-        </a:solidFill>
-        <a:ln>
-          <a:noFill/>
-        </a:ln>
-        <a:effectLst/>
-      </dsp:spPr>
-      <dsp:style>
-        <a:lnRef idx="0">
-          <a:scrgbClr r="0" g="0" b="0"/>
-        </a:lnRef>
-        <a:fillRef idx="1">
-          <a:scrgbClr r="0" g="0" b="0"/>
-        </a:fillRef>
-        <a:effectRef idx="0">
-          <a:scrgbClr r="0" g="0" b="0"/>
-        </a:effectRef>
-        <a:fontRef idx="minor"/>
-      </dsp:style>
-    </dsp:sp>
-    <dsp:sp modelId="{94846B8B-B2DA-4001-92E2-A077B182874E}">
-      <dsp:nvSpPr>
-        <dsp:cNvPr id="0" name=""/>
-        <dsp:cNvSpPr/>
-      </dsp:nvSpPr>
-      <dsp:spPr>
-        <a:xfrm>
-          <a:off x="324969" y="1585019"/>
-          <a:ext cx="590852" cy="590852"/>
-        </a:xfrm>
-        <a:prstGeom prst="rect">
-          <a:avLst/>
-        </a:prstGeom>
-        <a:blipFill>
-          <a:blip xmlns:r="http://schemas.openxmlformats.org/officeDocument/2006/relationships" r:embed="rId3">
-            <a:extLst>
-              <a:ext uri="{28A0092B-C50C-407E-A947-70E740481C1C}">
-                <a14:useLocalDpi xmlns:a14="http://schemas.microsoft.com/office/drawing/2010/main" val="0"/>
-              </a:ext>
-              <a:ext uri="{96DAC541-7B7A-43D3-8B79-37D633B846F1}">
-                <asvg:svgBlip xmlns:asvg="http://schemas.microsoft.com/office/drawing/2016/SVG/main" r:embed="rId4"/>
-              </a:ext>
-            </a:extLst>
-          </a:blip>
-          <a:stretch>
-            <a:fillRect/>
-          </a:stretch>
-        </a:blipFill>
-        <a:ln w="15875" cap="flat" cmpd="sng" algn="ctr">
-          <a:solidFill>
-            <a:schemeClr val="lt1">
-              <a:hueOff val="0"/>
-              <a:satOff val="0"/>
-              <a:lumOff val="0"/>
-              <a:alphaOff val="0"/>
-            </a:schemeClr>
-          </a:solidFill>
-          <a:prstDash val="solid"/>
-        </a:ln>
-        <a:effectLst/>
-      </dsp:spPr>
-      <dsp:style>
-        <a:lnRef idx="2">
-          <a:scrgbClr r="0" g="0" b="0"/>
-        </a:lnRef>
-        <a:fillRef idx="1">
-          <a:scrgbClr r="0" g="0" b="0"/>
-        </a:fillRef>
-        <a:effectRef idx="0">
-          <a:scrgbClr r="0" g="0" b="0"/>
-        </a:effectRef>
-        <a:fontRef idx="minor">
-          <a:schemeClr val="lt1"/>
-        </a:fontRef>
-      </dsp:style>
-    </dsp:sp>
-    <dsp:sp modelId="{CD96556E-4DCC-4CA3-85BD-E09D8BAACAB9}">
-      <dsp:nvSpPr>
-        <dsp:cNvPr id="0" name=""/>
-        <dsp:cNvSpPr/>
-      </dsp:nvSpPr>
-      <dsp:spPr>
-        <a:xfrm>
-          <a:off x="1240791" y="1343306"/>
-          <a:ext cx="8817608" cy="1074277"/>
-        </a:xfrm>
-        <a:prstGeom prst="rect">
-          <a:avLst/>
-        </a:prstGeom>
-        <a:noFill/>
-        <a:ln>
-          <a:noFill/>
-        </a:ln>
-        <a:effectLst/>
-      </dsp:spPr>
-      <dsp:style>
-        <a:lnRef idx="0">
-          <a:scrgbClr r="0" g="0" b="0"/>
-        </a:lnRef>
-        <a:fillRef idx="0">
-          <a:scrgbClr r="0" g="0" b="0"/>
-        </a:fillRef>
-        <a:effectRef idx="0">
-          <a:scrgbClr r="0" g="0" b="0"/>
-        </a:effectRef>
-        <a:fontRef idx="minor"/>
-      </dsp:style>
-      <dsp:txBody>
-        <a:bodyPr spcFirstLastPara="0" vert="horz" wrap="square" lIns="113694" tIns="113694" rIns="113694" bIns="113694" numCol="1" spcCol="1270" anchor="ctr" anchorCtr="0">
-          <a:noAutofit/>
-        </a:bodyPr>
-        <a:lstStyle/>
-        <a:p>
-          <a:pPr marL="0" lvl="0" indent="0" algn="l" defTabSz="1111250">
-            <a:lnSpc>
-              <a:spcPct val="100000"/>
-            </a:lnSpc>
-            <a:spcBef>
-              <a:spcPct val="0"/>
-            </a:spcBef>
-            <a:spcAft>
-              <a:spcPct val="35000"/>
-            </a:spcAft>
-            <a:buNone/>
-          </a:pPr>
-          <a:r>
-            <a:rPr lang="en-IN" sz="2500" kern="1200"/>
-            <a:t>The objective of our hackathon topic is to automate and simplify parking slot concern.</a:t>
-          </a:r>
-          <a:endParaRPr lang="en-US" sz="2500" kern="1200"/>
-        </a:p>
-      </dsp:txBody>
-      <dsp:txXfrm>
-        <a:off x="1240791" y="1343306"/>
-        <a:ext cx="8817608" cy="1074277"/>
-      </dsp:txXfrm>
-    </dsp:sp>
-    <dsp:sp modelId="{ACB63984-037E-4B7C-8AD8-B376F39E2E41}">
-      <dsp:nvSpPr>
-        <dsp:cNvPr id="0" name=""/>
-        <dsp:cNvSpPr/>
-      </dsp:nvSpPr>
-      <dsp:spPr>
-        <a:xfrm>
-          <a:off x="0" y="2686153"/>
-          <a:ext cx="10058399" cy="1074277"/>
-        </a:xfrm>
-        <a:prstGeom prst="roundRect">
-          <a:avLst>
-            <a:gd name="adj" fmla="val 10000"/>
-          </a:avLst>
-        </a:prstGeom>
-        <a:solidFill>
-          <a:schemeClr val="accent1">
-            <a:tint val="40000"/>
-            <a:hueOff val="0"/>
-            <a:satOff val="0"/>
-            <a:lumOff val="0"/>
-            <a:alphaOff val="0"/>
-          </a:schemeClr>
-        </a:solidFill>
-        <a:ln>
-          <a:noFill/>
-        </a:ln>
-        <a:effectLst/>
-      </dsp:spPr>
-      <dsp:style>
-        <a:lnRef idx="0">
-          <a:scrgbClr r="0" g="0" b="0"/>
-        </a:lnRef>
-        <a:fillRef idx="1">
-          <a:scrgbClr r="0" g="0" b="0"/>
-        </a:fillRef>
-        <a:effectRef idx="0">
-          <a:scrgbClr r="0" g="0" b="0"/>
-        </a:effectRef>
-        <a:fontRef idx="minor"/>
-      </dsp:style>
-    </dsp:sp>
-    <dsp:sp modelId="{AB9C6002-EBA0-44C6-8984-BAD41D5001AD}">
-      <dsp:nvSpPr>
-        <dsp:cNvPr id="0" name=""/>
-        <dsp:cNvSpPr/>
-      </dsp:nvSpPr>
-      <dsp:spPr>
-        <a:xfrm>
-          <a:off x="324969" y="2927866"/>
-          <a:ext cx="590852" cy="590852"/>
-        </a:xfrm>
-        <a:prstGeom prst="rect">
-          <a:avLst/>
-        </a:prstGeom>
-        <a:blipFill>
-          <a:blip xmlns:r="http://schemas.openxmlformats.org/officeDocument/2006/relationships" r:embed="rId5">
-            <a:extLst>
-              <a:ext uri="{28A0092B-C50C-407E-A947-70E740481C1C}">
-                <a14:useLocalDpi xmlns:a14="http://schemas.microsoft.com/office/drawing/2010/main" val="0"/>
-              </a:ext>
-              <a:ext uri="{96DAC541-7B7A-43D3-8B79-37D633B846F1}">
-                <asvg:svgBlip xmlns:asvg="http://schemas.microsoft.com/office/drawing/2016/SVG/main" r:embed="rId6"/>
-              </a:ext>
-            </a:extLst>
-          </a:blip>
-          <a:stretch>
-            <a:fillRect/>
-          </a:stretch>
-        </a:blipFill>
-        <a:ln w="15875" cap="flat" cmpd="sng" algn="ctr">
-          <a:solidFill>
-            <a:schemeClr val="lt1">
-              <a:hueOff val="0"/>
-              <a:satOff val="0"/>
-              <a:lumOff val="0"/>
-              <a:alphaOff val="0"/>
-            </a:schemeClr>
-          </a:solidFill>
-          <a:prstDash val="solid"/>
-        </a:ln>
-        <a:effectLst/>
-      </dsp:spPr>
-      <dsp:style>
-        <a:lnRef idx="2">
-          <a:scrgbClr r="0" g="0" b="0"/>
-        </a:lnRef>
-        <a:fillRef idx="1">
-          <a:scrgbClr r="0" g="0" b="0"/>
-        </a:fillRef>
-        <a:effectRef idx="0">
-          <a:scrgbClr r="0" g="0" b="0"/>
-        </a:effectRef>
-        <a:fontRef idx="minor">
-          <a:schemeClr val="lt1"/>
-        </a:fontRef>
-      </dsp:style>
-    </dsp:sp>
-    <dsp:sp modelId="{9F95055A-BBEA-4B9E-AB21-073BD66F3E8B}">
-      <dsp:nvSpPr>
-        <dsp:cNvPr id="0" name=""/>
-        <dsp:cNvSpPr/>
-      </dsp:nvSpPr>
-      <dsp:spPr>
-        <a:xfrm>
-          <a:off x="1240791" y="2686153"/>
-          <a:ext cx="8817608" cy="1074277"/>
-        </a:xfrm>
-        <a:prstGeom prst="rect">
-          <a:avLst/>
-        </a:prstGeom>
-        <a:noFill/>
-        <a:ln>
-          <a:noFill/>
-        </a:ln>
-        <a:effectLst/>
-      </dsp:spPr>
-      <dsp:style>
-        <a:lnRef idx="0">
-          <a:scrgbClr r="0" g="0" b="0"/>
-        </a:lnRef>
-        <a:fillRef idx="0">
-          <a:scrgbClr r="0" g="0" b="0"/>
-        </a:fillRef>
-        <a:effectRef idx="0">
-          <a:scrgbClr r="0" g="0" b="0"/>
-        </a:effectRef>
-        <a:fontRef idx="minor"/>
-      </dsp:style>
-      <dsp:txBody>
-        <a:bodyPr spcFirstLastPara="0" vert="horz" wrap="square" lIns="113694" tIns="113694" rIns="113694" bIns="113694" numCol="1" spcCol="1270" anchor="ctr" anchorCtr="0">
-          <a:noAutofit/>
-        </a:bodyPr>
-        <a:lstStyle/>
-        <a:p>
-          <a:pPr marL="0" lvl="0" indent="0" algn="l" defTabSz="1111250">
-            <a:lnSpc>
-              <a:spcPct val="100000"/>
-            </a:lnSpc>
-            <a:spcBef>
-              <a:spcPct val="0"/>
-            </a:spcBef>
-            <a:spcAft>
-              <a:spcPct val="35000"/>
-            </a:spcAft>
-            <a:buNone/>
-          </a:pPr>
-          <a:r>
-            <a:rPr lang="en-IN" sz="2500" kern="1200"/>
-            <a:t>With the use of high accuracy latest industry sensors to get run-time parking status.</a:t>
-          </a:r>
-          <a:endParaRPr lang="en-US" sz="2500" kern="1200"/>
-        </a:p>
-      </dsp:txBody>
-      <dsp:txXfrm>
-        <a:off x="1240791" y="2686153"/>
-        <a:ext cx="8817608" cy="1074277"/>
-      </dsp:txXfrm>
-    </dsp:sp>
-  </dsp:spTree>
-</dsp:drawing>
-</file>
-
-<file path=ppt/diagrams/drawing2.xml><?xml version="1.0" encoding="utf-8"?>
-<dsp:drawing xmlns:dgm="http://schemas.openxmlformats.org/drawingml/2006/diagram" xmlns:dsp="http://schemas.microsoft.com/office/drawing/2008/diagram" xmlns:a="http://schemas.openxmlformats.org/drawingml/2006/main">
-  <dsp:spTree>
-    <dsp:nvGrpSpPr>
-      <dsp:cNvPr id="0" name=""/>
-      <dsp:cNvGrpSpPr/>
-    </dsp:nvGrpSpPr>
-    <dsp:grpSpPr/>
     <dsp:sp modelId="{D03B669B-C118-41B3-BB95-2D1C8C03E080}">
       <dsp:nvSpPr>
         <dsp:cNvPr id="0" name=""/>
@@ -4449,7 +2880,7 @@
 </dsp:drawing>
 </file>
 
-<file path=ppt/diagrams/drawing3.xml><?xml version="1.0" encoding="utf-8"?>
+<file path=ppt/diagrams/drawing2.xml><?xml version="1.0" encoding="utf-8"?>
 <dsp:drawing xmlns:dgm="http://schemas.openxmlformats.org/drawingml/2006/diagram" xmlns:dsp="http://schemas.microsoft.com/office/drawing/2008/diagram" xmlns:a="http://schemas.openxmlformats.org/drawingml/2006/main">
   <dsp:spTree>
     <dsp:nvGrpSpPr>
@@ -5047,300 +3478,6 @@
 </file>
 
 <file path=ppt/diagrams/layout1.xml><?xml version="1.0" encoding="utf-8"?>
-<dgm:layoutDef xmlns:dgm="http://schemas.openxmlformats.org/drawingml/2006/diagram" xmlns:a="http://schemas.openxmlformats.org/drawingml/2006/main" uniqueId="urn:microsoft.com/office/officeart/2018/2/layout/IconVerticalSolidList">
-  <dgm:title val="Icon Vertical Solid List"/>
-  <dgm:desc val="Use to show a series of visuals from top to bottom with Level 1 or Level 1 and Level 2 text grouped in a shape. Works best with icons or small pictures with lengthier descriptions."/>
-  <dgm:catLst>
-    <dgm:cat type="icon" pri="500"/>
-  </dgm:catLst>
-  <dgm:sampData useDef="1">
-    <dgm:dataModel>
-      <dgm:ptLst/>
-      <dgm:bg/>
-      <dgm:whole/>
-    </dgm:dataModel>
-  </dgm:sampData>
-  <dgm:styleData useDef="1">
-    <dgm:dataModel>
-      <dgm:ptLst/>
-      <dgm:bg/>
-      <dgm:whole/>
-    </dgm:dataModel>
-  </dgm:styleData>
-  <dgm:clrData useDef="1">
-    <dgm:dataModel>
-      <dgm:ptLst/>
-      <dgm:bg/>
-      <dgm:whole/>
-    </dgm:dataModel>
-  </dgm:clrData>
-  <dgm:layoutNode name="root">
-    <dgm:varLst>
-      <dgm:dir/>
-      <dgm:resizeHandles val="exact"/>
-    </dgm:varLst>
-    <dgm:choose name="Name0">
-      <dgm:if name="Name1" axis="self" func="var" arg="dir" op="equ" val="norm">
-        <dgm:alg type="lin">
-          <dgm:param type="linDir" val="fromT"/>
-          <dgm:param type="nodeHorzAlign" val="l"/>
-        </dgm:alg>
-      </dgm:if>
-      <dgm:else name="Name2">
-        <dgm:alg type="lin">
-          <dgm:param type="linDir" val="fromT"/>
-          <dgm:param type="nodeHorzAlign" val="r"/>
-        </dgm:alg>
-      </dgm:else>
-    </dgm:choose>
-    <dgm:shape xmlns:r="http://schemas.openxmlformats.org/officeDocument/2006/relationships" r:blip="">
-      <dgm:adjLst/>
-    </dgm:shape>
-    <dgm:presOf/>
-    <dgm:choose name="Name3">
-      <dgm:if name="Name4" axis="ch" ptType="node" func="cnt" op="lte" val="3">
-        <dgm:constrLst>
-          <dgm:constr type="h" for="ch" forName="compNode" refType="h" fact="0.3"/>
-          <dgm:constr type="w" for="ch" forName="compNode" refType="w"/>
-          <dgm:constr type="h" for="ch" forName="sibTrans" refType="h" refFor="ch" refForName="compNode" fact="0.25"/>
-          <dgm:constr type="primFontSz" for="des" forName="parTx" val="25"/>
-          <dgm:constr type="primFontSz" for="des" forName="desTx" refType="primFontSz" refFor="des" refForName="parTx" op="lte" fact="0.75"/>
-          <dgm:constr type="h" for="des" forName="compNode" op="equ"/>
-          <dgm:constr type="h" for="des" forName="bgRect" op="equ"/>
-          <dgm:constr type="h" for="des" forName="iconRect" op="equ"/>
-          <dgm:constr type="w" for="des" forName="iconRect" op="equ"/>
-          <dgm:constr type="h" for="des" forName="spaceRect" op="equ"/>
-          <dgm:constr type="h" for="des" forName="parTx" op="equ"/>
-          <dgm:constr type="h" for="des" forName="desTx" op="equ"/>
-        </dgm:constrLst>
-      </dgm:if>
-      <dgm:if name="Name5" axis="ch" ptType="node" func="cnt" op="lte" val="4">
-        <dgm:constrLst>
-          <dgm:constr type="h" for="ch" forName="compNode" refType="h" fact="0.3"/>
-          <dgm:constr type="w" for="ch" forName="compNode" refType="w"/>
-          <dgm:constr type="h" for="ch" forName="sibTrans" refType="h" refFor="ch" refForName="compNode" fact="0.25"/>
-          <dgm:constr type="primFontSz" for="des" forName="parTx" val="22"/>
-          <dgm:constr type="primFontSz" for="des" forName="desTx" refType="primFontSz" refFor="des" refForName="parTx" op="lte" fact="0.75"/>
-          <dgm:constr type="h" for="des" forName="compNode" op="equ"/>
-          <dgm:constr type="h" for="des" forName="bgRect" op="equ"/>
-          <dgm:constr type="h" for="des" forName="iconRect" op="equ"/>
-          <dgm:constr type="w" for="des" forName="iconRect" op="equ"/>
-          <dgm:constr type="h" for="des" forName="spaceRect" op="equ"/>
-          <dgm:constr type="h" for="des" forName="parTx" op="equ"/>
-          <dgm:constr type="h" for="des" forName="desTx" op="equ"/>
-        </dgm:constrLst>
-      </dgm:if>
-      <dgm:if name="Name6" axis="ch" ptType="node" func="cnt" op="lte" val="6">
-        <dgm:constrLst>
-          <dgm:constr type="h" for="ch" forName="compNode" refType="h" fact="0.3"/>
-          <dgm:constr type="w" for="ch" forName="compNode" refType="w"/>
-          <dgm:constr type="h" for="ch" forName="sibTrans" refType="h" refFor="ch" refForName="compNode" fact="0.25"/>
-          <dgm:constr type="primFontSz" for="des" forName="parTx" val="19"/>
-          <dgm:constr type="primFontSz" for="des" forName="desTx" refType="primFontSz" refFor="des" refForName="parTx" op="lte" fact="0.75"/>
-          <dgm:constr type="h" for="des" forName="compNode" op="equ"/>
-          <dgm:constr type="h" for="des" forName="bgRect" op="equ"/>
-          <dgm:constr type="h" for="des" forName="iconRect" op="equ"/>
-          <dgm:constr type="w" for="des" forName="iconRect" op="equ"/>
-          <dgm:constr type="h" for="des" forName="spaceRect" op="equ"/>
-          <dgm:constr type="h" for="des" forName="parTx" op="equ"/>
-          <dgm:constr type="h" for="des" forName="desTx" op="equ"/>
-        </dgm:constrLst>
-      </dgm:if>
-      <dgm:else name="Name7">
-        <dgm:constrLst>
-          <dgm:constr type="h" for="ch" forName="compNode" refType="h" fact="0.3"/>
-          <dgm:constr type="w" for="ch" forName="compNode" refType="w"/>
-          <dgm:constr type="h" for="ch" forName="sibTrans" refType="h" refFor="ch" refForName="compNode" fact="0.25"/>
-          <dgm:constr type="primFontSz" for="des" forName="parTx" val="16"/>
-          <dgm:constr type="primFontSz" for="des" forName="desTx" refType="primFontSz" refFor="des" refForName="parTx" op="lte" fact="0.75"/>
-          <dgm:constr type="h" for="des" forName="compNode" op="equ"/>
-          <dgm:constr type="h" for="des" forName="bgRect" op="equ"/>
-          <dgm:constr type="h" for="des" forName="iconRect" op="equ"/>
-          <dgm:constr type="w" for="des" forName="iconRect" op="equ"/>
-          <dgm:constr type="h" for="des" forName="spaceRect" op="equ"/>
-          <dgm:constr type="h" for="des" forName="parTx" op="equ"/>
-          <dgm:constr type="h" for="des" forName="desTx" op="equ"/>
-        </dgm:constrLst>
-      </dgm:else>
-    </dgm:choose>
-    <dgm:ruleLst>
-      <dgm:rule type="h" for="ch" forName="compNode" val="0" fact="NaN" max="NaN"/>
-    </dgm:ruleLst>
-    <dgm:forEach name="Name8" axis="ch" ptType="node">
-      <dgm:layoutNode name="compNode">
-        <dgm:alg type="composite"/>
-        <dgm:shape xmlns:r="http://schemas.openxmlformats.org/officeDocument/2006/relationships" r:blip="">
-          <dgm:adjLst/>
-        </dgm:shape>
-        <dgm:presOf axis="self"/>
-        <dgm:choose name="Name9">
-          <dgm:if name="Name10" axis="ch" ptType="node" func="cnt" op="gte" val="1">
-            <dgm:constrLst>
-              <dgm:constr type="w" for="ch" forName="bgRect" refType="w"/>
-              <dgm:constr type="h" for="ch" forName="bgRect" refType="h"/>
-              <dgm:constr type="l" for="ch" forName="bgRect"/>
-              <dgm:constr type="t" for="ch" forName="bgRect"/>
-              <dgm:constr type="h" for="ch" forName="iconRect" refType="h" fact="0.55"/>
-              <dgm:constr type="w" for="ch" forName="iconRect" refType="h" refFor="ch" refForName="iconRect"/>
-              <dgm:constr type="l" for="ch" forName="iconRect" refType="h" refFor="ch" refForName="iconRect" fact="0.55"/>
-              <dgm:constr type="ctrY" for="ch" forName="iconRect" refType="ctrY" refFor="ch" refForName="bgRect"/>
-              <dgm:constr type="w" for="ch" forName="spaceRect" refType="l" refFor="ch" refForName="iconRect"/>
-              <dgm:constr type="h" for="ch" forName="spaceRect" refType="h"/>
-              <dgm:constr type="l" for="ch" forName="spaceRect" refType="r" refFor="ch" refForName="iconRect"/>
-              <dgm:constr type="t" for="ch" forName="spaceRect"/>
-              <dgm:constr type="w" for="ch" forName="parTx" refType="w" fact="0.45"/>
-              <dgm:constr type="h" for="ch" forName="parTx" refType="h"/>
-              <dgm:constr type="l" for="ch" forName="parTx" refType="r" refFor="ch" refForName="spaceRect"/>
-              <dgm:constr type="t" for="ch" forName="parTx"/>
-              <dgm:constr type="h" for="ch" forName="desTx" refType="h"/>
-              <dgm:constr type="l" for="ch" forName="desTx" refType="r" refFor="ch" refForName="parTx"/>
-              <dgm:constr type="t" for="ch" forName="desTx"/>
-            </dgm:constrLst>
-          </dgm:if>
-          <dgm:else name="Name11">
-            <dgm:constrLst>
-              <dgm:constr type="w" for="ch" forName="bgRect" refType="w"/>
-              <dgm:constr type="h" for="ch" forName="bgRect" refType="h"/>
-              <dgm:constr type="l" for="ch" forName="bgRect"/>
-              <dgm:constr type="t" for="ch" forName="bgRect"/>
-              <dgm:constr type="h" for="ch" forName="iconRect" refType="h" fact="0.55"/>
-              <dgm:constr type="w" for="ch" forName="iconRect" refType="h" refFor="ch" refForName="iconRect"/>
-              <dgm:constr type="l" for="ch" forName="iconRect" refType="h" refFor="ch" refForName="iconRect" fact="0.55"/>
-              <dgm:constr type="ctrY" for="ch" forName="iconRect" refType="ctrY" refFor="ch" refForName="bgRect"/>
-              <dgm:constr type="w" for="ch" forName="spaceRect" refType="l" refFor="ch" refForName="iconRect"/>
-              <dgm:constr type="h" for="ch" forName="spaceRect" refType="h"/>
-              <dgm:constr type="l" for="ch" forName="spaceRect" refType="r" refFor="ch" refForName="iconRect"/>
-              <dgm:constr type="t" for="ch" forName="spaceRect"/>
-              <dgm:constr type="h" for="ch" forName="parTx" refType="h"/>
-              <dgm:constr type="l" for="ch" forName="parTx" refType="r" refFor="ch" refForName="spaceRect"/>
-              <dgm:constr type="t" for="ch" forName="parTx"/>
-            </dgm:constrLst>
-          </dgm:else>
-        </dgm:choose>
-        <dgm:ruleLst>
-          <dgm:rule type="h" val="INF" fact="NaN" max="NaN"/>
-        </dgm:ruleLst>
-        <dgm:layoutNode name="bgRect" styleLbl="bgShp">
-          <dgm:alg type="sp"/>
-          <dgm:shape xmlns:r="http://schemas.openxmlformats.org/officeDocument/2006/relationships" type="roundRect" r:blip="">
-            <dgm:adjLst>
-              <dgm:adj idx="1" val="0.1"/>
-            </dgm:adjLst>
-          </dgm:shape>
-          <dgm:presOf/>
-          <dgm:constrLst/>
-          <dgm:ruleLst/>
-        </dgm:layoutNode>
-        <dgm:layoutNode name="iconRect" styleLbl="node1">
-          <dgm:alg type="sp"/>
-          <dgm:shape xmlns:r="http://schemas.openxmlformats.org/officeDocument/2006/relationships" type="rect" r:blip="" blipPhldr="1">
-            <dgm:adjLst/>
-          </dgm:shape>
-          <dgm:presOf/>
-          <dgm:constrLst/>
-          <dgm:ruleLst/>
-        </dgm:layoutNode>
-        <dgm:layoutNode name="spaceRect">
-          <dgm:alg type="sp"/>
-          <dgm:shape xmlns:r="http://schemas.openxmlformats.org/officeDocument/2006/relationships" r:blip="">
-            <dgm:adjLst/>
-          </dgm:shape>
-          <dgm:presOf/>
-          <dgm:constrLst/>
-          <dgm:ruleLst/>
-        </dgm:layoutNode>
-        <dgm:layoutNode name="parTx" styleLbl="revTx">
-          <dgm:varLst>
-            <dgm:chMax val="0"/>
-            <dgm:chPref val="0"/>
-          </dgm:varLst>
-          <dgm:alg type="tx">
-            <dgm:param type="txAnchorVert" val="mid"/>
-            <dgm:param type="parTxLTRAlign" val="l"/>
-            <dgm:param type="shpTxLTRAlignCh" val="l"/>
-            <dgm:param type="parTxRTLAlign" val="r"/>
-            <dgm:param type="shpTxRTLAlignCh" val="r"/>
-          </dgm:alg>
-          <dgm:shape xmlns:r="http://schemas.openxmlformats.org/officeDocument/2006/relationships" type="rect" r:blip="">
-            <dgm:adjLst/>
-          </dgm:shape>
-          <dgm:presOf axis="self" ptType="node"/>
-          <dgm:constrLst>
-            <dgm:constr type="lMarg" refType="h" fact="0.3"/>
-            <dgm:constr type="rMarg" refType="h" fact="0.3"/>
-            <dgm:constr type="tMarg" refType="h" fact="0.3"/>
-            <dgm:constr type="bMarg" refType="h" fact="0.3"/>
-          </dgm:constrLst>
-          <dgm:ruleLst>
-            <dgm:rule type="primFontSz" val="14" fact="NaN" max="NaN"/>
-            <dgm:rule type="h" val="INF" fact="NaN" max="NaN"/>
-          </dgm:ruleLst>
-        </dgm:layoutNode>
-        <dgm:choose name="Name12">
-          <dgm:if name="Name13" axis="ch" ptType="node" func="cnt" op="gte" val="1">
-            <dgm:layoutNode name="desTx" styleLbl="revTx">
-              <dgm:varLst/>
-              <dgm:alg type="tx">
-                <dgm:param type="txAnchorVertCh" val="mid"/>
-                <dgm:param type="parTxLTRAlign" val="l"/>
-                <dgm:param type="shpTxLTRAlignCh" val="l"/>
-                <dgm:param type="parTxRTLAlign" val="r"/>
-                <dgm:param type="shpTxRTLAlignCh" val="r"/>
-                <dgm:param type="stBulletLvl" val="0"/>
-              </dgm:alg>
-              <dgm:shape xmlns:r="http://schemas.openxmlformats.org/officeDocument/2006/relationships" type="rect" r:blip="">
-                <dgm:adjLst/>
-              </dgm:shape>
-              <dgm:presOf axis="des" ptType="node"/>
-              <dgm:constrLst>
-                <dgm:constr type="primFontSz" val="18"/>
-                <dgm:constr type="secFontSz" refType="primFontSz"/>
-                <dgm:constr type="lMarg" refType="h" fact="0.3"/>
-                <dgm:constr type="rMarg" refType="h" fact="0.3"/>
-                <dgm:constr type="tMarg" refType="h" fact="0.3"/>
-                <dgm:constr type="bMarg" refType="h" fact="0.3"/>
-              </dgm:constrLst>
-              <dgm:ruleLst>
-                <dgm:rule type="primFontSz" val="11" fact="NaN" max="NaN"/>
-              </dgm:ruleLst>
-            </dgm:layoutNode>
-          </dgm:if>
-          <dgm:else name="Name14"/>
-        </dgm:choose>
-      </dgm:layoutNode>
-      <dgm:forEach name="Name15" axis="followSib" ptType="sibTrans" cnt="1">
-        <dgm:layoutNode name="sibTrans">
-          <dgm:alg type="sp"/>
-          <dgm:shape xmlns:r="http://schemas.openxmlformats.org/officeDocument/2006/relationships" r:blip="">
-            <dgm:adjLst/>
-          </dgm:shape>
-          <dgm:presOf axis="self"/>
-          <dgm:constrLst/>
-          <dgm:ruleLst/>
-        </dgm:layoutNode>
-      </dgm:forEach>
-    </dgm:forEach>
-  </dgm:layoutNode>
-  <dgm:extLst>
-    <a:ext uri="{68A01E43-0DF5-4B5B-8FA6-DAF915123BFB}">
-      <dgm1612:lstStyle xmlns:dgm1612="http://schemas.microsoft.com/office/drawing/2016/12/diagram">
-        <a:lvl1pPr>
-          <a:lnSpc>
-            <a:spcPct val="100000"/>
-          </a:lnSpc>
-        </a:lvl1pPr>
-        <a:lvl2pPr>
-          <a:lnSpc>
-            <a:spcPct val="100000"/>
-          </a:lnSpc>
-        </a:lvl2pPr>
-      </dgm1612:lstStyle>
-    </a:ext>
-  </dgm:extLst>
-</dgm:layoutDef>
-</file>
-
-<file path=ppt/diagrams/layout2.xml><?xml version="1.0" encoding="utf-8"?>
 <dgm:layoutDef xmlns:dgm="http://schemas.openxmlformats.org/drawingml/2006/diagram" xmlns:a="http://schemas.openxmlformats.org/drawingml/2006/main" uniqueId="urn:microsoft.com/office/officeart/2018/2/layout/IconLabelList">
   <dgm:title val="Icon Label List"/>
   <dgm:desc val="Use to show non-sequential or grouped chunks of information accompanied by a related visuals. Works best with icons or small pictures with short text captions."/>
@@ -5530,7 +3667,7 @@
 </dgm:layoutDef>
 </file>
 
-<file path=ppt/diagrams/layout3.xml><?xml version="1.0" encoding="utf-8"?>
+<file path=ppt/diagrams/layout2.xml><?xml version="1.0" encoding="utf-8"?>
 <dgm:layoutDef xmlns:dgm="http://schemas.openxmlformats.org/drawingml/2006/diagram" xmlns:a="http://schemas.openxmlformats.org/drawingml/2006/main" uniqueId="urn:microsoft.com/office/officeart/2018/2/layout/IconLabelList">
   <dgm:title val="Icon Label List"/>
   <dgm:desc val="Use to show non-sequential or grouped chunks of information accompanied by a related visuals. Works best with icons or small pictures with short text captions."/>
@@ -6755,1040 +4892,6 @@
 </file>
 
 <file path=ppt/diagrams/quickStyle2.xml><?xml version="1.0" encoding="utf-8"?>
-<dgm:styleDef xmlns:dgm="http://schemas.openxmlformats.org/drawingml/2006/diagram" xmlns:a="http://schemas.openxmlformats.org/drawingml/2006/main" uniqueId="urn:microsoft.com/office/officeart/2005/8/quickstyle/simple1">
-  <dgm:title val=""/>
-  <dgm:desc val=""/>
-  <dgm:catLst>
-    <dgm:cat type="simple" pri="10100"/>
-  </dgm:catLst>
-  <dgm:scene3d>
-    <a:camera prst="orthographicFront"/>
-    <a:lightRig rig="threePt" dir="t"/>
-  </dgm:scene3d>
-  <dgm:styleLbl name="node0">
-    <dgm:scene3d>
-      <a:camera prst="orthographicFront"/>
-      <a:lightRig rig="threePt" dir="t"/>
-    </dgm:scene3d>
-    <dgm:sp3d/>
-    <dgm:txPr/>
-    <dgm:style>
-      <a:lnRef idx="2">
-        <a:scrgbClr r="0" g="0" b="0"/>
-      </a:lnRef>
-      <a:fillRef idx="1">
-        <a:scrgbClr r="0" g="0" b="0"/>
-      </a:fillRef>
-      <a:effectRef idx="0">
-        <a:scrgbClr r="0" g="0" b="0"/>
-      </a:effectRef>
-      <a:fontRef idx="minor">
-        <a:schemeClr val="lt1"/>
-      </a:fontRef>
-    </dgm:style>
-  </dgm:styleLbl>
-  <dgm:styleLbl name="lnNode1">
-    <dgm:scene3d>
-      <a:camera prst="orthographicFront"/>
-      <a:lightRig rig="threePt" dir="t"/>
-    </dgm:scene3d>
-    <dgm:sp3d/>
-    <dgm:txPr/>
-    <dgm:style>
-      <a:lnRef idx="2">
-        <a:scrgbClr r="0" g="0" b="0"/>
-      </a:lnRef>
-      <a:fillRef idx="1">
-        <a:scrgbClr r="0" g="0" b="0"/>
-      </a:fillRef>
-      <a:effectRef idx="0">
-        <a:scrgbClr r="0" g="0" b="0"/>
-      </a:effectRef>
-      <a:fontRef idx="minor">
-        <a:schemeClr val="lt1"/>
-      </a:fontRef>
-    </dgm:style>
-  </dgm:styleLbl>
-  <dgm:styleLbl name="vennNode1">
-    <dgm:scene3d>
-      <a:camera prst="orthographicFront"/>
-      <a:lightRig rig="threePt" dir="t"/>
-    </dgm:scene3d>
-    <dgm:sp3d/>
-    <dgm:txPr/>
-    <dgm:style>
-      <a:lnRef idx="2">
-        <a:scrgbClr r="0" g="0" b="0"/>
-      </a:lnRef>
-      <a:fillRef idx="1">
-        <a:scrgbClr r="0" g="0" b="0"/>
-      </a:fillRef>
-      <a:effectRef idx="0">
-        <a:scrgbClr r="0" g="0" b="0"/>
-      </a:effectRef>
-      <a:fontRef idx="minor">
-        <a:schemeClr val="tx1"/>
-      </a:fontRef>
-    </dgm:style>
-  </dgm:styleLbl>
-  <dgm:styleLbl name="alignNode1">
-    <dgm:scene3d>
-      <a:camera prst="orthographicFront"/>
-      <a:lightRig rig="threePt" dir="t"/>
-    </dgm:scene3d>
-    <dgm:sp3d/>
-    <dgm:txPr/>
-    <dgm:style>
-      <a:lnRef idx="2">
-        <a:scrgbClr r="0" g="0" b="0"/>
-      </a:lnRef>
-      <a:fillRef idx="1">
-        <a:scrgbClr r="0" g="0" b="0"/>
-      </a:fillRef>
-      <a:effectRef idx="0">
-        <a:scrgbClr r="0" g="0" b="0"/>
-      </a:effectRef>
-      <a:fontRef idx="minor">
-        <a:schemeClr val="lt1"/>
-      </a:fontRef>
-    </dgm:style>
-  </dgm:styleLbl>
-  <dgm:styleLbl name="node1">
-    <dgm:scene3d>
-      <a:camera prst="orthographicFront"/>
-      <a:lightRig rig="threePt" dir="t"/>
-    </dgm:scene3d>
-    <dgm:sp3d/>
-    <dgm:txPr/>
-    <dgm:style>
-      <a:lnRef idx="2">
-        <a:scrgbClr r="0" g="0" b="0"/>
-      </a:lnRef>
-      <a:fillRef idx="1">
-        <a:scrgbClr r="0" g="0" b="0"/>
-      </a:fillRef>
-      <a:effectRef idx="0">
-        <a:scrgbClr r="0" g="0" b="0"/>
-      </a:effectRef>
-      <a:fontRef idx="minor">
-        <a:schemeClr val="lt1"/>
-      </a:fontRef>
-    </dgm:style>
-  </dgm:styleLbl>
-  <dgm:styleLbl name="node2">
-    <dgm:scene3d>
-      <a:camera prst="orthographicFront"/>
-      <a:lightRig rig="threePt" dir="t"/>
-    </dgm:scene3d>
-    <dgm:sp3d/>
-    <dgm:txPr/>
-    <dgm:style>
-      <a:lnRef idx="2">
-        <a:scrgbClr r="0" g="0" b="0"/>
-      </a:lnRef>
-      <a:fillRef idx="1">
-        <a:scrgbClr r="0" g="0" b="0"/>
-      </a:fillRef>
-      <a:effectRef idx="0">
-        <a:scrgbClr r="0" g="0" b="0"/>
-      </a:effectRef>
-      <a:fontRef idx="minor">
-        <a:schemeClr val="lt1"/>
-      </a:fontRef>
-    </dgm:style>
-  </dgm:styleLbl>
-  <dgm:styleLbl name="node3">
-    <dgm:scene3d>
-      <a:camera prst="orthographicFront"/>
-      <a:lightRig rig="threePt" dir="t"/>
-    </dgm:scene3d>
-    <dgm:sp3d/>
-    <dgm:txPr/>
-    <dgm:style>
-      <a:lnRef idx="2">
-        <a:scrgbClr r="0" g="0" b="0"/>
-      </a:lnRef>
-      <a:fillRef idx="1">
-        <a:scrgbClr r="0" g="0" b="0"/>
-      </a:fillRef>
-      <a:effectRef idx="0">
-        <a:scrgbClr r="0" g="0" b="0"/>
-      </a:effectRef>
-      <a:fontRef idx="minor">
-        <a:schemeClr val="lt1"/>
-      </a:fontRef>
-    </dgm:style>
-  </dgm:styleLbl>
-  <dgm:styleLbl name="node4">
-    <dgm:scene3d>
-      <a:camera prst="orthographicFront"/>
-      <a:lightRig rig="threePt" dir="t"/>
-    </dgm:scene3d>
-    <dgm:sp3d/>
-    <dgm:txPr/>
-    <dgm:style>
-      <a:lnRef idx="2">
-        <a:scrgbClr r="0" g="0" b="0"/>
-      </a:lnRef>
-      <a:fillRef idx="1">
-        <a:scrgbClr r="0" g="0" b="0"/>
-      </a:fillRef>
-      <a:effectRef idx="0">
-        <a:scrgbClr r="0" g="0" b="0"/>
-      </a:effectRef>
-      <a:fontRef idx="minor">
-        <a:schemeClr val="lt1"/>
-      </a:fontRef>
-    </dgm:style>
-  </dgm:styleLbl>
-  <dgm:styleLbl name="fgImgPlace1">
-    <dgm:scene3d>
-      <a:camera prst="orthographicFront"/>
-      <a:lightRig rig="threePt" dir="t"/>
-    </dgm:scene3d>
-    <dgm:sp3d/>
-    <dgm:txPr/>
-    <dgm:style>
-      <a:lnRef idx="2">
-        <a:scrgbClr r="0" g="0" b="0"/>
-      </a:lnRef>
-      <a:fillRef idx="1">
-        <a:scrgbClr r="0" g="0" b="0"/>
-      </a:fillRef>
-      <a:effectRef idx="0">
-        <a:scrgbClr r="0" g="0" b="0"/>
-      </a:effectRef>
-      <a:fontRef idx="minor"/>
-    </dgm:style>
-  </dgm:styleLbl>
-  <dgm:styleLbl name="alignImgPlace1">
-    <dgm:scene3d>
-      <a:camera prst="orthographicFront"/>
-      <a:lightRig rig="threePt" dir="t"/>
-    </dgm:scene3d>
-    <dgm:sp3d/>
-    <dgm:txPr/>
-    <dgm:style>
-      <a:lnRef idx="2">
-        <a:scrgbClr r="0" g="0" b="0"/>
-      </a:lnRef>
-      <a:fillRef idx="1">
-        <a:scrgbClr r="0" g="0" b="0"/>
-      </a:fillRef>
-      <a:effectRef idx="0">
-        <a:scrgbClr r="0" g="0" b="0"/>
-      </a:effectRef>
-      <a:fontRef idx="minor"/>
-    </dgm:style>
-  </dgm:styleLbl>
-  <dgm:styleLbl name="bgImgPlace1">
-    <dgm:scene3d>
-      <a:camera prst="orthographicFront"/>
-      <a:lightRig rig="threePt" dir="t"/>
-    </dgm:scene3d>
-    <dgm:sp3d/>
-    <dgm:txPr/>
-    <dgm:style>
-      <a:lnRef idx="2">
-        <a:scrgbClr r="0" g="0" b="0"/>
-      </a:lnRef>
-      <a:fillRef idx="1">
-        <a:scrgbClr r="0" g="0" b="0"/>
-      </a:fillRef>
-      <a:effectRef idx="0">
-        <a:scrgbClr r="0" g="0" b="0"/>
-      </a:effectRef>
-      <a:fontRef idx="minor"/>
-    </dgm:style>
-  </dgm:styleLbl>
-  <dgm:styleLbl name="sibTrans2D1">
-    <dgm:scene3d>
-      <a:camera prst="orthographicFront"/>
-      <a:lightRig rig="threePt" dir="t"/>
-    </dgm:scene3d>
-    <dgm:sp3d/>
-    <dgm:txPr/>
-    <dgm:style>
-      <a:lnRef idx="0">
-        <a:scrgbClr r="0" g="0" b="0"/>
-      </a:lnRef>
-      <a:fillRef idx="1">
-        <a:scrgbClr r="0" g="0" b="0"/>
-      </a:fillRef>
-      <a:effectRef idx="0">
-        <a:scrgbClr r="0" g="0" b="0"/>
-      </a:effectRef>
-      <a:fontRef idx="minor">
-        <a:schemeClr val="lt1"/>
-      </a:fontRef>
-    </dgm:style>
-  </dgm:styleLbl>
-  <dgm:styleLbl name="fgSibTrans2D1">
-    <dgm:scene3d>
-      <a:camera prst="orthographicFront"/>
-      <a:lightRig rig="threePt" dir="t"/>
-    </dgm:scene3d>
-    <dgm:sp3d/>
-    <dgm:txPr/>
-    <dgm:style>
-      <a:lnRef idx="0">
-        <a:scrgbClr r="0" g="0" b="0"/>
-      </a:lnRef>
-      <a:fillRef idx="1">
-        <a:scrgbClr r="0" g="0" b="0"/>
-      </a:fillRef>
-      <a:effectRef idx="0">
-        <a:scrgbClr r="0" g="0" b="0"/>
-      </a:effectRef>
-      <a:fontRef idx="minor">
-        <a:schemeClr val="lt1"/>
-      </a:fontRef>
-    </dgm:style>
-  </dgm:styleLbl>
-  <dgm:styleLbl name="bgSibTrans2D1">
-    <dgm:scene3d>
-      <a:camera prst="orthographicFront"/>
-      <a:lightRig rig="threePt" dir="t"/>
-    </dgm:scene3d>
-    <dgm:sp3d/>
-    <dgm:txPr/>
-    <dgm:style>
-      <a:lnRef idx="0">
-        <a:scrgbClr r="0" g="0" b="0"/>
-      </a:lnRef>
-      <a:fillRef idx="1">
-        <a:scrgbClr r="0" g="0" b="0"/>
-      </a:fillRef>
-      <a:effectRef idx="0">
-        <a:scrgbClr r="0" g="0" b="0"/>
-      </a:effectRef>
-      <a:fontRef idx="minor">
-        <a:schemeClr val="lt1"/>
-      </a:fontRef>
-    </dgm:style>
-  </dgm:styleLbl>
-  <dgm:styleLbl name="sibTrans1D1">
-    <dgm:scene3d>
-      <a:camera prst="orthographicFront"/>
-      <a:lightRig rig="threePt" dir="t"/>
-    </dgm:scene3d>
-    <dgm:sp3d/>
-    <dgm:txPr/>
-    <dgm:style>
-      <a:lnRef idx="1">
-        <a:scrgbClr r="0" g="0" b="0"/>
-      </a:lnRef>
-      <a:fillRef idx="0">
-        <a:scrgbClr r="0" g="0" b="0"/>
-      </a:fillRef>
-      <a:effectRef idx="0">
-        <a:scrgbClr r="0" g="0" b="0"/>
-      </a:effectRef>
-      <a:fontRef idx="minor"/>
-    </dgm:style>
-  </dgm:styleLbl>
-  <dgm:styleLbl name="callout">
-    <dgm:scene3d>
-      <a:camera prst="orthographicFront"/>
-      <a:lightRig rig="threePt" dir="t"/>
-    </dgm:scene3d>
-    <dgm:sp3d/>
-    <dgm:txPr/>
-    <dgm:style>
-      <a:lnRef idx="2">
-        <a:scrgbClr r="0" g="0" b="0"/>
-      </a:lnRef>
-      <a:fillRef idx="1">
-        <a:scrgbClr r="0" g="0" b="0"/>
-      </a:fillRef>
-      <a:effectRef idx="0">
-        <a:scrgbClr r="0" g="0" b="0"/>
-      </a:effectRef>
-      <a:fontRef idx="minor"/>
-    </dgm:style>
-  </dgm:styleLbl>
-  <dgm:styleLbl name="asst0">
-    <dgm:scene3d>
-      <a:camera prst="orthographicFront"/>
-      <a:lightRig rig="threePt" dir="t"/>
-    </dgm:scene3d>
-    <dgm:sp3d/>
-    <dgm:txPr/>
-    <dgm:style>
-      <a:lnRef idx="2">
-        <a:scrgbClr r="0" g="0" b="0"/>
-      </a:lnRef>
-      <a:fillRef idx="1">
-        <a:scrgbClr r="0" g="0" b="0"/>
-      </a:fillRef>
-      <a:effectRef idx="0">
-        <a:scrgbClr r="0" g="0" b="0"/>
-      </a:effectRef>
-      <a:fontRef idx="minor">
-        <a:schemeClr val="lt1"/>
-      </a:fontRef>
-    </dgm:style>
-  </dgm:styleLbl>
-  <dgm:styleLbl name="asst1">
-    <dgm:scene3d>
-      <a:camera prst="orthographicFront"/>
-      <a:lightRig rig="threePt" dir="t"/>
-    </dgm:scene3d>
-    <dgm:sp3d/>
-    <dgm:txPr/>
-    <dgm:style>
-      <a:lnRef idx="2">
-        <a:scrgbClr r="0" g="0" b="0"/>
-      </a:lnRef>
-      <a:fillRef idx="1">
-        <a:scrgbClr r="0" g="0" b="0"/>
-      </a:fillRef>
-      <a:effectRef idx="0">
-        <a:scrgbClr r="0" g="0" b="0"/>
-      </a:effectRef>
-      <a:fontRef idx="minor">
-        <a:schemeClr val="lt1"/>
-      </a:fontRef>
-    </dgm:style>
-  </dgm:styleLbl>
-  <dgm:styleLbl name="asst2">
-    <dgm:scene3d>
-      <a:camera prst="orthographicFront"/>
-      <a:lightRig rig="threePt" dir="t"/>
-    </dgm:scene3d>
-    <dgm:sp3d/>
-    <dgm:txPr/>
-    <dgm:style>
-      <a:lnRef idx="2">
-        <a:scrgbClr r="0" g="0" b="0"/>
-      </a:lnRef>
-      <a:fillRef idx="1">
-        <a:scrgbClr r="0" g="0" b="0"/>
-      </a:fillRef>
-      <a:effectRef idx="0">
-        <a:scrgbClr r="0" g="0" b="0"/>
-      </a:effectRef>
-      <a:fontRef idx="minor">
-        <a:schemeClr val="lt1"/>
-      </a:fontRef>
-    </dgm:style>
-  </dgm:styleLbl>
-  <dgm:styleLbl name="asst3">
-    <dgm:scene3d>
-      <a:camera prst="orthographicFront"/>
-      <a:lightRig rig="threePt" dir="t"/>
-    </dgm:scene3d>
-    <dgm:sp3d/>
-    <dgm:txPr/>
-    <dgm:style>
-      <a:lnRef idx="2">
-        <a:scrgbClr r="0" g="0" b="0"/>
-      </a:lnRef>
-      <a:fillRef idx="1">
-        <a:scrgbClr r="0" g="0" b="0"/>
-      </a:fillRef>
-      <a:effectRef idx="0">
-        <a:scrgbClr r="0" g="0" b="0"/>
-      </a:effectRef>
-      <a:fontRef idx="minor">
-        <a:schemeClr val="lt1"/>
-      </a:fontRef>
-    </dgm:style>
-  </dgm:styleLbl>
-  <dgm:styleLbl name="asst4">
-    <dgm:scene3d>
-      <a:camera prst="orthographicFront"/>
-      <a:lightRig rig="threePt" dir="t"/>
-    </dgm:scene3d>
-    <dgm:sp3d/>
-    <dgm:txPr/>
-    <dgm:style>
-      <a:lnRef idx="2">
-        <a:scrgbClr r="0" g="0" b="0"/>
-      </a:lnRef>
-      <a:fillRef idx="1">
-        <a:scrgbClr r="0" g="0" b="0"/>
-      </a:fillRef>
-      <a:effectRef idx="0">
-        <a:scrgbClr r="0" g="0" b="0"/>
-      </a:effectRef>
-      <a:fontRef idx="minor">
-        <a:schemeClr val="lt1"/>
-      </a:fontRef>
-    </dgm:style>
-  </dgm:styleLbl>
-  <dgm:styleLbl name="parChTrans2D1">
-    <dgm:scene3d>
-      <a:camera prst="orthographicFront"/>
-      <a:lightRig rig="threePt" dir="t"/>
-    </dgm:scene3d>
-    <dgm:sp3d/>
-    <dgm:txPr/>
-    <dgm:style>
-      <a:lnRef idx="2">
-        <a:scrgbClr r="0" g="0" b="0"/>
-      </a:lnRef>
-      <a:fillRef idx="1">
-        <a:scrgbClr r="0" g="0" b="0"/>
-      </a:fillRef>
-      <a:effectRef idx="0">
-        <a:scrgbClr r="0" g="0" b="0"/>
-      </a:effectRef>
-      <a:fontRef idx="minor">
-        <a:schemeClr val="lt1"/>
-      </a:fontRef>
-    </dgm:style>
-  </dgm:styleLbl>
-  <dgm:styleLbl name="parChTrans2D2">
-    <dgm:scene3d>
-      <a:camera prst="orthographicFront"/>
-      <a:lightRig rig="threePt" dir="t"/>
-    </dgm:scene3d>
-    <dgm:sp3d/>
-    <dgm:txPr/>
-    <dgm:style>
-      <a:lnRef idx="2">
-        <a:scrgbClr r="0" g="0" b="0"/>
-      </a:lnRef>
-      <a:fillRef idx="1">
-        <a:scrgbClr r="0" g="0" b="0"/>
-      </a:fillRef>
-      <a:effectRef idx="0">
-        <a:scrgbClr r="0" g="0" b="0"/>
-      </a:effectRef>
-      <a:fontRef idx="minor">
-        <a:schemeClr val="lt1"/>
-      </a:fontRef>
-    </dgm:style>
-  </dgm:styleLbl>
-  <dgm:styleLbl name="parChTrans2D3">
-    <dgm:scene3d>
-      <a:camera prst="orthographicFront"/>
-      <a:lightRig rig="threePt" dir="t"/>
-    </dgm:scene3d>
-    <dgm:sp3d/>
-    <dgm:txPr/>
-    <dgm:style>
-      <a:lnRef idx="2">
-        <a:scrgbClr r="0" g="0" b="0"/>
-      </a:lnRef>
-      <a:fillRef idx="1">
-        <a:scrgbClr r="0" g="0" b="0"/>
-      </a:fillRef>
-      <a:effectRef idx="0">
-        <a:scrgbClr r="0" g="0" b="0"/>
-      </a:effectRef>
-      <a:fontRef idx="minor">
-        <a:schemeClr val="lt1"/>
-      </a:fontRef>
-    </dgm:style>
-  </dgm:styleLbl>
-  <dgm:styleLbl name="parChTrans2D4">
-    <dgm:scene3d>
-      <a:camera prst="orthographicFront"/>
-      <a:lightRig rig="threePt" dir="t"/>
-    </dgm:scene3d>
-    <dgm:sp3d/>
-    <dgm:txPr/>
-    <dgm:style>
-      <a:lnRef idx="2">
-        <a:scrgbClr r="0" g="0" b="0"/>
-      </a:lnRef>
-      <a:fillRef idx="1">
-        <a:scrgbClr r="0" g="0" b="0"/>
-      </a:fillRef>
-      <a:effectRef idx="0">
-        <a:scrgbClr r="0" g="0" b="0"/>
-      </a:effectRef>
-      <a:fontRef idx="minor">
-        <a:schemeClr val="lt1"/>
-      </a:fontRef>
-    </dgm:style>
-  </dgm:styleLbl>
-  <dgm:styleLbl name="parChTrans1D1">
-    <dgm:scene3d>
-      <a:camera prst="orthographicFront"/>
-      <a:lightRig rig="threePt" dir="t"/>
-    </dgm:scene3d>
-    <dgm:sp3d/>
-    <dgm:txPr/>
-    <dgm:style>
-      <a:lnRef idx="2">
-        <a:scrgbClr r="0" g="0" b="0"/>
-      </a:lnRef>
-      <a:fillRef idx="0">
-        <a:scrgbClr r="0" g="0" b="0"/>
-      </a:fillRef>
-      <a:effectRef idx="0">
-        <a:scrgbClr r="0" g="0" b="0"/>
-      </a:effectRef>
-      <a:fontRef idx="minor"/>
-    </dgm:style>
-  </dgm:styleLbl>
-  <dgm:styleLbl name="parChTrans1D2">
-    <dgm:scene3d>
-      <a:camera prst="orthographicFront"/>
-      <a:lightRig rig="threePt" dir="t"/>
-    </dgm:scene3d>
-    <dgm:sp3d/>
-    <dgm:txPr/>
-    <dgm:style>
-      <a:lnRef idx="2">
-        <a:scrgbClr r="0" g="0" b="0"/>
-      </a:lnRef>
-      <a:fillRef idx="0">
-        <a:scrgbClr r="0" g="0" b="0"/>
-      </a:fillRef>
-      <a:effectRef idx="0">
-        <a:scrgbClr r="0" g="0" b="0"/>
-      </a:effectRef>
-      <a:fontRef idx="minor"/>
-    </dgm:style>
-  </dgm:styleLbl>
-  <dgm:styleLbl name="parChTrans1D3">
-    <dgm:scene3d>
-      <a:camera prst="orthographicFront"/>
-      <a:lightRig rig="threePt" dir="t"/>
-    </dgm:scene3d>
-    <dgm:sp3d/>
-    <dgm:txPr/>
-    <dgm:style>
-      <a:lnRef idx="2">
-        <a:scrgbClr r="0" g="0" b="0"/>
-      </a:lnRef>
-      <a:fillRef idx="0">
-        <a:scrgbClr r="0" g="0" b="0"/>
-      </a:fillRef>
-      <a:effectRef idx="0">
-        <a:scrgbClr r="0" g="0" b="0"/>
-      </a:effectRef>
-      <a:fontRef idx="minor"/>
-    </dgm:style>
-  </dgm:styleLbl>
-  <dgm:styleLbl name="parChTrans1D4">
-    <dgm:scene3d>
-      <a:camera prst="orthographicFront"/>
-      <a:lightRig rig="threePt" dir="t"/>
-    </dgm:scene3d>
-    <dgm:sp3d/>
-    <dgm:txPr/>
-    <dgm:style>
-      <a:lnRef idx="2">
-        <a:scrgbClr r="0" g="0" b="0"/>
-      </a:lnRef>
-      <a:fillRef idx="0">
-        <a:scrgbClr r="0" g="0" b="0"/>
-      </a:fillRef>
-      <a:effectRef idx="0">
-        <a:scrgbClr r="0" g="0" b="0"/>
-      </a:effectRef>
-      <a:fontRef idx="minor"/>
-    </dgm:style>
-  </dgm:styleLbl>
-  <dgm:styleLbl name="fgAcc1">
-    <dgm:scene3d>
-      <a:camera prst="orthographicFront"/>
-      <a:lightRig rig="threePt" dir="t"/>
-    </dgm:scene3d>
-    <dgm:sp3d/>
-    <dgm:txPr/>
-    <dgm:style>
-      <a:lnRef idx="2">
-        <a:scrgbClr r="0" g="0" b="0"/>
-      </a:lnRef>
-      <a:fillRef idx="1">
-        <a:scrgbClr r="0" g="0" b="0"/>
-      </a:fillRef>
-      <a:effectRef idx="0">
-        <a:scrgbClr r="0" g="0" b="0"/>
-      </a:effectRef>
-      <a:fontRef idx="minor"/>
-    </dgm:style>
-  </dgm:styleLbl>
-  <dgm:styleLbl name="conFgAcc1">
-    <dgm:scene3d>
-      <a:camera prst="orthographicFront"/>
-      <a:lightRig rig="threePt" dir="t"/>
-    </dgm:scene3d>
-    <dgm:sp3d/>
-    <dgm:txPr/>
-    <dgm:style>
-      <a:lnRef idx="2">
-        <a:scrgbClr r="0" g="0" b="0"/>
-      </a:lnRef>
-      <a:fillRef idx="1">
-        <a:scrgbClr r="0" g="0" b="0"/>
-      </a:fillRef>
-      <a:effectRef idx="0">
-        <a:scrgbClr r="0" g="0" b="0"/>
-      </a:effectRef>
-      <a:fontRef idx="minor"/>
-    </dgm:style>
-  </dgm:styleLbl>
-  <dgm:styleLbl name="alignAcc1">
-    <dgm:scene3d>
-      <a:camera prst="orthographicFront"/>
-      <a:lightRig rig="threePt" dir="t"/>
-    </dgm:scene3d>
-    <dgm:sp3d/>
-    <dgm:txPr/>
-    <dgm:style>
-      <a:lnRef idx="2">
-        <a:scrgbClr r="0" g="0" b="0"/>
-      </a:lnRef>
-      <a:fillRef idx="1">
-        <a:scrgbClr r="0" g="0" b="0"/>
-      </a:fillRef>
-      <a:effectRef idx="0">
-        <a:scrgbClr r="0" g="0" b="0"/>
-      </a:effectRef>
-      <a:fontRef idx="minor"/>
-    </dgm:style>
-  </dgm:styleLbl>
-  <dgm:styleLbl name="trAlignAcc1">
-    <dgm:scene3d>
-      <a:camera prst="orthographicFront"/>
-      <a:lightRig rig="threePt" dir="t"/>
-    </dgm:scene3d>
-    <dgm:sp3d/>
-    <dgm:txPr/>
-    <dgm:style>
-      <a:lnRef idx="1">
-        <a:scrgbClr r="0" g="0" b="0"/>
-      </a:lnRef>
-      <a:fillRef idx="1">
-        <a:scrgbClr r="0" g="0" b="0"/>
-      </a:fillRef>
-      <a:effectRef idx="0">
-        <a:scrgbClr r="0" g="0" b="0"/>
-      </a:effectRef>
-      <a:fontRef idx="minor"/>
-    </dgm:style>
-  </dgm:styleLbl>
-  <dgm:styleLbl name="bgAcc1">
-    <dgm:scene3d>
-      <a:camera prst="orthographicFront"/>
-      <a:lightRig rig="threePt" dir="t"/>
-    </dgm:scene3d>
-    <dgm:sp3d/>
-    <dgm:txPr/>
-    <dgm:style>
-      <a:lnRef idx="2">
-        <a:scrgbClr r="0" g="0" b="0"/>
-      </a:lnRef>
-      <a:fillRef idx="1">
-        <a:scrgbClr r="0" g="0" b="0"/>
-      </a:fillRef>
-      <a:effectRef idx="0">
-        <a:scrgbClr r="0" g="0" b="0"/>
-      </a:effectRef>
-      <a:fontRef idx="minor"/>
-    </dgm:style>
-  </dgm:styleLbl>
-  <dgm:styleLbl name="solidFgAcc1">
-    <dgm:scene3d>
-      <a:camera prst="orthographicFront"/>
-      <a:lightRig rig="threePt" dir="t"/>
-    </dgm:scene3d>
-    <dgm:sp3d/>
-    <dgm:txPr/>
-    <dgm:style>
-      <a:lnRef idx="2">
-        <a:scrgbClr r="0" g="0" b="0"/>
-      </a:lnRef>
-      <a:fillRef idx="1">
-        <a:scrgbClr r="0" g="0" b="0"/>
-      </a:fillRef>
-      <a:effectRef idx="0">
-        <a:scrgbClr r="0" g="0" b="0"/>
-      </a:effectRef>
-      <a:fontRef idx="minor"/>
-    </dgm:style>
-  </dgm:styleLbl>
-  <dgm:styleLbl name="solidAlignAcc1">
-    <dgm:scene3d>
-      <a:camera prst="orthographicFront"/>
-      <a:lightRig rig="threePt" dir="t"/>
-    </dgm:scene3d>
-    <dgm:sp3d/>
-    <dgm:txPr/>
-    <dgm:style>
-      <a:lnRef idx="2">
-        <a:scrgbClr r="0" g="0" b="0"/>
-      </a:lnRef>
-      <a:fillRef idx="1">
-        <a:scrgbClr r="0" g="0" b="0"/>
-      </a:fillRef>
-      <a:effectRef idx="0">
-        <a:scrgbClr r="0" g="0" b="0"/>
-      </a:effectRef>
-      <a:fontRef idx="minor"/>
-    </dgm:style>
-  </dgm:styleLbl>
-  <dgm:styleLbl name="solidBgAcc1">
-    <dgm:scene3d>
-      <a:camera prst="orthographicFront"/>
-      <a:lightRig rig="threePt" dir="t"/>
-    </dgm:scene3d>
-    <dgm:sp3d/>
-    <dgm:txPr/>
-    <dgm:style>
-      <a:lnRef idx="2">
-        <a:scrgbClr r="0" g="0" b="0"/>
-      </a:lnRef>
-      <a:fillRef idx="1">
-        <a:scrgbClr r="0" g="0" b="0"/>
-      </a:fillRef>
-      <a:effectRef idx="0">
-        <a:scrgbClr r="0" g="0" b="0"/>
-      </a:effectRef>
-      <a:fontRef idx="minor"/>
-    </dgm:style>
-  </dgm:styleLbl>
-  <dgm:styleLbl name="fgAccFollowNode1">
-    <dgm:scene3d>
-      <a:camera prst="orthographicFront"/>
-      <a:lightRig rig="threePt" dir="t"/>
-    </dgm:scene3d>
-    <dgm:sp3d/>
-    <dgm:txPr/>
-    <dgm:style>
-      <a:lnRef idx="2">
-        <a:scrgbClr r="0" g="0" b="0"/>
-      </a:lnRef>
-      <a:fillRef idx="1">
-        <a:scrgbClr r="0" g="0" b="0"/>
-      </a:fillRef>
-      <a:effectRef idx="0">
-        <a:scrgbClr r="0" g="0" b="0"/>
-      </a:effectRef>
-      <a:fontRef idx="minor"/>
-    </dgm:style>
-  </dgm:styleLbl>
-  <dgm:styleLbl name="alignAccFollowNode1">
-    <dgm:scene3d>
-      <a:camera prst="orthographicFront"/>
-      <a:lightRig rig="threePt" dir="t"/>
-    </dgm:scene3d>
-    <dgm:sp3d/>
-    <dgm:txPr/>
-    <dgm:style>
-      <a:lnRef idx="2">
-        <a:scrgbClr r="0" g="0" b="0"/>
-      </a:lnRef>
-      <a:fillRef idx="1">
-        <a:scrgbClr r="0" g="0" b="0"/>
-      </a:fillRef>
-      <a:effectRef idx="0">
-        <a:scrgbClr r="0" g="0" b="0"/>
-      </a:effectRef>
-      <a:fontRef idx="minor"/>
-    </dgm:style>
-  </dgm:styleLbl>
-  <dgm:styleLbl name="bgAccFollowNode1">
-    <dgm:scene3d>
-      <a:camera prst="orthographicFront"/>
-      <a:lightRig rig="threePt" dir="t"/>
-    </dgm:scene3d>
-    <dgm:sp3d/>
-    <dgm:txPr/>
-    <dgm:style>
-      <a:lnRef idx="2">
-        <a:scrgbClr r="0" g="0" b="0"/>
-      </a:lnRef>
-      <a:fillRef idx="1">
-        <a:scrgbClr r="0" g="0" b="0"/>
-      </a:fillRef>
-      <a:effectRef idx="0">
-        <a:scrgbClr r="0" g="0" b="0"/>
-      </a:effectRef>
-      <a:fontRef idx="minor"/>
-    </dgm:style>
-  </dgm:styleLbl>
-  <dgm:styleLbl name="fgAcc0">
-    <dgm:scene3d>
-      <a:camera prst="orthographicFront"/>
-      <a:lightRig rig="threePt" dir="t"/>
-    </dgm:scene3d>
-    <dgm:sp3d/>
-    <dgm:txPr/>
-    <dgm:style>
-      <a:lnRef idx="2">
-        <a:scrgbClr r="0" g="0" b="0"/>
-      </a:lnRef>
-      <a:fillRef idx="1">
-        <a:scrgbClr r="0" g="0" b="0"/>
-      </a:fillRef>
-      <a:effectRef idx="0">
-        <a:scrgbClr r="0" g="0" b="0"/>
-      </a:effectRef>
-      <a:fontRef idx="minor"/>
-    </dgm:style>
-  </dgm:styleLbl>
-  <dgm:styleLbl name="fgAcc2">
-    <dgm:scene3d>
-      <a:camera prst="orthographicFront"/>
-      <a:lightRig rig="threePt" dir="t"/>
-    </dgm:scene3d>
-    <dgm:sp3d/>
-    <dgm:txPr/>
-    <dgm:style>
-      <a:lnRef idx="2">
-        <a:scrgbClr r="0" g="0" b="0"/>
-      </a:lnRef>
-      <a:fillRef idx="1">
-        <a:scrgbClr r="0" g="0" b="0"/>
-      </a:fillRef>
-      <a:effectRef idx="0">
-        <a:scrgbClr r="0" g="0" b="0"/>
-      </a:effectRef>
-      <a:fontRef idx="minor"/>
-    </dgm:style>
-  </dgm:styleLbl>
-  <dgm:styleLbl name="fgAcc3">
-    <dgm:scene3d>
-      <a:camera prst="orthographicFront"/>
-      <a:lightRig rig="threePt" dir="t"/>
-    </dgm:scene3d>
-    <dgm:sp3d/>
-    <dgm:txPr/>
-    <dgm:style>
-      <a:lnRef idx="2">
-        <a:scrgbClr r="0" g="0" b="0"/>
-      </a:lnRef>
-      <a:fillRef idx="1">
-        <a:scrgbClr r="0" g="0" b="0"/>
-      </a:fillRef>
-      <a:effectRef idx="0">
-        <a:scrgbClr r="0" g="0" b="0"/>
-      </a:effectRef>
-      <a:fontRef idx="minor"/>
-    </dgm:style>
-  </dgm:styleLbl>
-  <dgm:styleLbl name="fgAcc4">
-    <dgm:scene3d>
-      <a:camera prst="orthographicFront"/>
-      <a:lightRig rig="threePt" dir="t"/>
-    </dgm:scene3d>
-    <dgm:sp3d/>
-    <dgm:txPr/>
-    <dgm:style>
-      <a:lnRef idx="2">
-        <a:scrgbClr r="0" g="0" b="0"/>
-      </a:lnRef>
-      <a:fillRef idx="1">
-        <a:scrgbClr r="0" g="0" b="0"/>
-      </a:fillRef>
-      <a:effectRef idx="0">
-        <a:scrgbClr r="0" g="0" b="0"/>
-      </a:effectRef>
-      <a:fontRef idx="minor"/>
-    </dgm:style>
-  </dgm:styleLbl>
-  <dgm:styleLbl name="bgShp">
-    <dgm:scene3d>
-      <a:camera prst="orthographicFront"/>
-      <a:lightRig rig="threePt" dir="t"/>
-    </dgm:scene3d>
-    <dgm:sp3d/>
-    <dgm:txPr/>
-    <dgm:style>
-      <a:lnRef idx="0">
-        <a:scrgbClr r="0" g="0" b="0"/>
-      </a:lnRef>
-      <a:fillRef idx="1">
-        <a:scrgbClr r="0" g="0" b="0"/>
-      </a:fillRef>
-      <a:effectRef idx="0">
-        <a:scrgbClr r="0" g="0" b="0"/>
-      </a:effectRef>
-      <a:fontRef idx="minor"/>
-    </dgm:style>
-  </dgm:styleLbl>
-  <dgm:styleLbl name="dkBgShp">
-    <dgm:scene3d>
-      <a:camera prst="orthographicFront"/>
-      <a:lightRig rig="threePt" dir="t"/>
-    </dgm:scene3d>
-    <dgm:sp3d/>
-    <dgm:txPr/>
-    <dgm:style>
-      <a:lnRef idx="0">
-        <a:scrgbClr r="0" g="0" b="0"/>
-      </a:lnRef>
-      <a:fillRef idx="1">
-        <a:scrgbClr r="0" g="0" b="0"/>
-      </a:fillRef>
-      <a:effectRef idx="0">
-        <a:scrgbClr r="0" g="0" b="0"/>
-      </a:effectRef>
-      <a:fontRef idx="minor"/>
-    </dgm:style>
-  </dgm:styleLbl>
-  <dgm:styleLbl name="trBgShp">
-    <dgm:scene3d>
-      <a:camera prst="orthographicFront"/>
-      <a:lightRig rig="threePt" dir="t"/>
-    </dgm:scene3d>
-    <dgm:sp3d/>
-    <dgm:txPr/>
-    <dgm:style>
-      <a:lnRef idx="0">
-        <a:scrgbClr r="0" g="0" b="0"/>
-      </a:lnRef>
-      <a:fillRef idx="1">
-        <a:scrgbClr r="0" g="0" b="0"/>
-      </a:fillRef>
-      <a:effectRef idx="0">
-        <a:scrgbClr r="0" g="0" b="0"/>
-      </a:effectRef>
-      <a:fontRef idx="minor"/>
-    </dgm:style>
-  </dgm:styleLbl>
-  <dgm:styleLbl name="fgShp">
-    <dgm:scene3d>
-      <a:camera prst="orthographicFront"/>
-      <a:lightRig rig="threePt" dir="t"/>
-    </dgm:scene3d>
-    <dgm:sp3d/>
-    <dgm:txPr/>
-    <dgm:style>
-      <a:lnRef idx="2">
-        <a:scrgbClr r="0" g="0" b="0"/>
-      </a:lnRef>
-      <a:fillRef idx="1">
-        <a:scrgbClr r="0" g="0" b="0"/>
-      </a:fillRef>
-      <a:effectRef idx="0">
-        <a:scrgbClr r="0" g="0" b="0"/>
-      </a:effectRef>
-      <a:fontRef idx="minor"/>
-    </dgm:style>
-  </dgm:styleLbl>
-  <dgm:styleLbl name="revTx">
-    <dgm:scene3d>
-      <a:camera prst="orthographicFront"/>
-      <a:lightRig rig="threePt" dir="t"/>
-    </dgm:scene3d>
-    <dgm:sp3d/>
-    <dgm:txPr/>
-    <dgm:style>
-      <a:lnRef idx="0">
-        <a:scrgbClr r="0" g="0" b="0"/>
-      </a:lnRef>
-      <a:fillRef idx="0">
-        <a:scrgbClr r="0" g="0" b="0"/>
-      </a:fillRef>
-      <a:effectRef idx="0">
-        <a:scrgbClr r="0" g="0" b="0"/>
-      </a:effectRef>
-      <a:fontRef idx="minor"/>
-    </dgm:style>
-  </dgm:styleLbl>
-</dgm:styleDef>
-</file>
-
-<file path=ppt/diagrams/quickStyle3.xml><?xml version="1.0" encoding="utf-8"?>
 <dgm:styleDef xmlns:dgm="http://schemas.openxmlformats.org/drawingml/2006/diagram" xmlns:a="http://schemas.openxmlformats.org/drawingml/2006/main" uniqueId="urn:microsoft.com/office/officeart/2005/8/quickstyle/simple1">
   <dgm:title val=""/>
   <dgm:desc val=""/>
@@ -13108,473 +10211,6 @@
           <a:chExt cx="0" cy="0"/>
         </a:xfrm>
       </p:grpSpPr>
-      <p:sp useBgFill="1">
-        <p:nvSpPr>
-          <p:cNvPr id="29" name="Rectangle 22">
-            <a:extLst>
-              <a:ext uri="{FF2B5EF4-FFF2-40B4-BE49-F238E27FC236}">
-                <a16:creationId xmlns:a16="http://schemas.microsoft.com/office/drawing/2014/main" id="{73734CDA-1CE8-4F1C-B0B3-AAB252B0135C}"/>
-              </a:ext>
-              <a:ext uri="{C183D7F6-B498-43B3-948B-1728B52AA6E4}">
-                <adec:decorative xmlns:adec="http://schemas.microsoft.com/office/drawing/2017/decorative" val="1"/>
-              </a:ext>
-            </a:extLst>
-          </p:cNvPr>
-          <p:cNvSpPr>
-            <a:spLocks noGrp="1" noRot="1" noChangeAspect="1" noMove="1" noResize="1" noEditPoints="1" noAdjustHandles="1" noChangeArrowheads="1" noChangeShapeType="1" noTextEdit="1"/>
-          </p:cNvSpPr>
-          <p:nvPr>
-            <p:extLst>
-              <p:ext uri="{386F3935-93C4-4BCD-93E2-E3B085C9AB24}">
-                <p16:designElem xmlns:p16="http://schemas.microsoft.com/office/powerpoint/2015/main" val="1"/>
-              </p:ext>
-            </p:extLst>
-          </p:nvPr>
-        </p:nvSpPr>
-        <p:spPr>
-          <a:xfrm>
-            <a:off x="0" y="0"/>
-            <a:ext cx="12192001" cy="6858000"/>
-          </a:xfrm>
-          <a:prstGeom prst="rect">
-            <a:avLst/>
-          </a:prstGeom>
-          <a:ln>
-            <a:noFill/>
-          </a:ln>
-        </p:spPr>
-        <p:style>
-          <a:lnRef idx="2">
-            <a:schemeClr val="accent1">
-              <a:shade val="50000"/>
-            </a:schemeClr>
-          </a:lnRef>
-          <a:fillRef idx="1">
-            <a:schemeClr val="accent1"/>
-          </a:fillRef>
-          <a:effectRef idx="0">
-            <a:schemeClr val="accent1"/>
-          </a:effectRef>
-          <a:fontRef idx="minor">
-            <a:schemeClr val="lt1"/>
-          </a:fontRef>
-        </p:style>
-        <p:txBody>
-          <a:bodyPr rtlCol="0" anchor="ctr"/>
-          <a:lstStyle/>
-          <a:p>
-            <a:pPr algn="ctr"/>
-            <a:endParaRPr lang="en-US"/>
-          </a:p>
-        </p:txBody>
-      </p:sp>
-      <p:sp>
-        <p:nvSpPr>
-          <p:cNvPr id="2" name="Title 1">
-            <a:extLst>
-              <a:ext uri="{FF2B5EF4-FFF2-40B4-BE49-F238E27FC236}">
-                <a16:creationId xmlns:a16="http://schemas.microsoft.com/office/drawing/2014/main" id="{74CAAFD7-329A-481E-9E13-85FEC36A873D}"/>
-              </a:ext>
-            </a:extLst>
-          </p:cNvPr>
-          <p:cNvSpPr>
-            <a:spLocks noGrp="1"/>
-          </p:cNvSpPr>
-          <p:nvPr>
-            <p:ph type="title"/>
-          </p:nvPr>
-        </p:nvSpPr>
-        <p:spPr>
-          <a:xfrm>
-            <a:off x="4974771" y="634946"/>
-            <a:ext cx="6574972" cy="1450757"/>
-          </a:xfrm>
-        </p:spPr>
-        <p:txBody>
-          <a:bodyPr>
-            <a:normAutofit/>
-          </a:bodyPr>
-          <a:lstStyle/>
-          <a:p>
-            <a:r>
-              <a:rPr lang="en-IN" dirty="0"/>
-              <a:t>Sensor Mechanism</a:t>
-            </a:r>
-          </a:p>
-        </p:txBody>
-      </p:sp>
-      <p:pic>
-        <p:nvPicPr>
-          <p:cNvPr id="5" name="Content Placeholder 6">
-            <a:extLst>
-              <a:ext uri="{FF2B5EF4-FFF2-40B4-BE49-F238E27FC236}">
-                <a16:creationId xmlns:a16="http://schemas.microsoft.com/office/drawing/2014/main" id="{6958D3CC-B161-4E59-B56D-E70CE23ADF02}"/>
-              </a:ext>
-            </a:extLst>
-          </p:cNvPr>
-          <p:cNvPicPr>
-            <a:picLocks noChangeAspect="1"/>
-          </p:cNvPicPr>
-          <p:nvPr/>
-        </p:nvPicPr>
-        <p:blipFill>
-          <a:blip r:embed="rId2"/>
-          <a:stretch>
-            <a:fillRect/>
-          </a:stretch>
-        </p:blipFill>
-        <p:spPr>
-          <a:xfrm>
-            <a:off x="636274" y="2921819"/>
-            <a:ext cx="3695179" cy="1856827"/>
-          </a:xfrm>
-          <a:prstGeom prst="rect">
-            <a:avLst/>
-          </a:prstGeom>
-        </p:spPr>
-      </p:pic>
-      <p:cxnSp>
-        <p:nvCxnSpPr>
-          <p:cNvPr id="30" name="Straight Connector 24">
-            <a:extLst>
-              <a:ext uri="{FF2B5EF4-FFF2-40B4-BE49-F238E27FC236}">
-                <a16:creationId xmlns:a16="http://schemas.microsoft.com/office/drawing/2014/main" id="{D7143990-FA50-4B23-AE6D-E17D22F52676}"/>
-              </a:ext>
-              <a:ext uri="{C183D7F6-B498-43B3-948B-1728B52AA6E4}">
-                <adec:decorative xmlns:adec="http://schemas.microsoft.com/office/drawing/2017/decorative" val="1"/>
-              </a:ext>
-            </a:extLst>
-          </p:cNvPr>
-          <p:cNvCxnSpPr>
-            <a:cxnSpLocks noGrp="1" noRot="1" noChangeAspect="1" noMove="1" noResize="1" noEditPoints="1" noAdjustHandles="1" noChangeArrowheads="1" noChangeShapeType="1"/>
-          </p:cNvCxnSpPr>
-          <p:nvPr>
-            <p:extLst>
-              <p:ext uri="{386F3935-93C4-4BCD-93E2-E3B085C9AB24}">
-                <p16:designElem xmlns:p16="http://schemas.microsoft.com/office/powerpoint/2015/main" val="1"/>
-              </p:ext>
-            </p:extLst>
-          </p:nvPr>
-        </p:nvCxnSpPr>
-        <p:spPr>
-          <a:xfrm>
-            <a:off x="5063482" y="2246569"/>
-            <a:ext cx="5852160" cy="0"/>
-          </a:xfrm>
-          <a:prstGeom prst="line">
-            <a:avLst/>
-          </a:prstGeom>
-          <a:ln w="12700">
-            <a:solidFill>
-              <a:schemeClr val="tx1">
-                <a:lumMod val="75000"/>
-                <a:lumOff val="25000"/>
-              </a:schemeClr>
-            </a:solidFill>
-          </a:ln>
-        </p:spPr>
-        <p:style>
-          <a:lnRef idx="1">
-            <a:schemeClr val="accent1"/>
-          </a:lnRef>
-          <a:fillRef idx="0">
-            <a:schemeClr val="accent1"/>
-          </a:fillRef>
-          <a:effectRef idx="0">
-            <a:schemeClr val="accent1"/>
-          </a:effectRef>
-          <a:fontRef idx="minor">
-            <a:schemeClr val="tx1"/>
-          </a:fontRef>
-        </p:style>
-      </p:cxnSp>
-      <p:sp>
-        <p:nvSpPr>
-          <p:cNvPr id="3" name="Content Placeholder 2">
-            <a:extLst>
-              <a:ext uri="{FF2B5EF4-FFF2-40B4-BE49-F238E27FC236}">
-                <a16:creationId xmlns:a16="http://schemas.microsoft.com/office/drawing/2014/main" id="{3BCCDE26-8F4D-42D5-9873-E3049580C63E}"/>
-              </a:ext>
-            </a:extLst>
-          </p:cNvPr>
-          <p:cNvSpPr>
-            <a:spLocks noGrp="1"/>
-          </p:cNvSpPr>
-          <p:nvPr>
-            <p:ph idx="1"/>
-          </p:nvPr>
-        </p:nvSpPr>
-        <p:spPr>
-          <a:xfrm>
-            <a:off x="4973711" y="2407436"/>
-            <a:ext cx="6576032" cy="3461657"/>
-          </a:xfrm>
-        </p:spPr>
-        <p:txBody>
-          <a:bodyPr>
-            <a:normAutofit/>
-          </a:bodyPr>
-          <a:lstStyle/>
-          <a:p>
-            <a:endParaRPr lang="en-US" b="0" i="0" dirty="0">
-              <a:effectLst/>
-              <a:latin typeface="Times New Roman" panose="02020603050405020304" pitchFamily="18" charset="0"/>
-              <a:cs typeface="Times New Roman" panose="02020603050405020304" pitchFamily="18" charset="0"/>
-            </a:endParaRPr>
-          </a:p>
-          <a:p>
-            <a:r>
-              <a:rPr lang="en-IN" dirty="0"/>
-              <a:t>The current status of each spot is transmitted from the sensor to the Cloud, which in turn updates real time status of parking spot availability on the App. This will help Users of the number, type and location of available spaces at particular parking spot.</a:t>
-            </a:r>
-            <a:br>
-              <a:rPr lang="en-IN" dirty="0"/>
-            </a:br>
-            <a:r>
-              <a:rPr lang="en-IN" dirty="0"/>
-              <a:t>Sensor will send data to cloud; backend will read that data and will update database so that real time status will get change on frontend.</a:t>
-            </a:r>
-            <a:endParaRPr lang="en-US" b="0" i="0" dirty="0">
-              <a:effectLst/>
-              <a:latin typeface="Times New Roman" panose="02020603050405020304" pitchFamily="18" charset="0"/>
-              <a:cs typeface="Times New Roman" panose="02020603050405020304" pitchFamily="18" charset="0"/>
-            </a:endParaRPr>
-          </a:p>
-        </p:txBody>
-      </p:sp>
-      <p:sp>
-        <p:nvSpPr>
-          <p:cNvPr id="31" name="Rectangle 26">
-            <a:extLst>
-              <a:ext uri="{FF2B5EF4-FFF2-40B4-BE49-F238E27FC236}">
-                <a16:creationId xmlns:a16="http://schemas.microsoft.com/office/drawing/2014/main" id="{3BD57AB6-3172-4520-B22E-FCD0184F3BA3}"/>
-              </a:ext>
-              <a:ext uri="{C183D7F6-B498-43B3-948B-1728B52AA6E4}">
-                <adec:decorative xmlns:adec="http://schemas.microsoft.com/office/drawing/2017/decorative" val="1"/>
-              </a:ext>
-            </a:extLst>
-          </p:cNvPr>
-          <p:cNvSpPr>
-            <a:spLocks noGrp="1" noRot="1" noChangeAspect="1" noMove="1" noResize="1" noEditPoints="1" noAdjustHandles="1" noChangeArrowheads="1" noChangeShapeType="1" noTextEdit="1"/>
-          </p:cNvSpPr>
-          <p:nvPr>
-            <p:extLst>
-              <p:ext uri="{386F3935-93C4-4BCD-93E2-E3B085C9AB24}">
-                <p16:designElem xmlns:p16="http://schemas.microsoft.com/office/powerpoint/2015/main" val="1"/>
-              </p:ext>
-            </p:extLst>
-          </p:nvPr>
-        </p:nvSpPr>
-        <p:spPr>
-          <a:xfrm>
-            <a:off x="0" y="6400800"/>
-            <a:ext cx="12192000" cy="457200"/>
-          </a:xfrm>
-          <a:prstGeom prst="rect">
-            <a:avLst/>
-          </a:prstGeom>
-          <a:solidFill>
-            <a:srgbClr val="262626"/>
-          </a:solidFill>
-          <a:ln>
-            <a:noFill/>
-          </a:ln>
-        </p:spPr>
-        <p:style>
-          <a:lnRef idx="2">
-            <a:schemeClr val="accent1">
-              <a:shade val="50000"/>
-            </a:schemeClr>
-          </a:lnRef>
-          <a:fillRef idx="1">
-            <a:schemeClr val="accent1"/>
-          </a:fillRef>
-          <a:effectRef idx="0">
-            <a:schemeClr val="accent1"/>
-          </a:effectRef>
-          <a:fontRef idx="minor">
-            <a:schemeClr val="lt1"/>
-          </a:fontRef>
-        </p:style>
-      </p:sp>
-      <p:sp>
-        <p:nvSpPr>
-          <p:cNvPr id="4" name="Slide Number Placeholder 3">
-            <a:extLst>
-              <a:ext uri="{FF2B5EF4-FFF2-40B4-BE49-F238E27FC236}">
-                <a16:creationId xmlns:a16="http://schemas.microsoft.com/office/drawing/2014/main" id="{1C64922A-710D-476E-822C-C4A03CB16FC0}"/>
-              </a:ext>
-            </a:extLst>
-          </p:cNvPr>
-          <p:cNvSpPr>
-            <a:spLocks noGrp="1"/>
-          </p:cNvSpPr>
-          <p:nvPr>
-            <p:ph type="sldNum" sz="quarter" idx="12"/>
-          </p:nvPr>
-        </p:nvSpPr>
-        <p:spPr>
-          <a:xfrm>
-            <a:off x="10993582" y="6446838"/>
-            <a:ext cx="780010" cy="365125"/>
-          </a:xfrm>
-        </p:spPr>
-        <p:txBody>
-          <a:bodyPr>
-            <a:normAutofit/>
-          </a:bodyPr>
-          <a:lstStyle/>
-          <a:p>
-            <a:pPr>
-              <a:spcAft>
-                <a:spcPts val="600"/>
-              </a:spcAft>
-            </a:pPr>
-            <a:fld id="{3A98EE3D-8CD1-4C3F-BD1C-C98C9596463C}" type="slidenum">
-              <a:rPr lang="en-US" smtClean="0"/>
-              <a:pPr>
-                <a:spcAft>
-                  <a:spcPts val="600"/>
-                </a:spcAft>
-              </a:pPr>
-              <a:t>10</a:t>
-            </a:fld>
-            <a:endParaRPr lang="en-US"/>
-          </a:p>
-        </p:txBody>
-      </p:sp>
-      <p:pic>
-        <p:nvPicPr>
-          <p:cNvPr id="19" name="Picture 3" descr="Text, logo&#10;&#10;Description automatically generated">
-            <a:extLst>
-              <a:ext uri="{FF2B5EF4-FFF2-40B4-BE49-F238E27FC236}">
-                <a16:creationId xmlns:a16="http://schemas.microsoft.com/office/drawing/2014/main" id="{5E30654D-82B7-414C-95E8-310377114FD4}"/>
-              </a:ext>
-            </a:extLst>
-          </p:cNvPr>
-          <p:cNvPicPr>
-            <a:picLocks noChangeAspect="1" noChangeArrowheads="1"/>
-          </p:cNvPicPr>
-          <p:nvPr/>
-        </p:nvPicPr>
-        <p:blipFill>
-          <a:blip r:embed="rId3">
-            <a:extLst>
-              <a:ext uri="{28A0092B-C50C-407E-A947-70E740481C1C}">
-                <a14:useLocalDpi xmlns:a14="http://schemas.microsoft.com/office/drawing/2010/main" val="0"/>
-              </a:ext>
-            </a:extLst>
-          </a:blip>
-          <a:srcRect/>
-          <a:stretch>
-            <a:fillRect/>
-          </a:stretch>
-        </p:blipFill>
-        <p:spPr bwMode="auto">
-          <a:xfrm>
-            <a:off x="-14067" y="5869092"/>
-            <a:ext cx="1676400" cy="476250"/>
-          </a:xfrm>
-          <a:prstGeom prst="rect">
-            <a:avLst/>
-          </a:prstGeom>
-          <a:noFill/>
-          <a:extLst>
-            <a:ext uri="{909E8E84-426E-40DD-AFC4-6F175D3DCCD1}">
-              <a14:hiddenFill xmlns:a14="http://schemas.microsoft.com/office/drawing/2010/main">
-                <a:solidFill>
-                  <a:srgbClr val="FFFFFF"/>
-                </a:solidFill>
-              </a14:hiddenFill>
-            </a:ext>
-          </a:extLst>
-        </p:spPr>
-      </p:pic>
-      <p:sp>
-        <p:nvSpPr>
-          <p:cNvPr id="20" name="TextBox 19">
-            <a:extLst>
-              <a:ext uri="{FF2B5EF4-FFF2-40B4-BE49-F238E27FC236}">
-                <a16:creationId xmlns:a16="http://schemas.microsoft.com/office/drawing/2014/main" id="{34C88E77-A6AF-4186-99A2-C8384DA11DCF}"/>
-              </a:ext>
-            </a:extLst>
-          </p:cNvPr>
-          <p:cNvSpPr txBox="1"/>
-          <p:nvPr/>
-        </p:nvSpPr>
-        <p:spPr>
-          <a:xfrm>
-            <a:off x="1676400" y="5922551"/>
-            <a:ext cx="6433930" cy="369332"/>
-          </a:xfrm>
-          <a:prstGeom prst="rect">
-            <a:avLst/>
-          </a:prstGeom>
-          <a:noFill/>
-        </p:spPr>
-        <p:txBody>
-          <a:bodyPr wrap="square" rtlCol="0">
-            <a:spAutoFit/>
-          </a:bodyPr>
-          <a:lstStyle/>
-          <a:p>
-            <a:r>
-              <a:rPr lang="en-IN" dirty="0"/>
-              <a:t> </a:t>
-            </a:r>
-            <a:r>
-              <a:rPr lang="en-IN" b="1" dirty="0"/>
-              <a:t>Team</a:t>
-            </a:r>
-            <a:r>
-              <a:rPr lang="en-IN" dirty="0"/>
-              <a:t> </a:t>
-            </a:r>
-            <a:r>
-              <a:rPr lang="en-IN" b="1" dirty="0"/>
-              <a:t>Unplugged Techies</a:t>
-            </a:r>
-          </a:p>
-        </p:txBody>
-      </p:sp>
-    </p:spTree>
-    <p:extLst>
-      <p:ext uri="{BB962C8B-B14F-4D97-AF65-F5344CB8AC3E}">
-        <p14:creationId xmlns:p14="http://schemas.microsoft.com/office/powerpoint/2010/main" val="2441678090"/>
-      </p:ext>
-    </p:extLst>
-  </p:cSld>
-  <p:clrMapOvr>
-    <a:masterClrMapping/>
-  </p:clrMapOvr>
-</p:sld>
-</file>
-
-<file path=ppt/slides/slide11.xml><?xml version="1.0" encoding="utf-8"?>
-<p:sld xmlns:a="http://schemas.openxmlformats.org/drawingml/2006/main" xmlns:r="http://schemas.openxmlformats.org/officeDocument/2006/relationships" xmlns:p="http://schemas.openxmlformats.org/presentationml/2006/main">
-  <p:cSld>
-    <p:bg>
-      <p:bgPr>
-        <a:solidFill>
-          <a:schemeClr val="bg1"/>
-        </a:solidFill>
-        <a:effectLst/>
-      </p:bgPr>
-    </p:bg>
-    <p:spTree>
-      <p:nvGrpSpPr>
-        <p:cNvPr id="1" name=""/>
-        <p:cNvGrpSpPr/>
-        <p:nvPr/>
-      </p:nvGrpSpPr>
-      <p:grpSpPr>
-        <a:xfrm>
-          <a:off x="0" y="0"/>
-          <a:ext cx="0" cy="0"/>
-          <a:chOff x="0" y="0"/>
-          <a:chExt cx="0" cy="0"/>
-        </a:xfrm>
-      </p:grpSpPr>
       <p:sp>
         <p:nvSpPr>
           <p:cNvPr id="71" name="Rectangle 70">
@@ -13818,8 +10454,8 @@
         </p:nvSpPr>
         <p:spPr>
           <a:xfrm>
-            <a:off x="435869" y="640080"/>
-            <a:ext cx="3659246" cy="2862699"/>
+            <a:off x="652514" y="3663649"/>
+            <a:ext cx="3659246" cy="630655"/>
           </a:xfrm>
         </p:spPr>
         <p:txBody>
@@ -13829,12 +10465,12 @@
           <a:lstStyle/>
           <a:p>
             <a:r>
-              <a:rPr lang="en-US" sz="4400">
+              <a:rPr lang="en-US" sz="3000" dirty="0">
                 <a:solidFill>
                   <a:srgbClr val="FFFFFF"/>
                 </a:solidFill>
               </a:rPr>
-              <a:t>Login Screen</a:t>
+              <a:t>iOS/Android/Web</a:t>
             </a:r>
           </a:p>
         </p:txBody>
@@ -13986,7 +10622,7 @@
                   <a:spcPts val="600"/>
                 </a:spcAft>
               </a:pPr>
-              <a:t>11</a:t>
+              <a:t>10</a:t>
             </a:fld>
             <a:endParaRPr lang="en-US" sz="1050">
               <a:solidFill>
@@ -13996,6 +10632,67 @@
                 </a:schemeClr>
               </a:solidFill>
             </a:endParaRPr>
+          </a:p>
+        </p:txBody>
+      </p:sp>
+      <p:sp>
+        <p:nvSpPr>
+          <p:cNvPr id="11" name="Title 1">
+            <a:extLst>
+              <a:ext uri="{FF2B5EF4-FFF2-40B4-BE49-F238E27FC236}">
+                <a16:creationId xmlns:a16="http://schemas.microsoft.com/office/drawing/2014/main" id="{5D59D6FF-9393-F959-2E1B-966105A5F3EE}"/>
+              </a:ext>
+            </a:extLst>
+          </p:cNvPr>
+          <p:cNvSpPr txBox="1">
+            <a:spLocks/>
+          </p:cNvSpPr>
+          <p:nvPr/>
+        </p:nvSpPr>
+        <p:spPr>
+          <a:xfrm>
+            <a:off x="814181" y="3013428"/>
+            <a:ext cx="3659246" cy="650221"/>
+          </a:xfrm>
+          <a:prstGeom prst="rect">
+            <a:avLst/>
+          </a:prstGeom>
+        </p:spPr>
+        <p:txBody>
+          <a:bodyPr vert="horz" lIns="91440" tIns="45720" rIns="91440" bIns="45720" rtlCol="0" anchor="b">
+            <a:normAutofit fontScale="97500" lnSpcReduction="10000"/>
+          </a:bodyPr>
+          <a:lstStyle>
+            <a:lvl1pPr algn="l" defTabSz="914400" rtl="0" eaLnBrk="1" latinLnBrk="0" hangingPunct="1">
+              <a:lnSpc>
+                <a:spcPct val="90000"/>
+              </a:lnSpc>
+              <a:spcBef>
+                <a:spcPct val="0"/>
+              </a:spcBef>
+              <a:buNone/>
+              <a:defRPr sz="4600" kern="1200" spc="-50" baseline="0">
+                <a:solidFill>
+                  <a:schemeClr val="tx1">
+                    <a:lumMod val="75000"/>
+                    <a:lumOff val="25000"/>
+                  </a:schemeClr>
+                </a:solidFill>
+                <a:latin typeface="+mj-lt"/>
+                <a:ea typeface="+mj-ea"/>
+                <a:cs typeface="+mj-cs"/>
+              </a:defRPr>
+            </a:lvl1pPr>
+          </a:lstStyle>
+          <a:p>
+            <a:r>
+              <a:rPr lang="en-US" sz="4400" dirty="0">
+                <a:solidFill>
+                  <a:srgbClr val="FFFFFF"/>
+                </a:solidFill>
+              </a:rPr>
+              <a:t>App Demo</a:t>
+            </a:r>
           </a:p>
         </p:txBody>
       </p:sp>
@@ -14382,7 +11079,7 @@
           <a:p>
             <a:r>
               <a:rPr lang="en-IN" dirty="0"/>
-              <a:t>Overview		</a:t>
+              <a:t>Why ParkMyWheels </a:t>
             </a:r>
           </a:p>
         </p:txBody>
@@ -14411,213 +11108,6 @@
             <a:fld id="{3A98EE3D-8CD1-4C3F-BD1C-C98C9596463C}" type="slidenum">
               <a:rPr lang="en-US" smtClean="0"/>
               <a:t>3</a:t>
-            </a:fld>
-            <a:endParaRPr lang="en-US" dirty="0"/>
-          </a:p>
-        </p:txBody>
-      </p:sp>
-      <p:pic>
-        <p:nvPicPr>
-          <p:cNvPr id="5" name="Picture 3" descr="Text, logo&#10;&#10;Description automatically generated">
-            <a:extLst>
-              <a:ext uri="{FF2B5EF4-FFF2-40B4-BE49-F238E27FC236}">
-                <a16:creationId xmlns:a16="http://schemas.microsoft.com/office/drawing/2014/main" id="{950C292F-104E-4F5E-81BB-EE6FEB4D7006}"/>
-              </a:ext>
-            </a:extLst>
-          </p:cNvPr>
-          <p:cNvPicPr>
-            <a:picLocks noChangeAspect="1" noChangeArrowheads="1"/>
-          </p:cNvPicPr>
-          <p:nvPr/>
-        </p:nvPicPr>
-        <p:blipFill>
-          <a:blip r:embed="rId2">
-            <a:extLst>
-              <a:ext uri="{28A0092B-C50C-407E-A947-70E740481C1C}">
-                <a14:useLocalDpi xmlns:a14="http://schemas.microsoft.com/office/drawing/2010/main" val="0"/>
-              </a:ext>
-            </a:extLst>
-          </a:blip>
-          <a:srcRect/>
-          <a:stretch>
-            <a:fillRect/>
-          </a:stretch>
-        </p:blipFill>
-        <p:spPr bwMode="auto">
-          <a:xfrm>
-            <a:off x="0" y="5869092"/>
-            <a:ext cx="1676400" cy="476250"/>
-          </a:xfrm>
-          <a:prstGeom prst="rect">
-            <a:avLst/>
-          </a:prstGeom>
-          <a:noFill/>
-          <a:extLst>
-            <a:ext uri="{909E8E84-426E-40DD-AFC4-6F175D3DCCD1}">
-              <a14:hiddenFill xmlns:a14="http://schemas.microsoft.com/office/drawing/2010/main">
-                <a:solidFill>
-                  <a:srgbClr val="FFFFFF"/>
-                </a:solidFill>
-              </a14:hiddenFill>
-            </a:ext>
-          </a:extLst>
-        </p:spPr>
-      </p:pic>
-      <p:sp>
-        <p:nvSpPr>
-          <p:cNvPr id="6" name="TextBox 5">
-            <a:extLst>
-              <a:ext uri="{FF2B5EF4-FFF2-40B4-BE49-F238E27FC236}">
-                <a16:creationId xmlns:a16="http://schemas.microsoft.com/office/drawing/2014/main" id="{84465E54-BE8F-4210-BF94-0DD80118E45A}"/>
-              </a:ext>
-            </a:extLst>
-          </p:cNvPr>
-          <p:cNvSpPr txBox="1"/>
-          <p:nvPr/>
-        </p:nvSpPr>
-        <p:spPr>
-          <a:xfrm>
-            <a:off x="1676400" y="5922551"/>
-            <a:ext cx="6433930" cy="369332"/>
-          </a:xfrm>
-          <a:prstGeom prst="rect">
-            <a:avLst/>
-          </a:prstGeom>
-          <a:noFill/>
-        </p:spPr>
-        <p:txBody>
-          <a:bodyPr wrap="square" rtlCol="0">
-            <a:spAutoFit/>
-          </a:bodyPr>
-          <a:lstStyle/>
-          <a:p>
-            <a:r>
-              <a:rPr lang="en-IN" dirty="0"/>
-              <a:t> </a:t>
-            </a:r>
-            <a:r>
-              <a:rPr lang="en-IN" b="1" dirty="0"/>
-              <a:t>Team</a:t>
-            </a:r>
-            <a:r>
-              <a:rPr lang="en-IN" dirty="0"/>
-              <a:t> </a:t>
-            </a:r>
-            <a:r>
-              <a:rPr lang="en-IN" b="1" dirty="0"/>
-              <a:t>Unplugged Techies</a:t>
-            </a:r>
-          </a:p>
-        </p:txBody>
-      </p:sp>
-      <p:graphicFrame>
-        <p:nvGraphicFramePr>
-          <p:cNvPr id="13" name="Content Placeholder 10">
-            <a:extLst>
-              <a:ext uri="{FF2B5EF4-FFF2-40B4-BE49-F238E27FC236}">
-                <a16:creationId xmlns:a16="http://schemas.microsoft.com/office/drawing/2014/main" id="{3A37C41C-D425-BB1A-EC3D-2980323B2278}"/>
-              </a:ext>
-            </a:extLst>
-          </p:cNvPr>
-          <p:cNvGraphicFramePr>
-            <a:graphicFrameLocks noGrp="1"/>
-          </p:cNvGraphicFramePr>
-          <p:nvPr>
-            <p:ph idx="1"/>
-          </p:nvPr>
-        </p:nvGraphicFramePr>
-        <p:xfrm>
-          <a:off x="1097280" y="2108201"/>
-          <a:ext cx="10058400" cy="3760891"/>
-        </p:xfrm>
-        <a:graphic>
-          <a:graphicData uri="http://schemas.openxmlformats.org/drawingml/2006/diagram">
-            <dgm:relIds xmlns:dgm="http://schemas.openxmlformats.org/drawingml/2006/diagram" xmlns:r="http://schemas.openxmlformats.org/officeDocument/2006/relationships" r:dm="rId3" r:lo="rId4" r:qs="rId5" r:cs="rId6"/>
-          </a:graphicData>
-        </a:graphic>
-      </p:graphicFrame>
-    </p:spTree>
-    <p:extLst>
-      <p:ext uri="{BB962C8B-B14F-4D97-AF65-F5344CB8AC3E}">
-        <p14:creationId xmlns:p14="http://schemas.microsoft.com/office/powerpoint/2010/main" val="2418299063"/>
-      </p:ext>
-    </p:extLst>
-  </p:cSld>
-  <p:clrMapOvr>
-    <a:masterClrMapping/>
-  </p:clrMapOvr>
-</p:sld>
-</file>
-
-<file path=ppt/slides/slide4.xml><?xml version="1.0" encoding="utf-8"?>
-<p:sld xmlns:a="http://schemas.openxmlformats.org/drawingml/2006/main" xmlns:r="http://schemas.openxmlformats.org/officeDocument/2006/relationships" xmlns:p="http://schemas.openxmlformats.org/presentationml/2006/main">
-  <p:cSld>
-    <p:spTree>
-      <p:nvGrpSpPr>
-        <p:cNvPr id="1" name=""/>
-        <p:cNvGrpSpPr/>
-        <p:nvPr/>
-      </p:nvGrpSpPr>
-      <p:grpSpPr>
-        <a:xfrm>
-          <a:off x="0" y="0"/>
-          <a:ext cx="0" cy="0"/>
-          <a:chOff x="0" y="0"/>
-          <a:chExt cx="0" cy="0"/>
-        </a:xfrm>
-      </p:grpSpPr>
-      <p:sp>
-        <p:nvSpPr>
-          <p:cNvPr id="2" name="Title 1">
-            <a:extLst>
-              <a:ext uri="{FF2B5EF4-FFF2-40B4-BE49-F238E27FC236}">
-                <a16:creationId xmlns:a16="http://schemas.microsoft.com/office/drawing/2014/main" id="{2D3820AA-5149-46B2-AE66-4D0149F90A70}"/>
-              </a:ext>
-            </a:extLst>
-          </p:cNvPr>
-          <p:cNvSpPr>
-            <a:spLocks noGrp="1"/>
-          </p:cNvSpPr>
-          <p:nvPr>
-            <p:ph type="title"/>
-          </p:nvPr>
-        </p:nvSpPr>
-        <p:spPr/>
-        <p:txBody>
-          <a:bodyPr/>
-          <a:lstStyle/>
-          <a:p>
-            <a:r>
-              <a:rPr lang="en-IN" dirty="0"/>
-              <a:t>Why ParkMyWheels </a:t>
-            </a:r>
-          </a:p>
-        </p:txBody>
-      </p:sp>
-      <p:sp>
-        <p:nvSpPr>
-          <p:cNvPr id="4" name="Slide Number Placeholder 3">
-            <a:extLst>
-              <a:ext uri="{FF2B5EF4-FFF2-40B4-BE49-F238E27FC236}">
-                <a16:creationId xmlns:a16="http://schemas.microsoft.com/office/drawing/2014/main" id="{9E2612D2-C376-4D6D-A1BF-FF49E04A2FEA}"/>
-              </a:ext>
-            </a:extLst>
-          </p:cNvPr>
-          <p:cNvSpPr>
-            <a:spLocks noGrp="1"/>
-          </p:cNvSpPr>
-          <p:nvPr>
-            <p:ph type="sldNum" sz="quarter" idx="12"/>
-          </p:nvPr>
-        </p:nvSpPr>
-        <p:spPr/>
-        <p:txBody>
-          <a:bodyPr/>
-          <a:lstStyle/>
-          <a:p>
-            <a:fld id="{3A98EE3D-8CD1-4C3F-BD1C-C98C9596463C}" type="slidenum">
-              <a:rPr lang="en-US" smtClean="0"/>
-              <a:t>4</a:t>
             </a:fld>
             <a:endParaRPr lang="en-US" dirty="0"/>
           </a:p>
@@ -14808,7 +11298,7 @@
 </p:sld>
 </file>
 
-<file path=ppt/slides/slide5.xml><?xml version="1.0" encoding="utf-8"?>
+<file path=ppt/slides/slide4.xml><?xml version="1.0" encoding="utf-8"?>
 <p:sld xmlns:a="http://schemas.openxmlformats.org/drawingml/2006/main" xmlns:r="http://schemas.openxmlformats.org/officeDocument/2006/relationships" xmlns:p="http://schemas.openxmlformats.org/presentationml/2006/main">
   <p:cSld>
     <p:bg>
@@ -15238,7 +11728,7 @@
                   <a:spcPts val="600"/>
                 </a:spcAft>
               </a:pPr>
-              <a:t>5</a:t>
+              <a:t>4</a:t>
             </a:fld>
             <a:endParaRPr lang="en-US"/>
           </a:p>
@@ -15381,7 +11871,7 @@
 </p:sld>
 </file>
 
-<file path=ppt/slides/slide6.xml><?xml version="1.0" encoding="utf-8"?>
+<file path=ppt/slides/slide5.xml><?xml version="1.0" encoding="utf-8"?>
 <p:sld xmlns:a="http://schemas.openxmlformats.org/drawingml/2006/main" xmlns:r="http://schemas.openxmlformats.org/officeDocument/2006/relationships" xmlns:p="http://schemas.openxmlformats.org/presentationml/2006/main">
   <p:cSld>
     <p:spTree>
@@ -15449,7 +11939,7 @@
           <a:p>
             <a:fld id="{3A98EE3D-8CD1-4C3F-BD1C-C98C9596463C}" type="slidenum">
               <a:rPr lang="en-US" smtClean="0"/>
-              <a:t>6</a:t>
+              <a:t>5</a:t>
             </a:fld>
             <a:endParaRPr lang="en-US" dirty="0"/>
           </a:p>
@@ -15588,7 +12078,7 @@
 </p:sld>
 </file>
 
-<file path=ppt/slides/slide7.xml><?xml version="1.0" encoding="utf-8"?>
+<file path=ppt/slides/slide6.xml><?xml version="1.0" encoding="utf-8"?>
 <p:sld xmlns:a="http://schemas.openxmlformats.org/drawingml/2006/main" xmlns:r="http://schemas.openxmlformats.org/officeDocument/2006/relationships" xmlns:p="http://schemas.openxmlformats.org/presentationml/2006/main">
   <p:cSld>
     <p:spTree>
@@ -15607,41 +12097,6 @@
       </p:grpSpPr>
       <p:sp>
         <p:nvSpPr>
-          <p:cNvPr id="2" name="Title 1">
-            <a:extLst>
-              <a:ext uri="{FF2B5EF4-FFF2-40B4-BE49-F238E27FC236}">
-                <a16:creationId xmlns:a16="http://schemas.microsoft.com/office/drawing/2014/main" id="{2D3820AA-5149-46B2-AE66-4D0149F90A70}"/>
-              </a:ext>
-            </a:extLst>
-          </p:cNvPr>
-          <p:cNvSpPr>
-            <a:spLocks noGrp="1"/>
-          </p:cNvSpPr>
-          <p:nvPr>
-            <p:ph type="title"/>
-          </p:nvPr>
-        </p:nvSpPr>
-        <p:spPr>
-          <a:xfrm>
-            <a:off x="705394" y="286603"/>
-            <a:ext cx="10058400" cy="226055"/>
-          </a:xfrm>
-        </p:spPr>
-        <p:txBody>
-          <a:bodyPr>
-            <a:normAutofit fontScale="90000"/>
-          </a:bodyPr>
-          <a:lstStyle/>
-          <a:p>
-            <a:r>
-              <a:rPr lang="en-IN" sz="2000" b="1" dirty="0"/>
-              <a:t>Application Flow</a:t>
-            </a:r>
-          </a:p>
-        </p:txBody>
-      </p:sp>
-      <p:sp>
-        <p:nvSpPr>
           <p:cNvPr id="4" name="Slide Number Placeholder 3">
             <a:extLst>
               <a:ext uri="{FF2B5EF4-FFF2-40B4-BE49-F238E27FC236}">
@@ -15663,7 +12118,7 @@
           <a:p>
             <a:fld id="{3A98EE3D-8CD1-4C3F-BD1C-C98C9596463C}" type="slidenum">
               <a:rPr lang="en-US" smtClean="0"/>
-              <a:t>7</a:t>
+              <a:t>6</a:t>
             </a:fld>
             <a:endParaRPr lang="en-US" dirty="0"/>
           </a:p>
@@ -15817,8 +12272,8 @@
         </p:blipFill>
         <p:spPr bwMode="auto">
           <a:xfrm>
-            <a:off x="523009" y="456475"/>
-            <a:ext cx="10732820" cy="5566254"/>
+            <a:off x="-507999" y="-157264"/>
+            <a:ext cx="13157200" cy="6969227"/>
           </a:xfrm>
           <a:prstGeom prst="rect">
             <a:avLst/>
@@ -15848,7 +12303,7 @@
 </p:sld>
 </file>
 
-<file path=ppt/slides/slide8.xml><?xml version="1.0" encoding="utf-8"?>
+<file path=ppt/slides/slide7.xml><?xml version="1.0" encoding="utf-8"?>
 <p:sld xmlns:a="http://schemas.openxmlformats.org/drawingml/2006/main" xmlns:r="http://schemas.openxmlformats.org/officeDocument/2006/relationships" xmlns:p="http://schemas.openxmlformats.org/presentationml/2006/main">
   <p:cSld>
     <p:bg>
@@ -16327,7 +12782,7 @@
                   <a:spcPts val="600"/>
                 </a:spcAft>
               </a:pPr>
-              <a:t>8</a:t>
+              <a:t>7</a:t>
             </a:fld>
             <a:endParaRPr lang="en-US" sz="1050"/>
           </a:p>
@@ -16445,7 +12900,7 @@
 </p:sld>
 </file>
 
-<file path=ppt/slides/slide9.xml><?xml version="1.0" encoding="utf-8"?>
+<file path=ppt/slides/slide8.xml><?xml version="1.0" encoding="utf-8"?>
 <p:sld xmlns:a="http://schemas.openxmlformats.org/drawingml/2006/main" xmlns:r="http://schemas.openxmlformats.org/officeDocument/2006/relationships" xmlns:p="http://schemas.openxmlformats.org/presentationml/2006/main">
   <p:cSld>
     <p:spTree>
@@ -16513,7 +12968,7 @@
           <a:p>
             <a:fld id="{3A98EE3D-8CD1-4C3F-BD1C-C98C9596463C}" type="slidenum">
               <a:rPr lang="en-US" smtClean="0"/>
-              <a:t>9</a:t>
+              <a:t>8</a:t>
             </a:fld>
             <a:endParaRPr lang="en-US" dirty="0"/>
           </a:p>
@@ -16750,6 +13205,473 @@
     <p:extLst>
       <p:ext uri="{BB962C8B-B14F-4D97-AF65-F5344CB8AC3E}">
         <p14:creationId xmlns:p14="http://schemas.microsoft.com/office/powerpoint/2010/main" val="1188426638"/>
+      </p:ext>
+    </p:extLst>
+  </p:cSld>
+  <p:clrMapOvr>
+    <a:masterClrMapping/>
+  </p:clrMapOvr>
+</p:sld>
+</file>
+
+<file path=ppt/slides/slide9.xml><?xml version="1.0" encoding="utf-8"?>
+<p:sld xmlns:a="http://schemas.openxmlformats.org/drawingml/2006/main" xmlns:r="http://schemas.openxmlformats.org/officeDocument/2006/relationships" xmlns:p="http://schemas.openxmlformats.org/presentationml/2006/main">
+  <p:cSld>
+    <p:bg>
+      <p:bgPr>
+        <a:solidFill>
+          <a:schemeClr val="bg1"/>
+        </a:solidFill>
+        <a:effectLst/>
+      </p:bgPr>
+    </p:bg>
+    <p:spTree>
+      <p:nvGrpSpPr>
+        <p:cNvPr id="1" name=""/>
+        <p:cNvGrpSpPr/>
+        <p:nvPr/>
+      </p:nvGrpSpPr>
+      <p:grpSpPr>
+        <a:xfrm>
+          <a:off x="0" y="0"/>
+          <a:ext cx="0" cy="0"/>
+          <a:chOff x="0" y="0"/>
+          <a:chExt cx="0" cy="0"/>
+        </a:xfrm>
+      </p:grpSpPr>
+      <p:sp useBgFill="1">
+        <p:nvSpPr>
+          <p:cNvPr id="29" name="Rectangle 22">
+            <a:extLst>
+              <a:ext uri="{FF2B5EF4-FFF2-40B4-BE49-F238E27FC236}">
+                <a16:creationId xmlns:a16="http://schemas.microsoft.com/office/drawing/2014/main" id="{73734CDA-1CE8-4F1C-B0B3-AAB252B0135C}"/>
+              </a:ext>
+              <a:ext uri="{C183D7F6-B498-43B3-948B-1728B52AA6E4}">
+                <adec:decorative xmlns:adec="http://schemas.microsoft.com/office/drawing/2017/decorative" val="1"/>
+              </a:ext>
+            </a:extLst>
+          </p:cNvPr>
+          <p:cNvSpPr>
+            <a:spLocks noGrp="1" noRot="1" noChangeAspect="1" noMove="1" noResize="1" noEditPoints="1" noAdjustHandles="1" noChangeArrowheads="1" noChangeShapeType="1" noTextEdit="1"/>
+          </p:cNvSpPr>
+          <p:nvPr>
+            <p:extLst>
+              <p:ext uri="{386F3935-93C4-4BCD-93E2-E3B085C9AB24}">
+                <p16:designElem xmlns:p16="http://schemas.microsoft.com/office/powerpoint/2015/main" val="1"/>
+              </p:ext>
+            </p:extLst>
+          </p:nvPr>
+        </p:nvSpPr>
+        <p:spPr>
+          <a:xfrm>
+            <a:off x="0" y="0"/>
+            <a:ext cx="12192001" cy="6858000"/>
+          </a:xfrm>
+          <a:prstGeom prst="rect">
+            <a:avLst/>
+          </a:prstGeom>
+          <a:ln>
+            <a:noFill/>
+          </a:ln>
+        </p:spPr>
+        <p:style>
+          <a:lnRef idx="2">
+            <a:schemeClr val="accent1">
+              <a:shade val="50000"/>
+            </a:schemeClr>
+          </a:lnRef>
+          <a:fillRef idx="1">
+            <a:schemeClr val="accent1"/>
+          </a:fillRef>
+          <a:effectRef idx="0">
+            <a:schemeClr val="accent1"/>
+          </a:effectRef>
+          <a:fontRef idx="minor">
+            <a:schemeClr val="lt1"/>
+          </a:fontRef>
+        </p:style>
+        <p:txBody>
+          <a:bodyPr rtlCol="0" anchor="ctr"/>
+          <a:lstStyle/>
+          <a:p>
+            <a:pPr algn="ctr"/>
+            <a:endParaRPr lang="en-US"/>
+          </a:p>
+        </p:txBody>
+      </p:sp>
+      <p:sp>
+        <p:nvSpPr>
+          <p:cNvPr id="2" name="Title 1">
+            <a:extLst>
+              <a:ext uri="{FF2B5EF4-FFF2-40B4-BE49-F238E27FC236}">
+                <a16:creationId xmlns:a16="http://schemas.microsoft.com/office/drawing/2014/main" id="{74CAAFD7-329A-481E-9E13-85FEC36A873D}"/>
+              </a:ext>
+            </a:extLst>
+          </p:cNvPr>
+          <p:cNvSpPr>
+            <a:spLocks noGrp="1"/>
+          </p:cNvSpPr>
+          <p:nvPr>
+            <p:ph type="title"/>
+          </p:nvPr>
+        </p:nvSpPr>
+        <p:spPr>
+          <a:xfrm>
+            <a:off x="4974771" y="634946"/>
+            <a:ext cx="6574972" cy="1450757"/>
+          </a:xfrm>
+        </p:spPr>
+        <p:txBody>
+          <a:bodyPr>
+            <a:normAutofit/>
+          </a:bodyPr>
+          <a:lstStyle/>
+          <a:p>
+            <a:r>
+              <a:rPr lang="en-IN" dirty="0"/>
+              <a:t>Sensor Mechanism</a:t>
+            </a:r>
+          </a:p>
+        </p:txBody>
+      </p:sp>
+      <p:pic>
+        <p:nvPicPr>
+          <p:cNvPr id="5" name="Content Placeholder 6">
+            <a:extLst>
+              <a:ext uri="{FF2B5EF4-FFF2-40B4-BE49-F238E27FC236}">
+                <a16:creationId xmlns:a16="http://schemas.microsoft.com/office/drawing/2014/main" id="{6958D3CC-B161-4E59-B56D-E70CE23ADF02}"/>
+              </a:ext>
+            </a:extLst>
+          </p:cNvPr>
+          <p:cNvPicPr>
+            <a:picLocks noChangeAspect="1"/>
+          </p:cNvPicPr>
+          <p:nvPr/>
+        </p:nvPicPr>
+        <p:blipFill>
+          <a:blip r:embed="rId2"/>
+          <a:stretch>
+            <a:fillRect/>
+          </a:stretch>
+        </p:blipFill>
+        <p:spPr>
+          <a:xfrm>
+            <a:off x="636274" y="2921819"/>
+            <a:ext cx="3695179" cy="1856827"/>
+          </a:xfrm>
+          <a:prstGeom prst="rect">
+            <a:avLst/>
+          </a:prstGeom>
+        </p:spPr>
+      </p:pic>
+      <p:cxnSp>
+        <p:nvCxnSpPr>
+          <p:cNvPr id="30" name="Straight Connector 24">
+            <a:extLst>
+              <a:ext uri="{FF2B5EF4-FFF2-40B4-BE49-F238E27FC236}">
+                <a16:creationId xmlns:a16="http://schemas.microsoft.com/office/drawing/2014/main" id="{D7143990-FA50-4B23-AE6D-E17D22F52676}"/>
+              </a:ext>
+              <a:ext uri="{C183D7F6-B498-43B3-948B-1728B52AA6E4}">
+                <adec:decorative xmlns:adec="http://schemas.microsoft.com/office/drawing/2017/decorative" val="1"/>
+              </a:ext>
+            </a:extLst>
+          </p:cNvPr>
+          <p:cNvCxnSpPr>
+            <a:cxnSpLocks noGrp="1" noRot="1" noChangeAspect="1" noMove="1" noResize="1" noEditPoints="1" noAdjustHandles="1" noChangeArrowheads="1" noChangeShapeType="1"/>
+          </p:cNvCxnSpPr>
+          <p:nvPr>
+            <p:extLst>
+              <p:ext uri="{386F3935-93C4-4BCD-93E2-E3B085C9AB24}">
+                <p16:designElem xmlns:p16="http://schemas.microsoft.com/office/powerpoint/2015/main" val="1"/>
+              </p:ext>
+            </p:extLst>
+          </p:nvPr>
+        </p:nvCxnSpPr>
+        <p:spPr>
+          <a:xfrm>
+            <a:off x="5063482" y="2246569"/>
+            <a:ext cx="5852160" cy="0"/>
+          </a:xfrm>
+          <a:prstGeom prst="line">
+            <a:avLst/>
+          </a:prstGeom>
+          <a:ln w="12700">
+            <a:solidFill>
+              <a:schemeClr val="tx1">
+                <a:lumMod val="75000"/>
+                <a:lumOff val="25000"/>
+              </a:schemeClr>
+            </a:solidFill>
+          </a:ln>
+        </p:spPr>
+        <p:style>
+          <a:lnRef idx="1">
+            <a:schemeClr val="accent1"/>
+          </a:lnRef>
+          <a:fillRef idx="0">
+            <a:schemeClr val="accent1"/>
+          </a:fillRef>
+          <a:effectRef idx="0">
+            <a:schemeClr val="accent1"/>
+          </a:effectRef>
+          <a:fontRef idx="minor">
+            <a:schemeClr val="tx1"/>
+          </a:fontRef>
+        </p:style>
+      </p:cxnSp>
+      <p:sp>
+        <p:nvSpPr>
+          <p:cNvPr id="3" name="Content Placeholder 2">
+            <a:extLst>
+              <a:ext uri="{FF2B5EF4-FFF2-40B4-BE49-F238E27FC236}">
+                <a16:creationId xmlns:a16="http://schemas.microsoft.com/office/drawing/2014/main" id="{3BCCDE26-8F4D-42D5-9873-E3049580C63E}"/>
+              </a:ext>
+            </a:extLst>
+          </p:cNvPr>
+          <p:cNvSpPr>
+            <a:spLocks noGrp="1"/>
+          </p:cNvSpPr>
+          <p:nvPr>
+            <p:ph idx="1"/>
+          </p:nvPr>
+        </p:nvSpPr>
+        <p:spPr>
+          <a:xfrm>
+            <a:off x="4973711" y="2407436"/>
+            <a:ext cx="6576032" cy="3461657"/>
+          </a:xfrm>
+        </p:spPr>
+        <p:txBody>
+          <a:bodyPr>
+            <a:normAutofit/>
+          </a:bodyPr>
+          <a:lstStyle/>
+          <a:p>
+            <a:endParaRPr lang="en-US" b="0" i="0" dirty="0">
+              <a:effectLst/>
+              <a:latin typeface="Times New Roman" panose="02020603050405020304" pitchFamily="18" charset="0"/>
+              <a:cs typeface="Times New Roman" panose="02020603050405020304" pitchFamily="18" charset="0"/>
+            </a:endParaRPr>
+          </a:p>
+          <a:p>
+            <a:r>
+              <a:rPr lang="en-IN" dirty="0"/>
+              <a:t>The current status of each spot is transmitted from the sensor to the Cloud, which in turn updates real time status of parking spot availability on the App. This will help Users of the number, type and location of available spaces at particular parking spot.</a:t>
+            </a:r>
+            <a:br>
+              <a:rPr lang="en-IN" dirty="0"/>
+            </a:br>
+            <a:r>
+              <a:rPr lang="en-IN" dirty="0"/>
+              <a:t>Sensor will send data to cloud; backend will read that data and will update database so that real time status will get change on frontend.</a:t>
+            </a:r>
+            <a:endParaRPr lang="en-US" b="0" i="0" dirty="0">
+              <a:effectLst/>
+              <a:latin typeface="Times New Roman" panose="02020603050405020304" pitchFamily="18" charset="0"/>
+              <a:cs typeface="Times New Roman" panose="02020603050405020304" pitchFamily="18" charset="0"/>
+            </a:endParaRPr>
+          </a:p>
+        </p:txBody>
+      </p:sp>
+      <p:sp>
+        <p:nvSpPr>
+          <p:cNvPr id="31" name="Rectangle 26">
+            <a:extLst>
+              <a:ext uri="{FF2B5EF4-FFF2-40B4-BE49-F238E27FC236}">
+                <a16:creationId xmlns:a16="http://schemas.microsoft.com/office/drawing/2014/main" id="{3BD57AB6-3172-4520-B22E-FCD0184F3BA3}"/>
+              </a:ext>
+              <a:ext uri="{C183D7F6-B498-43B3-948B-1728B52AA6E4}">
+                <adec:decorative xmlns:adec="http://schemas.microsoft.com/office/drawing/2017/decorative" val="1"/>
+              </a:ext>
+            </a:extLst>
+          </p:cNvPr>
+          <p:cNvSpPr>
+            <a:spLocks noGrp="1" noRot="1" noChangeAspect="1" noMove="1" noResize="1" noEditPoints="1" noAdjustHandles="1" noChangeArrowheads="1" noChangeShapeType="1" noTextEdit="1"/>
+          </p:cNvSpPr>
+          <p:nvPr>
+            <p:extLst>
+              <p:ext uri="{386F3935-93C4-4BCD-93E2-E3B085C9AB24}">
+                <p16:designElem xmlns:p16="http://schemas.microsoft.com/office/powerpoint/2015/main" val="1"/>
+              </p:ext>
+            </p:extLst>
+          </p:nvPr>
+        </p:nvSpPr>
+        <p:spPr>
+          <a:xfrm>
+            <a:off x="0" y="6400800"/>
+            <a:ext cx="12192000" cy="457200"/>
+          </a:xfrm>
+          <a:prstGeom prst="rect">
+            <a:avLst/>
+          </a:prstGeom>
+          <a:solidFill>
+            <a:srgbClr val="262626"/>
+          </a:solidFill>
+          <a:ln>
+            <a:noFill/>
+          </a:ln>
+        </p:spPr>
+        <p:style>
+          <a:lnRef idx="2">
+            <a:schemeClr val="accent1">
+              <a:shade val="50000"/>
+            </a:schemeClr>
+          </a:lnRef>
+          <a:fillRef idx="1">
+            <a:schemeClr val="accent1"/>
+          </a:fillRef>
+          <a:effectRef idx="0">
+            <a:schemeClr val="accent1"/>
+          </a:effectRef>
+          <a:fontRef idx="minor">
+            <a:schemeClr val="lt1"/>
+          </a:fontRef>
+        </p:style>
+      </p:sp>
+      <p:sp>
+        <p:nvSpPr>
+          <p:cNvPr id="4" name="Slide Number Placeholder 3">
+            <a:extLst>
+              <a:ext uri="{FF2B5EF4-FFF2-40B4-BE49-F238E27FC236}">
+                <a16:creationId xmlns:a16="http://schemas.microsoft.com/office/drawing/2014/main" id="{1C64922A-710D-476E-822C-C4A03CB16FC0}"/>
+              </a:ext>
+            </a:extLst>
+          </p:cNvPr>
+          <p:cNvSpPr>
+            <a:spLocks noGrp="1"/>
+          </p:cNvSpPr>
+          <p:nvPr>
+            <p:ph type="sldNum" sz="quarter" idx="12"/>
+          </p:nvPr>
+        </p:nvSpPr>
+        <p:spPr>
+          <a:xfrm>
+            <a:off x="10993582" y="6446838"/>
+            <a:ext cx="780010" cy="365125"/>
+          </a:xfrm>
+        </p:spPr>
+        <p:txBody>
+          <a:bodyPr>
+            <a:normAutofit/>
+          </a:bodyPr>
+          <a:lstStyle/>
+          <a:p>
+            <a:pPr>
+              <a:spcAft>
+                <a:spcPts val="600"/>
+              </a:spcAft>
+            </a:pPr>
+            <a:fld id="{3A98EE3D-8CD1-4C3F-BD1C-C98C9596463C}" type="slidenum">
+              <a:rPr lang="en-US" smtClean="0"/>
+              <a:pPr>
+                <a:spcAft>
+                  <a:spcPts val="600"/>
+                </a:spcAft>
+              </a:pPr>
+              <a:t>9</a:t>
+            </a:fld>
+            <a:endParaRPr lang="en-US"/>
+          </a:p>
+        </p:txBody>
+      </p:sp>
+      <p:pic>
+        <p:nvPicPr>
+          <p:cNvPr id="19" name="Picture 3" descr="Text, logo&#10;&#10;Description automatically generated">
+            <a:extLst>
+              <a:ext uri="{FF2B5EF4-FFF2-40B4-BE49-F238E27FC236}">
+                <a16:creationId xmlns:a16="http://schemas.microsoft.com/office/drawing/2014/main" id="{5E30654D-82B7-414C-95E8-310377114FD4}"/>
+              </a:ext>
+            </a:extLst>
+          </p:cNvPr>
+          <p:cNvPicPr>
+            <a:picLocks noChangeAspect="1" noChangeArrowheads="1"/>
+          </p:cNvPicPr>
+          <p:nvPr/>
+        </p:nvPicPr>
+        <p:blipFill>
+          <a:blip r:embed="rId3">
+            <a:extLst>
+              <a:ext uri="{28A0092B-C50C-407E-A947-70E740481C1C}">
+                <a14:useLocalDpi xmlns:a14="http://schemas.microsoft.com/office/drawing/2010/main" val="0"/>
+              </a:ext>
+            </a:extLst>
+          </a:blip>
+          <a:srcRect/>
+          <a:stretch>
+            <a:fillRect/>
+          </a:stretch>
+        </p:blipFill>
+        <p:spPr bwMode="auto">
+          <a:xfrm>
+            <a:off x="-14067" y="5869092"/>
+            <a:ext cx="1676400" cy="476250"/>
+          </a:xfrm>
+          <a:prstGeom prst="rect">
+            <a:avLst/>
+          </a:prstGeom>
+          <a:noFill/>
+          <a:extLst>
+            <a:ext uri="{909E8E84-426E-40DD-AFC4-6F175D3DCCD1}">
+              <a14:hiddenFill xmlns:a14="http://schemas.microsoft.com/office/drawing/2010/main">
+                <a:solidFill>
+                  <a:srgbClr val="FFFFFF"/>
+                </a:solidFill>
+              </a14:hiddenFill>
+            </a:ext>
+          </a:extLst>
+        </p:spPr>
+      </p:pic>
+      <p:sp>
+        <p:nvSpPr>
+          <p:cNvPr id="20" name="TextBox 19">
+            <a:extLst>
+              <a:ext uri="{FF2B5EF4-FFF2-40B4-BE49-F238E27FC236}">
+                <a16:creationId xmlns:a16="http://schemas.microsoft.com/office/drawing/2014/main" id="{34C88E77-A6AF-4186-99A2-C8384DA11DCF}"/>
+              </a:ext>
+            </a:extLst>
+          </p:cNvPr>
+          <p:cNvSpPr txBox="1"/>
+          <p:nvPr/>
+        </p:nvSpPr>
+        <p:spPr>
+          <a:xfrm>
+            <a:off x="1676400" y="5922551"/>
+            <a:ext cx="6433930" cy="369332"/>
+          </a:xfrm>
+          <a:prstGeom prst="rect">
+            <a:avLst/>
+          </a:prstGeom>
+          <a:noFill/>
+        </p:spPr>
+        <p:txBody>
+          <a:bodyPr wrap="square" rtlCol="0">
+            <a:spAutoFit/>
+          </a:bodyPr>
+          <a:lstStyle/>
+          <a:p>
+            <a:r>
+              <a:rPr lang="en-IN" dirty="0"/>
+              <a:t> </a:t>
+            </a:r>
+            <a:r>
+              <a:rPr lang="en-IN" b="1" dirty="0"/>
+              <a:t>Team</a:t>
+            </a:r>
+            <a:r>
+              <a:rPr lang="en-IN" dirty="0"/>
+              <a:t> </a:t>
+            </a:r>
+            <a:r>
+              <a:rPr lang="en-IN" b="1" dirty="0"/>
+              <a:t>Unplugged Techies</a:t>
+            </a:r>
+          </a:p>
+        </p:txBody>
+      </p:sp>
+    </p:spTree>
+    <p:extLst>
+      <p:ext uri="{BB962C8B-B14F-4D97-AF65-F5344CB8AC3E}">
+        <p14:creationId xmlns:p14="http://schemas.microsoft.com/office/powerpoint/2010/main" val="2441678090"/>
       </p:ext>
     </p:extLst>
   </p:cSld>

--- a/ParkUrWheels PPT.pptx
+++ b/ParkUrWheels PPT.pptx
@@ -10748,7 +10748,11 @@
           <a:lstStyle/>
           <a:p>
             <a:r>
-              <a:rPr lang="en-IN" dirty="0"/>
+              <a:rPr lang="en-IN" dirty="0">
+                <a:solidFill>
+                  <a:srgbClr val="0070C0"/>
+                </a:solidFill>
+              </a:rPr>
               <a:t>Team Members</a:t>
             </a:r>
           </a:p>
@@ -10782,7 +10786,7 @@
             <a:r>
               <a:rPr lang="en-IN" dirty="0">
                 <a:solidFill>
-                  <a:schemeClr val="tx1"/>
+                  <a:srgbClr val="0070C0"/>
                 </a:solidFill>
                 <a:latin typeface="Times New Roman" panose="02020603050405020304" pitchFamily="18" charset="0"/>
                 <a:cs typeface="Times New Roman" panose="02020603050405020304" pitchFamily="18" charset="0"/>
@@ -10798,7 +10802,7 @@
             <a:r>
               <a:rPr lang="en-IN" dirty="0">
                 <a:solidFill>
-                  <a:schemeClr val="tx1"/>
+                  <a:srgbClr val="0070C0"/>
                 </a:solidFill>
                 <a:latin typeface="Times New Roman" panose="02020603050405020304" pitchFamily="18" charset="0"/>
                 <a:cs typeface="Times New Roman" panose="02020603050405020304" pitchFamily="18" charset="0"/>
@@ -10814,7 +10818,7 @@
             <a:r>
               <a:rPr lang="en-IN" dirty="0">
                 <a:solidFill>
-                  <a:schemeClr val="tx1"/>
+                  <a:srgbClr val="0070C0"/>
                 </a:solidFill>
                 <a:latin typeface="Times New Roman" panose="02020603050405020304" pitchFamily="18" charset="0"/>
                 <a:cs typeface="Times New Roman" panose="02020603050405020304" pitchFamily="18" charset="0"/>
@@ -10830,7 +10834,7 @@
             <a:r>
               <a:rPr lang="en-IN" dirty="0">
                 <a:solidFill>
-                  <a:schemeClr val="tx1"/>
+                  <a:srgbClr val="0070C0"/>
                 </a:solidFill>
                 <a:latin typeface="Times New Roman" panose="02020603050405020304" pitchFamily="18" charset="0"/>
                 <a:cs typeface="Times New Roman" panose="02020603050405020304" pitchFamily="18" charset="0"/>
@@ -10846,7 +10850,7 @@
             <a:r>
               <a:rPr lang="en-IN" dirty="0">
                 <a:solidFill>
-                  <a:schemeClr val="tx1"/>
+                  <a:srgbClr val="0070C0"/>
                 </a:solidFill>
                 <a:latin typeface="Times New Roman" panose="02020603050405020304" pitchFamily="18" charset="0"/>
                 <a:cs typeface="Times New Roman" panose="02020603050405020304" pitchFamily="18" charset="0"/>
@@ -11078,8 +11082,12 @@
           <a:lstStyle/>
           <a:p>
             <a:r>
-              <a:rPr lang="en-IN" dirty="0"/>
-              <a:t>Why ParkMyWheels </a:t>
+              <a:rPr lang="en-IN" dirty="0">
+                <a:solidFill>
+                  <a:srgbClr val="0070C0"/>
+                </a:solidFill>
+              </a:rPr>
+              <a:t>Why ParkUrWheels </a:t>
             </a:r>
           </a:p>
         </p:txBody>
@@ -11412,7 +11420,11 @@
           <a:lstStyle/>
           <a:p>
             <a:r>
-              <a:rPr lang="en-IN" dirty="0"/>
+              <a:rPr lang="en-IN" dirty="0">
+                <a:solidFill>
+                  <a:srgbClr val="0070C0"/>
+                </a:solidFill>
+              </a:rPr>
               <a:t>ParkUrWheels Features</a:t>
             </a:r>
           </a:p>
@@ -11910,7 +11922,11 @@
           <a:lstStyle/>
           <a:p>
             <a:r>
-              <a:rPr lang="en-IN" dirty="0"/>
+              <a:rPr lang="en-IN" dirty="0">
+                <a:solidFill>
+                  <a:srgbClr val="0070C0"/>
+                </a:solidFill>
+              </a:rPr>
               <a:t>System Design</a:t>
             </a:r>
           </a:p>
@@ -12527,12 +12543,9 @@
           <a:lstStyle/>
           <a:p>
             <a:r>
-              <a:rPr lang="en-US" sz="6000">
+              <a:rPr lang="en-US" sz="6000" dirty="0">
                 <a:solidFill>
-                  <a:schemeClr val="tx1">
-                    <a:lumMod val="85000"/>
-                    <a:lumOff val="15000"/>
-                  </a:schemeClr>
+                  <a:srgbClr val="0070C0"/>
                 </a:solidFill>
               </a:rPr>
               <a:t>Parking Sensors</a:t>
@@ -12939,7 +12952,11 @@
           <a:lstStyle/>
           <a:p>
             <a:r>
-              <a:rPr lang="en-IN" dirty="0"/>
+              <a:rPr lang="en-IN" dirty="0">
+                <a:solidFill>
+                  <a:srgbClr val="0070C0"/>
+                </a:solidFill>
+              </a:rPr>
               <a:t>Parking Sensors</a:t>
             </a:r>
           </a:p>
@@ -13328,7 +13345,11 @@
           <a:lstStyle/>
           <a:p>
             <a:r>
-              <a:rPr lang="en-IN" dirty="0"/>
+              <a:rPr lang="en-IN" dirty="0">
+                <a:solidFill>
+                  <a:srgbClr val="0070C0"/>
+                </a:solidFill>
+              </a:rPr>
               <a:t>Sensor Mechanism</a:t>
             </a:r>
           </a:p>
